--- a/Operations Research.pptx
+++ b/Operations Research.pptx
@@ -5,19 +5,28 @@
     <p:sldMasterId id="2147483648" r:id="rId1"/>
   </p:sldMasterIdLst>
   <p:notesMasterIdLst>
-    <p:notesMasterId r:id="rId9"/>
+    <p:notesMasterId r:id="rId18"/>
   </p:notesMasterIdLst>
   <p:handoutMasterIdLst>
-    <p:handoutMasterId r:id="rId10"/>
+    <p:handoutMasterId r:id="rId19"/>
   </p:handoutMasterIdLst>
   <p:sldIdLst>
     <p:sldId id="257" r:id="rId2"/>
     <p:sldId id="258" r:id="rId3"/>
     <p:sldId id="259" r:id="rId4"/>
-    <p:sldId id="260" r:id="rId5"/>
-    <p:sldId id="261" r:id="rId6"/>
-    <p:sldId id="262" r:id="rId7"/>
-    <p:sldId id="263" r:id="rId8"/>
+    <p:sldId id="265" r:id="rId5"/>
+    <p:sldId id="266" r:id="rId6"/>
+    <p:sldId id="267" r:id="rId7"/>
+    <p:sldId id="268" r:id="rId8"/>
+    <p:sldId id="269" r:id="rId9"/>
+    <p:sldId id="270" r:id="rId10"/>
+    <p:sldId id="271" r:id="rId11"/>
+    <p:sldId id="272" r:id="rId12"/>
+    <p:sldId id="273" r:id="rId13"/>
+    <p:sldId id="274" r:id="rId14"/>
+    <p:sldId id="275" r:id="rId15"/>
+    <p:sldId id="276" r:id="rId16"/>
+    <p:sldId id="263" r:id="rId17"/>
   </p:sldIdLst>
   <p:sldSz cx="12192000" cy="6858000"/>
   <p:notesSz cx="6858000" cy="9144000"/>
@@ -128,21 +137,30 @@
         <p14:section name="Part 1: Problem Framing: Black-Box Simulation Optimization" id="{8683B296-63A4-44B3-A69A-6ED38BD2616A}">
           <p14:sldIdLst>
             <p14:sldId id="259"/>
+            <p14:sldId id="265"/>
+            <p14:sldId id="266"/>
           </p14:sldIdLst>
         </p14:section>
         <p14:section name="Part 2: Core OR challenge: optimizing under noise and limited budget" id="{83F3F71D-ACEB-462A-8F9B-DA73417E4CED}">
           <p14:sldIdLst>
-            <p14:sldId id="260"/>
+            <p14:sldId id="267"/>
+            <p14:sldId id="268"/>
+            <p14:sldId id="269"/>
           </p14:sldIdLst>
         </p14:section>
         <p14:section name="Part 3: Demonstration: optimization through simulation" id="{9ECDE5F2-DEEC-4FFA-B398-3C0546F77280}">
           <p14:sldIdLst>
-            <p14:sldId id="261"/>
+            <p14:sldId id="270"/>
+            <p14:sldId id="271"/>
+            <p14:sldId id="272"/>
           </p14:sldIdLst>
         </p14:section>
         <p14:section name="Part 4: Implications: applications and key takeaways" id="{9CCA7B6F-DCCF-42BE-9291-75CB4C7F03FA}">
           <p14:sldIdLst>
-            <p14:sldId id="262"/>
+            <p14:sldId id="273"/>
+            <p14:sldId id="274"/>
+            <p14:sldId id="275"/>
+            <p14:sldId id="276"/>
           </p14:sldIdLst>
         </p14:section>
         <p14:section name="Part 5: Thank you and questions" id="{0ABCD72E-AF0D-404B-9FED-13CEBBEBF61A}">
@@ -253,7 +271,7 @@
           <a:p>
             <a:fld id="{389A3F73-276D-4D06-A959-F6C1EBE6FB8D}" type="datetimeFigureOut">
               <a:rPr lang="en-US" smtClean="0"/>
-              <a:t>17-Dec-25</a:t>
+              <a:t>23-Dec-25</a:t>
             </a:fld>
             <a:endParaRPr lang="en-US"/>
           </a:p>
@@ -430,7 +448,7 @@
           <a:p>
             <a:fld id="{A54A7B33-C2DF-4645-9AC7-920809017164}" type="datetimeFigureOut">
               <a:rPr lang="en-US" smtClean="0"/>
-              <a:t>17-Dec-25</a:t>
+              <a:t>23-Dec-25</a:t>
             </a:fld>
             <a:endParaRPr lang="en-US"/>
           </a:p>
@@ -844,7 +862,7 @@
           <a:p>
             <a:fld id="{2CB393B5-1469-4001-9C5D-FEE416E463A0}" type="datetimeFigureOut">
               <a:rPr lang="en-US" smtClean="0"/>
-              <a:t>17-Dec-25</a:t>
+              <a:t>23-Dec-25</a:t>
             </a:fld>
             <a:endParaRPr lang="en-US"/>
           </a:p>
@@ -1042,7 +1060,7 @@
           <a:p>
             <a:fld id="{2CB393B5-1469-4001-9C5D-FEE416E463A0}" type="datetimeFigureOut">
               <a:rPr lang="en-US" smtClean="0"/>
-              <a:t>17-Dec-25</a:t>
+              <a:t>23-Dec-25</a:t>
             </a:fld>
             <a:endParaRPr lang="en-US"/>
           </a:p>
@@ -1250,7 +1268,7 @@
           <a:p>
             <a:fld id="{2CB393B5-1469-4001-9C5D-FEE416E463A0}" type="datetimeFigureOut">
               <a:rPr lang="en-US" smtClean="0"/>
-              <a:t>17-Dec-25</a:t>
+              <a:t>23-Dec-25</a:t>
             </a:fld>
             <a:endParaRPr lang="en-US"/>
           </a:p>
@@ -1448,7 +1466,7 @@
           <a:p>
             <a:fld id="{2CB393B5-1469-4001-9C5D-FEE416E463A0}" type="datetimeFigureOut">
               <a:rPr lang="en-US" smtClean="0"/>
-              <a:t>17-Dec-25</a:t>
+              <a:t>23-Dec-25</a:t>
             </a:fld>
             <a:endParaRPr lang="en-US"/>
           </a:p>
@@ -1723,7 +1741,7 @@
           <a:p>
             <a:fld id="{2CB393B5-1469-4001-9C5D-FEE416E463A0}" type="datetimeFigureOut">
               <a:rPr lang="en-US" smtClean="0"/>
-              <a:t>17-Dec-25</a:t>
+              <a:t>23-Dec-25</a:t>
             </a:fld>
             <a:endParaRPr lang="en-US"/>
           </a:p>
@@ -1988,7 +2006,7 @@
           <a:p>
             <a:fld id="{2CB393B5-1469-4001-9C5D-FEE416E463A0}" type="datetimeFigureOut">
               <a:rPr lang="en-US" smtClean="0"/>
-              <a:t>17-Dec-25</a:t>
+              <a:t>23-Dec-25</a:t>
             </a:fld>
             <a:endParaRPr lang="en-US"/>
           </a:p>
@@ -2400,7 +2418,7 @@
           <a:p>
             <a:fld id="{2CB393B5-1469-4001-9C5D-FEE416E463A0}" type="datetimeFigureOut">
               <a:rPr lang="en-US" smtClean="0"/>
-              <a:t>17-Dec-25</a:t>
+              <a:t>23-Dec-25</a:t>
             </a:fld>
             <a:endParaRPr lang="en-US"/>
           </a:p>
@@ -2541,7 +2559,7 @@
           <a:p>
             <a:fld id="{2CB393B5-1469-4001-9C5D-FEE416E463A0}" type="datetimeFigureOut">
               <a:rPr lang="en-US" smtClean="0"/>
-              <a:t>17-Dec-25</a:t>
+              <a:t>23-Dec-25</a:t>
             </a:fld>
             <a:endParaRPr lang="en-US"/>
           </a:p>
@@ -2654,7 +2672,7 @@
           <a:p>
             <a:fld id="{2CB393B5-1469-4001-9C5D-FEE416E463A0}" type="datetimeFigureOut">
               <a:rPr lang="en-US" smtClean="0"/>
-              <a:t>17-Dec-25</a:t>
+              <a:t>23-Dec-25</a:t>
             </a:fld>
             <a:endParaRPr lang="en-US"/>
           </a:p>
@@ -2965,7 +2983,7 @@
           <a:p>
             <a:fld id="{2CB393B5-1469-4001-9C5D-FEE416E463A0}" type="datetimeFigureOut">
               <a:rPr lang="en-US" smtClean="0"/>
-              <a:t>17-Dec-25</a:t>
+              <a:t>23-Dec-25</a:t>
             </a:fld>
             <a:endParaRPr lang="en-US"/>
           </a:p>
@@ -3253,7 +3271,7 @@
           <a:p>
             <a:fld id="{2CB393B5-1469-4001-9C5D-FEE416E463A0}" type="datetimeFigureOut">
               <a:rPr lang="en-US" smtClean="0"/>
-              <a:t>17-Dec-25</a:t>
+              <a:t>23-Dec-25</a:t>
             </a:fld>
             <a:endParaRPr lang="en-US"/>
           </a:p>
@@ -3494,7 +3512,7 @@
           <a:p>
             <a:fld id="{2CB393B5-1469-4001-9C5D-FEE416E463A0}" type="datetimeFigureOut">
               <a:rPr lang="en-US" smtClean="0"/>
-              <a:t>17-Dec-25</a:t>
+              <a:t>23-Dec-25</a:t>
             </a:fld>
             <a:endParaRPr lang="en-US"/>
           </a:p>
@@ -3902,14 +3920,14 @@
         <a:gradFill flip="none" rotWithShape="1">
           <a:gsLst>
             <a:gs pos="20000">
-              <a:schemeClr val="bg2">
-                <a:lumMod val="25000"/>
+              <a:schemeClr val="bg1">
+                <a:lumMod val="95000"/>
               </a:schemeClr>
             </a:gs>
             <a:gs pos="78000">
               <a:schemeClr val="tx1">
-                <a:lumMod val="85000"/>
-                <a:lumOff val="15000"/>
+                <a:lumMod val="95000"/>
+                <a:lumOff val="5000"/>
               </a:schemeClr>
             </a:gs>
           </a:gsLst>
@@ -4458,9 +4476,7 @@
             <a:r>
               <a:rPr lang="en-US" sz="3600" b="1" dirty="0">
                 <a:solidFill>
-                  <a:schemeClr val="bg1">
-                    <a:lumMod val="75000"/>
-                  </a:schemeClr>
+                  <a:srgbClr val="EDEDED"/>
                 </a:solidFill>
                 <a:latin typeface="Inter" panose="02000503000000020004" pitchFamily="2" charset="0"/>
                 <a:ea typeface="Inter" panose="02000503000000020004" pitchFamily="2" charset="0"/>
@@ -4537,9 +4553,7 @@
             <a:r>
               <a:rPr lang="en-US" sz="1200" dirty="0">
                 <a:solidFill>
-                  <a:schemeClr val="bg1">
-                    <a:lumMod val="85000"/>
-                  </a:schemeClr>
+                  <a:srgbClr val="EDEDED"/>
                 </a:solidFill>
                 <a:latin typeface="Montserrat" pitchFamily="2" charset="0"/>
               </a:rPr>
@@ -4564,6 +4578,15 @@
             </a:endParaRPr>
           </a:p>
           <a:p>
+            <a:r>
+              <a:rPr lang="en-US" sz="1200" dirty="0">
+                <a:solidFill>
+                  <a:srgbClr val="EDEDED"/>
+                </a:solidFill>
+                <a:latin typeface="Montserrat" pitchFamily="2" charset="0"/>
+              </a:rPr>
+              <a:t>Supervised by Prof</a:t>
+            </a:r>
             <a:r>
               <a:rPr lang="en-US" sz="1200" dirty="0">
                 <a:solidFill>
@@ -4573,7 +4596,7 @@
                 </a:solidFill>
                 <a:latin typeface="Montserrat" pitchFamily="2" charset="0"/>
               </a:rPr>
-              <a:t>Supervised by Prof. </a:t>
+              <a:t>. </a:t>
             </a:r>
             <a:r>
               <a:rPr lang="en-US" sz="1200" dirty="0">
@@ -4610,7 +4633,7 @@
         <p:spPr>
           <a:xfrm>
             <a:off x="87809" y="3755543"/>
-            <a:ext cx="2367419" cy="1569660"/>
+            <a:ext cx="2367419" cy="1754326"/>
           </a:xfrm>
           <a:prstGeom prst="rect">
             <a:avLst/>
@@ -4626,9 +4649,7 @@
             <a:r>
               <a:rPr lang="en-US" sz="1200" dirty="0">
                 <a:solidFill>
-                  <a:schemeClr val="bg1">
-                    <a:lumMod val="85000"/>
-                  </a:schemeClr>
+                  <a:srgbClr val="EDEDED"/>
                 </a:solidFill>
                 <a:latin typeface="Montserrat" pitchFamily="2" charset="0"/>
               </a:rPr>
@@ -4652,29 +4673,12 @@
             <a:r>
               <a:rPr lang="en-US" sz="1200" dirty="0">
                 <a:solidFill>
-                  <a:schemeClr val="bg1">
-                    <a:lumMod val="85000"/>
-                  </a:schemeClr>
+                  <a:srgbClr val="EDEDED"/>
                 </a:solidFill>
                 <a:latin typeface="Montserrat" pitchFamily="2" charset="0"/>
               </a:rPr>
-              <a:t>Ahmad Zayed (</a:t>
-            </a:r>
-            <a:r>
-              <a:rPr lang="en-US" sz="1200" dirty="0">
-                <a:solidFill>
-                  <a:srgbClr val="D65D26"/>
-                </a:solidFill>
-                <a:latin typeface="Montserrat" pitchFamily="2" charset="0"/>
-              </a:rPr>
-              <a:t>221983</a:t>
-            </a:r>
-          </a:p>
-          <a:p>
-            <a:pPr marL="228600" indent="-228600">
-              <a:buFontTx/>
-              <a:buAutoNum type="arabicPeriod"/>
-            </a:pPr>
+              <a:t>Ahmad Zayed </a:t>
+            </a:r>
             <a:r>
               <a:rPr lang="en-US" sz="1200" dirty="0">
                 <a:solidFill>
@@ -4684,7 +4688,7 @@
                 </a:solidFill>
                 <a:latin typeface="Montserrat" pitchFamily="2" charset="0"/>
               </a:rPr>
-              <a:t>Tala Al-Akhras (</a:t>
+              <a:t>(</a:t>
             </a:r>
             <a:r>
               <a:rPr lang="en-US" sz="1200" dirty="0">
@@ -4693,7 +4697,7 @@
                 </a:solidFill>
                 <a:latin typeface="Montserrat" pitchFamily="2" charset="0"/>
               </a:rPr>
-              <a:t>231353</a:t>
+              <a:t>221005</a:t>
             </a:r>
             <a:r>
               <a:rPr lang="en-US" sz="1200" dirty="0">
@@ -4715,13 +4719,22 @@
             <a:r>
               <a:rPr lang="en-US" sz="1200" dirty="0">
                 <a:solidFill>
+                  <a:srgbClr val="EDEDED"/>
+                </a:solidFill>
+                <a:latin typeface="Montserrat" pitchFamily="2" charset="0"/>
+              </a:rPr>
+              <a:t>Tala Al-Akhras </a:t>
+            </a:r>
+            <a:r>
+              <a:rPr lang="en-US" sz="1200" dirty="0">
+                <a:solidFill>
                   <a:schemeClr val="bg1">
                     <a:lumMod val="85000"/>
                   </a:schemeClr>
                 </a:solidFill>
                 <a:latin typeface="Montserrat" pitchFamily="2" charset="0"/>
               </a:rPr>
-              <a:t>Faisal Naem (</a:t>
+              <a:t>(</a:t>
             </a:r>
             <a:r>
               <a:rPr lang="en-US" sz="1200" dirty="0">
@@ -4730,7 +4743,7 @@
                 </a:solidFill>
                 <a:latin typeface="Montserrat" pitchFamily="2" charset="0"/>
               </a:rPr>
-              <a:t>221983</a:t>
+              <a:t>231353</a:t>
             </a:r>
             <a:r>
               <a:rPr lang="en-US" sz="1200" dirty="0">
@@ -4752,13 +4765,22 @@
             <a:r>
               <a:rPr lang="en-US" sz="1200" dirty="0">
                 <a:solidFill>
+                  <a:srgbClr val="EDEDED"/>
+                </a:solidFill>
+                <a:latin typeface="Montserrat" pitchFamily="2" charset="0"/>
+              </a:rPr>
+              <a:t>Leen Joudeh</a:t>
+            </a:r>
+            <a:r>
+              <a:rPr lang="en-US" sz="1200" dirty="0">
+                <a:solidFill>
                   <a:schemeClr val="bg1">
                     <a:lumMod val="85000"/>
                   </a:schemeClr>
                 </a:solidFill>
                 <a:latin typeface="Montserrat" pitchFamily="2" charset="0"/>
               </a:rPr>
-              <a:t>Leen Joudeh(</a:t>
+              <a:t>(</a:t>
             </a:r>
             <a:r>
               <a:rPr lang="en-US" sz="1200" dirty="0">
@@ -4780,6 +4802,66 @@
               </a:rPr>
               <a:t>)</a:t>
             </a:r>
+          </a:p>
+          <a:p>
+            <a:pPr marL="228600" indent="-228600">
+              <a:buFontTx/>
+              <a:buAutoNum type="arabicPeriod"/>
+            </a:pPr>
+            <a:r>
+              <a:rPr lang="en-US" sz="1200" dirty="0">
+                <a:solidFill>
+                  <a:srgbClr val="EDEDED"/>
+                </a:solidFill>
+                <a:latin typeface="Montserrat" pitchFamily="2" charset="0"/>
+              </a:rPr>
+              <a:t>Faisal Naem </a:t>
+            </a:r>
+            <a:r>
+              <a:rPr lang="en-US" sz="1200" dirty="0">
+                <a:solidFill>
+                  <a:schemeClr val="bg1">
+                    <a:lumMod val="85000"/>
+                  </a:schemeClr>
+                </a:solidFill>
+                <a:latin typeface="Montserrat" pitchFamily="2" charset="0"/>
+              </a:rPr>
+              <a:t>(</a:t>
+            </a:r>
+            <a:r>
+              <a:rPr lang="en-US" sz="1200" dirty="0">
+                <a:solidFill>
+                  <a:srgbClr val="D65D26"/>
+                </a:solidFill>
+                <a:latin typeface="Montserrat" pitchFamily="2" charset="0"/>
+              </a:rPr>
+              <a:t>221983</a:t>
+            </a:r>
+            <a:r>
+              <a:rPr lang="en-US" sz="1200" dirty="0">
+                <a:solidFill>
+                  <a:schemeClr val="bg1">
+                    <a:lumMod val="85000"/>
+                  </a:schemeClr>
+                </a:solidFill>
+                <a:latin typeface="Montserrat" pitchFamily="2" charset="0"/>
+              </a:rPr>
+              <a:t>)</a:t>
+            </a:r>
+          </a:p>
+          <a:p>
+            <a:pPr marL="228600" indent="-228600">
+              <a:buFontTx/>
+              <a:buAutoNum type="arabicPeriod"/>
+            </a:pPr>
+            <a:endParaRPr lang="en-US" sz="1200" dirty="0">
+              <a:solidFill>
+                <a:schemeClr val="bg1">
+                  <a:lumMod val="85000"/>
+                </a:schemeClr>
+              </a:solidFill>
+              <a:latin typeface="Montserrat" pitchFamily="2" charset="0"/>
+            </a:endParaRPr>
           </a:p>
           <a:p>
             <a:endParaRPr lang="en-US" sz="1200" dirty="0">
@@ -4861,9 +4943,7 @@
             <a:r>
               <a:rPr lang="en-US" sz="1400" dirty="0">
                 <a:solidFill>
-                  <a:schemeClr val="bg1">
-                    <a:lumMod val="75000"/>
-                  </a:schemeClr>
+                  <a:srgbClr val="EDEDED"/>
                 </a:solidFill>
                 <a:latin typeface="Montserrat" pitchFamily="2" charset="0"/>
               </a:rPr>
@@ -4934,9 +5014,7 @@
             <a:r>
               <a:rPr lang="en-US" sz="1400" dirty="0">
                 <a:solidFill>
-                  <a:schemeClr val="bg1">
-                    <a:lumMod val="75000"/>
-                  </a:schemeClr>
+                  <a:srgbClr val="EDEDED"/>
                 </a:solidFill>
                 <a:latin typeface="Montserrat" pitchFamily="2" charset="0"/>
               </a:rPr>
@@ -5007,13 +5085,11 @@
             <a:r>
               <a:rPr lang="en-US" sz="1400" dirty="0">
                 <a:solidFill>
-                  <a:schemeClr val="bg1">
-                    <a:lumMod val="75000"/>
-                  </a:schemeClr>
+                  <a:srgbClr val="EDEDED"/>
                 </a:solidFill>
                 <a:latin typeface="Montserrat" pitchFamily="2" charset="0"/>
               </a:rPr>
-              <a:t>Demonstration:</a:t>
+              <a:t>Implications,</a:t>
             </a:r>
           </a:p>
           <a:p>
@@ -5021,13 +5097,11 @@
             <a:r>
               <a:rPr lang="en-US" sz="1400" dirty="0">
                 <a:solidFill>
-                  <a:schemeClr val="bg1">
-                    <a:lumMod val="75000"/>
-                  </a:schemeClr>
+                  <a:srgbClr val="EDEDED"/>
                 </a:solidFill>
                 <a:latin typeface="Montserrat" pitchFamily="2" charset="0"/>
               </a:rPr>
-              <a:t>optimization through simulation</a:t>
+              <a:t>Applications, and key takeaways</a:t>
             </a:r>
           </a:p>
         </p:txBody>
@@ -5094,13 +5168,11 @@
             <a:r>
               <a:rPr lang="en-US" sz="1400" dirty="0">
                 <a:solidFill>
-                  <a:schemeClr val="bg1">
-                    <a:lumMod val="75000"/>
-                  </a:schemeClr>
+                  <a:srgbClr val="EDEDED"/>
                 </a:solidFill>
                 <a:latin typeface="Montserrat" pitchFamily="2" charset="0"/>
               </a:rPr>
-              <a:t>Implications:</a:t>
+              <a:t>Demonstration:</a:t>
             </a:r>
           </a:p>
           <a:p>
@@ -5108,13 +5180,11 @@
             <a:r>
               <a:rPr lang="en-US" sz="1400" dirty="0">
                 <a:solidFill>
-                  <a:schemeClr val="bg1">
-                    <a:lumMod val="75000"/>
-                  </a:schemeClr>
+                  <a:srgbClr val="EDEDED"/>
                 </a:solidFill>
                 <a:latin typeface="Montserrat" pitchFamily="2" charset="0"/>
               </a:rPr>
-              <a:t>applications and key takeaways</a:t>
+              <a:t>optimization through simulation</a:t>
             </a:r>
           </a:p>
         </p:txBody>
@@ -5132,7 +5202,7 @@
 </p:sld>
 </file>
 
-<file path=ppt/slides/slide2.xml><?xml version="1.0" encoding="utf-8"?>
+<file path=ppt/slides/slide10.xml><?xml version="1.0" encoding="utf-8"?>
 <p:sld xmlns:a="http://schemas.openxmlformats.org/drawingml/2006/main" xmlns:r="http://schemas.openxmlformats.org/officeDocument/2006/relationships" xmlns:p="http://schemas.openxmlformats.org/presentationml/2006/main">
   <p:cSld>
     <p:bg>
@@ -5140,14 +5210,12 @@
         <a:gradFill flip="none" rotWithShape="1">
           <a:gsLst>
             <a:gs pos="20000">
-              <a:schemeClr val="bg2">
-                <a:lumMod val="25000"/>
-              </a:schemeClr>
+              <a:schemeClr val="bg1"/>
             </a:gs>
             <a:gs pos="78000">
               <a:schemeClr val="tx1">
-                <a:lumMod val="85000"/>
-                <a:lumOff val="15000"/>
+                <a:lumMod val="95000"/>
+                <a:lumOff val="5000"/>
               </a:schemeClr>
             </a:gs>
           </a:gsLst>
@@ -5164,7 +5232,7 @@
         <p:cNvPr id="1" name="">
           <a:extLst>
             <a:ext uri="{FF2B5EF4-FFF2-40B4-BE49-F238E27FC236}">
-              <a16:creationId xmlns:a16="http://schemas.microsoft.com/office/drawing/2014/main" id="{0533F697-EA32-8C84-20FE-B07A69138674}"/>
+              <a16:creationId xmlns:a16="http://schemas.microsoft.com/office/drawing/2014/main" id="{727C0439-4295-200D-F2DD-3D79F26479F0}"/>
             </a:ext>
           </a:extLst>
         </p:cNvPr>
@@ -5184,7 +5252,7 @@
           <p:cNvPr id="27" name="Picture 26">
             <a:extLst>
               <a:ext uri="{FF2B5EF4-FFF2-40B4-BE49-F238E27FC236}">
-                <a16:creationId xmlns:a16="http://schemas.microsoft.com/office/drawing/2014/main" id="{ED53A0A2-9EC3-189A-13AC-3C1CDF3A620F}"/>
+                <a16:creationId xmlns:a16="http://schemas.microsoft.com/office/drawing/2014/main" id="{E39B9C97-9482-4528-4C07-5128BB5DA7AC}"/>
               </a:ext>
             </a:extLst>
           </p:cNvPr>
@@ -5666,7 +5734,7 @@
           <p:cNvPr id="28" name="TextBox 27">
             <a:extLst>
               <a:ext uri="{FF2B5EF4-FFF2-40B4-BE49-F238E27FC236}">
-                <a16:creationId xmlns:a16="http://schemas.microsoft.com/office/drawing/2014/main" id="{B3006616-36DE-DE0D-250A-A0F1569D8DCB}"/>
+                <a16:creationId xmlns:a16="http://schemas.microsoft.com/office/drawing/2014/main" id="{840435CA-C1F9-BEC7-535D-BAA1F9CF1A8C}"/>
               </a:ext>
             </a:extLst>
           </p:cNvPr>
@@ -5675,8 +5743,8 @@
         </p:nvSpPr>
         <p:spPr>
           <a:xfrm>
-            <a:off x="-49048" y="332468"/>
-            <a:ext cx="6776647" cy="1200329"/>
+            <a:off x="-943651" y="133620"/>
+            <a:ext cx="6776647" cy="1754326"/>
           </a:xfrm>
           <a:prstGeom prst="rect">
             <a:avLst/>
@@ -5689,37 +5757,174 @@
           </a:bodyPr>
           <a:lstStyle/>
           <a:p>
-            <a:r>
-              <a:rPr lang="en-US" sz="3600" b="1" dirty="0">
+            <a:pPr algn="ctr"/>
+            <a:r>
+              <a:rPr lang="en-US" sz="3600" dirty="0">
                 <a:solidFill>
                   <a:srgbClr val="D65D26"/>
                 </a:solidFill>
                 <a:latin typeface="Inter" panose="02000503000000020004" pitchFamily="2" charset="0"/>
                 <a:ea typeface="Inter" panose="02000503000000020004" pitchFamily="2" charset="0"/>
               </a:rPr>
-              <a:t>An introduction </a:t>
-            </a:r>
-            <a:r>
-              <a:rPr lang="en-US" sz="3600" b="1" dirty="0">
+              <a:t>Part 3: </a:t>
+            </a:r>
+            <a:r>
+              <a:rPr lang="en-US" sz="3600" dirty="0">
                 <a:solidFill>
-                  <a:schemeClr val="bg1">
-                    <a:lumMod val="75000"/>
-                  </a:schemeClr>
+                  <a:srgbClr val="EDEDED"/>
                 </a:solidFill>
                 <a:latin typeface="Inter" panose="02000503000000020004" pitchFamily="2" charset="0"/>
                 <a:ea typeface="Inter" panose="02000503000000020004" pitchFamily="2" charset="0"/>
               </a:rPr>
-              <a:t>to Black-Box Simulation Optimization</a:t>
+              <a:t>Implications:</a:t>
+            </a:r>
+          </a:p>
+          <a:p>
+            <a:pPr algn="ctr"/>
+            <a:r>
+              <a:rPr lang="en-US" sz="3600" dirty="0">
+                <a:solidFill>
+                  <a:srgbClr val="EDEDED"/>
+                </a:solidFill>
+                <a:latin typeface="Inter" panose="02000503000000020004" pitchFamily="2" charset="0"/>
+                <a:ea typeface="Inter" panose="02000503000000020004" pitchFamily="2" charset="0"/>
+              </a:rPr>
+              <a:t>applications and key takeaways</a:t>
+            </a:r>
+          </a:p>
+        </p:txBody>
+      </p:sp>
+      <p:sp>
+        <p:nvSpPr>
+          <p:cNvPr id="2" name="TextBox 1">
+            <a:extLst>
+              <a:ext uri="{FF2B5EF4-FFF2-40B4-BE49-F238E27FC236}">
+                <a16:creationId xmlns:a16="http://schemas.microsoft.com/office/drawing/2014/main" id="{6AD907EA-C515-9A7A-F91F-9830C41B307D}"/>
+              </a:ext>
+            </a:extLst>
+          </p:cNvPr>
+          <p:cNvSpPr txBox="1"/>
+          <p:nvPr/>
+        </p:nvSpPr>
+        <p:spPr>
+          <a:xfrm>
+            <a:off x="314122" y="2518389"/>
+            <a:ext cx="3692036" cy="400110"/>
+          </a:xfrm>
+          <a:prstGeom prst="rect">
+            <a:avLst/>
+          </a:prstGeom>
+          <a:noFill/>
+        </p:spPr>
+        <p:txBody>
+          <a:bodyPr wrap="none" rtlCol="0">
+            <a:spAutoFit/>
+          </a:bodyPr>
+          <a:lstStyle/>
+          <a:p>
+            <a:r>
+              <a:rPr lang="en-US" sz="2000" b="1" dirty="0">
+                <a:solidFill>
+                  <a:srgbClr val="D65D26"/>
+                </a:solidFill>
+                <a:latin typeface="Montserrat" pitchFamily="2" charset="0"/>
+                <a:ea typeface="Inter" panose="02000503000000020004" pitchFamily="2" charset="0"/>
+              </a:rPr>
+              <a:t>3.2</a:t>
+            </a:r>
+            <a:r>
+              <a:rPr lang="en-US" sz="2000" b="1" dirty="0">
+                <a:solidFill>
+                  <a:srgbClr val="EDEDED"/>
+                </a:solidFill>
+                <a:latin typeface="Montserrat" pitchFamily="2" charset="0"/>
+                <a:ea typeface="Inter" panose="02000503000000020004" pitchFamily="2" charset="0"/>
+              </a:rPr>
+              <a:t> Multi-Objective Reality</a:t>
+            </a:r>
+          </a:p>
+        </p:txBody>
+      </p:sp>
+      <p:sp>
+        <p:nvSpPr>
+          <p:cNvPr id="3" name="TextBox 2">
+            <a:extLst>
+              <a:ext uri="{FF2B5EF4-FFF2-40B4-BE49-F238E27FC236}">
+                <a16:creationId xmlns:a16="http://schemas.microsoft.com/office/drawing/2014/main" id="{F27A8E29-DAB3-F1FB-E326-EF4601239A97}"/>
+              </a:ext>
+            </a:extLst>
+          </p:cNvPr>
+          <p:cNvSpPr txBox="1"/>
+          <p:nvPr/>
+        </p:nvSpPr>
+        <p:spPr>
+          <a:xfrm>
+            <a:off x="279595" y="3518164"/>
+            <a:ext cx="3555782" cy="923330"/>
+          </a:xfrm>
+          <a:prstGeom prst="rect">
+            <a:avLst/>
+          </a:prstGeom>
+          <a:noFill/>
+        </p:spPr>
+        <p:txBody>
+          <a:bodyPr wrap="none" rtlCol="0">
+            <a:spAutoFit/>
+          </a:bodyPr>
+          <a:lstStyle/>
+          <a:p>
+            <a:pPr marL="285750" indent="-285750">
+              <a:buFontTx/>
+              <a:buChar char="-"/>
+            </a:pPr>
+            <a:r>
+              <a:rPr lang="en-US" dirty="0">
+                <a:solidFill>
+                  <a:srgbClr val="EDEDED"/>
+                </a:solidFill>
+                <a:latin typeface="Montserrat" pitchFamily="2" charset="0"/>
+              </a:rPr>
+              <a:t>Conflicting objectives</a:t>
+            </a:r>
+          </a:p>
+          <a:p>
+            <a:pPr marL="285750" indent="-285750">
+              <a:buFontTx/>
+              <a:buChar char="-"/>
+            </a:pPr>
+            <a:r>
+              <a:rPr lang="en-US" dirty="0">
+                <a:solidFill>
+                  <a:srgbClr val="EDEDED"/>
+                </a:solidFill>
+                <a:latin typeface="Montserrat" pitchFamily="2" charset="0"/>
+              </a:rPr>
+              <a:t>No single best solution</a:t>
+            </a:r>
+          </a:p>
+          <a:p>
+            <a:pPr marL="285750" indent="-285750">
+              <a:buFontTx/>
+              <a:buChar char="-"/>
+            </a:pPr>
+            <a:r>
+              <a:rPr lang="en-US" dirty="0">
+                <a:solidFill>
+                  <a:srgbClr val="EDEDED"/>
+                </a:solidFill>
+                <a:latin typeface="Montserrat" pitchFamily="2" charset="0"/>
+              </a:rPr>
+              <a:t>Trade-offs are unavoidable</a:t>
             </a:r>
           </a:p>
         </p:txBody>
       </p:sp>
       <p:pic>
         <p:nvPicPr>
-          <p:cNvPr id="3" name="Picture 2">
+          <p:cNvPr id="4" name="Picture 3">
             <a:extLst>
               <a:ext uri="{FF2B5EF4-FFF2-40B4-BE49-F238E27FC236}">
-                <a16:creationId xmlns:a16="http://schemas.microsoft.com/office/drawing/2014/main" id="{447079AD-0F79-D2A7-962A-0114B281A96F}"/>
+                <a16:creationId xmlns:a16="http://schemas.microsoft.com/office/drawing/2014/main" id="{38244557-E8A2-F8CA-744F-9CB963471CD9}"/>
               </a:ext>
             </a:extLst>
           </p:cNvPr>
@@ -5742,662 +5947,28 @@
         </p:blipFill>
         <p:spPr>
           <a:xfrm>
-            <a:off x="-3702747" y="-97408"/>
-            <a:ext cx="2136272" cy="2216383"/>
+            <a:off x="279595" y="4970054"/>
+            <a:ext cx="1690916" cy="1754326"/>
           </a:xfrm>
           <a:prstGeom prst="rect">
             <a:avLst/>
           </a:prstGeom>
         </p:spPr>
       </p:pic>
-      <p:sp>
-        <p:nvSpPr>
-          <p:cNvPr id="7" name="TextBox 6">
-            <a:extLst>
-              <a:ext uri="{FF2B5EF4-FFF2-40B4-BE49-F238E27FC236}">
-                <a16:creationId xmlns:a16="http://schemas.microsoft.com/office/drawing/2014/main" id="{486260EA-F671-205F-4033-66F045FFEEA9}"/>
-              </a:ext>
-            </a:extLst>
-          </p:cNvPr>
-          <p:cNvSpPr txBox="1"/>
-          <p:nvPr/>
-        </p:nvSpPr>
-        <p:spPr>
-          <a:xfrm>
-            <a:off x="-3702747" y="5657671"/>
-            <a:ext cx="2367419" cy="1200329"/>
-          </a:xfrm>
-          <a:prstGeom prst="rect">
-            <a:avLst/>
-          </a:prstGeom>
-          <a:noFill/>
-        </p:spPr>
-        <p:txBody>
-          <a:bodyPr wrap="square" rtlCol="0">
-            <a:spAutoFit/>
-          </a:bodyPr>
-          <a:lstStyle/>
-          <a:p>
-            <a:r>
-              <a:rPr lang="en-US" sz="1200" dirty="0">
-                <a:solidFill>
-                  <a:schemeClr val="bg1">
-                    <a:lumMod val="85000"/>
-                  </a:schemeClr>
-                </a:solidFill>
-                <a:latin typeface="Montserrat" pitchFamily="2" charset="0"/>
-              </a:rPr>
-              <a:t>A project made for </a:t>
-            </a:r>
-            <a:r>
-              <a:rPr lang="en-US" sz="1200" dirty="0">
-                <a:solidFill>
-                  <a:srgbClr val="D65D26"/>
-                </a:solidFill>
-                <a:latin typeface="Montserrat" pitchFamily="2" charset="0"/>
-              </a:rPr>
-              <a:t>Operations Research</a:t>
-            </a:r>
-          </a:p>
-          <a:p>
-            <a:endParaRPr lang="en-US" sz="1200" dirty="0">
-              <a:solidFill>
-                <a:srgbClr val="D65D26"/>
-              </a:solidFill>
-              <a:latin typeface="Montserrat" pitchFamily="2" charset="0"/>
-            </a:endParaRPr>
-          </a:p>
-          <a:p>
-            <a:r>
-              <a:rPr lang="en-US" sz="1200" dirty="0">
-                <a:solidFill>
-                  <a:schemeClr val="bg1">
-                    <a:lumMod val="85000"/>
-                  </a:schemeClr>
-                </a:solidFill>
-                <a:latin typeface="Montserrat" pitchFamily="2" charset="0"/>
-              </a:rPr>
-              <a:t>Supervised by Prof. </a:t>
-            </a:r>
-            <a:r>
-              <a:rPr lang="en-US" sz="1200" dirty="0">
-                <a:solidFill>
-                  <a:srgbClr val="D65D26"/>
-                </a:solidFill>
-                <a:latin typeface="Montserrat" pitchFamily="2" charset="0"/>
-              </a:rPr>
-              <a:t>Marwa Jaradat</a:t>
-            </a:r>
-          </a:p>
-          <a:p>
-            <a:endParaRPr lang="en-US" sz="1200" dirty="0">
-              <a:solidFill>
-                <a:srgbClr val="D65D26"/>
-              </a:solidFill>
-              <a:latin typeface="Montserrat" pitchFamily="2" charset="0"/>
-            </a:endParaRPr>
-          </a:p>
-        </p:txBody>
-      </p:sp>
-      <p:sp>
-        <p:nvSpPr>
-          <p:cNvPr id="6" name="TextBox 5">
-            <a:extLst>
-              <a:ext uri="{FF2B5EF4-FFF2-40B4-BE49-F238E27FC236}">
-                <a16:creationId xmlns:a16="http://schemas.microsoft.com/office/drawing/2014/main" id="{414FF92C-D765-A31A-306D-0F0D964907C5}"/>
-              </a:ext>
-            </a:extLst>
-          </p:cNvPr>
-          <p:cNvSpPr txBox="1"/>
-          <p:nvPr/>
-        </p:nvSpPr>
-        <p:spPr>
-          <a:xfrm>
-            <a:off x="-3702747" y="3429000"/>
-            <a:ext cx="2367419" cy="1569660"/>
-          </a:xfrm>
-          <a:prstGeom prst="rect">
-            <a:avLst/>
-          </a:prstGeom>
-          <a:noFill/>
-        </p:spPr>
-        <p:txBody>
-          <a:bodyPr wrap="square" rtlCol="0">
-            <a:spAutoFit/>
-          </a:bodyPr>
-          <a:lstStyle/>
-          <a:p>
-            <a:r>
-              <a:rPr lang="en-US" sz="1200" dirty="0">
-                <a:solidFill>
-                  <a:schemeClr val="bg1">
-                    <a:lumMod val="85000"/>
-                  </a:schemeClr>
-                </a:solidFill>
-                <a:latin typeface="Montserrat" pitchFamily="2" charset="0"/>
-              </a:rPr>
-              <a:t>Project made by:</a:t>
-            </a:r>
-          </a:p>
-          <a:p>
-            <a:endParaRPr lang="en-US" sz="1200" dirty="0">
-              <a:solidFill>
-                <a:schemeClr val="bg1">
-                  <a:lumMod val="85000"/>
-                </a:schemeClr>
-              </a:solidFill>
-              <a:latin typeface="Montserrat" pitchFamily="2" charset="0"/>
-            </a:endParaRPr>
-          </a:p>
-          <a:p>
-            <a:pPr marL="228600" indent="-228600">
-              <a:buAutoNum type="arabicPeriod"/>
-            </a:pPr>
-            <a:r>
-              <a:rPr lang="en-US" sz="1200" dirty="0">
-                <a:solidFill>
-                  <a:schemeClr val="bg1">
-                    <a:lumMod val="85000"/>
-                  </a:schemeClr>
-                </a:solidFill>
-                <a:latin typeface="Montserrat" pitchFamily="2" charset="0"/>
-              </a:rPr>
-              <a:t>Ahmad Zayed (</a:t>
-            </a:r>
-            <a:r>
-              <a:rPr lang="en-US" sz="1200" dirty="0">
-                <a:solidFill>
-                  <a:srgbClr val="D65D26"/>
-                </a:solidFill>
-                <a:latin typeface="Montserrat" pitchFamily="2" charset="0"/>
-              </a:rPr>
-              <a:t>221983</a:t>
-            </a:r>
-            <a:r>
-              <a:rPr lang="en-US" sz="1200" dirty="0">
-                <a:solidFill>
-                  <a:schemeClr val="bg1">
-                    <a:lumMod val="85000"/>
-                  </a:schemeClr>
-                </a:solidFill>
-                <a:latin typeface="Montserrat" pitchFamily="2" charset="0"/>
-              </a:rPr>
-              <a:t>)</a:t>
-            </a:r>
-          </a:p>
-          <a:p>
-            <a:pPr marL="228600" indent="-228600">
-              <a:buFontTx/>
-              <a:buAutoNum type="arabicPeriod"/>
-            </a:pPr>
-            <a:r>
-              <a:rPr lang="en-US" sz="1200" dirty="0">
-                <a:solidFill>
-                  <a:schemeClr val="bg1">
-                    <a:lumMod val="85000"/>
-                  </a:schemeClr>
-                </a:solidFill>
-                <a:latin typeface="Montserrat" pitchFamily="2" charset="0"/>
-              </a:rPr>
-              <a:t>Leen Joudeh(</a:t>
-            </a:r>
-            <a:r>
-              <a:rPr lang="en-US" sz="1200" dirty="0">
-                <a:solidFill>
-                  <a:srgbClr val="D65D26"/>
-                </a:solidFill>
-                <a:latin typeface="Montserrat" pitchFamily="2" charset="0"/>
-              </a:rPr>
-              <a:t>221952</a:t>
-            </a:r>
-            <a:r>
-              <a:rPr lang="en-US" sz="1200" dirty="0">
-                <a:solidFill>
-                  <a:schemeClr val="bg1">
-                    <a:lumMod val="85000"/>
-                  </a:schemeClr>
-                </a:solidFill>
-                <a:latin typeface="Montserrat" pitchFamily="2" charset="0"/>
-              </a:rPr>
-              <a:t>)</a:t>
-            </a:r>
-          </a:p>
-          <a:p>
-            <a:pPr marL="228600" indent="-228600">
-              <a:buAutoNum type="arabicPeriod"/>
-            </a:pPr>
-            <a:r>
-              <a:rPr lang="en-US" sz="1200" dirty="0">
-                <a:solidFill>
-                  <a:schemeClr val="bg1">
-                    <a:lumMod val="85000"/>
-                  </a:schemeClr>
-                </a:solidFill>
-                <a:latin typeface="Montserrat" pitchFamily="2" charset="0"/>
-              </a:rPr>
-              <a:t>Faisal Naem (</a:t>
-            </a:r>
-            <a:r>
-              <a:rPr lang="en-US" sz="1200" dirty="0">
-                <a:solidFill>
-                  <a:srgbClr val="D65D26"/>
-                </a:solidFill>
-                <a:latin typeface="Montserrat" pitchFamily="2" charset="0"/>
-              </a:rPr>
-              <a:t>221983</a:t>
-            </a:r>
-            <a:r>
-              <a:rPr lang="en-US" sz="1200" dirty="0">
-                <a:solidFill>
-                  <a:schemeClr val="bg1">
-                    <a:lumMod val="85000"/>
-                  </a:schemeClr>
-                </a:solidFill>
-                <a:latin typeface="Montserrat" pitchFamily="2" charset="0"/>
-              </a:rPr>
-              <a:t>)</a:t>
-            </a:r>
-          </a:p>
-          <a:p>
-            <a:pPr marL="228600" indent="-228600">
-              <a:buAutoNum type="arabicPeriod"/>
-            </a:pPr>
-            <a:r>
-              <a:rPr lang="en-US" sz="1200" dirty="0">
-                <a:solidFill>
-                  <a:schemeClr val="bg1">
-                    <a:lumMod val="85000"/>
-                  </a:schemeClr>
-                </a:solidFill>
-                <a:latin typeface="Montserrat" pitchFamily="2" charset="0"/>
-              </a:rPr>
-              <a:t>Tala Al-Akhras (</a:t>
-            </a:r>
-            <a:r>
-              <a:rPr lang="en-US" sz="1200" dirty="0">
-                <a:solidFill>
-                  <a:srgbClr val="D65D26"/>
-                </a:solidFill>
-                <a:latin typeface="Montserrat" pitchFamily="2" charset="0"/>
-              </a:rPr>
-              <a:t>231353</a:t>
-            </a:r>
-            <a:r>
-              <a:rPr lang="en-US" sz="1200" dirty="0">
-                <a:solidFill>
-                  <a:schemeClr val="bg1">
-                    <a:lumMod val="85000"/>
-                  </a:schemeClr>
-                </a:solidFill>
-                <a:latin typeface="Montserrat" pitchFamily="2" charset="0"/>
-              </a:rPr>
-              <a:t>)</a:t>
-            </a:r>
-          </a:p>
-          <a:p>
-            <a:endParaRPr lang="en-US" sz="1200" dirty="0">
-              <a:solidFill>
-                <a:srgbClr val="D65D26"/>
-              </a:solidFill>
-              <a:latin typeface="Montserrat" pitchFamily="2" charset="0"/>
-            </a:endParaRPr>
-          </a:p>
-          <a:p>
-            <a:endParaRPr lang="en-US" sz="1200" dirty="0">
-              <a:solidFill>
-                <a:srgbClr val="D65D26"/>
-              </a:solidFill>
-              <a:latin typeface="Montserrat" pitchFamily="2" charset="0"/>
-            </a:endParaRPr>
-          </a:p>
-        </p:txBody>
-      </p:sp>
-      <p:sp>
-        <p:nvSpPr>
-          <p:cNvPr id="4" name="Oval 3">
-            <a:extLst>
-              <a:ext uri="{FF2B5EF4-FFF2-40B4-BE49-F238E27FC236}">
-                <a16:creationId xmlns:a16="http://schemas.microsoft.com/office/drawing/2014/main" id="{0F2DF0FA-9BE9-D6B7-FF45-CBA1C3AEB8A0}"/>
-              </a:ext>
-            </a:extLst>
-          </p:cNvPr>
-          <p:cNvSpPr/>
-          <p:nvPr/>
-        </p:nvSpPr>
-        <p:spPr>
-          <a:xfrm>
-            <a:off x="558800" y="2452020"/>
-            <a:ext cx="2146300" cy="1975140"/>
-          </a:xfrm>
-          <a:prstGeom prst="ellipse">
-            <a:avLst/>
-          </a:prstGeom>
-          <a:solidFill>
-            <a:schemeClr val="bg2">
-              <a:lumMod val="25000"/>
-            </a:schemeClr>
-          </a:solidFill>
-          <a:ln>
-            <a:noFill/>
-          </a:ln>
-        </p:spPr>
-        <p:style>
-          <a:lnRef idx="2">
-            <a:schemeClr val="accent1">
-              <a:shade val="15000"/>
-            </a:schemeClr>
-          </a:lnRef>
-          <a:fillRef idx="1">
-            <a:schemeClr val="accent1"/>
-          </a:fillRef>
-          <a:effectRef idx="0">
-            <a:schemeClr val="accent1"/>
-          </a:effectRef>
-          <a:fontRef idx="minor">
-            <a:schemeClr val="lt1"/>
-          </a:fontRef>
-        </p:style>
-        <p:txBody>
-          <a:bodyPr rtlCol="0" anchor="ctr"/>
-          <a:lstStyle/>
-          <a:p>
-            <a:pPr algn="ctr"/>
-            <a:r>
-              <a:rPr lang="en-US" sz="1400" dirty="0">
-                <a:solidFill>
-                  <a:srgbClr val="D65D26"/>
-                </a:solidFill>
-                <a:latin typeface="Montserrat" pitchFamily="2" charset="0"/>
-              </a:rPr>
-              <a:t>Part 1: </a:t>
-            </a:r>
-            <a:r>
-              <a:rPr lang="en-US" sz="1400" dirty="0">
-                <a:solidFill>
-                  <a:schemeClr val="bg1">
-                    <a:lumMod val="75000"/>
-                  </a:schemeClr>
-                </a:solidFill>
-                <a:latin typeface="Montserrat" pitchFamily="2" charset="0"/>
-              </a:rPr>
-              <a:t>Problem Framing: Black-Box Simulation Optimization </a:t>
-            </a:r>
-          </a:p>
-        </p:txBody>
-      </p:sp>
-      <p:sp>
-        <p:nvSpPr>
-          <p:cNvPr id="8" name="Oval 7">
-            <a:extLst>
-              <a:ext uri="{FF2B5EF4-FFF2-40B4-BE49-F238E27FC236}">
-                <a16:creationId xmlns:a16="http://schemas.microsoft.com/office/drawing/2014/main" id="{E9257D52-8D1C-69CA-B943-AA70EDEB9090}"/>
-              </a:ext>
-            </a:extLst>
-          </p:cNvPr>
-          <p:cNvSpPr/>
-          <p:nvPr/>
-        </p:nvSpPr>
-        <p:spPr>
-          <a:xfrm>
-            <a:off x="3022600" y="2452020"/>
-            <a:ext cx="2247900" cy="1975140"/>
-          </a:xfrm>
-          <a:prstGeom prst="ellipse">
-            <a:avLst/>
-          </a:prstGeom>
-          <a:solidFill>
-            <a:schemeClr val="bg2">
-              <a:lumMod val="25000"/>
-            </a:schemeClr>
-          </a:solidFill>
-          <a:ln>
-            <a:noFill/>
-          </a:ln>
-        </p:spPr>
-        <p:style>
-          <a:lnRef idx="2">
-            <a:schemeClr val="accent1">
-              <a:shade val="15000"/>
-            </a:schemeClr>
-          </a:lnRef>
-          <a:fillRef idx="1">
-            <a:schemeClr val="accent1"/>
-          </a:fillRef>
-          <a:effectRef idx="0">
-            <a:schemeClr val="accent1"/>
-          </a:effectRef>
-          <a:fontRef idx="minor">
-            <a:schemeClr val="lt1"/>
-          </a:fontRef>
-        </p:style>
-        <p:txBody>
-          <a:bodyPr rtlCol="0" anchor="ctr"/>
-          <a:lstStyle/>
-          <a:p>
-            <a:pPr algn="ctr"/>
-            <a:r>
-              <a:rPr lang="en-US" sz="1400" dirty="0">
-                <a:solidFill>
-                  <a:srgbClr val="D65D26"/>
-                </a:solidFill>
-                <a:latin typeface="Montserrat" pitchFamily="2" charset="0"/>
-              </a:rPr>
-              <a:t>Part 2: </a:t>
-            </a:r>
-            <a:r>
-              <a:rPr lang="en-US" sz="1400" dirty="0">
-                <a:solidFill>
-                  <a:schemeClr val="bg1">
-                    <a:lumMod val="75000"/>
-                  </a:schemeClr>
-                </a:solidFill>
-                <a:latin typeface="Montserrat" pitchFamily="2" charset="0"/>
-              </a:rPr>
-              <a:t>Core OR challenge: optimizing under noise and limited budget</a:t>
-            </a:r>
-          </a:p>
-        </p:txBody>
-      </p:sp>
-      <p:sp>
-        <p:nvSpPr>
-          <p:cNvPr id="9" name="Oval 8">
-            <a:extLst>
-              <a:ext uri="{FF2B5EF4-FFF2-40B4-BE49-F238E27FC236}">
-                <a16:creationId xmlns:a16="http://schemas.microsoft.com/office/drawing/2014/main" id="{78A3FE18-768B-DA55-1E9F-672AEB1F663D}"/>
-              </a:ext>
-            </a:extLst>
-          </p:cNvPr>
-          <p:cNvSpPr/>
-          <p:nvPr/>
-        </p:nvSpPr>
-        <p:spPr>
-          <a:xfrm>
-            <a:off x="615122" y="4533900"/>
-            <a:ext cx="2242378" cy="2057971"/>
-          </a:xfrm>
-          <a:prstGeom prst="ellipse">
-            <a:avLst/>
-          </a:prstGeom>
-          <a:solidFill>
-            <a:schemeClr val="bg2">
-              <a:lumMod val="25000"/>
-            </a:schemeClr>
-          </a:solidFill>
-          <a:ln>
-            <a:noFill/>
-          </a:ln>
-        </p:spPr>
-        <p:style>
-          <a:lnRef idx="2">
-            <a:schemeClr val="accent1">
-              <a:shade val="15000"/>
-            </a:schemeClr>
-          </a:lnRef>
-          <a:fillRef idx="1">
-            <a:schemeClr val="accent1"/>
-          </a:fillRef>
-          <a:effectRef idx="0">
-            <a:schemeClr val="accent1"/>
-          </a:effectRef>
-          <a:fontRef idx="minor">
-            <a:schemeClr val="lt1"/>
-          </a:fontRef>
-        </p:style>
-        <p:txBody>
-          <a:bodyPr rtlCol="0" anchor="ctr"/>
-          <a:lstStyle/>
-          <a:p>
-            <a:pPr algn="ctr"/>
-            <a:r>
-              <a:rPr lang="en-US" sz="1400" dirty="0">
-                <a:solidFill>
-                  <a:srgbClr val="D65D26"/>
-                </a:solidFill>
-                <a:latin typeface="Montserrat" pitchFamily="2" charset="0"/>
-              </a:rPr>
-              <a:t>Part 3: </a:t>
-            </a:r>
-            <a:r>
-              <a:rPr lang="en-US" sz="1400" dirty="0">
-                <a:solidFill>
-                  <a:schemeClr val="bg1">
-                    <a:lumMod val="75000"/>
-                  </a:schemeClr>
-                </a:solidFill>
-                <a:latin typeface="Montserrat" pitchFamily="2" charset="0"/>
-              </a:rPr>
-              <a:t>Demonstration:</a:t>
-            </a:r>
-          </a:p>
-          <a:p>
-            <a:pPr algn="ctr"/>
-            <a:r>
-              <a:rPr lang="en-US" sz="1400" dirty="0">
-                <a:solidFill>
-                  <a:schemeClr val="bg1">
-                    <a:lumMod val="75000"/>
-                  </a:schemeClr>
-                </a:solidFill>
-                <a:latin typeface="Montserrat" pitchFamily="2" charset="0"/>
-              </a:rPr>
-              <a:t>optimization through simulation</a:t>
-            </a:r>
-          </a:p>
-        </p:txBody>
-      </p:sp>
-      <p:sp>
-        <p:nvSpPr>
-          <p:cNvPr id="14" name="Oval 13">
-            <a:extLst>
-              <a:ext uri="{FF2B5EF4-FFF2-40B4-BE49-F238E27FC236}">
-                <a16:creationId xmlns:a16="http://schemas.microsoft.com/office/drawing/2014/main" id="{3C9FE931-A27B-CAD7-0837-72918D0BBB3A}"/>
-              </a:ext>
-            </a:extLst>
-          </p:cNvPr>
-          <p:cNvSpPr/>
-          <p:nvPr/>
-        </p:nvSpPr>
-        <p:spPr>
-          <a:xfrm>
-            <a:off x="3028122" y="4533900"/>
-            <a:ext cx="2242378" cy="2057971"/>
-          </a:xfrm>
-          <a:prstGeom prst="ellipse">
-            <a:avLst/>
-          </a:prstGeom>
-          <a:solidFill>
-            <a:schemeClr val="bg2">
-              <a:lumMod val="25000"/>
-            </a:schemeClr>
-          </a:solidFill>
-          <a:ln>
-            <a:noFill/>
-          </a:ln>
-        </p:spPr>
-        <p:style>
-          <a:lnRef idx="2">
-            <a:schemeClr val="accent1">
-              <a:shade val="15000"/>
-            </a:schemeClr>
-          </a:lnRef>
-          <a:fillRef idx="1">
-            <a:schemeClr val="accent1"/>
-          </a:fillRef>
-          <a:effectRef idx="0">
-            <a:schemeClr val="accent1"/>
-          </a:effectRef>
-          <a:fontRef idx="minor">
-            <a:schemeClr val="lt1"/>
-          </a:fontRef>
-        </p:style>
-        <p:txBody>
-          <a:bodyPr rtlCol="0" anchor="ctr"/>
-          <a:lstStyle/>
-          <a:p>
-            <a:pPr algn="ctr"/>
-            <a:r>
-              <a:rPr lang="en-US" sz="1400" dirty="0">
-                <a:solidFill>
-                  <a:srgbClr val="D65D26"/>
-                </a:solidFill>
-                <a:latin typeface="Montserrat" pitchFamily="2" charset="0"/>
-              </a:rPr>
-              <a:t>Part 4: </a:t>
-            </a:r>
-            <a:r>
-              <a:rPr lang="en-US" sz="1400" dirty="0">
-                <a:solidFill>
-                  <a:schemeClr val="bg1">
-                    <a:lumMod val="75000"/>
-                  </a:schemeClr>
-                </a:solidFill>
-                <a:latin typeface="Montserrat" pitchFamily="2" charset="0"/>
-              </a:rPr>
-              <a:t>Implications:</a:t>
-            </a:r>
-          </a:p>
-          <a:p>
-            <a:pPr algn="ctr"/>
-            <a:r>
-              <a:rPr lang="en-US" sz="1400" dirty="0">
-                <a:solidFill>
-                  <a:schemeClr val="bg1">
-                    <a:lumMod val="75000"/>
-                  </a:schemeClr>
-                </a:solidFill>
-                <a:latin typeface="Montserrat" pitchFamily="2" charset="0"/>
-              </a:rPr>
-              <a:t>applications and key takeaways</a:t>
-            </a:r>
-          </a:p>
-        </p:txBody>
-      </p:sp>
     </p:spTree>
     <p:extLst>
       <p:ext uri="{BB962C8B-B14F-4D97-AF65-F5344CB8AC3E}">
-        <p14:creationId xmlns:p14="http://schemas.microsoft.com/office/powerpoint/2010/main" val="1327262048"/>
+        <p14:creationId xmlns:p14="http://schemas.microsoft.com/office/powerpoint/2010/main" val="130440953"/>
       </p:ext>
     </p:extLst>
   </p:cSld>
   <p:clrMapOvr>
     <a:masterClrMapping/>
   </p:clrMapOvr>
-  <mc:AlternateContent xmlns:mc="http://schemas.openxmlformats.org/markup-compatibility/2006">
-    <mc:Choice xmlns:p159="http://schemas.microsoft.com/office/powerpoint/2015/09/main" Requires="p159">
-      <p:transition xmlns:p14="http://schemas.microsoft.com/office/powerpoint/2010/main" spd="slow" p14:dur="2000">
-        <p159:morph option="byObject"/>
-      </p:transition>
-    </mc:Choice>
-    <mc:Fallback>
-      <p:transition spd="slow">
-        <p:fade/>
-      </p:transition>
-    </mc:Fallback>
-  </mc:AlternateContent>
 </p:sld>
 </file>
 
-<file path=ppt/slides/slide3.xml><?xml version="1.0" encoding="utf-8"?>
+<file path=ppt/slides/slide11.xml><?xml version="1.0" encoding="utf-8"?>
 <p:sld xmlns:a="http://schemas.openxmlformats.org/drawingml/2006/main" xmlns:r="http://schemas.openxmlformats.org/officeDocument/2006/relationships" xmlns:p="http://schemas.openxmlformats.org/presentationml/2006/main">
   <p:cSld>
     <p:bg>
@@ -6405,14 +5976,12 @@
         <a:gradFill flip="none" rotWithShape="1">
           <a:gsLst>
             <a:gs pos="20000">
-              <a:schemeClr val="bg2">
-                <a:lumMod val="25000"/>
-              </a:schemeClr>
+              <a:schemeClr val="bg1"/>
             </a:gs>
             <a:gs pos="78000">
               <a:schemeClr val="tx1">
-                <a:lumMod val="85000"/>
-                <a:lumOff val="15000"/>
+                <a:lumMod val="95000"/>
+                <a:lumOff val="5000"/>
               </a:schemeClr>
             </a:gs>
           </a:gsLst>
@@ -6429,7 +5998,7 @@
         <p:cNvPr id="1" name="">
           <a:extLst>
             <a:ext uri="{FF2B5EF4-FFF2-40B4-BE49-F238E27FC236}">
-              <a16:creationId xmlns:a16="http://schemas.microsoft.com/office/drawing/2014/main" id="{BD9FB8BF-6C59-E7DE-B5FF-BC2F51E84713}"/>
+              <a16:creationId xmlns:a16="http://schemas.microsoft.com/office/drawing/2014/main" id="{0A18F706-1D7F-EBCB-0A59-550F92FA5B2B}"/>
             </a:ext>
           </a:extLst>
         </p:cNvPr>
@@ -6449,7 +6018,7 @@
           <p:cNvPr id="27" name="Picture 26">
             <a:extLst>
               <a:ext uri="{FF2B5EF4-FFF2-40B4-BE49-F238E27FC236}">
-                <a16:creationId xmlns:a16="http://schemas.microsoft.com/office/drawing/2014/main" id="{40BC3011-C918-2796-0C7A-F36518FCE288}"/>
+                <a16:creationId xmlns:a16="http://schemas.microsoft.com/office/drawing/2014/main" id="{BB9CF89E-2441-71AC-5B28-06C5A3EA4A43}"/>
               </a:ext>
             </a:extLst>
           </p:cNvPr>
@@ -6931,7 +6500,7 @@
           <p:cNvPr id="28" name="TextBox 27">
             <a:extLst>
               <a:ext uri="{FF2B5EF4-FFF2-40B4-BE49-F238E27FC236}">
-                <a16:creationId xmlns:a16="http://schemas.microsoft.com/office/drawing/2014/main" id="{191AEC87-B80D-BE64-4641-27D97805C02A}"/>
+                <a16:creationId xmlns:a16="http://schemas.microsoft.com/office/drawing/2014/main" id="{B07DB981-96C9-428B-903F-47B96F04728C}"/>
               </a:ext>
             </a:extLst>
           </p:cNvPr>
@@ -6940,7 +6509,7 @@
         </p:nvSpPr>
         <p:spPr>
           <a:xfrm>
-            <a:off x="-683224" y="133620"/>
+            <a:off x="-943651" y="133620"/>
             <a:ext cx="6776647" cy="1754326"/>
           </a:xfrm>
           <a:prstGeom prst="rect">
@@ -6963,27 +6532,199 @@
                 <a:latin typeface="Inter" panose="02000503000000020004" pitchFamily="2" charset="0"/>
                 <a:ea typeface="Inter" panose="02000503000000020004" pitchFamily="2" charset="0"/>
               </a:rPr>
-              <a:t>Part 1: </a:t>
+              <a:t>Part 3: </a:t>
             </a:r>
             <a:r>
               <a:rPr lang="en-US" sz="3600" dirty="0">
                 <a:solidFill>
-                  <a:schemeClr val="bg1">
-                    <a:lumMod val="75000"/>
-                  </a:schemeClr>
+                  <a:srgbClr val="EDEDED"/>
                 </a:solidFill>
                 <a:latin typeface="Inter" panose="02000503000000020004" pitchFamily="2" charset="0"/>
                 <a:ea typeface="Inter" panose="02000503000000020004" pitchFamily="2" charset="0"/>
               </a:rPr>
-              <a:t>Problem Framing: Black-Box Simulation Optimization </a:t>
+              <a:t>Implications:</a:t>
+            </a:r>
+          </a:p>
+          <a:p>
+            <a:pPr algn="ctr"/>
+            <a:r>
+              <a:rPr lang="en-US" sz="3600" dirty="0">
+                <a:solidFill>
+                  <a:srgbClr val="EDEDED"/>
+                </a:solidFill>
+                <a:latin typeface="Inter" panose="02000503000000020004" pitchFamily="2" charset="0"/>
+                <a:ea typeface="Inter" panose="02000503000000020004" pitchFamily="2" charset="0"/>
+              </a:rPr>
+              <a:t>applications and key takeaways</a:t>
             </a:r>
           </a:p>
         </p:txBody>
       </p:sp>
+      <p:sp>
+        <p:nvSpPr>
+          <p:cNvPr id="2" name="TextBox 1">
+            <a:extLst>
+              <a:ext uri="{FF2B5EF4-FFF2-40B4-BE49-F238E27FC236}">
+                <a16:creationId xmlns:a16="http://schemas.microsoft.com/office/drawing/2014/main" id="{8C1AF7BA-C145-7A32-DD6C-D83BD4F453A1}"/>
+              </a:ext>
+            </a:extLst>
+          </p:cNvPr>
+          <p:cNvSpPr txBox="1"/>
+          <p:nvPr/>
+        </p:nvSpPr>
+        <p:spPr>
+          <a:xfrm>
+            <a:off x="314122" y="2518389"/>
+            <a:ext cx="4916731" cy="400110"/>
+          </a:xfrm>
+          <a:prstGeom prst="rect">
+            <a:avLst/>
+          </a:prstGeom>
+          <a:noFill/>
+        </p:spPr>
+        <p:txBody>
+          <a:bodyPr wrap="none" rtlCol="0">
+            <a:spAutoFit/>
+          </a:bodyPr>
+          <a:lstStyle/>
+          <a:p>
+            <a:r>
+              <a:rPr lang="en-US" sz="2000" b="1" dirty="0">
+                <a:solidFill>
+                  <a:srgbClr val="D65D26"/>
+                </a:solidFill>
+                <a:latin typeface="Montserrat" pitchFamily="2" charset="0"/>
+                <a:ea typeface="Inter" panose="02000503000000020004" pitchFamily="2" charset="0"/>
+              </a:rPr>
+              <a:t>3.3</a:t>
+            </a:r>
+            <a:r>
+              <a:rPr lang="en-US" sz="2000" b="1" dirty="0">
+                <a:solidFill>
+                  <a:srgbClr val="EDEDED"/>
+                </a:solidFill>
+                <a:latin typeface="Montserrat" pitchFamily="2" charset="0"/>
+                <a:ea typeface="Inter" panose="02000503000000020004" pitchFamily="2" charset="0"/>
+              </a:rPr>
+              <a:t> OR Takeaways and Applications</a:t>
+            </a:r>
+          </a:p>
+        </p:txBody>
+      </p:sp>
+      <p:sp>
+        <p:nvSpPr>
+          <p:cNvPr id="3" name="TextBox 2">
+            <a:extLst>
+              <a:ext uri="{FF2B5EF4-FFF2-40B4-BE49-F238E27FC236}">
+                <a16:creationId xmlns:a16="http://schemas.microsoft.com/office/drawing/2014/main" id="{8A662D01-31B2-9C5C-8D8E-9E6D55614FAF}"/>
+              </a:ext>
+            </a:extLst>
+          </p:cNvPr>
+          <p:cNvSpPr txBox="1"/>
+          <p:nvPr/>
+        </p:nvSpPr>
+        <p:spPr>
+          <a:xfrm>
+            <a:off x="279595" y="3518164"/>
+            <a:ext cx="4604146" cy="923330"/>
+          </a:xfrm>
+          <a:prstGeom prst="rect">
+            <a:avLst/>
+          </a:prstGeom>
+          <a:noFill/>
+        </p:spPr>
+        <p:txBody>
+          <a:bodyPr wrap="none" rtlCol="0">
+            <a:spAutoFit/>
+          </a:bodyPr>
+          <a:lstStyle/>
+          <a:p>
+            <a:pPr marL="285750" indent="-285750">
+              <a:buFontTx/>
+              <a:buChar char="-"/>
+            </a:pPr>
+            <a:r>
+              <a:rPr lang="en-US" dirty="0">
+                <a:solidFill>
+                  <a:srgbClr val="EDEDED"/>
+                </a:solidFill>
+                <a:latin typeface="Montserrat" pitchFamily="2" charset="0"/>
+              </a:rPr>
+              <a:t>Decision support under uncertainty</a:t>
+            </a:r>
+          </a:p>
+          <a:p>
+            <a:pPr marL="285750" indent="-285750">
+              <a:buFontTx/>
+              <a:buChar char="-"/>
+            </a:pPr>
+            <a:r>
+              <a:rPr lang="en-US" dirty="0">
+                <a:solidFill>
+                  <a:srgbClr val="EDEDED"/>
+                </a:solidFill>
+                <a:latin typeface="Montserrat" pitchFamily="2" charset="0"/>
+              </a:rPr>
+              <a:t>Simulation replaces formulas</a:t>
+            </a:r>
+          </a:p>
+          <a:p>
+            <a:pPr marL="285750" indent="-285750">
+              <a:buFontTx/>
+              <a:buChar char="-"/>
+            </a:pPr>
+            <a:r>
+              <a:rPr lang="en-US" dirty="0">
+                <a:solidFill>
+                  <a:srgbClr val="EDEDED"/>
+                </a:solidFill>
+                <a:latin typeface="Montserrat" pitchFamily="2" charset="0"/>
+              </a:rPr>
+              <a:t>Widely applicable</a:t>
+            </a:r>
+          </a:p>
+        </p:txBody>
+      </p:sp>
+      <p:pic>
+        <p:nvPicPr>
+          <p:cNvPr id="4" name="Picture 3">
+            <a:extLst>
+              <a:ext uri="{FF2B5EF4-FFF2-40B4-BE49-F238E27FC236}">
+                <a16:creationId xmlns:a16="http://schemas.microsoft.com/office/drawing/2014/main" id="{2D6A8FCA-4E1A-D20C-9243-BF4E41F1FFA7}"/>
+              </a:ext>
+            </a:extLst>
+          </p:cNvPr>
+          <p:cNvPicPr>
+            <a:picLocks noChangeAspect="1"/>
+          </p:cNvPicPr>
+          <p:nvPr/>
+        </p:nvPicPr>
+        <p:blipFill>
+          <a:blip r:embed="rId3">
+            <a:extLst>
+              <a:ext uri="{28A0092B-C50C-407E-A947-70E740481C1C}">
+                <a14:useLocalDpi xmlns:a14="http://schemas.microsoft.com/office/drawing/2010/main" val="0"/>
+              </a:ext>
+            </a:extLst>
+          </a:blip>
+          <a:stretch>
+            <a:fillRect/>
+          </a:stretch>
+        </p:blipFill>
+        <p:spPr>
+          <a:xfrm>
+            <a:off x="279595" y="4970054"/>
+            <a:ext cx="1690916" cy="1754326"/>
+          </a:xfrm>
+          <a:prstGeom prst="rect">
+            <a:avLst/>
+          </a:prstGeom>
+        </p:spPr>
+      </p:pic>
     </p:spTree>
     <p:extLst>
       <p:ext uri="{BB962C8B-B14F-4D97-AF65-F5344CB8AC3E}">
-        <p14:creationId xmlns:p14="http://schemas.microsoft.com/office/powerpoint/2010/main" val="1366942208"/>
+        <p14:creationId xmlns:p14="http://schemas.microsoft.com/office/powerpoint/2010/main" val="4036217304"/>
       </p:ext>
     </p:extLst>
   </p:cSld>
@@ -6993,7 +6734,7 @@
 </p:sld>
 </file>
 
-<file path=ppt/slides/slide4.xml><?xml version="1.0" encoding="utf-8"?>
+<file path=ppt/slides/slide12.xml><?xml version="1.0" encoding="utf-8"?>
 <p:sld xmlns:a="http://schemas.openxmlformats.org/drawingml/2006/main" xmlns:r="http://schemas.openxmlformats.org/officeDocument/2006/relationships" xmlns:p="http://schemas.openxmlformats.org/presentationml/2006/main">
   <p:cSld>
     <p:bg>
@@ -7001,14 +6742,12 @@
         <a:gradFill flip="none" rotWithShape="1">
           <a:gsLst>
             <a:gs pos="20000">
-              <a:schemeClr val="bg2">
-                <a:lumMod val="25000"/>
-              </a:schemeClr>
+              <a:schemeClr val="bg1"/>
             </a:gs>
             <a:gs pos="78000">
               <a:schemeClr val="tx1">
-                <a:lumMod val="85000"/>
-                <a:lumOff val="15000"/>
+                <a:lumMod val="95000"/>
+                <a:lumOff val="5000"/>
               </a:schemeClr>
             </a:gs>
           </a:gsLst>
@@ -7025,7 +6764,7 @@
         <p:cNvPr id="1" name="">
           <a:extLst>
             <a:ext uri="{FF2B5EF4-FFF2-40B4-BE49-F238E27FC236}">
-              <a16:creationId xmlns:a16="http://schemas.microsoft.com/office/drawing/2014/main" id="{6E91D78F-3021-657E-30E1-AA89AC146BDC}"/>
+              <a16:creationId xmlns:a16="http://schemas.microsoft.com/office/drawing/2014/main" id="{07A23B0D-FD00-43AE-E26F-E7F4CB2FD8A1}"/>
             </a:ext>
           </a:extLst>
         </p:cNvPr>
@@ -7045,7 +6784,7 @@
           <p:cNvPr id="27" name="Picture 26">
             <a:extLst>
               <a:ext uri="{FF2B5EF4-FFF2-40B4-BE49-F238E27FC236}">
-                <a16:creationId xmlns:a16="http://schemas.microsoft.com/office/drawing/2014/main" id="{741E462C-BD01-6FA1-0106-163B4DC08956}"/>
+                <a16:creationId xmlns:a16="http://schemas.microsoft.com/office/drawing/2014/main" id="{7B8B0610-DECC-84E1-24A8-B5E19C190E5C}"/>
               </a:ext>
             </a:extLst>
           </p:cNvPr>
@@ -7527,7 +7266,7 @@
           <p:cNvPr id="28" name="TextBox 27">
             <a:extLst>
               <a:ext uri="{FF2B5EF4-FFF2-40B4-BE49-F238E27FC236}">
-                <a16:creationId xmlns:a16="http://schemas.microsoft.com/office/drawing/2014/main" id="{CA7BE123-0B63-DB97-8228-544737CB925B}"/>
+                <a16:creationId xmlns:a16="http://schemas.microsoft.com/office/drawing/2014/main" id="{8FF4ACBB-DFAE-C2AC-ABE1-4569466D96F7}"/>
               </a:ext>
             </a:extLst>
           </p:cNvPr>
@@ -7536,7 +7275,7 @@
         </p:nvSpPr>
         <p:spPr>
           <a:xfrm>
-            <a:off x="-321274" y="190770"/>
+            <a:off x="-943651" y="133620"/>
             <a:ext cx="6776647" cy="1754326"/>
           </a:xfrm>
           <a:prstGeom prst="rect">
@@ -7559,27 +7298,199 @@
                 <a:latin typeface="Inter" panose="02000503000000020004" pitchFamily="2" charset="0"/>
                 <a:ea typeface="Inter" panose="02000503000000020004" pitchFamily="2" charset="0"/>
               </a:rPr>
-              <a:t>Part 2: </a:t>
+              <a:t>Part 4: </a:t>
             </a:r>
             <a:r>
               <a:rPr lang="en-US" sz="3600" dirty="0">
                 <a:solidFill>
-                  <a:schemeClr val="bg1">
-                    <a:lumMod val="75000"/>
-                  </a:schemeClr>
+                  <a:srgbClr val="EDEDED"/>
                 </a:solidFill>
                 <a:latin typeface="Inter" panose="02000503000000020004" pitchFamily="2" charset="0"/>
                 <a:ea typeface="Inter" panose="02000503000000020004" pitchFamily="2" charset="0"/>
               </a:rPr>
-              <a:t>Core OR challenge: optimizing under noise and limited budget</a:t>
+              <a:t>Demonstration:</a:t>
+            </a:r>
+          </a:p>
+          <a:p>
+            <a:pPr algn="ctr"/>
+            <a:r>
+              <a:rPr lang="en-US" sz="3600" dirty="0">
+                <a:solidFill>
+                  <a:srgbClr val="EDEDED"/>
+                </a:solidFill>
+                <a:latin typeface="Inter" panose="02000503000000020004" pitchFamily="2" charset="0"/>
+                <a:ea typeface="Inter" panose="02000503000000020004" pitchFamily="2" charset="0"/>
+              </a:rPr>
+              <a:t>optimization through simulation</a:t>
             </a:r>
           </a:p>
         </p:txBody>
       </p:sp>
+      <p:sp>
+        <p:nvSpPr>
+          <p:cNvPr id="2" name="TextBox 1">
+            <a:extLst>
+              <a:ext uri="{FF2B5EF4-FFF2-40B4-BE49-F238E27FC236}">
+                <a16:creationId xmlns:a16="http://schemas.microsoft.com/office/drawing/2014/main" id="{7F3FCFD1-A771-8319-EC88-393A5DA2D683}"/>
+              </a:ext>
+            </a:extLst>
+          </p:cNvPr>
+          <p:cNvSpPr txBox="1"/>
+          <p:nvPr/>
+        </p:nvSpPr>
+        <p:spPr>
+          <a:xfrm>
+            <a:off x="314122" y="2518389"/>
+            <a:ext cx="5413661" cy="400110"/>
+          </a:xfrm>
+          <a:prstGeom prst="rect">
+            <a:avLst/>
+          </a:prstGeom>
+          <a:noFill/>
+        </p:spPr>
+        <p:txBody>
+          <a:bodyPr wrap="none" rtlCol="0">
+            <a:spAutoFit/>
+          </a:bodyPr>
+          <a:lstStyle/>
+          <a:p>
+            <a:r>
+              <a:rPr lang="en-US" sz="2000" b="1" dirty="0">
+                <a:solidFill>
+                  <a:srgbClr val="D65D26"/>
+                </a:solidFill>
+                <a:latin typeface="Montserrat" pitchFamily="2" charset="0"/>
+                <a:ea typeface="Inter" panose="02000503000000020004" pitchFamily="2" charset="0"/>
+              </a:rPr>
+              <a:t>4.1</a:t>
+            </a:r>
+            <a:r>
+              <a:rPr lang="en-US" sz="2000" b="1" dirty="0">
+                <a:solidFill>
+                  <a:srgbClr val="EDEDED"/>
+                </a:solidFill>
+                <a:latin typeface="Montserrat" pitchFamily="2" charset="0"/>
+                <a:ea typeface="Inter" panose="02000503000000020004" pitchFamily="2" charset="0"/>
+              </a:rPr>
+              <a:t> What Is Being Optimized (Formally)</a:t>
+            </a:r>
+          </a:p>
+        </p:txBody>
+      </p:sp>
+      <p:sp>
+        <p:nvSpPr>
+          <p:cNvPr id="3" name="TextBox 2">
+            <a:extLst>
+              <a:ext uri="{FF2B5EF4-FFF2-40B4-BE49-F238E27FC236}">
+                <a16:creationId xmlns:a16="http://schemas.microsoft.com/office/drawing/2014/main" id="{1BA5CD85-3974-9953-DBAD-C15A215869CE}"/>
+              </a:ext>
+            </a:extLst>
+          </p:cNvPr>
+          <p:cNvSpPr txBox="1"/>
+          <p:nvPr/>
+        </p:nvSpPr>
+        <p:spPr>
+          <a:xfrm>
+            <a:off x="279595" y="3518164"/>
+            <a:ext cx="4608954" cy="923330"/>
+          </a:xfrm>
+          <a:prstGeom prst="rect">
+            <a:avLst/>
+          </a:prstGeom>
+          <a:noFill/>
+        </p:spPr>
+        <p:txBody>
+          <a:bodyPr wrap="none" rtlCol="0">
+            <a:spAutoFit/>
+          </a:bodyPr>
+          <a:lstStyle/>
+          <a:p>
+            <a:pPr marL="285750" indent="-285750">
+              <a:buFontTx/>
+              <a:buChar char="-"/>
+            </a:pPr>
+            <a:r>
+              <a:rPr lang="en-US" dirty="0">
+                <a:solidFill>
+                  <a:srgbClr val="EDEDED"/>
+                </a:solidFill>
+                <a:latin typeface="Montserrat" pitchFamily="2" charset="0"/>
+              </a:rPr>
+              <a:t>Decision vector = signal timing plan</a:t>
+            </a:r>
+          </a:p>
+          <a:p>
+            <a:pPr marL="285750" indent="-285750">
+              <a:buFontTx/>
+              <a:buChar char="-"/>
+            </a:pPr>
+            <a:r>
+              <a:rPr lang="en-US" dirty="0">
+                <a:solidFill>
+                  <a:srgbClr val="EDEDED"/>
+                </a:solidFill>
+                <a:latin typeface="Montserrat" pitchFamily="2" charset="0"/>
+              </a:rPr>
+              <a:t>Fixed arrival processes</a:t>
+            </a:r>
+          </a:p>
+          <a:p>
+            <a:pPr marL="285750" indent="-285750">
+              <a:buFontTx/>
+              <a:buChar char="-"/>
+            </a:pPr>
+            <a:r>
+              <a:rPr lang="en-US" dirty="0">
+                <a:solidFill>
+                  <a:srgbClr val="EDEDED"/>
+                </a:solidFill>
+                <a:latin typeface="Montserrat" pitchFamily="2" charset="0"/>
+              </a:rPr>
+              <a:t>Simulator = black-box evaluator</a:t>
+            </a:r>
+          </a:p>
+        </p:txBody>
+      </p:sp>
+      <p:pic>
+        <p:nvPicPr>
+          <p:cNvPr id="4" name="Picture 3">
+            <a:extLst>
+              <a:ext uri="{FF2B5EF4-FFF2-40B4-BE49-F238E27FC236}">
+                <a16:creationId xmlns:a16="http://schemas.microsoft.com/office/drawing/2014/main" id="{4CEB5D2F-49FA-CD0A-0E2B-A11A66722A9A}"/>
+              </a:ext>
+            </a:extLst>
+          </p:cNvPr>
+          <p:cNvPicPr>
+            <a:picLocks noChangeAspect="1"/>
+          </p:cNvPicPr>
+          <p:nvPr/>
+        </p:nvPicPr>
+        <p:blipFill>
+          <a:blip r:embed="rId3">
+            <a:extLst>
+              <a:ext uri="{28A0092B-C50C-407E-A947-70E740481C1C}">
+                <a14:useLocalDpi xmlns:a14="http://schemas.microsoft.com/office/drawing/2010/main" val="0"/>
+              </a:ext>
+            </a:extLst>
+          </a:blip>
+          <a:stretch>
+            <a:fillRect/>
+          </a:stretch>
+        </p:blipFill>
+        <p:spPr>
+          <a:xfrm>
+            <a:off x="279595" y="4970054"/>
+            <a:ext cx="1690916" cy="1754326"/>
+          </a:xfrm>
+          <a:prstGeom prst="rect">
+            <a:avLst/>
+          </a:prstGeom>
+        </p:spPr>
+      </p:pic>
     </p:spTree>
     <p:extLst>
       <p:ext uri="{BB962C8B-B14F-4D97-AF65-F5344CB8AC3E}">
-        <p14:creationId xmlns:p14="http://schemas.microsoft.com/office/powerpoint/2010/main" val="1415343495"/>
+        <p14:creationId xmlns:p14="http://schemas.microsoft.com/office/powerpoint/2010/main" val="3621531334"/>
       </p:ext>
     </p:extLst>
   </p:cSld>
@@ -7589,7 +7500,7 @@
 </p:sld>
 </file>
 
-<file path=ppt/slides/slide5.xml><?xml version="1.0" encoding="utf-8"?>
+<file path=ppt/slides/slide13.xml><?xml version="1.0" encoding="utf-8"?>
 <p:sld xmlns:a="http://schemas.openxmlformats.org/drawingml/2006/main" xmlns:r="http://schemas.openxmlformats.org/officeDocument/2006/relationships" xmlns:p="http://schemas.openxmlformats.org/presentationml/2006/main">
   <p:cSld>
     <p:bg>
@@ -7597,14 +7508,12 @@
         <a:gradFill flip="none" rotWithShape="1">
           <a:gsLst>
             <a:gs pos="20000">
-              <a:schemeClr val="bg2">
-                <a:lumMod val="25000"/>
-              </a:schemeClr>
+              <a:schemeClr val="bg1"/>
             </a:gs>
             <a:gs pos="78000">
               <a:schemeClr val="tx1">
-                <a:lumMod val="85000"/>
-                <a:lumOff val="15000"/>
+                <a:lumMod val="95000"/>
+                <a:lumOff val="5000"/>
               </a:schemeClr>
             </a:gs>
           </a:gsLst>
@@ -7621,7 +7530,7 @@
         <p:cNvPr id="1" name="">
           <a:extLst>
             <a:ext uri="{FF2B5EF4-FFF2-40B4-BE49-F238E27FC236}">
-              <a16:creationId xmlns:a16="http://schemas.microsoft.com/office/drawing/2014/main" id="{DBA1BA63-E233-0D63-801A-A6C7C63F0DFA}"/>
+              <a16:creationId xmlns:a16="http://schemas.microsoft.com/office/drawing/2014/main" id="{B6E0FA90-1AD0-67DC-7A87-188E5BBBD3E2}"/>
             </a:ext>
           </a:extLst>
         </p:cNvPr>
@@ -7641,7 +7550,7 @@
           <p:cNvPr id="27" name="Picture 26">
             <a:extLst>
               <a:ext uri="{FF2B5EF4-FFF2-40B4-BE49-F238E27FC236}">
-                <a16:creationId xmlns:a16="http://schemas.microsoft.com/office/drawing/2014/main" id="{869934D5-9BB6-904D-B28C-E10F628963D5}"/>
+                <a16:creationId xmlns:a16="http://schemas.microsoft.com/office/drawing/2014/main" id="{9593203F-0B4F-885D-B4CB-D41BAC6D9913}"/>
               </a:ext>
             </a:extLst>
           </p:cNvPr>
@@ -8123,7 +8032,7 @@
           <p:cNvPr id="28" name="TextBox 27">
             <a:extLst>
               <a:ext uri="{FF2B5EF4-FFF2-40B4-BE49-F238E27FC236}">
-                <a16:creationId xmlns:a16="http://schemas.microsoft.com/office/drawing/2014/main" id="{8F82562C-E14A-2B13-8E9B-5BBCF24C04C3}"/>
+                <a16:creationId xmlns:a16="http://schemas.microsoft.com/office/drawing/2014/main" id="{B50E22A4-73C0-3BBB-F4A0-AFD65C7200C8}"/>
               </a:ext>
             </a:extLst>
           </p:cNvPr>
@@ -8132,7 +8041,7 @@
         </p:nvSpPr>
         <p:spPr>
           <a:xfrm>
-            <a:off x="-321274" y="190770"/>
+            <a:off x="-943651" y="133620"/>
             <a:ext cx="6776647" cy="1754326"/>
           </a:xfrm>
           <a:prstGeom prst="rect">
@@ -8155,14 +8064,12 @@
                 <a:latin typeface="Inter" panose="02000503000000020004" pitchFamily="2" charset="0"/>
                 <a:ea typeface="Inter" panose="02000503000000020004" pitchFamily="2" charset="0"/>
               </a:rPr>
-              <a:t>Part 3: </a:t>
+              <a:t>Part 4: </a:t>
             </a:r>
             <a:r>
               <a:rPr lang="en-US" sz="3600" dirty="0">
                 <a:solidFill>
-                  <a:schemeClr val="bg1">
-                    <a:lumMod val="75000"/>
-                  </a:schemeClr>
+                  <a:srgbClr val="EDEDED"/>
                 </a:solidFill>
                 <a:latin typeface="Inter" panose="02000503000000020004" pitchFamily="2" charset="0"/>
                 <a:ea typeface="Inter" panose="02000503000000020004" pitchFamily="2" charset="0"/>
@@ -8175,9 +8082,7 @@
             <a:r>
               <a:rPr lang="en-US" sz="3600" dirty="0">
                 <a:solidFill>
-                  <a:schemeClr val="bg1">
-                    <a:lumMod val="75000"/>
-                  </a:schemeClr>
+                  <a:srgbClr val="EDEDED"/>
                 </a:solidFill>
                 <a:latin typeface="Inter" panose="02000503000000020004" pitchFamily="2" charset="0"/>
                 <a:ea typeface="Inter" panose="02000503000000020004" pitchFamily="2" charset="0"/>
@@ -8187,10 +8092,171 @@
           </a:p>
         </p:txBody>
       </p:sp>
+      <p:sp>
+        <p:nvSpPr>
+          <p:cNvPr id="2" name="TextBox 1">
+            <a:extLst>
+              <a:ext uri="{FF2B5EF4-FFF2-40B4-BE49-F238E27FC236}">
+                <a16:creationId xmlns:a16="http://schemas.microsoft.com/office/drawing/2014/main" id="{02907D18-0168-8E40-4C0C-583BBFBA1A9E}"/>
+              </a:ext>
+            </a:extLst>
+          </p:cNvPr>
+          <p:cNvSpPr txBox="1"/>
+          <p:nvPr/>
+        </p:nvSpPr>
+        <p:spPr>
+          <a:xfrm>
+            <a:off x="314122" y="2518389"/>
+            <a:ext cx="4915128" cy="400110"/>
+          </a:xfrm>
+          <a:prstGeom prst="rect">
+            <a:avLst/>
+          </a:prstGeom>
+          <a:noFill/>
+        </p:spPr>
+        <p:txBody>
+          <a:bodyPr wrap="none" rtlCol="0">
+            <a:spAutoFit/>
+          </a:bodyPr>
+          <a:lstStyle/>
+          <a:p>
+            <a:r>
+              <a:rPr lang="en-US" sz="2000" b="1" dirty="0">
+                <a:solidFill>
+                  <a:srgbClr val="D65D26"/>
+                </a:solidFill>
+                <a:latin typeface="Montserrat" pitchFamily="2" charset="0"/>
+                <a:ea typeface="Inter" panose="02000503000000020004" pitchFamily="2" charset="0"/>
+              </a:rPr>
+              <a:t>4.2</a:t>
+            </a:r>
+            <a:r>
+              <a:rPr lang="en-US" sz="2000" b="1" dirty="0">
+                <a:solidFill>
+                  <a:srgbClr val="EDEDED"/>
+                </a:solidFill>
+                <a:latin typeface="Montserrat" pitchFamily="2" charset="0"/>
+                <a:ea typeface="Inter" panose="02000503000000020004" pitchFamily="2" charset="0"/>
+              </a:rPr>
+              <a:t> How Performance Is Estimated</a:t>
+            </a:r>
+          </a:p>
+        </p:txBody>
+      </p:sp>
+      <p:sp>
+        <p:nvSpPr>
+          <p:cNvPr id="3" name="TextBox 2">
+            <a:extLst>
+              <a:ext uri="{FF2B5EF4-FFF2-40B4-BE49-F238E27FC236}">
+                <a16:creationId xmlns:a16="http://schemas.microsoft.com/office/drawing/2014/main" id="{74BCBC41-30E3-242D-FF3E-2B067B86DACC}"/>
+              </a:ext>
+            </a:extLst>
+          </p:cNvPr>
+          <p:cNvSpPr txBox="1"/>
+          <p:nvPr/>
+        </p:nvSpPr>
+        <p:spPr>
+          <a:xfrm>
+            <a:off x="279595" y="3518164"/>
+            <a:ext cx="3583032" cy="923330"/>
+          </a:xfrm>
+          <a:prstGeom prst="rect">
+            <a:avLst/>
+          </a:prstGeom>
+          <a:noFill/>
+        </p:spPr>
+        <p:txBody>
+          <a:bodyPr wrap="none" rtlCol="0">
+            <a:spAutoFit/>
+          </a:bodyPr>
+          <a:lstStyle/>
+          <a:p>
+            <a:pPr marL="285750" indent="-285750">
+              <a:buFontTx/>
+              <a:buChar char="-"/>
+            </a:pPr>
+            <a:r>
+              <a:rPr lang="en-US" dirty="0">
+                <a:solidFill>
+                  <a:srgbClr val="EDEDED"/>
+                </a:solidFill>
+                <a:latin typeface="Montserrat" pitchFamily="2" charset="0"/>
+              </a:rPr>
+              <a:t>Stochastic simulation</a:t>
+            </a:r>
+          </a:p>
+          <a:p>
+            <a:pPr marL="285750" indent="-285750">
+              <a:buFontTx/>
+              <a:buChar char="-"/>
+            </a:pPr>
+            <a:r>
+              <a:rPr lang="en-US" dirty="0">
+                <a:solidFill>
+                  <a:srgbClr val="EDEDED"/>
+                </a:solidFill>
+                <a:latin typeface="Montserrat" pitchFamily="2" charset="0"/>
+              </a:rPr>
+              <a:t>Multiple replications</a:t>
+            </a:r>
+          </a:p>
+          <a:p>
+            <a:pPr marL="285750" indent="-285750">
+              <a:buFontTx/>
+              <a:buChar char="-"/>
+            </a:pPr>
+            <a:r>
+              <a:rPr lang="en-US" dirty="0">
+                <a:solidFill>
+                  <a:srgbClr val="EDEDED"/>
+                </a:solidFill>
+                <a:latin typeface="Montserrat" pitchFamily="2" charset="0"/>
+              </a:rPr>
+              <a:t>Sample mean as estimator</a:t>
+            </a:r>
+          </a:p>
+        </p:txBody>
+      </p:sp>
+      <p:pic>
+        <p:nvPicPr>
+          <p:cNvPr id="4" name="Picture 3">
+            <a:extLst>
+              <a:ext uri="{FF2B5EF4-FFF2-40B4-BE49-F238E27FC236}">
+                <a16:creationId xmlns:a16="http://schemas.microsoft.com/office/drawing/2014/main" id="{79DC2F6C-A486-D1E4-9213-6D0238037AA0}"/>
+              </a:ext>
+            </a:extLst>
+          </p:cNvPr>
+          <p:cNvPicPr>
+            <a:picLocks noChangeAspect="1"/>
+          </p:cNvPicPr>
+          <p:nvPr/>
+        </p:nvPicPr>
+        <p:blipFill>
+          <a:blip r:embed="rId3">
+            <a:extLst>
+              <a:ext uri="{28A0092B-C50C-407E-A947-70E740481C1C}">
+                <a14:useLocalDpi xmlns:a14="http://schemas.microsoft.com/office/drawing/2010/main" val="0"/>
+              </a:ext>
+            </a:extLst>
+          </a:blip>
+          <a:stretch>
+            <a:fillRect/>
+          </a:stretch>
+        </p:blipFill>
+        <p:spPr>
+          <a:xfrm>
+            <a:off x="279595" y="4970054"/>
+            <a:ext cx="1690916" cy="1754326"/>
+          </a:xfrm>
+          <a:prstGeom prst="rect">
+            <a:avLst/>
+          </a:prstGeom>
+        </p:spPr>
+      </p:pic>
     </p:spTree>
     <p:extLst>
       <p:ext uri="{BB962C8B-B14F-4D97-AF65-F5344CB8AC3E}">
-        <p14:creationId xmlns:p14="http://schemas.microsoft.com/office/powerpoint/2010/main" val="93148499"/>
+        <p14:creationId xmlns:p14="http://schemas.microsoft.com/office/powerpoint/2010/main" val="3684287904"/>
       </p:ext>
     </p:extLst>
   </p:cSld>
@@ -8200,7 +8266,7 @@
 </p:sld>
 </file>
 
-<file path=ppt/slides/slide6.xml><?xml version="1.0" encoding="utf-8"?>
+<file path=ppt/slides/slide14.xml><?xml version="1.0" encoding="utf-8"?>
 <p:sld xmlns:a="http://schemas.openxmlformats.org/drawingml/2006/main" xmlns:r="http://schemas.openxmlformats.org/officeDocument/2006/relationships" xmlns:p="http://schemas.openxmlformats.org/presentationml/2006/main">
   <p:cSld>
     <p:bg>
@@ -8208,14 +8274,12 @@
         <a:gradFill flip="none" rotWithShape="1">
           <a:gsLst>
             <a:gs pos="20000">
-              <a:schemeClr val="bg2">
-                <a:lumMod val="25000"/>
-              </a:schemeClr>
+              <a:schemeClr val="bg1"/>
             </a:gs>
             <a:gs pos="78000">
               <a:schemeClr val="tx1">
-                <a:lumMod val="85000"/>
-                <a:lumOff val="15000"/>
+                <a:lumMod val="95000"/>
+                <a:lumOff val="5000"/>
               </a:schemeClr>
             </a:gs>
           </a:gsLst>
@@ -8232,7 +8296,7 @@
         <p:cNvPr id="1" name="">
           <a:extLst>
             <a:ext uri="{FF2B5EF4-FFF2-40B4-BE49-F238E27FC236}">
-              <a16:creationId xmlns:a16="http://schemas.microsoft.com/office/drawing/2014/main" id="{82DC2B53-0F16-4098-4FA6-84AECE4457BB}"/>
+              <a16:creationId xmlns:a16="http://schemas.microsoft.com/office/drawing/2014/main" id="{42C5FCC4-BB62-AA59-4C87-6FF0DE985EEC}"/>
             </a:ext>
           </a:extLst>
         </p:cNvPr>
@@ -8252,7 +8316,7 @@
           <p:cNvPr id="27" name="Picture 26">
             <a:extLst>
               <a:ext uri="{FF2B5EF4-FFF2-40B4-BE49-F238E27FC236}">
-                <a16:creationId xmlns:a16="http://schemas.microsoft.com/office/drawing/2014/main" id="{EC2E6D6D-1435-D686-1292-060A61CC93FC}"/>
+                <a16:creationId xmlns:a16="http://schemas.microsoft.com/office/drawing/2014/main" id="{4ACDD30F-835A-4A13-92A2-E54034C6D7BB}"/>
               </a:ext>
             </a:extLst>
           </p:cNvPr>
@@ -8734,7 +8798,7 @@
           <p:cNvPr id="28" name="TextBox 27">
             <a:extLst>
               <a:ext uri="{FF2B5EF4-FFF2-40B4-BE49-F238E27FC236}">
-                <a16:creationId xmlns:a16="http://schemas.microsoft.com/office/drawing/2014/main" id="{B6DE9D7D-4714-4836-39E8-AE8B473AB89D}"/>
+                <a16:creationId xmlns:a16="http://schemas.microsoft.com/office/drawing/2014/main" id="{129F478D-47B0-68AD-A72B-98E2EB93A4E4}"/>
               </a:ext>
             </a:extLst>
           </p:cNvPr>
@@ -8743,7 +8807,7 @@
         </p:nvSpPr>
         <p:spPr>
           <a:xfrm>
-            <a:off x="-321274" y="190770"/>
+            <a:off x="-943651" y="133620"/>
             <a:ext cx="6776647" cy="1754326"/>
           </a:xfrm>
           <a:prstGeom prst="rect">
@@ -8771,14 +8835,12 @@
             <a:r>
               <a:rPr lang="en-US" sz="3600" dirty="0">
                 <a:solidFill>
-                  <a:schemeClr val="bg1">
-                    <a:lumMod val="75000"/>
-                  </a:schemeClr>
+                  <a:srgbClr val="EDEDED"/>
                 </a:solidFill>
                 <a:latin typeface="Inter" panose="02000503000000020004" pitchFamily="2" charset="0"/>
                 <a:ea typeface="Inter" panose="02000503000000020004" pitchFamily="2" charset="0"/>
               </a:rPr>
-              <a:t>Implications:</a:t>
+              <a:t>Demonstration:</a:t>
             </a:r>
           </a:p>
           <a:p>
@@ -8786,22 +8848,181 @@
             <a:r>
               <a:rPr lang="en-US" sz="3600" dirty="0">
                 <a:solidFill>
-                  <a:schemeClr val="bg1">
-                    <a:lumMod val="75000"/>
-                  </a:schemeClr>
+                  <a:srgbClr val="EDEDED"/>
                 </a:solidFill>
                 <a:latin typeface="Inter" panose="02000503000000020004" pitchFamily="2" charset="0"/>
                 <a:ea typeface="Inter" panose="02000503000000020004" pitchFamily="2" charset="0"/>
               </a:rPr>
-              <a:t>applications and key takeaways</a:t>
+              <a:t>optimization through simulation</a:t>
             </a:r>
           </a:p>
         </p:txBody>
       </p:sp>
+      <p:sp>
+        <p:nvSpPr>
+          <p:cNvPr id="2" name="TextBox 1">
+            <a:extLst>
+              <a:ext uri="{FF2B5EF4-FFF2-40B4-BE49-F238E27FC236}">
+                <a16:creationId xmlns:a16="http://schemas.microsoft.com/office/drawing/2014/main" id="{EF887FEC-5EC3-4FD2-B34E-FA291736B70E}"/>
+              </a:ext>
+            </a:extLst>
+          </p:cNvPr>
+          <p:cNvSpPr txBox="1"/>
+          <p:nvPr/>
+        </p:nvSpPr>
+        <p:spPr>
+          <a:xfrm>
+            <a:off x="314122" y="2518389"/>
+            <a:ext cx="4583306" cy="400110"/>
+          </a:xfrm>
+          <a:prstGeom prst="rect">
+            <a:avLst/>
+          </a:prstGeom>
+          <a:noFill/>
+        </p:spPr>
+        <p:txBody>
+          <a:bodyPr wrap="none" rtlCol="0">
+            <a:spAutoFit/>
+          </a:bodyPr>
+          <a:lstStyle/>
+          <a:p>
+            <a:r>
+              <a:rPr lang="en-US" sz="2000" b="1" dirty="0">
+                <a:solidFill>
+                  <a:srgbClr val="D65D26"/>
+                </a:solidFill>
+                <a:latin typeface="Montserrat" pitchFamily="2" charset="0"/>
+                <a:ea typeface="Inter" panose="02000503000000020004" pitchFamily="2" charset="0"/>
+              </a:rPr>
+              <a:t>4.3</a:t>
+            </a:r>
+            <a:r>
+              <a:rPr lang="en-US" sz="2000" b="1" dirty="0">
+                <a:solidFill>
+                  <a:srgbClr val="EDEDED"/>
+                </a:solidFill>
+                <a:latin typeface="Montserrat" pitchFamily="2" charset="0"/>
+                <a:ea typeface="Inter" panose="02000503000000020004" pitchFamily="2" charset="0"/>
+              </a:rPr>
+              <a:t> Exploring the Decision Space</a:t>
+            </a:r>
+          </a:p>
+        </p:txBody>
+      </p:sp>
+      <p:sp>
+        <p:nvSpPr>
+          <p:cNvPr id="3" name="TextBox 2">
+            <a:extLst>
+              <a:ext uri="{FF2B5EF4-FFF2-40B4-BE49-F238E27FC236}">
+                <a16:creationId xmlns:a16="http://schemas.microsoft.com/office/drawing/2014/main" id="{E5FE855D-BA1C-90DB-1E28-AA601E2CE44D}"/>
+              </a:ext>
+            </a:extLst>
+          </p:cNvPr>
+          <p:cNvSpPr txBox="1"/>
+          <p:nvPr/>
+        </p:nvSpPr>
+        <p:spPr>
+          <a:xfrm>
+            <a:off x="279595" y="3518164"/>
+            <a:ext cx="3980577" cy="923330"/>
+          </a:xfrm>
+          <a:prstGeom prst="rect">
+            <a:avLst/>
+          </a:prstGeom>
+          <a:noFill/>
+        </p:spPr>
+        <p:txBody>
+          <a:bodyPr wrap="none" rtlCol="0">
+            <a:spAutoFit/>
+          </a:bodyPr>
+          <a:lstStyle/>
+          <a:p>
+            <a:pPr marL="285750" indent="-285750">
+              <a:buFontTx/>
+              <a:buChar char="-"/>
+            </a:pPr>
+            <a:r>
+              <a:rPr lang="en-US" dirty="0">
+                <a:solidFill>
+                  <a:srgbClr val="EDEDED"/>
+                </a:solidFill>
+                <a:latin typeface="Montserrat" pitchFamily="2" charset="0"/>
+              </a:rPr>
+              <a:t>Finite set of candidate policies</a:t>
+            </a:r>
+          </a:p>
+          <a:p>
+            <a:pPr marL="285750" indent="-285750">
+              <a:buFontTx/>
+              <a:buChar char="-"/>
+            </a:pPr>
+            <a:r>
+              <a:rPr lang="en-US" dirty="0">
+                <a:solidFill>
+                  <a:srgbClr val="EDEDED"/>
+                </a:solidFill>
+                <a:latin typeface="Montserrat" pitchFamily="2" charset="0"/>
+              </a:rPr>
+              <a:t>Structured, not random</a:t>
+            </a:r>
+          </a:p>
+          <a:p>
+            <a:pPr marL="285750" indent="-285750">
+              <a:buFontTx/>
+              <a:buChar char="-"/>
+            </a:pPr>
+            <a:r>
+              <a:rPr lang="en-US" dirty="0">
+                <a:solidFill>
+                  <a:srgbClr val="EDEDED"/>
+                </a:solidFill>
+                <a:latin typeface="Montserrat" pitchFamily="2" charset="0"/>
+              </a:rPr>
+              <a:t>Equal evaluation conditions</a:t>
+            </a:r>
+          </a:p>
+        </p:txBody>
+      </p:sp>
+      <p:pic>
+        <p:nvPicPr>
+          <p:cNvPr id="4" name="Picture 3">
+            <a:extLst>
+              <a:ext uri="{FF2B5EF4-FFF2-40B4-BE49-F238E27FC236}">
+                <a16:creationId xmlns:a16="http://schemas.microsoft.com/office/drawing/2014/main" id="{27A50B37-1BFB-AC73-D100-D59730509447}"/>
+              </a:ext>
+            </a:extLst>
+          </p:cNvPr>
+          <p:cNvPicPr>
+            <a:picLocks noChangeAspect="1"/>
+          </p:cNvPicPr>
+          <p:nvPr/>
+        </p:nvPicPr>
+        <p:blipFill>
+          <a:blip r:embed="rId3">
+            <a:extLst>
+              <a:ext uri="{28A0092B-C50C-407E-A947-70E740481C1C}">
+                <a14:useLocalDpi xmlns:a14="http://schemas.microsoft.com/office/drawing/2010/main" val="0"/>
+              </a:ext>
+            </a:extLst>
+          </a:blip>
+          <a:stretch>
+            <a:fillRect/>
+          </a:stretch>
+        </p:blipFill>
+        <p:spPr>
+          <a:xfrm>
+            <a:off x="279595" y="4970054"/>
+            <a:ext cx="1690916" cy="1754326"/>
+          </a:xfrm>
+          <a:prstGeom prst="rect">
+            <a:avLst/>
+          </a:prstGeom>
+        </p:spPr>
+      </p:pic>
     </p:spTree>
     <p:extLst>
       <p:ext uri="{BB962C8B-B14F-4D97-AF65-F5344CB8AC3E}">
-        <p14:creationId xmlns:p14="http://schemas.microsoft.com/office/powerpoint/2010/main" val="662265741"/>
+        <p14:creationId xmlns:p14="http://schemas.microsoft.com/office/powerpoint/2010/main" val="4090825073"/>
       </p:ext>
     </p:extLst>
   </p:cSld>
@@ -8811,7 +9032,7 @@
 </p:sld>
 </file>
 
-<file path=ppt/slides/slide7.xml><?xml version="1.0" encoding="utf-8"?>
+<file path=ppt/slides/slide15.xml><?xml version="1.0" encoding="utf-8"?>
 <p:sld xmlns:a="http://schemas.openxmlformats.org/drawingml/2006/main" xmlns:r="http://schemas.openxmlformats.org/officeDocument/2006/relationships" xmlns:p="http://schemas.openxmlformats.org/presentationml/2006/main">
   <p:cSld>
     <p:bg>
@@ -8819,14 +9040,12 @@
         <a:gradFill flip="none" rotWithShape="1">
           <a:gsLst>
             <a:gs pos="20000">
-              <a:schemeClr val="bg2">
-                <a:lumMod val="25000"/>
-              </a:schemeClr>
+              <a:schemeClr val="bg1"/>
             </a:gs>
             <a:gs pos="78000">
               <a:schemeClr val="tx1">
-                <a:lumMod val="85000"/>
-                <a:lumOff val="15000"/>
+                <a:lumMod val="95000"/>
+                <a:lumOff val="5000"/>
               </a:schemeClr>
             </a:gs>
           </a:gsLst>
@@ -8843,7 +9062,7 @@
         <p:cNvPr id="1" name="">
           <a:extLst>
             <a:ext uri="{FF2B5EF4-FFF2-40B4-BE49-F238E27FC236}">
-              <a16:creationId xmlns:a16="http://schemas.microsoft.com/office/drawing/2014/main" id="{B637A06C-FB2B-3B0E-A4C9-D9FCC17BAAF4}"/>
+              <a16:creationId xmlns:a16="http://schemas.microsoft.com/office/drawing/2014/main" id="{8C3B0B64-20F6-5F37-F73E-3BBF1C6AF9D0}"/>
             </a:ext>
           </a:extLst>
         </p:cNvPr>
@@ -8863,7 +9082,7 @@
           <p:cNvPr id="27" name="Picture 26">
             <a:extLst>
               <a:ext uri="{FF2B5EF4-FFF2-40B4-BE49-F238E27FC236}">
-                <a16:creationId xmlns:a16="http://schemas.microsoft.com/office/drawing/2014/main" id="{20CE0298-B011-39D2-4C16-342007CD083A}"/>
+                <a16:creationId xmlns:a16="http://schemas.microsoft.com/office/drawing/2014/main" id="{A5D3B0FF-6825-EED5-943C-594FCA95C48D}"/>
               </a:ext>
             </a:extLst>
           </p:cNvPr>
@@ -9345,6 +9564,810 @@
           <p:cNvPr id="28" name="TextBox 27">
             <a:extLst>
               <a:ext uri="{FF2B5EF4-FFF2-40B4-BE49-F238E27FC236}">
+                <a16:creationId xmlns:a16="http://schemas.microsoft.com/office/drawing/2014/main" id="{6BEA22F3-E343-4C86-9BF5-8369859A89FA}"/>
+              </a:ext>
+            </a:extLst>
+          </p:cNvPr>
+          <p:cNvSpPr txBox="1"/>
+          <p:nvPr/>
+        </p:nvSpPr>
+        <p:spPr>
+          <a:xfrm>
+            <a:off x="-943651" y="133620"/>
+            <a:ext cx="6776647" cy="1754326"/>
+          </a:xfrm>
+          <a:prstGeom prst="rect">
+            <a:avLst/>
+          </a:prstGeom>
+          <a:noFill/>
+        </p:spPr>
+        <p:txBody>
+          <a:bodyPr wrap="square" rtlCol="0">
+            <a:spAutoFit/>
+          </a:bodyPr>
+          <a:lstStyle/>
+          <a:p>
+            <a:pPr algn="ctr"/>
+            <a:r>
+              <a:rPr lang="en-US" sz="3600" dirty="0">
+                <a:solidFill>
+                  <a:srgbClr val="D65D26"/>
+                </a:solidFill>
+                <a:latin typeface="Inter" panose="02000503000000020004" pitchFamily="2" charset="0"/>
+                <a:ea typeface="Inter" panose="02000503000000020004" pitchFamily="2" charset="0"/>
+              </a:rPr>
+              <a:t>Part 4: </a:t>
+            </a:r>
+            <a:r>
+              <a:rPr lang="en-US" sz="3600" dirty="0">
+                <a:solidFill>
+                  <a:srgbClr val="EDEDED"/>
+                </a:solidFill>
+                <a:latin typeface="Inter" panose="02000503000000020004" pitchFamily="2" charset="0"/>
+                <a:ea typeface="Inter" panose="02000503000000020004" pitchFamily="2" charset="0"/>
+              </a:rPr>
+              <a:t>Demonstration:</a:t>
+            </a:r>
+          </a:p>
+          <a:p>
+            <a:pPr algn="ctr"/>
+            <a:r>
+              <a:rPr lang="en-US" sz="3600" dirty="0">
+                <a:solidFill>
+                  <a:srgbClr val="EDEDED"/>
+                </a:solidFill>
+                <a:latin typeface="Inter" panose="02000503000000020004" pitchFamily="2" charset="0"/>
+                <a:ea typeface="Inter" panose="02000503000000020004" pitchFamily="2" charset="0"/>
+              </a:rPr>
+              <a:t>optimization through simulation</a:t>
+            </a:r>
+          </a:p>
+        </p:txBody>
+      </p:sp>
+      <p:sp>
+        <p:nvSpPr>
+          <p:cNvPr id="2" name="TextBox 1">
+            <a:extLst>
+              <a:ext uri="{FF2B5EF4-FFF2-40B4-BE49-F238E27FC236}">
+                <a16:creationId xmlns:a16="http://schemas.microsoft.com/office/drawing/2014/main" id="{5785B073-16DB-5E7E-3676-EFB41075AD3F}"/>
+              </a:ext>
+            </a:extLst>
+          </p:cNvPr>
+          <p:cNvSpPr txBox="1"/>
+          <p:nvPr/>
+        </p:nvSpPr>
+        <p:spPr>
+          <a:xfrm>
+            <a:off x="314122" y="2518389"/>
+            <a:ext cx="5189241" cy="400110"/>
+          </a:xfrm>
+          <a:prstGeom prst="rect">
+            <a:avLst/>
+          </a:prstGeom>
+          <a:noFill/>
+        </p:spPr>
+        <p:txBody>
+          <a:bodyPr wrap="none" rtlCol="0">
+            <a:spAutoFit/>
+          </a:bodyPr>
+          <a:lstStyle/>
+          <a:p>
+            <a:r>
+              <a:rPr lang="en-US" sz="2000" b="1" dirty="0">
+                <a:solidFill>
+                  <a:srgbClr val="D65D26"/>
+                </a:solidFill>
+                <a:latin typeface="Montserrat" pitchFamily="2" charset="0"/>
+                <a:ea typeface="Inter" panose="02000503000000020004" pitchFamily="2" charset="0"/>
+              </a:rPr>
+              <a:t>4.4</a:t>
+            </a:r>
+            <a:r>
+              <a:rPr lang="en-US" sz="2000" b="1" dirty="0">
+                <a:solidFill>
+                  <a:srgbClr val="EDEDED"/>
+                </a:solidFill>
+                <a:latin typeface="Montserrat" pitchFamily="2" charset="0"/>
+                <a:ea typeface="Inter" panose="02000503000000020004" pitchFamily="2" charset="0"/>
+              </a:rPr>
+              <a:t> Interpreting Optimization Results</a:t>
+            </a:r>
+          </a:p>
+        </p:txBody>
+      </p:sp>
+      <p:sp>
+        <p:nvSpPr>
+          <p:cNvPr id="3" name="TextBox 2">
+            <a:extLst>
+              <a:ext uri="{FF2B5EF4-FFF2-40B4-BE49-F238E27FC236}">
+                <a16:creationId xmlns:a16="http://schemas.microsoft.com/office/drawing/2014/main" id="{F788E175-53F9-ED98-7F65-72B8CF574BD1}"/>
+              </a:ext>
+            </a:extLst>
+          </p:cNvPr>
+          <p:cNvSpPr txBox="1"/>
+          <p:nvPr/>
+        </p:nvSpPr>
+        <p:spPr>
+          <a:xfrm>
+            <a:off x="8279" y="3503254"/>
+            <a:ext cx="4363695" cy="923330"/>
+          </a:xfrm>
+          <a:prstGeom prst="rect">
+            <a:avLst/>
+          </a:prstGeom>
+          <a:noFill/>
+        </p:spPr>
+        <p:txBody>
+          <a:bodyPr wrap="none" rtlCol="0">
+            <a:spAutoFit/>
+          </a:bodyPr>
+          <a:lstStyle/>
+          <a:p>
+            <a:pPr marL="285750" indent="-285750">
+              <a:buFontTx/>
+              <a:buChar char="-"/>
+            </a:pPr>
+            <a:r>
+              <a:rPr lang="en-US" dirty="0">
+                <a:solidFill>
+                  <a:srgbClr val="EDEDED"/>
+                </a:solidFill>
+                <a:latin typeface="Montserrat" pitchFamily="2" charset="0"/>
+              </a:rPr>
+              <a:t>Each point = one evaluated policy</a:t>
+            </a:r>
+          </a:p>
+          <a:p>
+            <a:pPr marL="285750" indent="-285750">
+              <a:buFontTx/>
+              <a:buChar char="-"/>
+            </a:pPr>
+            <a:r>
+              <a:rPr lang="en-US" dirty="0">
+                <a:solidFill>
+                  <a:srgbClr val="EDEDED"/>
+                </a:solidFill>
+                <a:latin typeface="Montserrat" pitchFamily="2" charset="0"/>
+              </a:rPr>
+              <a:t>Axes = competing objectives</a:t>
+            </a:r>
+          </a:p>
+          <a:p>
+            <a:pPr marL="285750" indent="-285750">
+              <a:buFontTx/>
+              <a:buChar char="-"/>
+            </a:pPr>
+            <a:r>
+              <a:rPr lang="en-US" dirty="0">
+                <a:solidFill>
+                  <a:srgbClr val="EDEDED"/>
+                </a:solidFill>
+                <a:latin typeface="Montserrat" pitchFamily="2" charset="0"/>
+              </a:rPr>
+              <a:t>Color reveals decision structure</a:t>
+            </a:r>
+          </a:p>
+        </p:txBody>
+      </p:sp>
+      <p:pic>
+        <p:nvPicPr>
+          <p:cNvPr id="4" name="Picture 3">
+            <a:extLst>
+              <a:ext uri="{FF2B5EF4-FFF2-40B4-BE49-F238E27FC236}">
+                <a16:creationId xmlns:a16="http://schemas.microsoft.com/office/drawing/2014/main" id="{721D0D12-F822-9290-2233-9691C0527CE9}"/>
+              </a:ext>
+            </a:extLst>
+          </p:cNvPr>
+          <p:cNvPicPr>
+            <a:picLocks noChangeAspect="1"/>
+          </p:cNvPicPr>
+          <p:nvPr/>
+        </p:nvPicPr>
+        <p:blipFill>
+          <a:blip r:embed="rId3">
+            <a:extLst>
+              <a:ext uri="{28A0092B-C50C-407E-A947-70E740481C1C}">
+                <a14:useLocalDpi xmlns:a14="http://schemas.microsoft.com/office/drawing/2010/main" val="0"/>
+              </a:ext>
+            </a:extLst>
+          </a:blip>
+          <a:stretch>
+            <a:fillRect/>
+          </a:stretch>
+        </p:blipFill>
+        <p:spPr>
+          <a:xfrm>
+            <a:off x="279595" y="4970054"/>
+            <a:ext cx="1690916" cy="1754326"/>
+          </a:xfrm>
+          <a:prstGeom prst="rect">
+            <a:avLst/>
+          </a:prstGeom>
+        </p:spPr>
+      </p:pic>
+      <p:pic>
+        <p:nvPicPr>
+          <p:cNvPr id="8" name="Picture 7">
+            <a:extLst>
+              <a:ext uri="{FF2B5EF4-FFF2-40B4-BE49-F238E27FC236}">
+                <a16:creationId xmlns:a16="http://schemas.microsoft.com/office/drawing/2014/main" id="{E652B704-27DD-7F51-E983-6D93E93A5FE1}"/>
+              </a:ext>
+            </a:extLst>
+          </p:cNvPr>
+          <p:cNvPicPr>
+            <a:picLocks noChangeAspect="1"/>
+          </p:cNvPicPr>
+          <p:nvPr/>
+        </p:nvPicPr>
+        <p:blipFill>
+          <a:blip r:embed="rId4">
+            <a:extLst>
+              <a:ext uri="{28A0092B-C50C-407E-A947-70E740481C1C}">
+                <a14:useLocalDpi xmlns:a14="http://schemas.microsoft.com/office/drawing/2010/main" val="0"/>
+              </a:ext>
+            </a:extLst>
+          </a:blip>
+          <a:stretch>
+            <a:fillRect/>
+          </a:stretch>
+        </p:blipFill>
+        <p:spPr>
+          <a:xfrm>
+            <a:off x="4371974" y="2868315"/>
+            <a:ext cx="8220075" cy="3989685"/>
+          </a:xfrm>
+          <a:prstGeom prst="rect">
+            <a:avLst/>
+          </a:prstGeom>
+        </p:spPr>
+      </p:pic>
+    </p:spTree>
+    <p:extLst>
+      <p:ext uri="{BB962C8B-B14F-4D97-AF65-F5344CB8AC3E}">
+        <p14:creationId xmlns:p14="http://schemas.microsoft.com/office/powerpoint/2010/main" val="4099422355"/>
+      </p:ext>
+    </p:extLst>
+  </p:cSld>
+  <p:clrMapOvr>
+    <a:masterClrMapping/>
+  </p:clrMapOvr>
+</p:sld>
+</file>
+
+<file path=ppt/slides/slide16.xml><?xml version="1.0" encoding="utf-8"?>
+<p:sld xmlns:a="http://schemas.openxmlformats.org/drawingml/2006/main" xmlns:r="http://schemas.openxmlformats.org/officeDocument/2006/relationships" xmlns:p="http://schemas.openxmlformats.org/presentationml/2006/main">
+  <p:cSld>
+    <p:bg>
+      <p:bgPr>
+        <a:gradFill flip="none" rotWithShape="1">
+          <a:gsLst>
+            <a:gs pos="20000">
+              <a:schemeClr val="bg1">
+                <a:lumMod val="95000"/>
+              </a:schemeClr>
+            </a:gs>
+            <a:gs pos="78000">
+              <a:schemeClr val="tx1">
+                <a:lumMod val="95000"/>
+                <a:lumOff val="5000"/>
+              </a:schemeClr>
+            </a:gs>
+          </a:gsLst>
+          <a:path path="circle">
+            <a:fillToRect l="100000" t="100000"/>
+          </a:path>
+          <a:tileRect r="-100000" b="-100000"/>
+        </a:gradFill>
+        <a:effectLst/>
+      </p:bgPr>
+    </p:bg>
+    <p:spTree>
+      <p:nvGrpSpPr>
+        <p:cNvPr id="1" name="">
+          <a:extLst>
+            <a:ext uri="{FF2B5EF4-FFF2-40B4-BE49-F238E27FC236}">
+              <a16:creationId xmlns:a16="http://schemas.microsoft.com/office/drawing/2014/main" id="{B637A06C-FB2B-3B0E-A4C9-D9FCC17BAAF4}"/>
+            </a:ext>
+          </a:extLst>
+        </p:cNvPr>
+        <p:cNvGrpSpPr/>
+        <p:nvPr/>
+      </p:nvGrpSpPr>
+      <p:grpSpPr>
+        <a:xfrm>
+          <a:off x="0" y="0"/>
+          <a:ext cx="0" cy="0"/>
+          <a:chOff x="0" y="0"/>
+          <a:chExt cx="0" cy="0"/>
+        </a:xfrm>
+      </p:grpSpPr>
+      <p:pic>
+        <p:nvPicPr>
+          <p:cNvPr id="27" name="Picture 26">
+            <a:extLst>
+              <a:ext uri="{FF2B5EF4-FFF2-40B4-BE49-F238E27FC236}">
+                <a16:creationId xmlns:a16="http://schemas.microsoft.com/office/drawing/2014/main" id="{20CE0298-B011-39D2-4C16-342007CD083A}"/>
+              </a:ext>
+            </a:extLst>
+          </p:cNvPr>
+          <p:cNvPicPr>
+            <a:picLocks noChangeAspect="1"/>
+          </p:cNvPicPr>
+          <p:nvPr/>
+        </p:nvPicPr>
+        <p:blipFill>
+          <a:blip r:embed="rId2">
+            <a:extLst>
+              <a:ext uri="{28A0092B-C50C-407E-A947-70E740481C1C}">
+                <a14:useLocalDpi xmlns:a14="http://schemas.microsoft.com/office/drawing/2010/main" val="0"/>
+              </a:ext>
+            </a:extLst>
+          </a:blip>
+          <a:srcRect l="44417"/>
+          <a:stretch>
+            <a:fillRect/>
+          </a:stretch>
+        </p:blipFill>
+        <p:spPr>
+          <a:xfrm>
+            <a:off x="4559473" y="-866155"/>
+            <a:ext cx="7632527" cy="7724155"/>
+          </a:xfrm>
+          <a:custGeom>
+            <a:avLst/>
+            <a:gdLst>
+              <a:gd name="connsiteX0" fmla="*/ 3656412 w 6776647"/>
+              <a:gd name="connsiteY0" fmla="*/ 5054965 h 6858000"/>
+              <a:gd name="connsiteX1" fmla="*/ 4113979 w 6776647"/>
+              <a:gd name="connsiteY1" fmla="*/ 5244495 h 6858000"/>
+              <a:gd name="connsiteX2" fmla="*/ 4131893 w 6776647"/>
+              <a:gd name="connsiteY2" fmla="*/ 5262409 h 6858000"/>
+              <a:gd name="connsiteX3" fmla="*/ 4131892 w 6776647"/>
+              <a:gd name="connsiteY3" fmla="*/ 6177545 h 6858000"/>
+              <a:gd name="connsiteX4" fmla="*/ 4043288 w 6776647"/>
+              <a:gd name="connsiteY4" fmla="*/ 6266149 h 6858000"/>
+              <a:gd name="connsiteX5" fmla="*/ 3128155 w 6776647"/>
+              <a:gd name="connsiteY5" fmla="*/ 6266149 h 6858000"/>
+              <a:gd name="connsiteX6" fmla="*/ 3110241 w 6776647"/>
+              <a:gd name="connsiteY6" fmla="*/ 6248235 h 6858000"/>
+              <a:gd name="connsiteX7" fmla="*/ 3110240 w 6776647"/>
+              <a:gd name="connsiteY7" fmla="*/ 5333099 h 6858000"/>
+              <a:gd name="connsiteX8" fmla="*/ 3198844 w 6776647"/>
+              <a:gd name="connsiteY8" fmla="*/ 5244495 h 6858000"/>
+              <a:gd name="connsiteX9" fmla="*/ 3656412 w 6776647"/>
+              <a:gd name="connsiteY9" fmla="*/ 5054965 h 6858000"/>
+              <a:gd name="connsiteX10" fmla="*/ 6776647 w 6776647"/>
+              <a:gd name="connsiteY10" fmla="*/ 4307086 h 6858000"/>
+              <a:gd name="connsiteX11" fmla="*/ 6776647 w 6776647"/>
+              <a:gd name="connsiteY11" fmla="*/ 5306043 h 6858000"/>
+              <a:gd name="connsiteX12" fmla="*/ 5224689 w 6776647"/>
+              <a:gd name="connsiteY12" fmla="*/ 6858000 h 6858000"/>
+              <a:gd name="connsiteX13" fmla="*/ 4225733 w 6776647"/>
+              <a:gd name="connsiteY13" fmla="*/ 6858000 h 6858000"/>
+              <a:gd name="connsiteX14" fmla="*/ 6776647 w 6776647"/>
+              <a:gd name="connsiteY14" fmla="*/ 1775039 h 6858000"/>
+              <a:gd name="connsiteX15" fmla="*/ 6776647 w 6776647"/>
+              <a:gd name="connsiteY15" fmla="*/ 3615452 h 6858000"/>
+              <a:gd name="connsiteX16" fmla="*/ 5493702 w 6776647"/>
+              <a:gd name="connsiteY16" fmla="*/ 4898396 h 6858000"/>
+              <a:gd name="connsiteX17" fmla="*/ 4578567 w 6776647"/>
+              <a:gd name="connsiteY17" fmla="*/ 4898396 h 6858000"/>
+              <a:gd name="connsiteX18" fmla="*/ 4560653 w 6776647"/>
+              <a:gd name="connsiteY18" fmla="*/ 4880482 h 6858000"/>
+              <a:gd name="connsiteX19" fmla="*/ 4560653 w 6776647"/>
+              <a:gd name="connsiteY19" fmla="*/ 3965347 h 6858000"/>
+              <a:gd name="connsiteX20" fmla="*/ 6660166 w 6776647"/>
+              <a:gd name="connsiteY20" fmla="*/ 1865835 h 6858000"/>
+              <a:gd name="connsiteX21" fmla="*/ 6761678 w 6776647"/>
+              <a:gd name="connsiteY21" fmla="*/ 1782916 h 6858000"/>
+              <a:gd name="connsiteX22" fmla="*/ 5881240 w 6776647"/>
+              <a:gd name="connsiteY22" fmla="*/ 18786 h 6858000"/>
+              <a:gd name="connsiteX23" fmla="*/ 6475267 w 6776647"/>
+              <a:gd name="connsiteY23" fmla="*/ 264840 h 6858000"/>
+              <a:gd name="connsiteX24" fmla="*/ 6498525 w 6776647"/>
+              <a:gd name="connsiteY24" fmla="*/ 288097 h 6858000"/>
+              <a:gd name="connsiteX25" fmla="*/ 6498525 w 6776647"/>
+              <a:gd name="connsiteY25" fmla="*/ 1476151 h 6858000"/>
+              <a:gd name="connsiteX26" fmla="*/ 2949108 w 6776647"/>
+              <a:gd name="connsiteY26" fmla="*/ 5025568 h 6858000"/>
+              <a:gd name="connsiteX27" fmla="*/ 1761054 w 6776647"/>
+              <a:gd name="connsiteY27" fmla="*/ 5025568 h 6858000"/>
+              <a:gd name="connsiteX28" fmla="*/ 1737797 w 6776647"/>
+              <a:gd name="connsiteY28" fmla="*/ 5002311 h 6858000"/>
+              <a:gd name="connsiteX29" fmla="*/ 1737797 w 6776647"/>
+              <a:gd name="connsiteY29" fmla="*/ 3814257 h 6858000"/>
+              <a:gd name="connsiteX30" fmla="*/ 5287213 w 6776647"/>
+              <a:gd name="connsiteY30" fmla="*/ 264840 h 6858000"/>
+              <a:gd name="connsiteX31" fmla="*/ 5881240 w 6776647"/>
+              <a:gd name="connsiteY31" fmla="*/ 18786 h 6858000"/>
+              <a:gd name="connsiteX32" fmla="*/ 3421136 w 6776647"/>
+              <a:gd name="connsiteY32" fmla="*/ 0 h 6858000"/>
+              <a:gd name="connsiteX33" fmla="*/ 5065590 w 6776647"/>
+              <a:gd name="connsiteY33" fmla="*/ 0 h 6858000"/>
+              <a:gd name="connsiteX34" fmla="*/ 5058235 w 6776647"/>
+              <a:gd name="connsiteY34" fmla="*/ 13976 h 6858000"/>
+              <a:gd name="connsiteX35" fmla="*/ 4984132 w 6776647"/>
+              <a:gd name="connsiteY35" fmla="*/ 104695 h 6858000"/>
+              <a:gd name="connsiteX36" fmla="*/ 1478980 w 6776647"/>
+              <a:gd name="connsiteY36" fmla="*/ 3609848 h 6858000"/>
+              <a:gd name="connsiteX37" fmla="*/ 661145 w 6776647"/>
+              <a:gd name="connsiteY37" fmla="*/ 3609848 h 6858000"/>
+              <a:gd name="connsiteX38" fmla="*/ 645135 w 6776647"/>
+              <a:gd name="connsiteY38" fmla="*/ 3593837 h 6858000"/>
+              <a:gd name="connsiteX39" fmla="*/ 645135 w 6776647"/>
+              <a:gd name="connsiteY39" fmla="*/ 2776002 h 6858000"/>
+              <a:gd name="connsiteX40" fmla="*/ 1313944 w 6776647"/>
+              <a:gd name="connsiteY40" fmla="*/ 0 h 6858000"/>
+              <a:gd name="connsiteX41" fmla="*/ 2570790 w 6776647"/>
+              <a:gd name="connsiteY41" fmla="*/ 0 h 6858000"/>
+              <a:gd name="connsiteX42" fmla="*/ 2582282 w 6776647"/>
+              <a:gd name="connsiteY42" fmla="*/ 38778 h 6858000"/>
+              <a:gd name="connsiteX43" fmla="*/ 2423489 w 6776647"/>
+              <a:gd name="connsiteY43" fmla="*/ 558147 h 6858000"/>
+              <a:gd name="connsiteX44" fmla="*/ 1003226 w 6776647"/>
+              <a:gd name="connsiteY44" fmla="*/ 1978410 h 6858000"/>
+              <a:gd name="connsiteX45" fmla="*/ 185390 w 6776647"/>
+              <a:gd name="connsiteY45" fmla="*/ 1978410 h 6858000"/>
+              <a:gd name="connsiteX46" fmla="*/ 169380 w 6776647"/>
+              <a:gd name="connsiteY46" fmla="*/ 1962401 h 6858000"/>
+              <a:gd name="connsiteX47" fmla="*/ 169380 w 6776647"/>
+              <a:gd name="connsiteY47" fmla="*/ 1144565 h 6858000"/>
+            </a:gdLst>
+            <a:ahLst/>
+            <a:cxnLst>
+              <a:cxn ang="0">
+                <a:pos x="connsiteX0" y="connsiteY0"/>
+              </a:cxn>
+              <a:cxn ang="0">
+                <a:pos x="connsiteX1" y="connsiteY1"/>
+              </a:cxn>
+              <a:cxn ang="0">
+                <a:pos x="connsiteX2" y="connsiteY2"/>
+              </a:cxn>
+              <a:cxn ang="0">
+                <a:pos x="connsiteX3" y="connsiteY3"/>
+              </a:cxn>
+              <a:cxn ang="0">
+                <a:pos x="connsiteX4" y="connsiteY4"/>
+              </a:cxn>
+              <a:cxn ang="0">
+                <a:pos x="connsiteX5" y="connsiteY5"/>
+              </a:cxn>
+              <a:cxn ang="0">
+                <a:pos x="connsiteX6" y="connsiteY6"/>
+              </a:cxn>
+              <a:cxn ang="0">
+                <a:pos x="connsiteX7" y="connsiteY7"/>
+              </a:cxn>
+              <a:cxn ang="0">
+                <a:pos x="connsiteX8" y="connsiteY8"/>
+              </a:cxn>
+              <a:cxn ang="0">
+                <a:pos x="connsiteX9" y="connsiteY9"/>
+              </a:cxn>
+              <a:cxn ang="0">
+                <a:pos x="connsiteX10" y="connsiteY10"/>
+              </a:cxn>
+              <a:cxn ang="0">
+                <a:pos x="connsiteX11" y="connsiteY11"/>
+              </a:cxn>
+              <a:cxn ang="0">
+                <a:pos x="connsiteX12" y="connsiteY12"/>
+              </a:cxn>
+              <a:cxn ang="0">
+                <a:pos x="connsiteX13" y="connsiteY13"/>
+              </a:cxn>
+              <a:cxn ang="0">
+                <a:pos x="connsiteX14" y="connsiteY14"/>
+              </a:cxn>
+              <a:cxn ang="0">
+                <a:pos x="connsiteX15" y="connsiteY15"/>
+              </a:cxn>
+              <a:cxn ang="0">
+                <a:pos x="connsiteX16" y="connsiteY16"/>
+              </a:cxn>
+              <a:cxn ang="0">
+                <a:pos x="connsiteX17" y="connsiteY17"/>
+              </a:cxn>
+              <a:cxn ang="0">
+                <a:pos x="connsiteX18" y="connsiteY18"/>
+              </a:cxn>
+              <a:cxn ang="0">
+                <a:pos x="connsiteX19" y="connsiteY19"/>
+              </a:cxn>
+              <a:cxn ang="0">
+                <a:pos x="connsiteX20" y="connsiteY20"/>
+              </a:cxn>
+              <a:cxn ang="0">
+                <a:pos x="connsiteX21" y="connsiteY21"/>
+              </a:cxn>
+              <a:cxn ang="0">
+                <a:pos x="connsiteX22" y="connsiteY22"/>
+              </a:cxn>
+              <a:cxn ang="0">
+                <a:pos x="connsiteX23" y="connsiteY23"/>
+              </a:cxn>
+              <a:cxn ang="0">
+                <a:pos x="connsiteX24" y="connsiteY24"/>
+              </a:cxn>
+              <a:cxn ang="0">
+                <a:pos x="connsiteX25" y="connsiteY25"/>
+              </a:cxn>
+              <a:cxn ang="0">
+                <a:pos x="connsiteX26" y="connsiteY26"/>
+              </a:cxn>
+              <a:cxn ang="0">
+                <a:pos x="connsiteX27" y="connsiteY27"/>
+              </a:cxn>
+              <a:cxn ang="0">
+                <a:pos x="connsiteX28" y="connsiteY28"/>
+              </a:cxn>
+              <a:cxn ang="0">
+                <a:pos x="connsiteX29" y="connsiteY29"/>
+              </a:cxn>
+              <a:cxn ang="0">
+                <a:pos x="connsiteX30" y="connsiteY30"/>
+              </a:cxn>
+              <a:cxn ang="0">
+                <a:pos x="connsiteX31" y="connsiteY31"/>
+              </a:cxn>
+              <a:cxn ang="0">
+                <a:pos x="connsiteX32" y="connsiteY32"/>
+              </a:cxn>
+              <a:cxn ang="0">
+                <a:pos x="connsiteX33" y="connsiteY33"/>
+              </a:cxn>
+              <a:cxn ang="0">
+                <a:pos x="connsiteX34" y="connsiteY34"/>
+              </a:cxn>
+              <a:cxn ang="0">
+                <a:pos x="connsiteX35" y="connsiteY35"/>
+              </a:cxn>
+              <a:cxn ang="0">
+                <a:pos x="connsiteX36" y="connsiteY36"/>
+              </a:cxn>
+              <a:cxn ang="0">
+                <a:pos x="connsiteX37" y="connsiteY37"/>
+              </a:cxn>
+              <a:cxn ang="0">
+                <a:pos x="connsiteX38" y="connsiteY38"/>
+              </a:cxn>
+              <a:cxn ang="0">
+                <a:pos x="connsiteX39" y="connsiteY39"/>
+              </a:cxn>
+              <a:cxn ang="0">
+                <a:pos x="connsiteX40" y="connsiteY40"/>
+              </a:cxn>
+              <a:cxn ang="0">
+                <a:pos x="connsiteX41" y="connsiteY41"/>
+              </a:cxn>
+              <a:cxn ang="0">
+                <a:pos x="connsiteX42" y="connsiteY42"/>
+              </a:cxn>
+              <a:cxn ang="0">
+                <a:pos x="connsiteX43" y="connsiteY43"/>
+              </a:cxn>
+              <a:cxn ang="0">
+                <a:pos x="connsiteX44" y="connsiteY44"/>
+              </a:cxn>
+              <a:cxn ang="0">
+                <a:pos x="connsiteX45" y="connsiteY45"/>
+              </a:cxn>
+              <a:cxn ang="0">
+                <a:pos x="connsiteX46" y="connsiteY46"/>
+              </a:cxn>
+              <a:cxn ang="0">
+                <a:pos x="connsiteX47" y="connsiteY47"/>
+              </a:cxn>
+            </a:cxnLst>
+            <a:rect l="l" t="t" r="r" b="b"/>
+            <a:pathLst>
+              <a:path w="6776647" h="6858000">
+                <a:moveTo>
+                  <a:pt x="3656412" y="5054965"/>
+                </a:moveTo>
+                <a:cubicBezTo>
+                  <a:pt x="3822019" y="5054965"/>
+                  <a:pt x="3987625" y="5118142"/>
+                  <a:pt x="4113979" y="5244495"/>
+                </a:cubicBezTo>
+                <a:lnTo>
+                  <a:pt x="4131893" y="5262409"/>
+                </a:lnTo>
+                <a:cubicBezTo>
+                  <a:pt x="4384601" y="5515117"/>
+                  <a:pt x="4384601" y="5924838"/>
+                  <a:pt x="4131892" y="6177545"/>
+                </a:cubicBezTo>
+                <a:lnTo>
+                  <a:pt x="4043288" y="6266149"/>
+                </a:lnTo>
+                <a:cubicBezTo>
+                  <a:pt x="3790582" y="6518855"/>
+                  <a:pt x="3380861" y="6518855"/>
+                  <a:pt x="3128155" y="6266149"/>
+                </a:cubicBezTo>
+                <a:lnTo>
+                  <a:pt x="3110241" y="6248235"/>
+                </a:lnTo>
+                <a:cubicBezTo>
+                  <a:pt x="2857533" y="5995527"/>
+                  <a:pt x="2857533" y="5585807"/>
+                  <a:pt x="3110240" y="5333099"/>
+                </a:cubicBezTo>
+                <a:lnTo>
+                  <a:pt x="3198844" y="5244495"/>
+                </a:lnTo>
+                <a:cubicBezTo>
+                  <a:pt x="3325198" y="5118143"/>
+                  <a:pt x="3490804" y="5054965"/>
+                  <a:pt x="3656412" y="5054965"/>
+                </a:cubicBezTo>
+                <a:close/>
+                <a:moveTo>
+                  <a:pt x="6776647" y="4307086"/>
+                </a:moveTo>
+                <a:lnTo>
+                  <a:pt x="6776647" y="5306043"/>
+                </a:lnTo>
+                <a:lnTo>
+                  <a:pt x="5224689" y="6858000"/>
+                </a:lnTo>
+                <a:lnTo>
+                  <a:pt x="4225733" y="6858000"/>
+                </a:lnTo>
+                <a:close/>
+                <a:moveTo>
+                  <a:pt x="6776647" y="1775039"/>
+                </a:moveTo>
+                <a:lnTo>
+                  <a:pt x="6776647" y="3615452"/>
+                </a:lnTo>
+                <a:lnTo>
+                  <a:pt x="5493702" y="4898396"/>
+                </a:lnTo>
+                <a:cubicBezTo>
+                  <a:pt x="5240995" y="5151104"/>
+                  <a:pt x="4831276" y="5151103"/>
+                  <a:pt x="4578567" y="4898396"/>
+                </a:cubicBezTo>
+                <a:lnTo>
+                  <a:pt x="4560653" y="4880482"/>
+                </a:lnTo>
+                <a:cubicBezTo>
+                  <a:pt x="4307946" y="4627775"/>
+                  <a:pt x="4307946" y="4218054"/>
+                  <a:pt x="4560653" y="3965347"/>
+                </a:cubicBezTo>
+                <a:lnTo>
+                  <a:pt x="6660166" y="1865835"/>
+                </a:lnTo>
+                <a:cubicBezTo>
+                  <a:pt x="6691755" y="1834247"/>
+                  <a:pt x="6725796" y="1806607"/>
+                  <a:pt x="6761678" y="1782916"/>
+                </a:cubicBezTo>
+                <a:close/>
+                <a:moveTo>
+                  <a:pt x="5881240" y="18786"/>
+                </a:moveTo>
+                <a:cubicBezTo>
+                  <a:pt x="6096236" y="18786"/>
+                  <a:pt x="6311231" y="100804"/>
+                  <a:pt x="6475267" y="264840"/>
+                </a:cubicBezTo>
+                <a:lnTo>
+                  <a:pt x="6498525" y="288097"/>
+                </a:lnTo>
+                <a:cubicBezTo>
+                  <a:pt x="6826598" y="616169"/>
+                  <a:pt x="6826598" y="1148079"/>
+                  <a:pt x="6498525" y="1476151"/>
+                </a:cubicBezTo>
+                <a:lnTo>
+                  <a:pt x="2949108" y="5025568"/>
+                </a:lnTo>
+                <a:cubicBezTo>
+                  <a:pt x="2621036" y="5353640"/>
+                  <a:pt x="2089127" y="5353640"/>
+                  <a:pt x="1761054" y="5025568"/>
+                </a:cubicBezTo>
+                <a:lnTo>
+                  <a:pt x="1737797" y="5002311"/>
+                </a:lnTo>
+                <a:cubicBezTo>
+                  <a:pt x="1409725" y="4674239"/>
+                  <a:pt x="1409725" y="4142329"/>
+                  <a:pt x="1737797" y="3814257"/>
+                </a:cubicBezTo>
+                <a:lnTo>
+                  <a:pt x="5287213" y="264840"/>
+                </a:lnTo>
+                <a:cubicBezTo>
+                  <a:pt x="5451251" y="100804"/>
+                  <a:pt x="5666245" y="18785"/>
+                  <a:pt x="5881240" y="18786"/>
+                </a:cubicBezTo>
+                <a:close/>
+                <a:moveTo>
+                  <a:pt x="3421136" y="0"/>
+                </a:moveTo>
+                <a:lnTo>
+                  <a:pt x="5065590" y="0"/>
+                </a:lnTo>
+                <a:lnTo>
+                  <a:pt x="5058235" y="13976"/>
+                </a:lnTo>
+                <a:cubicBezTo>
+                  <a:pt x="5037063" y="46043"/>
+                  <a:pt x="5012362" y="76465"/>
+                  <a:pt x="4984132" y="104695"/>
+                </a:cubicBezTo>
+                <a:lnTo>
+                  <a:pt x="1478980" y="3609848"/>
+                </a:lnTo>
+                <a:cubicBezTo>
+                  <a:pt x="1253141" y="3835687"/>
+                  <a:pt x="886985" y="3835687"/>
+                  <a:pt x="661145" y="3609848"/>
+                </a:cubicBezTo>
+                <a:lnTo>
+                  <a:pt x="645135" y="3593837"/>
+                </a:lnTo>
+                <a:cubicBezTo>
+                  <a:pt x="419295" y="3367998"/>
+                  <a:pt x="419295" y="3001841"/>
+                  <a:pt x="645135" y="2776002"/>
+                </a:cubicBezTo>
+                <a:close/>
+                <a:moveTo>
+                  <a:pt x="1313944" y="0"/>
+                </a:moveTo>
+                <a:lnTo>
+                  <a:pt x="2570790" y="0"/>
+                </a:lnTo>
+                <a:lnTo>
+                  <a:pt x="2582282" y="38778"/>
+                </a:lnTo>
+                <a:cubicBezTo>
+                  <a:pt x="2617570" y="221036"/>
+                  <a:pt x="2564639" y="416997"/>
+                  <a:pt x="2423489" y="558147"/>
+                </a:cubicBezTo>
+                <a:lnTo>
+                  <a:pt x="1003226" y="1978410"/>
+                </a:lnTo>
+                <a:cubicBezTo>
+                  <a:pt x="777387" y="2204250"/>
+                  <a:pt x="411230" y="2204250"/>
+                  <a:pt x="185390" y="1978410"/>
+                </a:cubicBezTo>
+                <a:lnTo>
+                  <a:pt x="169380" y="1962401"/>
+                </a:lnTo>
+                <a:cubicBezTo>
+                  <a:pt x="-56460" y="1736561"/>
+                  <a:pt x="-56460" y="1370404"/>
+                  <a:pt x="169380" y="1144565"/>
+                </a:cubicBezTo>
+                <a:close/>
+              </a:path>
+            </a:pathLst>
+          </a:custGeom>
+          <a:effectLst>
+            <a:innerShdw blurRad="63500" dist="50800" dir="16200000">
+              <a:prstClr val="black">
+                <a:alpha val="50000"/>
+              </a:prstClr>
+            </a:innerShdw>
+          </a:effectLst>
+        </p:spPr>
+      </p:pic>
+      <p:sp>
+        <p:nvSpPr>
+          <p:cNvPr id="28" name="TextBox 27">
+            <a:extLst>
+              <a:ext uri="{FF2B5EF4-FFF2-40B4-BE49-F238E27FC236}">
                 <a16:creationId xmlns:a16="http://schemas.microsoft.com/office/drawing/2014/main" id="{F58C5928-10E9-780D-B37F-27DFCEE2839F}"/>
               </a:ext>
             </a:extLst>
@@ -9466,6 +10489,6541 @@
     <p:extLst>
       <p:ext uri="{BB962C8B-B14F-4D97-AF65-F5344CB8AC3E}">
         <p14:creationId xmlns:p14="http://schemas.microsoft.com/office/powerpoint/2010/main" val="4214354018"/>
+      </p:ext>
+    </p:extLst>
+  </p:cSld>
+  <p:clrMapOvr>
+    <a:masterClrMapping/>
+  </p:clrMapOvr>
+</p:sld>
+</file>
+
+<file path=ppt/slides/slide2.xml><?xml version="1.0" encoding="utf-8"?>
+<p:sld xmlns:a="http://schemas.openxmlformats.org/drawingml/2006/main" xmlns:r="http://schemas.openxmlformats.org/officeDocument/2006/relationships" xmlns:p="http://schemas.openxmlformats.org/presentationml/2006/main">
+  <p:cSld>
+    <p:bg>
+      <p:bgPr>
+        <a:gradFill flip="none" rotWithShape="1">
+          <a:gsLst>
+            <a:gs pos="20000">
+              <a:schemeClr val="bg1">
+                <a:lumMod val="95000"/>
+              </a:schemeClr>
+            </a:gs>
+            <a:gs pos="78000">
+              <a:schemeClr val="tx1">
+                <a:lumMod val="95000"/>
+                <a:lumOff val="5000"/>
+              </a:schemeClr>
+            </a:gs>
+          </a:gsLst>
+          <a:path path="circle">
+            <a:fillToRect l="100000" t="100000"/>
+          </a:path>
+          <a:tileRect r="-100000" b="-100000"/>
+        </a:gradFill>
+        <a:effectLst/>
+      </p:bgPr>
+    </p:bg>
+    <p:spTree>
+      <p:nvGrpSpPr>
+        <p:cNvPr id="1" name="">
+          <a:extLst>
+            <a:ext uri="{FF2B5EF4-FFF2-40B4-BE49-F238E27FC236}">
+              <a16:creationId xmlns:a16="http://schemas.microsoft.com/office/drawing/2014/main" id="{0533F697-EA32-8C84-20FE-B07A69138674}"/>
+            </a:ext>
+          </a:extLst>
+        </p:cNvPr>
+        <p:cNvGrpSpPr/>
+        <p:nvPr/>
+      </p:nvGrpSpPr>
+      <p:grpSpPr>
+        <a:xfrm>
+          <a:off x="0" y="0"/>
+          <a:ext cx="0" cy="0"/>
+          <a:chOff x="0" y="0"/>
+          <a:chExt cx="0" cy="0"/>
+        </a:xfrm>
+      </p:grpSpPr>
+      <p:pic>
+        <p:nvPicPr>
+          <p:cNvPr id="27" name="Picture 26">
+            <a:extLst>
+              <a:ext uri="{FF2B5EF4-FFF2-40B4-BE49-F238E27FC236}">
+                <a16:creationId xmlns:a16="http://schemas.microsoft.com/office/drawing/2014/main" id="{ED53A0A2-9EC3-189A-13AC-3C1CDF3A620F}"/>
+              </a:ext>
+            </a:extLst>
+          </p:cNvPr>
+          <p:cNvPicPr>
+            <a:picLocks noChangeAspect="1"/>
+          </p:cNvPicPr>
+          <p:nvPr/>
+        </p:nvPicPr>
+        <p:blipFill>
+          <a:blip r:embed="rId2">
+            <a:extLst>
+              <a:ext uri="{28A0092B-C50C-407E-A947-70E740481C1C}">
+                <a14:useLocalDpi xmlns:a14="http://schemas.microsoft.com/office/drawing/2010/main" val="0"/>
+              </a:ext>
+            </a:extLst>
+          </a:blip>
+          <a:srcRect l="44417"/>
+          <a:stretch>
+            <a:fillRect/>
+          </a:stretch>
+        </p:blipFill>
+        <p:spPr>
+          <a:xfrm>
+            <a:off x="4559473" y="-866155"/>
+            <a:ext cx="7632527" cy="7724155"/>
+          </a:xfrm>
+          <a:custGeom>
+            <a:avLst/>
+            <a:gdLst>
+              <a:gd name="connsiteX0" fmla="*/ 3656412 w 6776647"/>
+              <a:gd name="connsiteY0" fmla="*/ 5054965 h 6858000"/>
+              <a:gd name="connsiteX1" fmla="*/ 4113979 w 6776647"/>
+              <a:gd name="connsiteY1" fmla="*/ 5244495 h 6858000"/>
+              <a:gd name="connsiteX2" fmla="*/ 4131893 w 6776647"/>
+              <a:gd name="connsiteY2" fmla="*/ 5262409 h 6858000"/>
+              <a:gd name="connsiteX3" fmla="*/ 4131892 w 6776647"/>
+              <a:gd name="connsiteY3" fmla="*/ 6177545 h 6858000"/>
+              <a:gd name="connsiteX4" fmla="*/ 4043288 w 6776647"/>
+              <a:gd name="connsiteY4" fmla="*/ 6266149 h 6858000"/>
+              <a:gd name="connsiteX5" fmla="*/ 3128155 w 6776647"/>
+              <a:gd name="connsiteY5" fmla="*/ 6266149 h 6858000"/>
+              <a:gd name="connsiteX6" fmla="*/ 3110241 w 6776647"/>
+              <a:gd name="connsiteY6" fmla="*/ 6248235 h 6858000"/>
+              <a:gd name="connsiteX7" fmla="*/ 3110240 w 6776647"/>
+              <a:gd name="connsiteY7" fmla="*/ 5333099 h 6858000"/>
+              <a:gd name="connsiteX8" fmla="*/ 3198844 w 6776647"/>
+              <a:gd name="connsiteY8" fmla="*/ 5244495 h 6858000"/>
+              <a:gd name="connsiteX9" fmla="*/ 3656412 w 6776647"/>
+              <a:gd name="connsiteY9" fmla="*/ 5054965 h 6858000"/>
+              <a:gd name="connsiteX10" fmla="*/ 6776647 w 6776647"/>
+              <a:gd name="connsiteY10" fmla="*/ 4307086 h 6858000"/>
+              <a:gd name="connsiteX11" fmla="*/ 6776647 w 6776647"/>
+              <a:gd name="connsiteY11" fmla="*/ 5306043 h 6858000"/>
+              <a:gd name="connsiteX12" fmla="*/ 5224689 w 6776647"/>
+              <a:gd name="connsiteY12" fmla="*/ 6858000 h 6858000"/>
+              <a:gd name="connsiteX13" fmla="*/ 4225733 w 6776647"/>
+              <a:gd name="connsiteY13" fmla="*/ 6858000 h 6858000"/>
+              <a:gd name="connsiteX14" fmla="*/ 6776647 w 6776647"/>
+              <a:gd name="connsiteY14" fmla="*/ 1775039 h 6858000"/>
+              <a:gd name="connsiteX15" fmla="*/ 6776647 w 6776647"/>
+              <a:gd name="connsiteY15" fmla="*/ 3615452 h 6858000"/>
+              <a:gd name="connsiteX16" fmla="*/ 5493702 w 6776647"/>
+              <a:gd name="connsiteY16" fmla="*/ 4898396 h 6858000"/>
+              <a:gd name="connsiteX17" fmla="*/ 4578567 w 6776647"/>
+              <a:gd name="connsiteY17" fmla="*/ 4898396 h 6858000"/>
+              <a:gd name="connsiteX18" fmla="*/ 4560653 w 6776647"/>
+              <a:gd name="connsiteY18" fmla="*/ 4880482 h 6858000"/>
+              <a:gd name="connsiteX19" fmla="*/ 4560653 w 6776647"/>
+              <a:gd name="connsiteY19" fmla="*/ 3965347 h 6858000"/>
+              <a:gd name="connsiteX20" fmla="*/ 6660166 w 6776647"/>
+              <a:gd name="connsiteY20" fmla="*/ 1865835 h 6858000"/>
+              <a:gd name="connsiteX21" fmla="*/ 6761678 w 6776647"/>
+              <a:gd name="connsiteY21" fmla="*/ 1782916 h 6858000"/>
+              <a:gd name="connsiteX22" fmla="*/ 5881240 w 6776647"/>
+              <a:gd name="connsiteY22" fmla="*/ 18786 h 6858000"/>
+              <a:gd name="connsiteX23" fmla="*/ 6475267 w 6776647"/>
+              <a:gd name="connsiteY23" fmla="*/ 264840 h 6858000"/>
+              <a:gd name="connsiteX24" fmla="*/ 6498525 w 6776647"/>
+              <a:gd name="connsiteY24" fmla="*/ 288097 h 6858000"/>
+              <a:gd name="connsiteX25" fmla="*/ 6498525 w 6776647"/>
+              <a:gd name="connsiteY25" fmla="*/ 1476151 h 6858000"/>
+              <a:gd name="connsiteX26" fmla="*/ 2949108 w 6776647"/>
+              <a:gd name="connsiteY26" fmla="*/ 5025568 h 6858000"/>
+              <a:gd name="connsiteX27" fmla="*/ 1761054 w 6776647"/>
+              <a:gd name="connsiteY27" fmla="*/ 5025568 h 6858000"/>
+              <a:gd name="connsiteX28" fmla="*/ 1737797 w 6776647"/>
+              <a:gd name="connsiteY28" fmla="*/ 5002311 h 6858000"/>
+              <a:gd name="connsiteX29" fmla="*/ 1737797 w 6776647"/>
+              <a:gd name="connsiteY29" fmla="*/ 3814257 h 6858000"/>
+              <a:gd name="connsiteX30" fmla="*/ 5287213 w 6776647"/>
+              <a:gd name="connsiteY30" fmla="*/ 264840 h 6858000"/>
+              <a:gd name="connsiteX31" fmla="*/ 5881240 w 6776647"/>
+              <a:gd name="connsiteY31" fmla="*/ 18786 h 6858000"/>
+              <a:gd name="connsiteX32" fmla="*/ 3421136 w 6776647"/>
+              <a:gd name="connsiteY32" fmla="*/ 0 h 6858000"/>
+              <a:gd name="connsiteX33" fmla="*/ 5065590 w 6776647"/>
+              <a:gd name="connsiteY33" fmla="*/ 0 h 6858000"/>
+              <a:gd name="connsiteX34" fmla="*/ 5058235 w 6776647"/>
+              <a:gd name="connsiteY34" fmla="*/ 13976 h 6858000"/>
+              <a:gd name="connsiteX35" fmla="*/ 4984132 w 6776647"/>
+              <a:gd name="connsiteY35" fmla="*/ 104695 h 6858000"/>
+              <a:gd name="connsiteX36" fmla="*/ 1478980 w 6776647"/>
+              <a:gd name="connsiteY36" fmla="*/ 3609848 h 6858000"/>
+              <a:gd name="connsiteX37" fmla="*/ 661145 w 6776647"/>
+              <a:gd name="connsiteY37" fmla="*/ 3609848 h 6858000"/>
+              <a:gd name="connsiteX38" fmla="*/ 645135 w 6776647"/>
+              <a:gd name="connsiteY38" fmla="*/ 3593837 h 6858000"/>
+              <a:gd name="connsiteX39" fmla="*/ 645135 w 6776647"/>
+              <a:gd name="connsiteY39" fmla="*/ 2776002 h 6858000"/>
+              <a:gd name="connsiteX40" fmla="*/ 1313944 w 6776647"/>
+              <a:gd name="connsiteY40" fmla="*/ 0 h 6858000"/>
+              <a:gd name="connsiteX41" fmla="*/ 2570790 w 6776647"/>
+              <a:gd name="connsiteY41" fmla="*/ 0 h 6858000"/>
+              <a:gd name="connsiteX42" fmla="*/ 2582282 w 6776647"/>
+              <a:gd name="connsiteY42" fmla="*/ 38778 h 6858000"/>
+              <a:gd name="connsiteX43" fmla="*/ 2423489 w 6776647"/>
+              <a:gd name="connsiteY43" fmla="*/ 558147 h 6858000"/>
+              <a:gd name="connsiteX44" fmla="*/ 1003226 w 6776647"/>
+              <a:gd name="connsiteY44" fmla="*/ 1978410 h 6858000"/>
+              <a:gd name="connsiteX45" fmla="*/ 185390 w 6776647"/>
+              <a:gd name="connsiteY45" fmla="*/ 1978410 h 6858000"/>
+              <a:gd name="connsiteX46" fmla="*/ 169380 w 6776647"/>
+              <a:gd name="connsiteY46" fmla="*/ 1962401 h 6858000"/>
+              <a:gd name="connsiteX47" fmla="*/ 169380 w 6776647"/>
+              <a:gd name="connsiteY47" fmla="*/ 1144565 h 6858000"/>
+            </a:gdLst>
+            <a:ahLst/>
+            <a:cxnLst>
+              <a:cxn ang="0">
+                <a:pos x="connsiteX0" y="connsiteY0"/>
+              </a:cxn>
+              <a:cxn ang="0">
+                <a:pos x="connsiteX1" y="connsiteY1"/>
+              </a:cxn>
+              <a:cxn ang="0">
+                <a:pos x="connsiteX2" y="connsiteY2"/>
+              </a:cxn>
+              <a:cxn ang="0">
+                <a:pos x="connsiteX3" y="connsiteY3"/>
+              </a:cxn>
+              <a:cxn ang="0">
+                <a:pos x="connsiteX4" y="connsiteY4"/>
+              </a:cxn>
+              <a:cxn ang="0">
+                <a:pos x="connsiteX5" y="connsiteY5"/>
+              </a:cxn>
+              <a:cxn ang="0">
+                <a:pos x="connsiteX6" y="connsiteY6"/>
+              </a:cxn>
+              <a:cxn ang="0">
+                <a:pos x="connsiteX7" y="connsiteY7"/>
+              </a:cxn>
+              <a:cxn ang="0">
+                <a:pos x="connsiteX8" y="connsiteY8"/>
+              </a:cxn>
+              <a:cxn ang="0">
+                <a:pos x="connsiteX9" y="connsiteY9"/>
+              </a:cxn>
+              <a:cxn ang="0">
+                <a:pos x="connsiteX10" y="connsiteY10"/>
+              </a:cxn>
+              <a:cxn ang="0">
+                <a:pos x="connsiteX11" y="connsiteY11"/>
+              </a:cxn>
+              <a:cxn ang="0">
+                <a:pos x="connsiteX12" y="connsiteY12"/>
+              </a:cxn>
+              <a:cxn ang="0">
+                <a:pos x="connsiteX13" y="connsiteY13"/>
+              </a:cxn>
+              <a:cxn ang="0">
+                <a:pos x="connsiteX14" y="connsiteY14"/>
+              </a:cxn>
+              <a:cxn ang="0">
+                <a:pos x="connsiteX15" y="connsiteY15"/>
+              </a:cxn>
+              <a:cxn ang="0">
+                <a:pos x="connsiteX16" y="connsiteY16"/>
+              </a:cxn>
+              <a:cxn ang="0">
+                <a:pos x="connsiteX17" y="connsiteY17"/>
+              </a:cxn>
+              <a:cxn ang="0">
+                <a:pos x="connsiteX18" y="connsiteY18"/>
+              </a:cxn>
+              <a:cxn ang="0">
+                <a:pos x="connsiteX19" y="connsiteY19"/>
+              </a:cxn>
+              <a:cxn ang="0">
+                <a:pos x="connsiteX20" y="connsiteY20"/>
+              </a:cxn>
+              <a:cxn ang="0">
+                <a:pos x="connsiteX21" y="connsiteY21"/>
+              </a:cxn>
+              <a:cxn ang="0">
+                <a:pos x="connsiteX22" y="connsiteY22"/>
+              </a:cxn>
+              <a:cxn ang="0">
+                <a:pos x="connsiteX23" y="connsiteY23"/>
+              </a:cxn>
+              <a:cxn ang="0">
+                <a:pos x="connsiteX24" y="connsiteY24"/>
+              </a:cxn>
+              <a:cxn ang="0">
+                <a:pos x="connsiteX25" y="connsiteY25"/>
+              </a:cxn>
+              <a:cxn ang="0">
+                <a:pos x="connsiteX26" y="connsiteY26"/>
+              </a:cxn>
+              <a:cxn ang="0">
+                <a:pos x="connsiteX27" y="connsiteY27"/>
+              </a:cxn>
+              <a:cxn ang="0">
+                <a:pos x="connsiteX28" y="connsiteY28"/>
+              </a:cxn>
+              <a:cxn ang="0">
+                <a:pos x="connsiteX29" y="connsiteY29"/>
+              </a:cxn>
+              <a:cxn ang="0">
+                <a:pos x="connsiteX30" y="connsiteY30"/>
+              </a:cxn>
+              <a:cxn ang="0">
+                <a:pos x="connsiteX31" y="connsiteY31"/>
+              </a:cxn>
+              <a:cxn ang="0">
+                <a:pos x="connsiteX32" y="connsiteY32"/>
+              </a:cxn>
+              <a:cxn ang="0">
+                <a:pos x="connsiteX33" y="connsiteY33"/>
+              </a:cxn>
+              <a:cxn ang="0">
+                <a:pos x="connsiteX34" y="connsiteY34"/>
+              </a:cxn>
+              <a:cxn ang="0">
+                <a:pos x="connsiteX35" y="connsiteY35"/>
+              </a:cxn>
+              <a:cxn ang="0">
+                <a:pos x="connsiteX36" y="connsiteY36"/>
+              </a:cxn>
+              <a:cxn ang="0">
+                <a:pos x="connsiteX37" y="connsiteY37"/>
+              </a:cxn>
+              <a:cxn ang="0">
+                <a:pos x="connsiteX38" y="connsiteY38"/>
+              </a:cxn>
+              <a:cxn ang="0">
+                <a:pos x="connsiteX39" y="connsiteY39"/>
+              </a:cxn>
+              <a:cxn ang="0">
+                <a:pos x="connsiteX40" y="connsiteY40"/>
+              </a:cxn>
+              <a:cxn ang="0">
+                <a:pos x="connsiteX41" y="connsiteY41"/>
+              </a:cxn>
+              <a:cxn ang="0">
+                <a:pos x="connsiteX42" y="connsiteY42"/>
+              </a:cxn>
+              <a:cxn ang="0">
+                <a:pos x="connsiteX43" y="connsiteY43"/>
+              </a:cxn>
+              <a:cxn ang="0">
+                <a:pos x="connsiteX44" y="connsiteY44"/>
+              </a:cxn>
+              <a:cxn ang="0">
+                <a:pos x="connsiteX45" y="connsiteY45"/>
+              </a:cxn>
+              <a:cxn ang="0">
+                <a:pos x="connsiteX46" y="connsiteY46"/>
+              </a:cxn>
+              <a:cxn ang="0">
+                <a:pos x="connsiteX47" y="connsiteY47"/>
+              </a:cxn>
+            </a:cxnLst>
+            <a:rect l="l" t="t" r="r" b="b"/>
+            <a:pathLst>
+              <a:path w="6776647" h="6858000">
+                <a:moveTo>
+                  <a:pt x="3656412" y="5054965"/>
+                </a:moveTo>
+                <a:cubicBezTo>
+                  <a:pt x="3822019" y="5054965"/>
+                  <a:pt x="3987625" y="5118142"/>
+                  <a:pt x="4113979" y="5244495"/>
+                </a:cubicBezTo>
+                <a:lnTo>
+                  <a:pt x="4131893" y="5262409"/>
+                </a:lnTo>
+                <a:cubicBezTo>
+                  <a:pt x="4384601" y="5515117"/>
+                  <a:pt x="4384601" y="5924838"/>
+                  <a:pt x="4131892" y="6177545"/>
+                </a:cubicBezTo>
+                <a:lnTo>
+                  <a:pt x="4043288" y="6266149"/>
+                </a:lnTo>
+                <a:cubicBezTo>
+                  <a:pt x="3790582" y="6518855"/>
+                  <a:pt x="3380861" y="6518855"/>
+                  <a:pt x="3128155" y="6266149"/>
+                </a:cubicBezTo>
+                <a:lnTo>
+                  <a:pt x="3110241" y="6248235"/>
+                </a:lnTo>
+                <a:cubicBezTo>
+                  <a:pt x="2857533" y="5995527"/>
+                  <a:pt x="2857533" y="5585807"/>
+                  <a:pt x="3110240" y="5333099"/>
+                </a:cubicBezTo>
+                <a:lnTo>
+                  <a:pt x="3198844" y="5244495"/>
+                </a:lnTo>
+                <a:cubicBezTo>
+                  <a:pt x="3325198" y="5118143"/>
+                  <a:pt x="3490804" y="5054965"/>
+                  <a:pt x="3656412" y="5054965"/>
+                </a:cubicBezTo>
+                <a:close/>
+                <a:moveTo>
+                  <a:pt x="6776647" y="4307086"/>
+                </a:moveTo>
+                <a:lnTo>
+                  <a:pt x="6776647" y="5306043"/>
+                </a:lnTo>
+                <a:lnTo>
+                  <a:pt x="5224689" y="6858000"/>
+                </a:lnTo>
+                <a:lnTo>
+                  <a:pt x="4225733" y="6858000"/>
+                </a:lnTo>
+                <a:close/>
+                <a:moveTo>
+                  <a:pt x="6776647" y="1775039"/>
+                </a:moveTo>
+                <a:lnTo>
+                  <a:pt x="6776647" y="3615452"/>
+                </a:lnTo>
+                <a:lnTo>
+                  <a:pt x="5493702" y="4898396"/>
+                </a:lnTo>
+                <a:cubicBezTo>
+                  <a:pt x="5240995" y="5151104"/>
+                  <a:pt x="4831276" y="5151103"/>
+                  <a:pt x="4578567" y="4898396"/>
+                </a:cubicBezTo>
+                <a:lnTo>
+                  <a:pt x="4560653" y="4880482"/>
+                </a:lnTo>
+                <a:cubicBezTo>
+                  <a:pt x="4307946" y="4627775"/>
+                  <a:pt x="4307946" y="4218054"/>
+                  <a:pt x="4560653" y="3965347"/>
+                </a:cubicBezTo>
+                <a:lnTo>
+                  <a:pt x="6660166" y="1865835"/>
+                </a:lnTo>
+                <a:cubicBezTo>
+                  <a:pt x="6691755" y="1834247"/>
+                  <a:pt x="6725796" y="1806607"/>
+                  <a:pt x="6761678" y="1782916"/>
+                </a:cubicBezTo>
+                <a:close/>
+                <a:moveTo>
+                  <a:pt x="5881240" y="18786"/>
+                </a:moveTo>
+                <a:cubicBezTo>
+                  <a:pt x="6096236" y="18786"/>
+                  <a:pt x="6311231" y="100804"/>
+                  <a:pt x="6475267" y="264840"/>
+                </a:cubicBezTo>
+                <a:lnTo>
+                  <a:pt x="6498525" y="288097"/>
+                </a:lnTo>
+                <a:cubicBezTo>
+                  <a:pt x="6826598" y="616169"/>
+                  <a:pt x="6826598" y="1148079"/>
+                  <a:pt x="6498525" y="1476151"/>
+                </a:cubicBezTo>
+                <a:lnTo>
+                  <a:pt x="2949108" y="5025568"/>
+                </a:lnTo>
+                <a:cubicBezTo>
+                  <a:pt x="2621036" y="5353640"/>
+                  <a:pt x="2089127" y="5353640"/>
+                  <a:pt x="1761054" y="5025568"/>
+                </a:cubicBezTo>
+                <a:lnTo>
+                  <a:pt x="1737797" y="5002311"/>
+                </a:lnTo>
+                <a:cubicBezTo>
+                  <a:pt x="1409725" y="4674239"/>
+                  <a:pt x="1409725" y="4142329"/>
+                  <a:pt x="1737797" y="3814257"/>
+                </a:cubicBezTo>
+                <a:lnTo>
+                  <a:pt x="5287213" y="264840"/>
+                </a:lnTo>
+                <a:cubicBezTo>
+                  <a:pt x="5451251" y="100804"/>
+                  <a:pt x="5666245" y="18785"/>
+                  <a:pt x="5881240" y="18786"/>
+                </a:cubicBezTo>
+                <a:close/>
+                <a:moveTo>
+                  <a:pt x="3421136" y="0"/>
+                </a:moveTo>
+                <a:lnTo>
+                  <a:pt x="5065590" y="0"/>
+                </a:lnTo>
+                <a:lnTo>
+                  <a:pt x="5058235" y="13976"/>
+                </a:lnTo>
+                <a:cubicBezTo>
+                  <a:pt x="5037063" y="46043"/>
+                  <a:pt x="5012362" y="76465"/>
+                  <a:pt x="4984132" y="104695"/>
+                </a:cubicBezTo>
+                <a:lnTo>
+                  <a:pt x="1478980" y="3609848"/>
+                </a:lnTo>
+                <a:cubicBezTo>
+                  <a:pt x="1253141" y="3835687"/>
+                  <a:pt x="886985" y="3835687"/>
+                  <a:pt x="661145" y="3609848"/>
+                </a:cubicBezTo>
+                <a:lnTo>
+                  <a:pt x="645135" y="3593837"/>
+                </a:lnTo>
+                <a:cubicBezTo>
+                  <a:pt x="419295" y="3367998"/>
+                  <a:pt x="419295" y="3001841"/>
+                  <a:pt x="645135" y="2776002"/>
+                </a:cubicBezTo>
+                <a:close/>
+                <a:moveTo>
+                  <a:pt x="1313944" y="0"/>
+                </a:moveTo>
+                <a:lnTo>
+                  <a:pt x="2570790" y="0"/>
+                </a:lnTo>
+                <a:lnTo>
+                  <a:pt x="2582282" y="38778"/>
+                </a:lnTo>
+                <a:cubicBezTo>
+                  <a:pt x="2617570" y="221036"/>
+                  <a:pt x="2564639" y="416997"/>
+                  <a:pt x="2423489" y="558147"/>
+                </a:cubicBezTo>
+                <a:lnTo>
+                  <a:pt x="1003226" y="1978410"/>
+                </a:lnTo>
+                <a:cubicBezTo>
+                  <a:pt x="777387" y="2204250"/>
+                  <a:pt x="411230" y="2204250"/>
+                  <a:pt x="185390" y="1978410"/>
+                </a:cubicBezTo>
+                <a:lnTo>
+                  <a:pt x="169380" y="1962401"/>
+                </a:lnTo>
+                <a:cubicBezTo>
+                  <a:pt x="-56460" y="1736561"/>
+                  <a:pt x="-56460" y="1370404"/>
+                  <a:pt x="169380" y="1144565"/>
+                </a:cubicBezTo>
+                <a:close/>
+              </a:path>
+            </a:pathLst>
+          </a:custGeom>
+          <a:effectLst>
+            <a:innerShdw blurRad="63500" dist="50800" dir="16200000">
+              <a:prstClr val="black">
+                <a:alpha val="50000"/>
+              </a:prstClr>
+            </a:innerShdw>
+          </a:effectLst>
+        </p:spPr>
+      </p:pic>
+      <p:sp>
+        <p:nvSpPr>
+          <p:cNvPr id="28" name="TextBox 27">
+            <a:extLst>
+              <a:ext uri="{FF2B5EF4-FFF2-40B4-BE49-F238E27FC236}">
+                <a16:creationId xmlns:a16="http://schemas.microsoft.com/office/drawing/2014/main" id="{B3006616-36DE-DE0D-250A-A0F1569D8DCB}"/>
+              </a:ext>
+            </a:extLst>
+          </p:cNvPr>
+          <p:cNvSpPr txBox="1"/>
+          <p:nvPr/>
+        </p:nvSpPr>
+        <p:spPr>
+          <a:xfrm>
+            <a:off x="-49048" y="332468"/>
+            <a:ext cx="6776647" cy="1200329"/>
+          </a:xfrm>
+          <a:prstGeom prst="rect">
+            <a:avLst/>
+          </a:prstGeom>
+          <a:noFill/>
+        </p:spPr>
+        <p:txBody>
+          <a:bodyPr wrap="square" rtlCol="0">
+            <a:spAutoFit/>
+          </a:bodyPr>
+          <a:lstStyle/>
+          <a:p>
+            <a:r>
+              <a:rPr lang="en-US" sz="3600" b="1" dirty="0">
+                <a:solidFill>
+                  <a:srgbClr val="D65D26"/>
+                </a:solidFill>
+                <a:latin typeface="Inter" panose="02000503000000020004" pitchFamily="2" charset="0"/>
+                <a:ea typeface="Inter" panose="02000503000000020004" pitchFamily="2" charset="0"/>
+              </a:rPr>
+              <a:t>An introduction </a:t>
+            </a:r>
+            <a:r>
+              <a:rPr lang="en-US" sz="3600" b="1" dirty="0">
+                <a:solidFill>
+                  <a:srgbClr val="EDEDED"/>
+                </a:solidFill>
+                <a:latin typeface="Inter" panose="02000503000000020004" pitchFamily="2" charset="0"/>
+                <a:ea typeface="Inter" panose="02000503000000020004" pitchFamily="2" charset="0"/>
+              </a:rPr>
+              <a:t>to Black-Box Simulation Optimization</a:t>
+            </a:r>
+          </a:p>
+        </p:txBody>
+      </p:sp>
+      <p:pic>
+        <p:nvPicPr>
+          <p:cNvPr id="3" name="Picture 2">
+            <a:extLst>
+              <a:ext uri="{FF2B5EF4-FFF2-40B4-BE49-F238E27FC236}">
+                <a16:creationId xmlns:a16="http://schemas.microsoft.com/office/drawing/2014/main" id="{447079AD-0F79-D2A7-962A-0114B281A96F}"/>
+              </a:ext>
+            </a:extLst>
+          </p:cNvPr>
+          <p:cNvPicPr>
+            <a:picLocks noChangeAspect="1"/>
+          </p:cNvPicPr>
+          <p:nvPr/>
+        </p:nvPicPr>
+        <p:blipFill>
+          <a:blip r:embed="rId3">
+            <a:extLst>
+              <a:ext uri="{28A0092B-C50C-407E-A947-70E740481C1C}">
+                <a14:useLocalDpi xmlns:a14="http://schemas.microsoft.com/office/drawing/2010/main" val="0"/>
+              </a:ext>
+            </a:extLst>
+          </a:blip>
+          <a:stretch>
+            <a:fillRect/>
+          </a:stretch>
+        </p:blipFill>
+        <p:spPr>
+          <a:xfrm>
+            <a:off x="-3702747" y="-97408"/>
+            <a:ext cx="2136272" cy="2216383"/>
+          </a:xfrm>
+          <a:prstGeom prst="rect">
+            <a:avLst/>
+          </a:prstGeom>
+        </p:spPr>
+      </p:pic>
+      <p:sp>
+        <p:nvSpPr>
+          <p:cNvPr id="7" name="TextBox 6">
+            <a:extLst>
+              <a:ext uri="{FF2B5EF4-FFF2-40B4-BE49-F238E27FC236}">
+                <a16:creationId xmlns:a16="http://schemas.microsoft.com/office/drawing/2014/main" id="{486260EA-F671-205F-4033-66F045FFEEA9}"/>
+              </a:ext>
+            </a:extLst>
+          </p:cNvPr>
+          <p:cNvSpPr txBox="1"/>
+          <p:nvPr/>
+        </p:nvSpPr>
+        <p:spPr>
+          <a:xfrm>
+            <a:off x="-3702747" y="5657671"/>
+            <a:ext cx="2367419" cy="1200329"/>
+          </a:xfrm>
+          <a:prstGeom prst="rect">
+            <a:avLst/>
+          </a:prstGeom>
+          <a:noFill/>
+        </p:spPr>
+        <p:txBody>
+          <a:bodyPr wrap="square" rtlCol="0">
+            <a:spAutoFit/>
+          </a:bodyPr>
+          <a:lstStyle/>
+          <a:p>
+            <a:r>
+              <a:rPr lang="en-US" sz="1200" dirty="0">
+                <a:solidFill>
+                  <a:schemeClr val="bg1">
+                    <a:lumMod val="85000"/>
+                  </a:schemeClr>
+                </a:solidFill>
+                <a:latin typeface="Montserrat" pitchFamily="2" charset="0"/>
+              </a:rPr>
+              <a:t>A project made for </a:t>
+            </a:r>
+            <a:r>
+              <a:rPr lang="en-US" sz="1200" dirty="0">
+                <a:solidFill>
+                  <a:srgbClr val="D65D26"/>
+                </a:solidFill>
+                <a:latin typeface="Montserrat" pitchFamily="2" charset="0"/>
+              </a:rPr>
+              <a:t>Operations Research</a:t>
+            </a:r>
+          </a:p>
+          <a:p>
+            <a:endParaRPr lang="en-US" sz="1200" dirty="0">
+              <a:solidFill>
+                <a:srgbClr val="D65D26"/>
+              </a:solidFill>
+              <a:latin typeface="Montserrat" pitchFamily="2" charset="0"/>
+            </a:endParaRPr>
+          </a:p>
+          <a:p>
+            <a:r>
+              <a:rPr lang="en-US" sz="1200" dirty="0">
+                <a:solidFill>
+                  <a:schemeClr val="bg1">
+                    <a:lumMod val="85000"/>
+                  </a:schemeClr>
+                </a:solidFill>
+                <a:latin typeface="Montserrat" pitchFamily="2" charset="0"/>
+              </a:rPr>
+              <a:t>Supervised by Prof. </a:t>
+            </a:r>
+            <a:r>
+              <a:rPr lang="en-US" sz="1200" dirty="0">
+                <a:solidFill>
+                  <a:srgbClr val="D65D26"/>
+                </a:solidFill>
+                <a:latin typeface="Montserrat" pitchFamily="2" charset="0"/>
+              </a:rPr>
+              <a:t>Marwa Jaradat</a:t>
+            </a:r>
+          </a:p>
+          <a:p>
+            <a:endParaRPr lang="en-US" sz="1200" dirty="0">
+              <a:solidFill>
+                <a:srgbClr val="D65D26"/>
+              </a:solidFill>
+              <a:latin typeface="Montserrat" pitchFamily="2" charset="0"/>
+            </a:endParaRPr>
+          </a:p>
+        </p:txBody>
+      </p:sp>
+      <p:sp>
+        <p:nvSpPr>
+          <p:cNvPr id="6" name="TextBox 5">
+            <a:extLst>
+              <a:ext uri="{FF2B5EF4-FFF2-40B4-BE49-F238E27FC236}">
+                <a16:creationId xmlns:a16="http://schemas.microsoft.com/office/drawing/2014/main" id="{414FF92C-D765-A31A-306D-0F0D964907C5}"/>
+              </a:ext>
+            </a:extLst>
+          </p:cNvPr>
+          <p:cNvSpPr txBox="1"/>
+          <p:nvPr/>
+        </p:nvSpPr>
+        <p:spPr>
+          <a:xfrm>
+            <a:off x="-3702747" y="3429000"/>
+            <a:ext cx="2367419" cy="1569660"/>
+          </a:xfrm>
+          <a:prstGeom prst="rect">
+            <a:avLst/>
+          </a:prstGeom>
+          <a:noFill/>
+        </p:spPr>
+        <p:txBody>
+          <a:bodyPr wrap="square" rtlCol="0">
+            <a:spAutoFit/>
+          </a:bodyPr>
+          <a:lstStyle/>
+          <a:p>
+            <a:r>
+              <a:rPr lang="en-US" sz="1200" dirty="0">
+                <a:solidFill>
+                  <a:schemeClr val="bg1">
+                    <a:lumMod val="85000"/>
+                  </a:schemeClr>
+                </a:solidFill>
+                <a:latin typeface="Montserrat" pitchFamily="2" charset="0"/>
+              </a:rPr>
+              <a:t>Project made by:</a:t>
+            </a:r>
+          </a:p>
+          <a:p>
+            <a:endParaRPr lang="en-US" sz="1200" dirty="0">
+              <a:solidFill>
+                <a:schemeClr val="bg1">
+                  <a:lumMod val="85000"/>
+                </a:schemeClr>
+              </a:solidFill>
+              <a:latin typeface="Montserrat" pitchFamily="2" charset="0"/>
+            </a:endParaRPr>
+          </a:p>
+          <a:p>
+            <a:pPr marL="228600" indent="-228600">
+              <a:buAutoNum type="arabicPeriod"/>
+            </a:pPr>
+            <a:r>
+              <a:rPr lang="en-US" sz="1200" dirty="0">
+                <a:solidFill>
+                  <a:schemeClr val="bg1">
+                    <a:lumMod val="85000"/>
+                  </a:schemeClr>
+                </a:solidFill>
+                <a:latin typeface="Montserrat" pitchFamily="2" charset="0"/>
+              </a:rPr>
+              <a:t>Ahmad Zayed (</a:t>
+            </a:r>
+            <a:r>
+              <a:rPr lang="en-US" sz="1200" dirty="0">
+                <a:solidFill>
+                  <a:srgbClr val="D65D26"/>
+                </a:solidFill>
+                <a:latin typeface="Montserrat" pitchFamily="2" charset="0"/>
+              </a:rPr>
+              <a:t>221983</a:t>
+            </a:r>
+            <a:r>
+              <a:rPr lang="en-US" sz="1200" dirty="0">
+                <a:solidFill>
+                  <a:schemeClr val="bg1">
+                    <a:lumMod val="85000"/>
+                  </a:schemeClr>
+                </a:solidFill>
+                <a:latin typeface="Montserrat" pitchFamily="2" charset="0"/>
+              </a:rPr>
+              <a:t>)</a:t>
+            </a:r>
+          </a:p>
+          <a:p>
+            <a:pPr marL="228600" indent="-228600">
+              <a:buFontTx/>
+              <a:buAutoNum type="arabicPeriod"/>
+            </a:pPr>
+            <a:r>
+              <a:rPr lang="en-US" sz="1200" dirty="0">
+                <a:solidFill>
+                  <a:schemeClr val="bg1">
+                    <a:lumMod val="85000"/>
+                  </a:schemeClr>
+                </a:solidFill>
+                <a:latin typeface="Montserrat" pitchFamily="2" charset="0"/>
+              </a:rPr>
+              <a:t>Leen Joudeh(</a:t>
+            </a:r>
+            <a:r>
+              <a:rPr lang="en-US" sz="1200" dirty="0">
+                <a:solidFill>
+                  <a:srgbClr val="D65D26"/>
+                </a:solidFill>
+                <a:latin typeface="Montserrat" pitchFamily="2" charset="0"/>
+              </a:rPr>
+              <a:t>221952</a:t>
+            </a:r>
+            <a:r>
+              <a:rPr lang="en-US" sz="1200" dirty="0">
+                <a:solidFill>
+                  <a:schemeClr val="bg1">
+                    <a:lumMod val="85000"/>
+                  </a:schemeClr>
+                </a:solidFill>
+                <a:latin typeface="Montserrat" pitchFamily="2" charset="0"/>
+              </a:rPr>
+              <a:t>)</a:t>
+            </a:r>
+          </a:p>
+          <a:p>
+            <a:pPr marL="228600" indent="-228600">
+              <a:buAutoNum type="arabicPeriod"/>
+            </a:pPr>
+            <a:r>
+              <a:rPr lang="en-US" sz="1200" dirty="0">
+                <a:solidFill>
+                  <a:schemeClr val="bg1">
+                    <a:lumMod val="85000"/>
+                  </a:schemeClr>
+                </a:solidFill>
+                <a:latin typeface="Montserrat" pitchFamily="2" charset="0"/>
+              </a:rPr>
+              <a:t>Faisal Naem (</a:t>
+            </a:r>
+            <a:r>
+              <a:rPr lang="en-US" sz="1200" dirty="0">
+                <a:solidFill>
+                  <a:srgbClr val="D65D26"/>
+                </a:solidFill>
+                <a:latin typeface="Montserrat" pitchFamily="2" charset="0"/>
+              </a:rPr>
+              <a:t>221983</a:t>
+            </a:r>
+            <a:r>
+              <a:rPr lang="en-US" sz="1200" dirty="0">
+                <a:solidFill>
+                  <a:schemeClr val="bg1">
+                    <a:lumMod val="85000"/>
+                  </a:schemeClr>
+                </a:solidFill>
+                <a:latin typeface="Montserrat" pitchFamily="2" charset="0"/>
+              </a:rPr>
+              <a:t>)</a:t>
+            </a:r>
+          </a:p>
+          <a:p>
+            <a:pPr marL="228600" indent="-228600">
+              <a:buAutoNum type="arabicPeriod"/>
+            </a:pPr>
+            <a:r>
+              <a:rPr lang="en-US" sz="1200" dirty="0">
+                <a:solidFill>
+                  <a:schemeClr val="bg1">
+                    <a:lumMod val="85000"/>
+                  </a:schemeClr>
+                </a:solidFill>
+                <a:latin typeface="Montserrat" pitchFamily="2" charset="0"/>
+              </a:rPr>
+              <a:t>Tala Al-Akhras (</a:t>
+            </a:r>
+            <a:r>
+              <a:rPr lang="en-US" sz="1200" dirty="0">
+                <a:solidFill>
+                  <a:srgbClr val="D65D26"/>
+                </a:solidFill>
+                <a:latin typeface="Montserrat" pitchFamily="2" charset="0"/>
+              </a:rPr>
+              <a:t>231353</a:t>
+            </a:r>
+            <a:r>
+              <a:rPr lang="en-US" sz="1200" dirty="0">
+                <a:solidFill>
+                  <a:schemeClr val="bg1">
+                    <a:lumMod val="85000"/>
+                  </a:schemeClr>
+                </a:solidFill>
+                <a:latin typeface="Montserrat" pitchFamily="2" charset="0"/>
+              </a:rPr>
+              <a:t>)</a:t>
+            </a:r>
+          </a:p>
+          <a:p>
+            <a:endParaRPr lang="en-US" sz="1200" dirty="0">
+              <a:solidFill>
+                <a:srgbClr val="D65D26"/>
+              </a:solidFill>
+              <a:latin typeface="Montserrat" pitchFamily="2" charset="0"/>
+            </a:endParaRPr>
+          </a:p>
+          <a:p>
+            <a:endParaRPr lang="en-US" sz="1200" dirty="0">
+              <a:solidFill>
+                <a:srgbClr val="D65D26"/>
+              </a:solidFill>
+              <a:latin typeface="Montserrat" pitchFamily="2" charset="0"/>
+            </a:endParaRPr>
+          </a:p>
+        </p:txBody>
+      </p:sp>
+      <p:sp>
+        <p:nvSpPr>
+          <p:cNvPr id="4" name="Oval 3">
+            <a:extLst>
+              <a:ext uri="{FF2B5EF4-FFF2-40B4-BE49-F238E27FC236}">
+                <a16:creationId xmlns:a16="http://schemas.microsoft.com/office/drawing/2014/main" id="{0F2DF0FA-9BE9-D6B7-FF45-CBA1C3AEB8A0}"/>
+              </a:ext>
+            </a:extLst>
+          </p:cNvPr>
+          <p:cNvSpPr/>
+          <p:nvPr/>
+        </p:nvSpPr>
+        <p:spPr>
+          <a:xfrm>
+            <a:off x="558800" y="2452020"/>
+            <a:ext cx="2146300" cy="1975140"/>
+          </a:xfrm>
+          <a:prstGeom prst="ellipse">
+            <a:avLst/>
+          </a:prstGeom>
+          <a:solidFill>
+            <a:schemeClr val="bg2">
+              <a:lumMod val="25000"/>
+            </a:schemeClr>
+          </a:solidFill>
+          <a:ln>
+            <a:noFill/>
+          </a:ln>
+        </p:spPr>
+        <p:style>
+          <a:lnRef idx="2">
+            <a:schemeClr val="accent1">
+              <a:shade val="15000"/>
+            </a:schemeClr>
+          </a:lnRef>
+          <a:fillRef idx="1">
+            <a:schemeClr val="accent1"/>
+          </a:fillRef>
+          <a:effectRef idx="0">
+            <a:schemeClr val="accent1"/>
+          </a:effectRef>
+          <a:fontRef idx="minor">
+            <a:schemeClr val="lt1"/>
+          </a:fontRef>
+        </p:style>
+        <p:txBody>
+          <a:bodyPr rtlCol="0" anchor="ctr"/>
+          <a:lstStyle/>
+          <a:p>
+            <a:pPr algn="ctr"/>
+            <a:r>
+              <a:rPr lang="en-US" sz="1400" dirty="0">
+                <a:solidFill>
+                  <a:srgbClr val="D65D26"/>
+                </a:solidFill>
+                <a:latin typeface="Montserrat" pitchFamily="2" charset="0"/>
+              </a:rPr>
+              <a:t>Part 1: </a:t>
+            </a:r>
+            <a:r>
+              <a:rPr lang="en-US" sz="1400" dirty="0">
+                <a:solidFill>
+                  <a:srgbClr val="EDEDED"/>
+                </a:solidFill>
+                <a:latin typeface="Montserrat" pitchFamily="2" charset="0"/>
+              </a:rPr>
+              <a:t>Problem Framing: Black-Box Simulation Optimization </a:t>
+            </a:r>
+          </a:p>
+        </p:txBody>
+      </p:sp>
+      <p:sp>
+        <p:nvSpPr>
+          <p:cNvPr id="8" name="Oval 7">
+            <a:extLst>
+              <a:ext uri="{FF2B5EF4-FFF2-40B4-BE49-F238E27FC236}">
+                <a16:creationId xmlns:a16="http://schemas.microsoft.com/office/drawing/2014/main" id="{E9257D52-8D1C-69CA-B943-AA70EDEB9090}"/>
+              </a:ext>
+            </a:extLst>
+          </p:cNvPr>
+          <p:cNvSpPr/>
+          <p:nvPr/>
+        </p:nvSpPr>
+        <p:spPr>
+          <a:xfrm>
+            <a:off x="3022600" y="2452020"/>
+            <a:ext cx="2247900" cy="1975140"/>
+          </a:xfrm>
+          <a:prstGeom prst="ellipse">
+            <a:avLst/>
+          </a:prstGeom>
+          <a:solidFill>
+            <a:schemeClr val="bg2">
+              <a:lumMod val="25000"/>
+            </a:schemeClr>
+          </a:solidFill>
+          <a:ln>
+            <a:noFill/>
+          </a:ln>
+        </p:spPr>
+        <p:style>
+          <a:lnRef idx="2">
+            <a:schemeClr val="accent1">
+              <a:shade val="15000"/>
+            </a:schemeClr>
+          </a:lnRef>
+          <a:fillRef idx="1">
+            <a:schemeClr val="accent1"/>
+          </a:fillRef>
+          <a:effectRef idx="0">
+            <a:schemeClr val="accent1"/>
+          </a:effectRef>
+          <a:fontRef idx="minor">
+            <a:schemeClr val="lt1"/>
+          </a:fontRef>
+        </p:style>
+        <p:txBody>
+          <a:bodyPr rtlCol="0" anchor="ctr"/>
+          <a:lstStyle/>
+          <a:p>
+            <a:pPr algn="ctr"/>
+            <a:r>
+              <a:rPr lang="en-US" sz="1400" dirty="0">
+                <a:solidFill>
+                  <a:srgbClr val="D65D26"/>
+                </a:solidFill>
+                <a:latin typeface="Montserrat" pitchFamily="2" charset="0"/>
+              </a:rPr>
+              <a:t>Part 2: </a:t>
+            </a:r>
+            <a:r>
+              <a:rPr lang="en-US" sz="1400" dirty="0">
+                <a:solidFill>
+                  <a:srgbClr val="EDEDED"/>
+                </a:solidFill>
+                <a:latin typeface="Montserrat" pitchFamily="2" charset="0"/>
+              </a:rPr>
+              <a:t>Core OR challenge: optimizing under noise and limited budget</a:t>
+            </a:r>
+          </a:p>
+        </p:txBody>
+      </p:sp>
+      <p:sp>
+        <p:nvSpPr>
+          <p:cNvPr id="9" name="Oval 8">
+            <a:extLst>
+              <a:ext uri="{FF2B5EF4-FFF2-40B4-BE49-F238E27FC236}">
+                <a16:creationId xmlns:a16="http://schemas.microsoft.com/office/drawing/2014/main" id="{78A3FE18-768B-DA55-1E9F-672AEB1F663D}"/>
+              </a:ext>
+            </a:extLst>
+          </p:cNvPr>
+          <p:cNvSpPr/>
+          <p:nvPr/>
+        </p:nvSpPr>
+        <p:spPr>
+          <a:xfrm>
+            <a:off x="615122" y="4533900"/>
+            <a:ext cx="2242378" cy="2057971"/>
+          </a:xfrm>
+          <a:prstGeom prst="ellipse">
+            <a:avLst/>
+          </a:prstGeom>
+          <a:solidFill>
+            <a:schemeClr val="bg2">
+              <a:lumMod val="25000"/>
+            </a:schemeClr>
+          </a:solidFill>
+          <a:ln>
+            <a:noFill/>
+          </a:ln>
+        </p:spPr>
+        <p:style>
+          <a:lnRef idx="2">
+            <a:schemeClr val="accent1">
+              <a:shade val="15000"/>
+            </a:schemeClr>
+          </a:lnRef>
+          <a:fillRef idx="1">
+            <a:schemeClr val="accent1"/>
+          </a:fillRef>
+          <a:effectRef idx="0">
+            <a:schemeClr val="accent1"/>
+          </a:effectRef>
+          <a:fontRef idx="minor">
+            <a:schemeClr val="lt1"/>
+          </a:fontRef>
+        </p:style>
+        <p:txBody>
+          <a:bodyPr rtlCol="0" anchor="ctr"/>
+          <a:lstStyle/>
+          <a:p>
+            <a:pPr algn="ctr"/>
+            <a:r>
+              <a:rPr lang="en-US" sz="1400" dirty="0">
+                <a:solidFill>
+                  <a:srgbClr val="D65D26"/>
+                </a:solidFill>
+                <a:latin typeface="Montserrat" pitchFamily="2" charset="0"/>
+              </a:rPr>
+              <a:t>Part 3: </a:t>
+            </a:r>
+            <a:r>
+              <a:rPr lang="en-US" sz="1400" dirty="0">
+                <a:solidFill>
+                  <a:srgbClr val="EDEDED"/>
+                </a:solidFill>
+                <a:latin typeface="Montserrat" pitchFamily="2" charset="0"/>
+              </a:rPr>
+              <a:t>Implications,</a:t>
+            </a:r>
+          </a:p>
+          <a:p>
+            <a:pPr algn="ctr"/>
+            <a:r>
+              <a:rPr lang="en-US" sz="1400" dirty="0">
+                <a:solidFill>
+                  <a:srgbClr val="EDEDED"/>
+                </a:solidFill>
+                <a:latin typeface="Montserrat" pitchFamily="2" charset="0"/>
+              </a:rPr>
+              <a:t>Applications, and key takeaways</a:t>
+            </a:r>
+          </a:p>
+        </p:txBody>
+      </p:sp>
+      <p:sp>
+        <p:nvSpPr>
+          <p:cNvPr id="14" name="Oval 13">
+            <a:extLst>
+              <a:ext uri="{FF2B5EF4-FFF2-40B4-BE49-F238E27FC236}">
+                <a16:creationId xmlns:a16="http://schemas.microsoft.com/office/drawing/2014/main" id="{3C9FE931-A27B-CAD7-0837-72918D0BBB3A}"/>
+              </a:ext>
+            </a:extLst>
+          </p:cNvPr>
+          <p:cNvSpPr/>
+          <p:nvPr/>
+        </p:nvSpPr>
+        <p:spPr>
+          <a:xfrm>
+            <a:off x="3028122" y="4533900"/>
+            <a:ext cx="2242378" cy="2057971"/>
+          </a:xfrm>
+          <a:prstGeom prst="ellipse">
+            <a:avLst/>
+          </a:prstGeom>
+          <a:solidFill>
+            <a:schemeClr val="bg2">
+              <a:lumMod val="25000"/>
+            </a:schemeClr>
+          </a:solidFill>
+          <a:ln>
+            <a:noFill/>
+          </a:ln>
+        </p:spPr>
+        <p:style>
+          <a:lnRef idx="2">
+            <a:schemeClr val="accent1">
+              <a:shade val="15000"/>
+            </a:schemeClr>
+          </a:lnRef>
+          <a:fillRef idx="1">
+            <a:schemeClr val="accent1"/>
+          </a:fillRef>
+          <a:effectRef idx="0">
+            <a:schemeClr val="accent1"/>
+          </a:effectRef>
+          <a:fontRef idx="minor">
+            <a:schemeClr val="lt1"/>
+          </a:fontRef>
+        </p:style>
+        <p:txBody>
+          <a:bodyPr rtlCol="0" anchor="ctr"/>
+          <a:lstStyle/>
+          <a:p>
+            <a:pPr algn="ctr"/>
+            <a:r>
+              <a:rPr lang="en-US" sz="1400" dirty="0">
+                <a:solidFill>
+                  <a:srgbClr val="D65D26"/>
+                </a:solidFill>
+                <a:latin typeface="Montserrat" pitchFamily="2" charset="0"/>
+              </a:rPr>
+              <a:t>Part 4: </a:t>
+            </a:r>
+            <a:r>
+              <a:rPr lang="en-US" sz="1400" dirty="0">
+                <a:solidFill>
+                  <a:srgbClr val="EDEDED"/>
+                </a:solidFill>
+                <a:latin typeface="Montserrat" pitchFamily="2" charset="0"/>
+              </a:rPr>
+              <a:t>Demonstration:</a:t>
+            </a:r>
+          </a:p>
+          <a:p>
+            <a:pPr algn="ctr"/>
+            <a:r>
+              <a:rPr lang="en-US" sz="1400" dirty="0">
+                <a:solidFill>
+                  <a:srgbClr val="EDEDED"/>
+                </a:solidFill>
+                <a:latin typeface="Montserrat" pitchFamily="2" charset="0"/>
+              </a:rPr>
+              <a:t>optimization through simulation</a:t>
+            </a:r>
+          </a:p>
+        </p:txBody>
+      </p:sp>
+    </p:spTree>
+    <p:extLst>
+      <p:ext uri="{BB962C8B-B14F-4D97-AF65-F5344CB8AC3E}">
+        <p14:creationId xmlns:p14="http://schemas.microsoft.com/office/powerpoint/2010/main" val="1327262048"/>
+      </p:ext>
+    </p:extLst>
+  </p:cSld>
+  <p:clrMapOvr>
+    <a:masterClrMapping/>
+  </p:clrMapOvr>
+  <mc:AlternateContent xmlns:mc="http://schemas.openxmlformats.org/markup-compatibility/2006" xmlns:p159="http://schemas.microsoft.com/office/powerpoint/2015/09/main">
+    <mc:Choice Requires="p159">
+      <p:transition xmlns:p14="http://schemas.microsoft.com/office/powerpoint/2010/main" spd="slow" p14:dur="2000">
+        <p159:morph option="byObject"/>
+      </p:transition>
+    </mc:Choice>
+    <mc:Fallback xmlns="">
+      <p:transition spd="slow">
+        <p:fade/>
+      </p:transition>
+    </mc:Fallback>
+  </mc:AlternateContent>
+</p:sld>
+</file>
+
+<file path=ppt/slides/slide3.xml><?xml version="1.0" encoding="utf-8"?>
+<p:sld xmlns:a="http://schemas.openxmlformats.org/drawingml/2006/main" xmlns:r="http://schemas.openxmlformats.org/officeDocument/2006/relationships" xmlns:p="http://schemas.openxmlformats.org/presentationml/2006/main">
+  <p:cSld>
+    <p:bg>
+      <p:bgPr>
+        <a:gradFill flip="none" rotWithShape="1">
+          <a:gsLst>
+            <a:gs pos="20000">
+              <a:schemeClr val="bg1"/>
+            </a:gs>
+            <a:gs pos="78000">
+              <a:schemeClr val="tx1">
+                <a:lumMod val="95000"/>
+                <a:lumOff val="5000"/>
+              </a:schemeClr>
+            </a:gs>
+          </a:gsLst>
+          <a:path path="circle">
+            <a:fillToRect l="100000" t="100000"/>
+          </a:path>
+          <a:tileRect r="-100000" b="-100000"/>
+        </a:gradFill>
+        <a:effectLst/>
+      </p:bgPr>
+    </p:bg>
+    <p:spTree>
+      <p:nvGrpSpPr>
+        <p:cNvPr id="1" name="">
+          <a:extLst>
+            <a:ext uri="{FF2B5EF4-FFF2-40B4-BE49-F238E27FC236}">
+              <a16:creationId xmlns:a16="http://schemas.microsoft.com/office/drawing/2014/main" id="{BD9FB8BF-6C59-E7DE-B5FF-BC2F51E84713}"/>
+            </a:ext>
+          </a:extLst>
+        </p:cNvPr>
+        <p:cNvGrpSpPr/>
+        <p:nvPr/>
+      </p:nvGrpSpPr>
+      <p:grpSpPr>
+        <a:xfrm>
+          <a:off x="0" y="0"/>
+          <a:ext cx="0" cy="0"/>
+          <a:chOff x="0" y="0"/>
+          <a:chExt cx="0" cy="0"/>
+        </a:xfrm>
+      </p:grpSpPr>
+      <p:pic>
+        <p:nvPicPr>
+          <p:cNvPr id="27" name="Picture 26">
+            <a:extLst>
+              <a:ext uri="{FF2B5EF4-FFF2-40B4-BE49-F238E27FC236}">
+                <a16:creationId xmlns:a16="http://schemas.microsoft.com/office/drawing/2014/main" id="{40BC3011-C918-2796-0C7A-F36518FCE288}"/>
+              </a:ext>
+            </a:extLst>
+          </p:cNvPr>
+          <p:cNvPicPr>
+            <a:picLocks noChangeAspect="1"/>
+          </p:cNvPicPr>
+          <p:nvPr/>
+        </p:nvPicPr>
+        <p:blipFill>
+          <a:blip r:embed="rId2">
+            <a:extLst>
+              <a:ext uri="{28A0092B-C50C-407E-A947-70E740481C1C}">
+                <a14:useLocalDpi xmlns:a14="http://schemas.microsoft.com/office/drawing/2010/main" val="0"/>
+              </a:ext>
+            </a:extLst>
+          </a:blip>
+          <a:srcRect l="44417"/>
+          <a:stretch>
+            <a:fillRect/>
+          </a:stretch>
+        </p:blipFill>
+        <p:spPr>
+          <a:xfrm>
+            <a:off x="4559473" y="-866155"/>
+            <a:ext cx="7632527" cy="7724155"/>
+          </a:xfrm>
+          <a:custGeom>
+            <a:avLst/>
+            <a:gdLst>
+              <a:gd name="connsiteX0" fmla="*/ 3656412 w 6776647"/>
+              <a:gd name="connsiteY0" fmla="*/ 5054965 h 6858000"/>
+              <a:gd name="connsiteX1" fmla="*/ 4113979 w 6776647"/>
+              <a:gd name="connsiteY1" fmla="*/ 5244495 h 6858000"/>
+              <a:gd name="connsiteX2" fmla="*/ 4131893 w 6776647"/>
+              <a:gd name="connsiteY2" fmla="*/ 5262409 h 6858000"/>
+              <a:gd name="connsiteX3" fmla="*/ 4131892 w 6776647"/>
+              <a:gd name="connsiteY3" fmla="*/ 6177545 h 6858000"/>
+              <a:gd name="connsiteX4" fmla="*/ 4043288 w 6776647"/>
+              <a:gd name="connsiteY4" fmla="*/ 6266149 h 6858000"/>
+              <a:gd name="connsiteX5" fmla="*/ 3128155 w 6776647"/>
+              <a:gd name="connsiteY5" fmla="*/ 6266149 h 6858000"/>
+              <a:gd name="connsiteX6" fmla="*/ 3110241 w 6776647"/>
+              <a:gd name="connsiteY6" fmla="*/ 6248235 h 6858000"/>
+              <a:gd name="connsiteX7" fmla="*/ 3110240 w 6776647"/>
+              <a:gd name="connsiteY7" fmla="*/ 5333099 h 6858000"/>
+              <a:gd name="connsiteX8" fmla="*/ 3198844 w 6776647"/>
+              <a:gd name="connsiteY8" fmla="*/ 5244495 h 6858000"/>
+              <a:gd name="connsiteX9" fmla="*/ 3656412 w 6776647"/>
+              <a:gd name="connsiteY9" fmla="*/ 5054965 h 6858000"/>
+              <a:gd name="connsiteX10" fmla="*/ 6776647 w 6776647"/>
+              <a:gd name="connsiteY10" fmla="*/ 4307086 h 6858000"/>
+              <a:gd name="connsiteX11" fmla="*/ 6776647 w 6776647"/>
+              <a:gd name="connsiteY11" fmla="*/ 5306043 h 6858000"/>
+              <a:gd name="connsiteX12" fmla="*/ 5224689 w 6776647"/>
+              <a:gd name="connsiteY12" fmla="*/ 6858000 h 6858000"/>
+              <a:gd name="connsiteX13" fmla="*/ 4225733 w 6776647"/>
+              <a:gd name="connsiteY13" fmla="*/ 6858000 h 6858000"/>
+              <a:gd name="connsiteX14" fmla="*/ 6776647 w 6776647"/>
+              <a:gd name="connsiteY14" fmla="*/ 1775039 h 6858000"/>
+              <a:gd name="connsiteX15" fmla="*/ 6776647 w 6776647"/>
+              <a:gd name="connsiteY15" fmla="*/ 3615452 h 6858000"/>
+              <a:gd name="connsiteX16" fmla="*/ 5493702 w 6776647"/>
+              <a:gd name="connsiteY16" fmla="*/ 4898396 h 6858000"/>
+              <a:gd name="connsiteX17" fmla="*/ 4578567 w 6776647"/>
+              <a:gd name="connsiteY17" fmla="*/ 4898396 h 6858000"/>
+              <a:gd name="connsiteX18" fmla="*/ 4560653 w 6776647"/>
+              <a:gd name="connsiteY18" fmla="*/ 4880482 h 6858000"/>
+              <a:gd name="connsiteX19" fmla="*/ 4560653 w 6776647"/>
+              <a:gd name="connsiteY19" fmla="*/ 3965347 h 6858000"/>
+              <a:gd name="connsiteX20" fmla="*/ 6660166 w 6776647"/>
+              <a:gd name="connsiteY20" fmla="*/ 1865835 h 6858000"/>
+              <a:gd name="connsiteX21" fmla="*/ 6761678 w 6776647"/>
+              <a:gd name="connsiteY21" fmla="*/ 1782916 h 6858000"/>
+              <a:gd name="connsiteX22" fmla="*/ 5881240 w 6776647"/>
+              <a:gd name="connsiteY22" fmla="*/ 18786 h 6858000"/>
+              <a:gd name="connsiteX23" fmla="*/ 6475267 w 6776647"/>
+              <a:gd name="connsiteY23" fmla="*/ 264840 h 6858000"/>
+              <a:gd name="connsiteX24" fmla="*/ 6498525 w 6776647"/>
+              <a:gd name="connsiteY24" fmla="*/ 288097 h 6858000"/>
+              <a:gd name="connsiteX25" fmla="*/ 6498525 w 6776647"/>
+              <a:gd name="connsiteY25" fmla="*/ 1476151 h 6858000"/>
+              <a:gd name="connsiteX26" fmla="*/ 2949108 w 6776647"/>
+              <a:gd name="connsiteY26" fmla="*/ 5025568 h 6858000"/>
+              <a:gd name="connsiteX27" fmla="*/ 1761054 w 6776647"/>
+              <a:gd name="connsiteY27" fmla="*/ 5025568 h 6858000"/>
+              <a:gd name="connsiteX28" fmla="*/ 1737797 w 6776647"/>
+              <a:gd name="connsiteY28" fmla="*/ 5002311 h 6858000"/>
+              <a:gd name="connsiteX29" fmla="*/ 1737797 w 6776647"/>
+              <a:gd name="connsiteY29" fmla="*/ 3814257 h 6858000"/>
+              <a:gd name="connsiteX30" fmla="*/ 5287213 w 6776647"/>
+              <a:gd name="connsiteY30" fmla="*/ 264840 h 6858000"/>
+              <a:gd name="connsiteX31" fmla="*/ 5881240 w 6776647"/>
+              <a:gd name="connsiteY31" fmla="*/ 18786 h 6858000"/>
+              <a:gd name="connsiteX32" fmla="*/ 3421136 w 6776647"/>
+              <a:gd name="connsiteY32" fmla="*/ 0 h 6858000"/>
+              <a:gd name="connsiteX33" fmla="*/ 5065590 w 6776647"/>
+              <a:gd name="connsiteY33" fmla="*/ 0 h 6858000"/>
+              <a:gd name="connsiteX34" fmla="*/ 5058235 w 6776647"/>
+              <a:gd name="connsiteY34" fmla="*/ 13976 h 6858000"/>
+              <a:gd name="connsiteX35" fmla="*/ 4984132 w 6776647"/>
+              <a:gd name="connsiteY35" fmla="*/ 104695 h 6858000"/>
+              <a:gd name="connsiteX36" fmla="*/ 1478980 w 6776647"/>
+              <a:gd name="connsiteY36" fmla="*/ 3609848 h 6858000"/>
+              <a:gd name="connsiteX37" fmla="*/ 661145 w 6776647"/>
+              <a:gd name="connsiteY37" fmla="*/ 3609848 h 6858000"/>
+              <a:gd name="connsiteX38" fmla="*/ 645135 w 6776647"/>
+              <a:gd name="connsiteY38" fmla="*/ 3593837 h 6858000"/>
+              <a:gd name="connsiteX39" fmla="*/ 645135 w 6776647"/>
+              <a:gd name="connsiteY39" fmla="*/ 2776002 h 6858000"/>
+              <a:gd name="connsiteX40" fmla="*/ 1313944 w 6776647"/>
+              <a:gd name="connsiteY40" fmla="*/ 0 h 6858000"/>
+              <a:gd name="connsiteX41" fmla="*/ 2570790 w 6776647"/>
+              <a:gd name="connsiteY41" fmla="*/ 0 h 6858000"/>
+              <a:gd name="connsiteX42" fmla="*/ 2582282 w 6776647"/>
+              <a:gd name="connsiteY42" fmla="*/ 38778 h 6858000"/>
+              <a:gd name="connsiteX43" fmla="*/ 2423489 w 6776647"/>
+              <a:gd name="connsiteY43" fmla="*/ 558147 h 6858000"/>
+              <a:gd name="connsiteX44" fmla="*/ 1003226 w 6776647"/>
+              <a:gd name="connsiteY44" fmla="*/ 1978410 h 6858000"/>
+              <a:gd name="connsiteX45" fmla="*/ 185390 w 6776647"/>
+              <a:gd name="connsiteY45" fmla="*/ 1978410 h 6858000"/>
+              <a:gd name="connsiteX46" fmla="*/ 169380 w 6776647"/>
+              <a:gd name="connsiteY46" fmla="*/ 1962401 h 6858000"/>
+              <a:gd name="connsiteX47" fmla="*/ 169380 w 6776647"/>
+              <a:gd name="connsiteY47" fmla="*/ 1144565 h 6858000"/>
+            </a:gdLst>
+            <a:ahLst/>
+            <a:cxnLst>
+              <a:cxn ang="0">
+                <a:pos x="connsiteX0" y="connsiteY0"/>
+              </a:cxn>
+              <a:cxn ang="0">
+                <a:pos x="connsiteX1" y="connsiteY1"/>
+              </a:cxn>
+              <a:cxn ang="0">
+                <a:pos x="connsiteX2" y="connsiteY2"/>
+              </a:cxn>
+              <a:cxn ang="0">
+                <a:pos x="connsiteX3" y="connsiteY3"/>
+              </a:cxn>
+              <a:cxn ang="0">
+                <a:pos x="connsiteX4" y="connsiteY4"/>
+              </a:cxn>
+              <a:cxn ang="0">
+                <a:pos x="connsiteX5" y="connsiteY5"/>
+              </a:cxn>
+              <a:cxn ang="0">
+                <a:pos x="connsiteX6" y="connsiteY6"/>
+              </a:cxn>
+              <a:cxn ang="0">
+                <a:pos x="connsiteX7" y="connsiteY7"/>
+              </a:cxn>
+              <a:cxn ang="0">
+                <a:pos x="connsiteX8" y="connsiteY8"/>
+              </a:cxn>
+              <a:cxn ang="0">
+                <a:pos x="connsiteX9" y="connsiteY9"/>
+              </a:cxn>
+              <a:cxn ang="0">
+                <a:pos x="connsiteX10" y="connsiteY10"/>
+              </a:cxn>
+              <a:cxn ang="0">
+                <a:pos x="connsiteX11" y="connsiteY11"/>
+              </a:cxn>
+              <a:cxn ang="0">
+                <a:pos x="connsiteX12" y="connsiteY12"/>
+              </a:cxn>
+              <a:cxn ang="0">
+                <a:pos x="connsiteX13" y="connsiteY13"/>
+              </a:cxn>
+              <a:cxn ang="0">
+                <a:pos x="connsiteX14" y="connsiteY14"/>
+              </a:cxn>
+              <a:cxn ang="0">
+                <a:pos x="connsiteX15" y="connsiteY15"/>
+              </a:cxn>
+              <a:cxn ang="0">
+                <a:pos x="connsiteX16" y="connsiteY16"/>
+              </a:cxn>
+              <a:cxn ang="0">
+                <a:pos x="connsiteX17" y="connsiteY17"/>
+              </a:cxn>
+              <a:cxn ang="0">
+                <a:pos x="connsiteX18" y="connsiteY18"/>
+              </a:cxn>
+              <a:cxn ang="0">
+                <a:pos x="connsiteX19" y="connsiteY19"/>
+              </a:cxn>
+              <a:cxn ang="0">
+                <a:pos x="connsiteX20" y="connsiteY20"/>
+              </a:cxn>
+              <a:cxn ang="0">
+                <a:pos x="connsiteX21" y="connsiteY21"/>
+              </a:cxn>
+              <a:cxn ang="0">
+                <a:pos x="connsiteX22" y="connsiteY22"/>
+              </a:cxn>
+              <a:cxn ang="0">
+                <a:pos x="connsiteX23" y="connsiteY23"/>
+              </a:cxn>
+              <a:cxn ang="0">
+                <a:pos x="connsiteX24" y="connsiteY24"/>
+              </a:cxn>
+              <a:cxn ang="0">
+                <a:pos x="connsiteX25" y="connsiteY25"/>
+              </a:cxn>
+              <a:cxn ang="0">
+                <a:pos x="connsiteX26" y="connsiteY26"/>
+              </a:cxn>
+              <a:cxn ang="0">
+                <a:pos x="connsiteX27" y="connsiteY27"/>
+              </a:cxn>
+              <a:cxn ang="0">
+                <a:pos x="connsiteX28" y="connsiteY28"/>
+              </a:cxn>
+              <a:cxn ang="0">
+                <a:pos x="connsiteX29" y="connsiteY29"/>
+              </a:cxn>
+              <a:cxn ang="0">
+                <a:pos x="connsiteX30" y="connsiteY30"/>
+              </a:cxn>
+              <a:cxn ang="0">
+                <a:pos x="connsiteX31" y="connsiteY31"/>
+              </a:cxn>
+              <a:cxn ang="0">
+                <a:pos x="connsiteX32" y="connsiteY32"/>
+              </a:cxn>
+              <a:cxn ang="0">
+                <a:pos x="connsiteX33" y="connsiteY33"/>
+              </a:cxn>
+              <a:cxn ang="0">
+                <a:pos x="connsiteX34" y="connsiteY34"/>
+              </a:cxn>
+              <a:cxn ang="0">
+                <a:pos x="connsiteX35" y="connsiteY35"/>
+              </a:cxn>
+              <a:cxn ang="0">
+                <a:pos x="connsiteX36" y="connsiteY36"/>
+              </a:cxn>
+              <a:cxn ang="0">
+                <a:pos x="connsiteX37" y="connsiteY37"/>
+              </a:cxn>
+              <a:cxn ang="0">
+                <a:pos x="connsiteX38" y="connsiteY38"/>
+              </a:cxn>
+              <a:cxn ang="0">
+                <a:pos x="connsiteX39" y="connsiteY39"/>
+              </a:cxn>
+              <a:cxn ang="0">
+                <a:pos x="connsiteX40" y="connsiteY40"/>
+              </a:cxn>
+              <a:cxn ang="0">
+                <a:pos x="connsiteX41" y="connsiteY41"/>
+              </a:cxn>
+              <a:cxn ang="0">
+                <a:pos x="connsiteX42" y="connsiteY42"/>
+              </a:cxn>
+              <a:cxn ang="0">
+                <a:pos x="connsiteX43" y="connsiteY43"/>
+              </a:cxn>
+              <a:cxn ang="0">
+                <a:pos x="connsiteX44" y="connsiteY44"/>
+              </a:cxn>
+              <a:cxn ang="0">
+                <a:pos x="connsiteX45" y="connsiteY45"/>
+              </a:cxn>
+              <a:cxn ang="0">
+                <a:pos x="connsiteX46" y="connsiteY46"/>
+              </a:cxn>
+              <a:cxn ang="0">
+                <a:pos x="connsiteX47" y="connsiteY47"/>
+              </a:cxn>
+            </a:cxnLst>
+            <a:rect l="l" t="t" r="r" b="b"/>
+            <a:pathLst>
+              <a:path w="6776647" h="6858000">
+                <a:moveTo>
+                  <a:pt x="3656412" y="5054965"/>
+                </a:moveTo>
+                <a:cubicBezTo>
+                  <a:pt x="3822019" y="5054965"/>
+                  <a:pt x="3987625" y="5118142"/>
+                  <a:pt x="4113979" y="5244495"/>
+                </a:cubicBezTo>
+                <a:lnTo>
+                  <a:pt x="4131893" y="5262409"/>
+                </a:lnTo>
+                <a:cubicBezTo>
+                  <a:pt x="4384601" y="5515117"/>
+                  <a:pt x="4384601" y="5924838"/>
+                  <a:pt x="4131892" y="6177545"/>
+                </a:cubicBezTo>
+                <a:lnTo>
+                  <a:pt x="4043288" y="6266149"/>
+                </a:lnTo>
+                <a:cubicBezTo>
+                  <a:pt x="3790582" y="6518855"/>
+                  <a:pt x="3380861" y="6518855"/>
+                  <a:pt x="3128155" y="6266149"/>
+                </a:cubicBezTo>
+                <a:lnTo>
+                  <a:pt x="3110241" y="6248235"/>
+                </a:lnTo>
+                <a:cubicBezTo>
+                  <a:pt x="2857533" y="5995527"/>
+                  <a:pt x="2857533" y="5585807"/>
+                  <a:pt x="3110240" y="5333099"/>
+                </a:cubicBezTo>
+                <a:lnTo>
+                  <a:pt x="3198844" y="5244495"/>
+                </a:lnTo>
+                <a:cubicBezTo>
+                  <a:pt x="3325198" y="5118143"/>
+                  <a:pt x="3490804" y="5054965"/>
+                  <a:pt x="3656412" y="5054965"/>
+                </a:cubicBezTo>
+                <a:close/>
+                <a:moveTo>
+                  <a:pt x="6776647" y="4307086"/>
+                </a:moveTo>
+                <a:lnTo>
+                  <a:pt x="6776647" y="5306043"/>
+                </a:lnTo>
+                <a:lnTo>
+                  <a:pt x="5224689" y="6858000"/>
+                </a:lnTo>
+                <a:lnTo>
+                  <a:pt x="4225733" y="6858000"/>
+                </a:lnTo>
+                <a:close/>
+                <a:moveTo>
+                  <a:pt x="6776647" y="1775039"/>
+                </a:moveTo>
+                <a:lnTo>
+                  <a:pt x="6776647" y="3615452"/>
+                </a:lnTo>
+                <a:lnTo>
+                  <a:pt x="5493702" y="4898396"/>
+                </a:lnTo>
+                <a:cubicBezTo>
+                  <a:pt x="5240995" y="5151104"/>
+                  <a:pt x="4831276" y="5151103"/>
+                  <a:pt x="4578567" y="4898396"/>
+                </a:cubicBezTo>
+                <a:lnTo>
+                  <a:pt x="4560653" y="4880482"/>
+                </a:lnTo>
+                <a:cubicBezTo>
+                  <a:pt x="4307946" y="4627775"/>
+                  <a:pt x="4307946" y="4218054"/>
+                  <a:pt x="4560653" y="3965347"/>
+                </a:cubicBezTo>
+                <a:lnTo>
+                  <a:pt x="6660166" y="1865835"/>
+                </a:lnTo>
+                <a:cubicBezTo>
+                  <a:pt x="6691755" y="1834247"/>
+                  <a:pt x="6725796" y="1806607"/>
+                  <a:pt x="6761678" y="1782916"/>
+                </a:cubicBezTo>
+                <a:close/>
+                <a:moveTo>
+                  <a:pt x="5881240" y="18786"/>
+                </a:moveTo>
+                <a:cubicBezTo>
+                  <a:pt x="6096236" y="18786"/>
+                  <a:pt x="6311231" y="100804"/>
+                  <a:pt x="6475267" y="264840"/>
+                </a:cubicBezTo>
+                <a:lnTo>
+                  <a:pt x="6498525" y="288097"/>
+                </a:lnTo>
+                <a:cubicBezTo>
+                  <a:pt x="6826598" y="616169"/>
+                  <a:pt x="6826598" y="1148079"/>
+                  <a:pt x="6498525" y="1476151"/>
+                </a:cubicBezTo>
+                <a:lnTo>
+                  <a:pt x="2949108" y="5025568"/>
+                </a:lnTo>
+                <a:cubicBezTo>
+                  <a:pt x="2621036" y="5353640"/>
+                  <a:pt x="2089127" y="5353640"/>
+                  <a:pt x="1761054" y="5025568"/>
+                </a:cubicBezTo>
+                <a:lnTo>
+                  <a:pt x="1737797" y="5002311"/>
+                </a:lnTo>
+                <a:cubicBezTo>
+                  <a:pt x="1409725" y="4674239"/>
+                  <a:pt x="1409725" y="4142329"/>
+                  <a:pt x="1737797" y="3814257"/>
+                </a:cubicBezTo>
+                <a:lnTo>
+                  <a:pt x="5287213" y="264840"/>
+                </a:lnTo>
+                <a:cubicBezTo>
+                  <a:pt x="5451251" y="100804"/>
+                  <a:pt x="5666245" y="18785"/>
+                  <a:pt x="5881240" y="18786"/>
+                </a:cubicBezTo>
+                <a:close/>
+                <a:moveTo>
+                  <a:pt x="3421136" y="0"/>
+                </a:moveTo>
+                <a:lnTo>
+                  <a:pt x="5065590" y="0"/>
+                </a:lnTo>
+                <a:lnTo>
+                  <a:pt x="5058235" y="13976"/>
+                </a:lnTo>
+                <a:cubicBezTo>
+                  <a:pt x="5037063" y="46043"/>
+                  <a:pt x="5012362" y="76465"/>
+                  <a:pt x="4984132" y="104695"/>
+                </a:cubicBezTo>
+                <a:lnTo>
+                  <a:pt x="1478980" y="3609848"/>
+                </a:lnTo>
+                <a:cubicBezTo>
+                  <a:pt x="1253141" y="3835687"/>
+                  <a:pt x="886985" y="3835687"/>
+                  <a:pt x="661145" y="3609848"/>
+                </a:cubicBezTo>
+                <a:lnTo>
+                  <a:pt x="645135" y="3593837"/>
+                </a:lnTo>
+                <a:cubicBezTo>
+                  <a:pt x="419295" y="3367998"/>
+                  <a:pt x="419295" y="3001841"/>
+                  <a:pt x="645135" y="2776002"/>
+                </a:cubicBezTo>
+                <a:close/>
+                <a:moveTo>
+                  <a:pt x="1313944" y="0"/>
+                </a:moveTo>
+                <a:lnTo>
+                  <a:pt x="2570790" y="0"/>
+                </a:lnTo>
+                <a:lnTo>
+                  <a:pt x="2582282" y="38778"/>
+                </a:lnTo>
+                <a:cubicBezTo>
+                  <a:pt x="2617570" y="221036"/>
+                  <a:pt x="2564639" y="416997"/>
+                  <a:pt x="2423489" y="558147"/>
+                </a:cubicBezTo>
+                <a:lnTo>
+                  <a:pt x="1003226" y="1978410"/>
+                </a:lnTo>
+                <a:cubicBezTo>
+                  <a:pt x="777387" y="2204250"/>
+                  <a:pt x="411230" y="2204250"/>
+                  <a:pt x="185390" y="1978410"/>
+                </a:cubicBezTo>
+                <a:lnTo>
+                  <a:pt x="169380" y="1962401"/>
+                </a:lnTo>
+                <a:cubicBezTo>
+                  <a:pt x="-56460" y="1736561"/>
+                  <a:pt x="-56460" y="1370404"/>
+                  <a:pt x="169380" y="1144565"/>
+                </a:cubicBezTo>
+                <a:close/>
+              </a:path>
+            </a:pathLst>
+          </a:custGeom>
+          <a:effectLst>
+            <a:innerShdw blurRad="63500" dist="50800" dir="16200000">
+              <a:prstClr val="black">
+                <a:alpha val="50000"/>
+              </a:prstClr>
+            </a:innerShdw>
+          </a:effectLst>
+        </p:spPr>
+      </p:pic>
+      <p:sp>
+        <p:nvSpPr>
+          <p:cNvPr id="28" name="TextBox 27">
+            <a:extLst>
+              <a:ext uri="{FF2B5EF4-FFF2-40B4-BE49-F238E27FC236}">
+                <a16:creationId xmlns:a16="http://schemas.microsoft.com/office/drawing/2014/main" id="{191AEC87-B80D-BE64-4641-27D97805C02A}"/>
+              </a:ext>
+            </a:extLst>
+          </p:cNvPr>
+          <p:cNvSpPr txBox="1"/>
+          <p:nvPr/>
+        </p:nvSpPr>
+        <p:spPr>
+          <a:xfrm>
+            <a:off x="-683224" y="133620"/>
+            <a:ext cx="6776647" cy="1754326"/>
+          </a:xfrm>
+          <a:prstGeom prst="rect">
+            <a:avLst/>
+          </a:prstGeom>
+          <a:noFill/>
+        </p:spPr>
+        <p:txBody>
+          <a:bodyPr wrap="square" rtlCol="0">
+            <a:spAutoFit/>
+          </a:bodyPr>
+          <a:lstStyle/>
+          <a:p>
+            <a:pPr algn="ctr"/>
+            <a:r>
+              <a:rPr lang="en-US" sz="3600" dirty="0">
+                <a:solidFill>
+                  <a:srgbClr val="D65D26"/>
+                </a:solidFill>
+                <a:latin typeface="Inter" panose="02000503000000020004" pitchFamily="2" charset="0"/>
+                <a:ea typeface="Inter" panose="02000503000000020004" pitchFamily="2" charset="0"/>
+              </a:rPr>
+              <a:t>Part 1: </a:t>
+            </a:r>
+            <a:r>
+              <a:rPr lang="en-US" sz="3600" dirty="0">
+                <a:solidFill>
+                  <a:srgbClr val="EDEDED"/>
+                </a:solidFill>
+                <a:latin typeface="Inter" panose="02000503000000020004" pitchFamily="2" charset="0"/>
+                <a:ea typeface="Inter" panose="02000503000000020004" pitchFamily="2" charset="0"/>
+              </a:rPr>
+              <a:t>Problem Framing: Black-Box Simulation Optimization </a:t>
+            </a:r>
+          </a:p>
+        </p:txBody>
+      </p:sp>
+      <p:sp>
+        <p:nvSpPr>
+          <p:cNvPr id="2" name="TextBox 1">
+            <a:extLst>
+              <a:ext uri="{FF2B5EF4-FFF2-40B4-BE49-F238E27FC236}">
+                <a16:creationId xmlns:a16="http://schemas.microsoft.com/office/drawing/2014/main" id="{5AFEFA47-0087-1A25-CAAE-CC72E7E71E19}"/>
+              </a:ext>
+            </a:extLst>
+          </p:cNvPr>
+          <p:cNvSpPr txBox="1"/>
+          <p:nvPr/>
+        </p:nvSpPr>
+        <p:spPr>
+          <a:xfrm>
+            <a:off x="314122" y="2518389"/>
+            <a:ext cx="4113627" cy="400110"/>
+          </a:xfrm>
+          <a:prstGeom prst="rect">
+            <a:avLst/>
+          </a:prstGeom>
+          <a:noFill/>
+        </p:spPr>
+        <p:txBody>
+          <a:bodyPr wrap="none" rtlCol="0">
+            <a:spAutoFit/>
+          </a:bodyPr>
+          <a:lstStyle/>
+          <a:p>
+            <a:r>
+              <a:rPr lang="en-US" sz="2000" b="1" dirty="0">
+                <a:solidFill>
+                  <a:srgbClr val="D65D26"/>
+                </a:solidFill>
+                <a:latin typeface="Montserrat" pitchFamily="2" charset="0"/>
+                <a:ea typeface="Inter" panose="02000503000000020004" pitchFamily="2" charset="0"/>
+              </a:rPr>
+              <a:t>1.1</a:t>
+            </a:r>
+            <a:r>
+              <a:rPr lang="en-US" sz="2000" b="1" dirty="0">
+                <a:solidFill>
+                  <a:srgbClr val="EDEDED"/>
+                </a:solidFill>
+                <a:latin typeface="Montserrat" pitchFamily="2" charset="0"/>
+                <a:ea typeface="Inter" panose="02000503000000020004" pitchFamily="2" charset="0"/>
+              </a:rPr>
+              <a:t> What Problem Class is this</a:t>
+            </a:r>
+          </a:p>
+        </p:txBody>
+      </p:sp>
+      <p:sp>
+        <p:nvSpPr>
+          <p:cNvPr id="3" name="TextBox 2">
+            <a:extLst>
+              <a:ext uri="{FF2B5EF4-FFF2-40B4-BE49-F238E27FC236}">
+                <a16:creationId xmlns:a16="http://schemas.microsoft.com/office/drawing/2014/main" id="{FEEFA771-280C-F321-223F-ADE396C02814}"/>
+              </a:ext>
+            </a:extLst>
+          </p:cNvPr>
+          <p:cNvSpPr txBox="1"/>
+          <p:nvPr/>
+        </p:nvSpPr>
+        <p:spPr>
+          <a:xfrm>
+            <a:off x="279595" y="3518164"/>
+            <a:ext cx="3845925" cy="923330"/>
+          </a:xfrm>
+          <a:prstGeom prst="rect">
+            <a:avLst/>
+          </a:prstGeom>
+          <a:noFill/>
+        </p:spPr>
+        <p:txBody>
+          <a:bodyPr wrap="none" rtlCol="0">
+            <a:spAutoFit/>
+          </a:bodyPr>
+          <a:lstStyle/>
+          <a:p>
+            <a:pPr marL="285750" indent="-285750">
+              <a:buFontTx/>
+              <a:buChar char="-"/>
+            </a:pPr>
+            <a:r>
+              <a:rPr lang="en-US" dirty="0">
+                <a:solidFill>
+                  <a:srgbClr val="EDEDED"/>
+                </a:solidFill>
+                <a:latin typeface="Montserrat" pitchFamily="2" charset="0"/>
+              </a:rPr>
+              <a:t>No explicit objective function</a:t>
+            </a:r>
+          </a:p>
+          <a:p>
+            <a:pPr marL="285750" indent="-285750">
+              <a:buFontTx/>
+              <a:buChar char="-"/>
+            </a:pPr>
+            <a:r>
+              <a:rPr lang="en-US" dirty="0">
+                <a:solidFill>
+                  <a:srgbClr val="EDEDED"/>
+                </a:solidFill>
+                <a:latin typeface="Montserrat" pitchFamily="2" charset="0"/>
+              </a:rPr>
+              <a:t>No analytical model</a:t>
+            </a:r>
+          </a:p>
+          <a:p>
+            <a:pPr marL="285750" indent="-285750">
+              <a:buFontTx/>
+              <a:buChar char="-"/>
+            </a:pPr>
+            <a:r>
+              <a:rPr lang="en-US" dirty="0">
+                <a:solidFill>
+                  <a:srgbClr val="EDEDED"/>
+                </a:solidFill>
+                <a:latin typeface="Montserrat" pitchFamily="2" charset="0"/>
+              </a:rPr>
+              <a:t>Only input–output access</a:t>
+            </a:r>
+          </a:p>
+        </p:txBody>
+      </p:sp>
+      <p:pic>
+        <p:nvPicPr>
+          <p:cNvPr id="4" name="Picture 3">
+            <a:extLst>
+              <a:ext uri="{FF2B5EF4-FFF2-40B4-BE49-F238E27FC236}">
+                <a16:creationId xmlns:a16="http://schemas.microsoft.com/office/drawing/2014/main" id="{BBC56631-2309-C351-FC9D-993C47A6EDAE}"/>
+              </a:ext>
+            </a:extLst>
+          </p:cNvPr>
+          <p:cNvPicPr>
+            <a:picLocks noChangeAspect="1"/>
+          </p:cNvPicPr>
+          <p:nvPr/>
+        </p:nvPicPr>
+        <p:blipFill>
+          <a:blip r:embed="rId3">
+            <a:extLst>
+              <a:ext uri="{28A0092B-C50C-407E-A947-70E740481C1C}">
+                <a14:useLocalDpi xmlns:a14="http://schemas.microsoft.com/office/drawing/2010/main" val="0"/>
+              </a:ext>
+            </a:extLst>
+          </a:blip>
+          <a:stretch>
+            <a:fillRect/>
+          </a:stretch>
+        </p:blipFill>
+        <p:spPr>
+          <a:xfrm>
+            <a:off x="279595" y="4970054"/>
+            <a:ext cx="1690916" cy="1754326"/>
+          </a:xfrm>
+          <a:prstGeom prst="rect">
+            <a:avLst/>
+          </a:prstGeom>
+        </p:spPr>
+      </p:pic>
+    </p:spTree>
+    <p:extLst>
+      <p:ext uri="{BB962C8B-B14F-4D97-AF65-F5344CB8AC3E}">
+        <p14:creationId xmlns:p14="http://schemas.microsoft.com/office/powerpoint/2010/main" val="1366942208"/>
+      </p:ext>
+    </p:extLst>
+  </p:cSld>
+  <p:clrMapOvr>
+    <a:masterClrMapping/>
+  </p:clrMapOvr>
+</p:sld>
+</file>
+
+<file path=ppt/slides/slide4.xml><?xml version="1.0" encoding="utf-8"?>
+<p:sld xmlns:a="http://schemas.openxmlformats.org/drawingml/2006/main" xmlns:r="http://schemas.openxmlformats.org/officeDocument/2006/relationships" xmlns:p="http://schemas.openxmlformats.org/presentationml/2006/main">
+  <p:cSld>
+    <p:bg>
+      <p:bgPr>
+        <a:gradFill flip="none" rotWithShape="1">
+          <a:gsLst>
+            <a:gs pos="20000">
+              <a:schemeClr val="bg1"/>
+            </a:gs>
+            <a:gs pos="78000">
+              <a:schemeClr val="tx1">
+                <a:lumMod val="95000"/>
+                <a:lumOff val="5000"/>
+              </a:schemeClr>
+            </a:gs>
+          </a:gsLst>
+          <a:path path="circle">
+            <a:fillToRect l="100000" t="100000"/>
+          </a:path>
+          <a:tileRect r="-100000" b="-100000"/>
+        </a:gradFill>
+        <a:effectLst/>
+      </p:bgPr>
+    </p:bg>
+    <p:spTree>
+      <p:nvGrpSpPr>
+        <p:cNvPr id="1" name="">
+          <a:extLst>
+            <a:ext uri="{FF2B5EF4-FFF2-40B4-BE49-F238E27FC236}">
+              <a16:creationId xmlns:a16="http://schemas.microsoft.com/office/drawing/2014/main" id="{ADBE792B-E83B-3D22-C92A-DA09A4155A2C}"/>
+            </a:ext>
+          </a:extLst>
+        </p:cNvPr>
+        <p:cNvGrpSpPr/>
+        <p:nvPr/>
+      </p:nvGrpSpPr>
+      <p:grpSpPr>
+        <a:xfrm>
+          <a:off x="0" y="0"/>
+          <a:ext cx="0" cy="0"/>
+          <a:chOff x="0" y="0"/>
+          <a:chExt cx="0" cy="0"/>
+        </a:xfrm>
+      </p:grpSpPr>
+      <p:pic>
+        <p:nvPicPr>
+          <p:cNvPr id="27" name="Picture 26">
+            <a:extLst>
+              <a:ext uri="{FF2B5EF4-FFF2-40B4-BE49-F238E27FC236}">
+                <a16:creationId xmlns:a16="http://schemas.microsoft.com/office/drawing/2014/main" id="{D6C69B2B-C12B-CAC6-72D6-F8E615919560}"/>
+              </a:ext>
+            </a:extLst>
+          </p:cNvPr>
+          <p:cNvPicPr>
+            <a:picLocks noChangeAspect="1"/>
+          </p:cNvPicPr>
+          <p:nvPr/>
+        </p:nvPicPr>
+        <p:blipFill>
+          <a:blip r:embed="rId2">
+            <a:extLst>
+              <a:ext uri="{28A0092B-C50C-407E-A947-70E740481C1C}">
+                <a14:useLocalDpi xmlns:a14="http://schemas.microsoft.com/office/drawing/2010/main" val="0"/>
+              </a:ext>
+            </a:extLst>
+          </a:blip>
+          <a:srcRect l="44417"/>
+          <a:stretch>
+            <a:fillRect/>
+          </a:stretch>
+        </p:blipFill>
+        <p:spPr>
+          <a:xfrm>
+            <a:off x="4559473" y="-866155"/>
+            <a:ext cx="7632527" cy="7724155"/>
+          </a:xfrm>
+          <a:custGeom>
+            <a:avLst/>
+            <a:gdLst>
+              <a:gd name="connsiteX0" fmla="*/ 3656412 w 6776647"/>
+              <a:gd name="connsiteY0" fmla="*/ 5054965 h 6858000"/>
+              <a:gd name="connsiteX1" fmla="*/ 4113979 w 6776647"/>
+              <a:gd name="connsiteY1" fmla="*/ 5244495 h 6858000"/>
+              <a:gd name="connsiteX2" fmla="*/ 4131893 w 6776647"/>
+              <a:gd name="connsiteY2" fmla="*/ 5262409 h 6858000"/>
+              <a:gd name="connsiteX3" fmla="*/ 4131892 w 6776647"/>
+              <a:gd name="connsiteY3" fmla="*/ 6177545 h 6858000"/>
+              <a:gd name="connsiteX4" fmla="*/ 4043288 w 6776647"/>
+              <a:gd name="connsiteY4" fmla="*/ 6266149 h 6858000"/>
+              <a:gd name="connsiteX5" fmla="*/ 3128155 w 6776647"/>
+              <a:gd name="connsiteY5" fmla="*/ 6266149 h 6858000"/>
+              <a:gd name="connsiteX6" fmla="*/ 3110241 w 6776647"/>
+              <a:gd name="connsiteY6" fmla="*/ 6248235 h 6858000"/>
+              <a:gd name="connsiteX7" fmla="*/ 3110240 w 6776647"/>
+              <a:gd name="connsiteY7" fmla="*/ 5333099 h 6858000"/>
+              <a:gd name="connsiteX8" fmla="*/ 3198844 w 6776647"/>
+              <a:gd name="connsiteY8" fmla="*/ 5244495 h 6858000"/>
+              <a:gd name="connsiteX9" fmla="*/ 3656412 w 6776647"/>
+              <a:gd name="connsiteY9" fmla="*/ 5054965 h 6858000"/>
+              <a:gd name="connsiteX10" fmla="*/ 6776647 w 6776647"/>
+              <a:gd name="connsiteY10" fmla="*/ 4307086 h 6858000"/>
+              <a:gd name="connsiteX11" fmla="*/ 6776647 w 6776647"/>
+              <a:gd name="connsiteY11" fmla="*/ 5306043 h 6858000"/>
+              <a:gd name="connsiteX12" fmla="*/ 5224689 w 6776647"/>
+              <a:gd name="connsiteY12" fmla="*/ 6858000 h 6858000"/>
+              <a:gd name="connsiteX13" fmla="*/ 4225733 w 6776647"/>
+              <a:gd name="connsiteY13" fmla="*/ 6858000 h 6858000"/>
+              <a:gd name="connsiteX14" fmla="*/ 6776647 w 6776647"/>
+              <a:gd name="connsiteY14" fmla="*/ 1775039 h 6858000"/>
+              <a:gd name="connsiteX15" fmla="*/ 6776647 w 6776647"/>
+              <a:gd name="connsiteY15" fmla="*/ 3615452 h 6858000"/>
+              <a:gd name="connsiteX16" fmla="*/ 5493702 w 6776647"/>
+              <a:gd name="connsiteY16" fmla="*/ 4898396 h 6858000"/>
+              <a:gd name="connsiteX17" fmla="*/ 4578567 w 6776647"/>
+              <a:gd name="connsiteY17" fmla="*/ 4898396 h 6858000"/>
+              <a:gd name="connsiteX18" fmla="*/ 4560653 w 6776647"/>
+              <a:gd name="connsiteY18" fmla="*/ 4880482 h 6858000"/>
+              <a:gd name="connsiteX19" fmla="*/ 4560653 w 6776647"/>
+              <a:gd name="connsiteY19" fmla="*/ 3965347 h 6858000"/>
+              <a:gd name="connsiteX20" fmla="*/ 6660166 w 6776647"/>
+              <a:gd name="connsiteY20" fmla="*/ 1865835 h 6858000"/>
+              <a:gd name="connsiteX21" fmla="*/ 6761678 w 6776647"/>
+              <a:gd name="connsiteY21" fmla="*/ 1782916 h 6858000"/>
+              <a:gd name="connsiteX22" fmla="*/ 5881240 w 6776647"/>
+              <a:gd name="connsiteY22" fmla="*/ 18786 h 6858000"/>
+              <a:gd name="connsiteX23" fmla="*/ 6475267 w 6776647"/>
+              <a:gd name="connsiteY23" fmla="*/ 264840 h 6858000"/>
+              <a:gd name="connsiteX24" fmla="*/ 6498525 w 6776647"/>
+              <a:gd name="connsiteY24" fmla="*/ 288097 h 6858000"/>
+              <a:gd name="connsiteX25" fmla="*/ 6498525 w 6776647"/>
+              <a:gd name="connsiteY25" fmla="*/ 1476151 h 6858000"/>
+              <a:gd name="connsiteX26" fmla="*/ 2949108 w 6776647"/>
+              <a:gd name="connsiteY26" fmla="*/ 5025568 h 6858000"/>
+              <a:gd name="connsiteX27" fmla="*/ 1761054 w 6776647"/>
+              <a:gd name="connsiteY27" fmla="*/ 5025568 h 6858000"/>
+              <a:gd name="connsiteX28" fmla="*/ 1737797 w 6776647"/>
+              <a:gd name="connsiteY28" fmla="*/ 5002311 h 6858000"/>
+              <a:gd name="connsiteX29" fmla="*/ 1737797 w 6776647"/>
+              <a:gd name="connsiteY29" fmla="*/ 3814257 h 6858000"/>
+              <a:gd name="connsiteX30" fmla="*/ 5287213 w 6776647"/>
+              <a:gd name="connsiteY30" fmla="*/ 264840 h 6858000"/>
+              <a:gd name="connsiteX31" fmla="*/ 5881240 w 6776647"/>
+              <a:gd name="connsiteY31" fmla="*/ 18786 h 6858000"/>
+              <a:gd name="connsiteX32" fmla="*/ 3421136 w 6776647"/>
+              <a:gd name="connsiteY32" fmla="*/ 0 h 6858000"/>
+              <a:gd name="connsiteX33" fmla="*/ 5065590 w 6776647"/>
+              <a:gd name="connsiteY33" fmla="*/ 0 h 6858000"/>
+              <a:gd name="connsiteX34" fmla="*/ 5058235 w 6776647"/>
+              <a:gd name="connsiteY34" fmla="*/ 13976 h 6858000"/>
+              <a:gd name="connsiteX35" fmla="*/ 4984132 w 6776647"/>
+              <a:gd name="connsiteY35" fmla="*/ 104695 h 6858000"/>
+              <a:gd name="connsiteX36" fmla="*/ 1478980 w 6776647"/>
+              <a:gd name="connsiteY36" fmla="*/ 3609848 h 6858000"/>
+              <a:gd name="connsiteX37" fmla="*/ 661145 w 6776647"/>
+              <a:gd name="connsiteY37" fmla="*/ 3609848 h 6858000"/>
+              <a:gd name="connsiteX38" fmla="*/ 645135 w 6776647"/>
+              <a:gd name="connsiteY38" fmla="*/ 3593837 h 6858000"/>
+              <a:gd name="connsiteX39" fmla="*/ 645135 w 6776647"/>
+              <a:gd name="connsiteY39" fmla="*/ 2776002 h 6858000"/>
+              <a:gd name="connsiteX40" fmla="*/ 1313944 w 6776647"/>
+              <a:gd name="connsiteY40" fmla="*/ 0 h 6858000"/>
+              <a:gd name="connsiteX41" fmla="*/ 2570790 w 6776647"/>
+              <a:gd name="connsiteY41" fmla="*/ 0 h 6858000"/>
+              <a:gd name="connsiteX42" fmla="*/ 2582282 w 6776647"/>
+              <a:gd name="connsiteY42" fmla="*/ 38778 h 6858000"/>
+              <a:gd name="connsiteX43" fmla="*/ 2423489 w 6776647"/>
+              <a:gd name="connsiteY43" fmla="*/ 558147 h 6858000"/>
+              <a:gd name="connsiteX44" fmla="*/ 1003226 w 6776647"/>
+              <a:gd name="connsiteY44" fmla="*/ 1978410 h 6858000"/>
+              <a:gd name="connsiteX45" fmla="*/ 185390 w 6776647"/>
+              <a:gd name="connsiteY45" fmla="*/ 1978410 h 6858000"/>
+              <a:gd name="connsiteX46" fmla="*/ 169380 w 6776647"/>
+              <a:gd name="connsiteY46" fmla="*/ 1962401 h 6858000"/>
+              <a:gd name="connsiteX47" fmla="*/ 169380 w 6776647"/>
+              <a:gd name="connsiteY47" fmla="*/ 1144565 h 6858000"/>
+            </a:gdLst>
+            <a:ahLst/>
+            <a:cxnLst>
+              <a:cxn ang="0">
+                <a:pos x="connsiteX0" y="connsiteY0"/>
+              </a:cxn>
+              <a:cxn ang="0">
+                <a:pos x="connsiteX1" y="connsiteY1"/>
+              </a:cxn>
+              <a:cxn ang="0">
+                <a:pos x="connsiteX2" y="connsiteY2"/>
+              </a:cxn>
+              <a:cxn ang="0">
+                <a:pos x="connsiteX3" y="connsiteY3"/>
+              </a:cxn>
+              <a:cxn ang="0">
+                <a:pos x="connsiteX4" y="connsiteY4"/>
+              </a:cxn>
+              <a:cxn ang="0">
+                <a:pos x="connsiteX5" y="connsiteY5"/>
+              </a:cxn>
+              <a:cxn ang="0">
+                <a:pos x="connsiteX6" y="connsiteY6"/>
+              </a:cxn>
+              <a:cxn ang="0">
+                <a:pos x="connsiteX7" y="connsiteY7"/>
+              </a:cxn>
+              <a:cxn ang="0">
+                <a:pos x="connsiteX8" y="connsiteY8"/>
+              </a:cxn>
+              <a:cxn ang="0">
+                <a:pos x="connsiteX9" y="connsiteY9"/>
+              </a:cxn>
+              <a:cxn ang="0">
+                <a:pos x="connsiteX10" y="connsiteY10"/>
+              </a:cxn>
+              <a:cxn ang="0">
+                <a:pos x="connsiteX11" y="connsiteY11"/>
+              </a:cxn>
+              <a:cxn ang="0">
+                <a:pos x="connsiteX12" y="connsiteY12"/>
+              </a:cxn>
+              <a:cxn ang="0">
+                <a:pos x="connsiteX13" y="connsiteY13"/>
+              </a:cxn>
+              <a:cxn ang="0">
+                <a:pos x="connsiteX14" y="connsiteY14"/>
+              </a:cxn>
+              <a:cxn ang="0">
+                <a:pos x="connsiteX15" y="connsiteY15"/>
+              </a:cxn>
+              <a:cxn ang="0">
+                <a:pos x="connsiteX16" y="connsiteY16"/>
+              </a:cxn>
+              <a:cxn ang="0">
+                <a:pos x="connsiteX17" y="connsiteY17"/>
+              </a:cxn>
+              <a:cxn ang="0">
+                <a:pos x="connsiteX18" y="connsiteY18"/>
+              </a:cxn>
+              <a:cxn ang="0">
+                <a:pos x="connsiteX19" y="connsiteY19"/>
+              </a:cxn>
+              <a:cxn ang="0">
+                <a:pos x="connsiteX20" y="connsiteY20"/>
+              </a:cxn>
+              <a:cxn ang="0">
+                <a:pos x="connsiteX21" y="connsiteY21"/>
+              </a:cxn>
+              <a:cxn ang="0">
+                <a:pos x="connsiteX22" y="connsiteY22"/>
+              </a:cxn>
+              <a:cxn ang="0">
+                <a:pos x="connsiteX23" y="connsiteY23"/>
+              </a:cxn>
+              <a:cxn ang="0">
+                <a:pos x="connsiteX24" y="connsiteY24"/>
+              </a:cxn>
+              <a:cxn ang="0">
+                <a:pos x="connsiteX25" y="connsiteY25"/>
+              </a:cxn>
+              <a:cxn ang="0">
+                <a:pos x="connsiteX26" y="connsiteY26"/>
+              </a:cxn>
+              <a:cxn ang="0">
+                <a:pos x="connsiteX27" y="connsiteY27"/>
+              </a:cxn>
+              <a:cxn ang="0">
+                <a:pos x="connsiteX28" y="connsiteY28"/>
+              </a:cxn>
+              <a:cxn ang="0">
+                <a:pos x="connsiteX29" y="connsiteY29"/>
+              </a:cxn>
+              <a:cxn ang="0">
+                <a:pos x="connsiteX30" y="connsiteY30"/>
+              </a:cxn>
+              <a:cxn ang="0">
+                <a:pos x="connsiteX31" y="connsiteY31"/>
+              </a:cxn>
+              <a:cxn ang="0">
+                <a:pos x="connsiteX32" y="connsiteY32"/>
+              </a:cxn>
+              <a:cxn ang="0">
+                <a:pos x="connsiteX33" y="connsiteY33"/>
+              </a:cxn>
+              <a:cxn ang="0">
+                <a:pos x="connsiteX34" y="connsiteY34"/>
+              </a:cxn>
+              <a:cxn ang="0">
+                <a:pos x="connsiteX35" y="connsiteY35"/>
+              </a:cxn>
+              <a:cxn ang="0">
+                <a:pos x="connsiteX36" y="connsiteY36"/>
+              </a:cxn>
+              <a:cxn ang="0">
+                <a:pos x="connsiteX37" y="connsiteY37"/>
+              </a:cxn>
+              <a:cxn ang="0">
+                <a:pos x="connsiteX38" y="connsiteY38"/>
+              </a:cxn>
+              <a:cxn ang="0">
+                <a:pos x="connsiteX39" y="connsiteY39"/>
+              </a:cxn>
+              <a:cxn ang="0">
+                <a:pos x="connsiteX40" y="connsiteY40"/>
+              </a:cxn>
+              <a:cxn ang="0">
+                <a:pos x="connsiteX41" y="connsiteY41"/>
+              </a:cxn>
+              <a:cxn ang="0">
+                <a:pos x="connsiteX42" y="connsiteY42"/>
+              </a:cxn>
+              <a:cxn ang="0">
+                <a:pos x="connsiteX43" y="connsiteY43"/>
+              </a:cxn>
+              <a:cxn ang="0">
+                <a:pos x="connsiteX44" y="connsiteY44"/>
+              </a:cxn>
+              <a:cxn ang="0">
+                <a:pos x="connsiteX45" y="connsiteY45"/>
+              </a:cxn>
+              <a:cxn ang="0">
+                <a:pos x="connsiteX46" y="connsiteY46"/>
+              </a:cxn>
+              <a:cxn ang="0">
+                <a:pos x="connsiteX47" y="connsiteY47"/>
+              </a:cxn>
+            </a:cxnLst>
+            <a:rect l="l" t="t" r="r" b="b"/>
+            <a:pathLst>
+              <a:path w="6776647" h="6858000">
+                <a:moveTo>
+                  <a:pt x="3656412" y="5054965"/>
+                </a:moveTo>
+                <a:cubicBezTo>
+                  <a:pt x="3822019" y="5054965"/>
+                  <a:pt x="3987625" y="5118142"/>
+                  <a:pt x="4113979" y="5244495"/>
+                </a:cubicBezTo>
+                <a:lnTo>
+                  <a:pt x="4131893" y="5262409"/>
+                </a:lnTo>
+                <a:cubicBezTo>
+                  <a:pt x="4384601" y="5515117"/>
+                  <a:pt x="4384601" y="5924838"/>
+                  <a:pt x="4131892" y="6177545"/>
+                </a:cubicBezTo>
+                <a:lnTo>
+                  <a:pt x="4043288" y="6266149"/>
+                </a:lnTo>
+                <a:cubicBezTo>
+                  <a:pt x="3790582" y="6518855"/>
+                  <a:pt x="3380861" y="6518855"/>
+                  <a:pt x="3128155" y="6266149"/>
+                </a:cubicBezTo>
+                <a:lnTo>
+                  <a:pt x="3110241" y="6248235"/>
+                </a:lnTo>
+                <a:cubicBezTo>
+                  <a:pt x="2857533" y="5995527"/>
+                  <a:pt x="2857533" y="5585807"/>
+                  <a:pt x="3110240" y="5333099"/>
+                </a:cubicBezTo>
+                <a:lnTo>
+                  <a:pt x="3198844" y="5244495"/>
+                </a:lnTo>
+                <a:cubicBezTo>
+                  <a:pt x="3325198" y="5118143"/>
+                  <a:pt x="3490804" y="5054965"/>
+                  <a:pt x="3656412" y="5054965"/>
+                </a:cubicBezTo>
+                <a:close/>
+                <a:moveTo>
+                  <a:pt x="6776647" y="4307086"/>
+                </a:moveTo>
+                <a:lnTo>
+                  <a:pt x="6776647" y="5306043"/>
+                </a:lnTo>
+                <a:lnTo>
+                  <a:pt x="5224689" y="6858000"/>
+                </a:lnTo>
+                <a:lnTo>
+                  <a:pt x="4225733" y="6858000"/>
+                </a:lnTo>
+                <a:close/>
+                <a:moveTo>
+                  <a:pt x="6776647" y="1775039"/>
+                </a:moveTo>
+                <a:lnTo>
+                  <a:pt x="6776647" y="3615452"/>
+                </a:lnTo>
+                <a:lnTo>
+                  <a:pt x="5493702" y="4898396"/>
+                </a:lnTo>
+                <a:cubicBezTo>
+                  <a:pt x="5240995" y="5151104"/>
+                  <a:pt x="4831276" y="5151103"/>
+                  <a:pt x="4578567" y="4898396"/>
+                </a:cubicBezTo>
+                <a:lnTo>
+                  <a:pt x="4560653" y="4880482"/>
+                </a:lnTo>
+                <a:cubicBezTo>
+                  <a:pt x="4307946" y="4627775"/>
+                  <a:pt x="4307946" y="4218054"/>
+                  <a:pt x="4560653" y="3965347"/>
+                </a:cubicBezTo>
+                <a:lnTo>
+                  <a:pt x="6660166" y="1865835"/>
+                </a:lnTo>
+                <a:cubicBezTo>
+                  <a:pt x="6691755" y="1834247"/>
+                  <a:pt x="6725796" y="1806607"/>
+                  <a:pt x="6761678" y="1782916"/>
+                </a:cubicBezTo>
+                <a:close/>
+                <a:moveTo>
+                  <a:pt x="5881240" y="18786"/>
+                </a:moveTo>
+                <a:cubicBezTo>
+                  <a:pt x="6096236" y="18786"/>
+                  <a:pt x="6311231" y="100804"/>
+                  <a:pt x="6475267" y="264840"/>
+                </a:cubicBezTo>
+                <a:lnTo>
+                  <a:pt x="6498525" y="288097"/>
+                </a:lnTo>
+                <a:cubicBezTo>
+                  <a:pt x="6826598" y="616169"/>
+                  <a:pt x="6826598" y="1148079"/>
+                  <a:pt x="6498525" y="1476151"/>
+                </a:cubicBezTo>
+                <a:lnTo>
+                  <a:pt x="2949108" y="5025568"/>
+                </a:lnTo>
+                <a:cubicBezTo>
+                  <a:pt x="2621036" y="5353640"/>
+                  <a:pt x="2089127" y="5353640"/>
+                  <a:pt x="1761054" y="5025568"/>
+                </a:cubicBezTo>
+                <a:lnTo>
+                  <a:pt x="1737797" y="5002311"/>
+                </a:lnTo>
+                <a:cubicBezTo>
+                  <a:pt x="1409725" y="4674239"/>
+                  <a:pt x="1409725" y="4142329"/>
+                  <a:pt x="1737797" y="3814257"/>
+                </a:cubicBezTo>
+                <a:lnTo>
+                  <a:pt x="5287213" y="264840"/>
+                </a:lnTo>
+                <a:cubicBezTo>
+                  <a:pt x="5451251" y="100804"/>
+                  <a:pt x="5666245" y="18785"/>
+                  <a:pt x="5881240" y="18786"/>
+                </a:cubicBezTo>
+                <a:close/>
+                <a:moveTo>
+                  <a:pt x="3421136" y="0"/>
+                </a:moveTo>
+                <a:lnTo>
+                  <a:pt x="5065590" y="0"/>
+                </a:lnTo>
+                <a:lnTo>
+                  <a:pt x="5058235" y="13976"/>
+                </a:lnTo>
+                <a:cubicBezTo>
+                  <a:pt x="5037063" y="46043"/>
+                  <a:pt x="5012362" y="76465"/>
+                  <a:pt x="4984132" y="104695"/>
+                </a:cubicBezTo>
+                <a:lnTo>
+                  <a:pt x="1478980" y="3609848"/>
+                </a:lnTo>
+                <a:cubicBezTo>
+                  <a:pt x="1253141" y="3835687"/>
+                  <a:pt x="886985" y="3835687"/>
+                  <a:pt x="661145" y="3609848"/>
+                </a:cubicBezTo>
+                <a:lnTo>
+                  <a:pt x="645135" y="3593837"/>
+                </a:lnTo>
+                <a:cubicBezTo>
+                  <a:pt x="419295" y="3367998"/>
+                  <a:pt x="419295" y="3001841"/>
+                  <a:pt x="645135" y="2776002"/>
+                </a:cubicBezTo>
+                <a:close/>
+                <a:moveTo>
+                  <a:pt x="1313944" y="0"/>
+                </a:moveTo>
+                <a:lnTo>
+                  <a:pt x="2570790" y="0"/>
+                </a:lnTo>
+                <a:lnTo>
+                  <a:pt x="2582282" y="38778"/>
+                </a:lnTo>
+                <a:cubicBezTo>
+                  <a:pt x="2617570" y="221036"/>
+                  <a:pt x="2564639" y="416997"/>
+                  <a:pt x="2423489" y="558147"/>
+                </a:cubicBezTo>
+                <a:lnTo>
+                  <a:pt x="1003226" y="1978410"/>
+                </a:lnTo>
+                <a:cubicBezTo>
+                  <a:pt x="777387" y="2204250"/>
+                  <a:pt x="411230" y="2204250"/>
+                  <a:pt x="185390" y="1978410"/>
+                </a:cubicBezTo>
+                <a:lnTo>
+                  <a:pt x="169380" y="1962401"/>
+                </a:lnTo>
+                <a:cubicBezTo>
+                  <a:pt x="-56460" y="1736561"/>
+                  <a:pt x="-56460" y="1370404"/>
+                  <a:pt x="169380" y="1144565"/>
+                </a:cubicBezTo>
+                <a:close/>
+              </a:path>
+            </a:pathLst>
+          </a:custGeom>
+          <a:effectLst>
+            <a:innerShdw blurRad="63500" dist="50800" dir="16200000">
+              <a:prstClr val="black">
+                <a:alpha val="50000"/>
+              </a:prstClr>
+            </a:innerShdw>
+          </a:effectLst>
+        </p:spPr>
+      </p:pic>
+      <p:sp>
+        <p:nvSpPr>
+          <p:cNvPr id="28" name="TextBox 27">
+            <a:extLst>
+              <a:ext uri="{FF2B5EF4-FFF2-40B4-BE49-F238E27FC236}">
+                <a16:creationId xmlns:a16="http://schemas.microsoft.com/office/drawing/2014/main" id="{EE8EB7A1-1BAA-9E84-F5AD-5CBC002DF050}"/>
+              </a:ext>
+            </a:extLst>
+          </p:cNvPr>
+          <p:cNvSpPr txBox="1"/>
+          <p:nvPr/>
+        </p:nvSpPr>
+        <p:spPr>
+          <a:xfrm>
+            <a:off x="-683224" y="133620"/>
+            <a:ext cx="6776647" cy="1754326"/>
+          </a:xfrm>
+          <a:prstGeom prst="rect">
+            <a:avLst/>
+          </a:prstGeom>
+          <a:noFill/>
+        </p:spPr>
+        <p:txBody>
+          <a:bodyPr wrap="square" rtlCol="0">
+            <a:spAutoFit/>
+          </a:bodyPr>
+          <a:lstStyle/>
+          <a:p>
+            <a:pPr algn="ctr"/>
+            <a:r>
+              <a:rPr lang="en-US" sz="3600" dirty="0">
+                <a:solidFill>
+                  <a:srgbClr val="D65D26"/>
+                </a:solidFill>
+                <a:latin typeface="Inter" panose="02000503000000020004" pitchFamily="2" charset="0"/>
+                <a:ea typeface="Inter" panose="02000503000000020004" pitchFamily="2" charset="0"/>
+              </a:rPr>
+              <a:t>Part 1: </a:t>
+            </a:r>
+            <a:r>
+              <a:rPr lang="en-US" sz="3600" dirty="0">
+                <a:solidFill>
+                  <a:srgbClr val="EDEDED"/>
+                </a:solidFill>
+                <a:latin typeface="Inter" panose="02000503000000020004" pitchFamily="2" charset="0"/>
+                <a:ea typeface="Inter" panose="02000503000000020004" pitchFamily="2" charset="0"/>
+              </a:rPr>
+              <a:t>Problem Framing: Black-Box Simulation Optimization </a:t>
+            </a:r>
+          </a:p>
+        </p:txBody>
+      </p:sp>
+      <p:sp>
+        <p:nvSpPr>
+          <p:cNvPr id="2" name="TextBox 1">
+            <a:extLst>
+              <a:ext uri="{FF2B5EF4-FFF2-40B4-BE49-F238E27FC236}">
+                <a16:creationId xmlns:a16="http://schemas.microsoft.com/office/drawing/2014/main" id="{832B3C43-ADD7-E6F5-6D35-5E639CED0881}"/>
+              </a:ext>
+            </a:extLst>
+          </p:cNvPr>
+          <p:cNvSpPr txBox="1"/>
+          <p:nvPr/>
+        </p:nvSpPr>
+        <p:spPr>
+          <a:xfrm>
+            <a:off x="314122" y="2518389"/>
+            <a:ext cx="3754554" cy="400110"/>
+          </a:xfrm>
+          <a:prstGeom prst="rect">
+            <a:avLst/>
+          </a:prstGeom>
+          <a:noFill/>
+        </p:spPr>
+        <p:txBody>
+          <a:bodyPr wrap="none" rtlCol="0">
+            <a:spAutoFit/>
+          </a:bodyPr>
+          <a:lstStyle/>
+          <a:p>
+            <a:r>
+              <a:rPr lang="en-US" sz="2000" b="1" dirty="0">
+                <a:solidFill>
+                  <a:srgbClr val="D65D26"/>
+                </a:solidFill>
+                <a:latin typeface="Montserrat" pitchFamily="2" charset="0"/>
+                <a:ea typeface="Inter" panose="02000503000000020004" pitchFamily="2" charset="0"/>
+              </a:rPr>
+              <a:t>1.2</a:t>
+            </a:r>
+            <a:r>
+              <a:rPr lang="en-US" sz="2000" b="1" dirty="0">
+                <a:solidFill>
+                  <a:srgbClr val="EDEDED"/>
+                </a:solidFill>
+                <a:latin typeface="Montserrat" pitchFamily="2" charset="0"/>
+                <a:ea typeface="Inter" panose="02000503000000020004" pitchFamily="2" charset="0"/>
+              </a:rPr>
+              <a:t> Why This Is a Black Box</a:t>
+            </a:r>
+          </a:p>
+        </p:txBody>
+      </p:sp>
+      <p:sp>
+        <p:nvSpPr>
+          <p:cNvPr id="3" name="TextBox 2">
+            <a:extLst>
+              <a:ext uri="{FF2B5EF4-FFF2-40B4-BE49-F238E27FC236}">
+                <a16:creationId xmlns:a16="http://schemas.microsoft.com/office/drawing/2014/main" id="{2C9F079E-7869-60C4-8564-146A4CF7138D}"/>
+              </a:ext>
+            </a:extLst>
+          </p:cNvPr>
+          <p:cNvSpPr txBox="1"/>
+          <p:nvPr/>
+        </p:nvSpPr>
+        <p:spPr>
+          <a:xfrm>
+            <a:off x="279595" y="3518164"/>
+            <a:ext cx="4851008" cy="923330"/>
+          </a:xfrm>
+          <a:prstGeom prst="rect">
+            <a:avLst/>
+          </a:prstGeom>
+          <a:noFill/>
+        </p:spPr>
+        <p:txBody>
+          <a:bodyPr wrap="none" rtlCol="0">
+            <a:spAutoFit/>
+          </a:bodyPr>
+          <a:lstStyle/>
+          <a:p>
+            <a:pPr marL="285750" indent="-285750">
+              <a:buFontTx/>
+              <a:buChar char="-"/>
+            </a:pPr>
+            <a:r>
+              <a:rPr lang="en-US" dirty="0">
+                <a:solidFill>
+                  <a:srgbClr val="EDEDED"/>
+                </a:solidFill>
+                <a:latin typeface="Montserrat" pitchFamily="2" charset="0"/>
+              </a:rPr>
+              <a:t>Decisions affect system behavior</a:t>
+            </a:r>
+          </a:p>
+          <a:p>
+            <a:pPr marL="285750" indent="-285750">
+              <a:buFontTx/>
+              <a:buChar char="-"/>
+            </a:pPr>
+            <a:r>
+              <a:rPr lang="en-US" dirty="0">
+                <a:solidFill>
+                  <a:srgbClr val="EDEDED"/>
+                </a:solidFill>
+                <a:latin typeface="Montserrat" pitchFamily="2" charset="0"/>
+              </a:rPr>
+              <a:t>System evolves over time</a:t>
+            </a:r>
+          </a:p>
+          <a:p>
+            <a:pPr marL="285750" indent="-285750">
+              <a:buFontTx/>
+              <a:buChar char="-"/>
+            </a:pPr>
+            <a:r>
+              <a:rPr lang="en-US" dirty="0">
+                <a:solidFill>
+                  <a:srgbClr val="EDEDED"/>
+                </a:solidFill>
+                <a:latin typeface="Montserrat" pitchFamily="2" charset="0"/>
+              </a:rPr>
+              <a:t>Performance not directly computable</a:t>
+            </a:r>
+          </a:p>
+        </p:txBody>
+      </p:sp>
+      <p:pic>
+        <p:nvPicPr>
+          <p:cNvPr id="4" name="Picture 3">
+            <a:extLst>
+              <a:ext uri="{FF2B5EF4-FFF2-40B4-BE49-F238E27FC236}">
+                <a16:creationId xmlns:a16="http://schemas.microsoft.com/office/drawing/2014/main" id="{DAC72CB6-3AF6-E059-CC63-C51042FB86FF}"/>
+              </a:ext>
+            </a:extLst>
+          </p:cNvPr>
+          <p:cNvPicPr>
+            <a:picLocks noChangeAspect="1"/>
+          </p:cNvPicPr>
+          <p:nvPr/>
+        </p:nvPicPr>
+        <p:blipFill>
+          <a:blip r:embed="rId3">
+            <a:extLst>
+              <a:ext uri="{28A0092B-C50C-407E-A947-70E740481C1C}">
+                <a14:useLocalDpi xmlns:a14="http://schemas.microsoft.com/office/drawing/2010/main" val="0"/>
+              </a:ext>
+            </a:extLst>
+          </a:blip>
+          <a:stretch>
+            <a:fillRect/>
+          </a:stretch>
+        </p:blipFill>
+        <p:spPr>
+          <a:xfrm>
+            <a:off x="279595" y="4970054"/>
+            <a:ext cx="1690916" cy="1754326"/>
+          </a:xfrm>
+          <a:prstGeom prst="rect">
+            <a:avLst/>
+          </a:prstGeom>
+        </p:spPr>
+      </p:pic>
+    </p:spTree>
+    <p:extLst>
+      <p:ext uri="{BB962C8B-B14F-4D97-AF65-F5344CB8AC3E}">
+        <p14:creationId xmlns:p14="http://schemas.microsoft.com/office/powerpoint/2010/main" val="2576114055"/>
+      </p:ext>
+    </p:extLst>
+  </p:cSld>
+  <p:clrMapOvr>
+    <a:masterClrMapping/>
+  </p:clrMapOvr>
+</p:sld>
+</file>
+
+<file path=ppt/slides/slide5.xml><?xml version="1.0" encoding="utf-8"?>
+<p:sld xmlns:a="http://schemas.openxmlformats.org/drawingml/2006/main" xmlns:r="http://schemas.openxmlformats.org/officeDocument/2006/relationships" xmlns:p="http://schemas.openxmlformats.org/presentationml/2006/main">
+  <p:cSld>
+    <p:bg>
+      <p:bgPr>
+        <a:gradFill flip="none" rotWithShape="1">
+          <a:gsLst>
+            <a:gs pos="20000">
+              <a:schemeClr val="bg1"/>
+            </a:gs>
+            <a:gs pos="78000">
+              <a:schemeClr val="tx1">
+                <a:lumMod val="95000"/>
+                <a:lumOff val="5000"/>
+              </a:schemeClr>
+            </a:gs>
+          </a:gsLst>
+          <a:path path="circle">
+            <a:fillToRect l="100000" t="100000"/>
+          </a:path>
+          <a:tileRect r="-100000" b="-100000"/>
+        </a:gradFill>
+        <a:effectLst/>
+      </p:bgPr>
+    </p:bg>
+    <p:spTree>
+      <p:nvGrpSpPr>
+        <p:cNvPr id="1" name="">
+          <a:extLst>
+            <a:ext uri="{FF2B5EF4-FFF2-40B4-BE49-F238E27FC236}">
+              <a16:creationId xmlns:a16="http://schemas.microsoft.com/office/drawing/2014/main" id="{F89571AE-BB1A-B4C5-FD73-505C6FAB214F}"/>
+            </a:ext>
+          </a:extLst>
+        </p:cNvPr>
+        <p:cNvGrpSpPr/>
+        <p:nvPr/>
+      </p:nvGrpSpPr>
+      <p:grpSpPr>
+        <a:xfrm>
+          <a:off x="0" y="0"/>
+          <a:ext cx="0" cy="0"/>
+          <a:chOff x="0" y="0"/>
+          <a:chExt cx="0" cy="0"/>
+        </a:xfrm>
+      </p:grpSpPr>
+      <p:pic>
+        <p:nvPicPr>
+          <p:cNvPr id="27" name="Picture 26">
+            <a:extLst>
+              <a:ext uri="{FF2B5EF4-FFF2-40B4-BE49-F238E27FC236}">
+                <a16:creationId xmlns:a16="http://schemas.microsoft.com/office/drawing/2014/main" id="{440D2C15-AFE3-F84A-7E61-92AC5C3C357C}"/>
+              </a:ext>
+            </a:extLst>
+          </p:cNvPr>
+          <p:cNvPicPr>
+            <a:picLocks noChangeAspect="1"/>
+          </p:cNvPicPr>
+          <p:nvPr/>
+        </p:nvPicPr>
+        <p:blipFill>
+          <a:blip r:embed="rId2">
+            <a:extLst>
+              <a:ext uri="{28A0092B-C50C-407E-A947-70E740481C1C}">
+                <a14:useLocalDpi xmlns:a14="http://schemas.microsoft.com/office/drawing/2010/main" val="0"/>
+              </a:ext>
+            </a:extLst>
+          </a:blip>
+          <a:srcRect l="44417"/>
+          <a:stretch>
+            <a:fillRect/>
+          </a:stretch>
+        </p:blipFill>
+        <p:spPr>
+          <a:xfrm>
+            <a:off x="4559473" y="-866155"/>
+            <a:ext cx="7632527" cy="7724155"/>
+          </a:xfrm>
+          <a:custGeom>
+            <a:avLst/>
+            <a:gdLst>
+              <a:gd name="connsiteX0" fmla="*/ 3656412 w 6776647"/>
+              <a:gd name="connsiteY0" fmla="*/ 5054965 h 6858000"/>
+              <a:gd name="connsiteX1" fmla="*/ 4113979 w 6776647"/>
+              <a:gd name="connsiteY1" fmla="*/ 5244495 h 6858000"/>
+              <a:gd name="connsiteX2" fmla="*/ 4131893 w 6776647"/>
+              <a:gd name="connsiteY2" fmla="*/ 5262409 h 6858000"/>
+              <a:gd name="connsiteX3" fmla="*/ 4131892 w 6776647"/>
+              <a:gd name="connsiteY3" fmla="*/ 6177545 h 6858000"/>
+              <a:gd name="connsiteX4" fmla="*/ 4043288 w 6776647"/>
+              <a:gd name="connsiteY4" fmla="*/ 6266149 h 6858000"/>
+              <a:gd name="connsiteX5" fmla="*/ 3128155 w 6776647"/>
+              <a:gd name="connsiteY5" fmla="*/ 6266149 h 6858000"/>
+              <a:gd name="connsiteX6" fmla="*/ 3110241 w 6776647"/>
+              <a:gd name="connsiteY6" fmla="*/ 6248235 h 6858000"/>
+              <a:gd name="connsiteX7" fmla="*/ 3110240 w 6776647"/>
+              <a:gd name="connsiteY7" fmla="*/ 5333099 h 6858000"/>
+              <a:gd name="connsiteX8" fmla="*/ 3198844 w 6776647"/>
+              <a:gd name="connsiteY8" fmla="*/ 5244495 h 6858000"/>
+              <a:gd name="connsiteX9" fmla="*/ 3656412 w 6776647"/>
+              <a:gd name="connsiteY9" fmla="*/ 5054965 h 6858000"/>
+              <a:gd name="connsiteX10" fmla="*/ 6776647 w 6776647"/>
+              <a:gd name="connsiteY10" fmla="*/ 4307086 h 6858000"/>
+              <a:gd name="connsiteX11" fmla="*/ 6776647 w 6776647"/>
+              <a:gd name="connsiteY11" fmla="*/ 5306043 h 6858000"/>
+              <a:gd name="connsiteX12" fmla="*/ 5224689 w 6776647"/>
+              <a:gd name="connsiteY12" fmla="*/ 6858000 h 6858000"/>
+              <a:gd name="connsiteX13" fmla="*/ 4225733 w 6776647"/>
+              <a:gd name="connsiteY13" fmla="*/ 6858000 h 6858000"/>
+              <a:gd name="connsiteX14" fmla="*/ 6776647 w 6776647"/>
+              <a:gd name="connsiteY14" fmla="*/ 1775039 h 6858000"/>
+              <a:gd name="connsiteX15" fmla="*/ 6776647 w 6776647"/>
+              <a:gd name="connsiteY15" fmla="*/ 3615452 h 6858000"/>
+              <a:gd name="connsiteX16" fmla="*/ 5493702 w 6776647"/>
+              <a:gd name="connsiteY16" fmla="*/ 4898396 h 6858000"/>
+              <a:gd name="connsiteX17" fmla="*/ 4578567 w 6776647"/>
+              <a:gd name="connsiteY17" fmla="*/ 4898396 h 6858000"/>
+              <a:gd name="connsiteX18" fmla="*/ 4560653 w 6776647"/>
+              <a:gd name="connsiteY18" fmla="*/ 4880482 h 6858000"/>
+              <a:gd name="connsiteX19" fmla="*/ 4560653 w 6776647"/>
+              <a:gd name="connsiteY19" fmla="*/ 3965347 h 6858000"/>
+              <a:gd name="connsiteX20" fmla="*/ 6660166 w 6776647"/>
+              <a:gd name="connsiteY20" fmla="*/ 1865835 h 6858000"/>
+              <a:gd name="connsiteX21" fmla="*/ 6761678 w 6776647"/>
+              <a:gd name="connsiteY21" fmla="*/ 1782916 h 6858000"/>
+              <a:gd name="connsiteX22" fmla="*/ 5881240 w 6776647"/>
+              <a:gd name="connsiteY22" fmla="*/ 18786 h 6858000"/>
+              <a:gd name="connsiteX23" fmla="*/ 6475267 w 6776647"/>
+              <a:gd name="connsiteY23" fmla="*/ 264840 h 6858000"/>
+              <a:gd name="connsiteX24" fmla="*/ 6498525 w 6776647"/>
+              <a:gd name="connsiteY24" fmla="*/ 288097 h 6858000"/>
+              <a:gd name="connsiteX25" fmla="*/ 6498525 w 6776647"/>
+              <a:gd name="connsiteY25" fmla="*/ 1476151 h 6858000"/>
+              <a:gd name="connsiteX26" fmla="*/ 2949108 w 6776647"/>
+              <a:gd name="connsiteY26" fmla="*/ 5025568 h 6858000"/>
+              <a:gd name="connsiteX27" fmla="*/ 1761054 w 6776647"/>
+              <a:gd name="connsiteY27" fmla="*/ 5025568 h 6858000"/>
+              <a:gd name="connsiteX28" fmla="*/ 1737797 w 6776647"/>
+              <a:gd name="connsiteY28" fmla="*/ 5002311 h 6858000"/>
+              <a:gd name="connsiteX29" fmla="*/ 1737797 w 6776647"/>
+              <a:gd name="connsiteY29" fmla="*/ 3814257 h 6858000"/>
+              <a:gd name="connsiteX30" fmla="*/ 5287213 w 6776647"/>
+              <a:gd name="connsiteY30" fmla="*/ 264840 h 6858000"/>
+              <a:gd name="connsiteX31" fmla="*/ 5881240 w 6776647"/>
+              <a:gd name="connsiteY31" fmla="*/ 18786 h 6858000"/>
+              <a:gd name="connsiteX32" fmla="*/ 3421136 w 6776647"/>
+              <a:gd name="connsiteY32" fmla="*/ 0 h 6858000"/>
+              <a:gd name="connsiteX33" fmla="*/ 5065590 w 6776647"/>
+              <a:gd name="connsiteY33" fmla="*/ 0 h 6858000"/>
+              <a:gd name="connsiteX34" fmla="*/ 5058235 w 6776647"/>
+              <a:gd name="connsiteY34" fmla="*/ 13976 h 6858000"/>
+              <a:gd name="connsiteX35" fmla="*/ 4984132 w 6776647"/>
+              <a:gd name="connsiteY35" fmla="*/ 104695 h 6858000"/>
+              <a:gd name="connsiteX36" fmla="*/ 1478980 w 6776647"/>
+              <a:gd name="connsiteY36" fmla="*/ 3609848 h 6858000"/>
+              <a:gd name="connsiteX37" fmla="*/ 661145 w 6776647"/>
+              <a:gd name="connsiteY37" fmla="*/ 3609848 h 6858000"/>
+              <a:gd name="connsiteX38" fmla="*/ 645135 w 6776647"/>
+              <a:gd name="connsiteY38" fmla="*/ 3593837 h 6858000"/>
+              <a:gd name="connsiteX39" fmla="*/ 645135 w 6776647"/>
+              <a:gd name="connsiteY39" fmla="*/ 2776002 h 6858000"/>
+              <a:gd name="connsiteX40" fmla="*/ 1313944 w 6776647"/>
+              <a:gd name="connsiteY40" fmla="*/ 0 h 6858000"/>
+              <a:gd name="connsiteX41" fmla="*/ 2570790 w 6776647"/>
+              <a:gd name="connsiteY41" fmla="*/ 0 h 6858000"/>
+              <a:gd name="connsiteX42" fmla="*/ 2582282 w 6776647"/>
+              <a:gd name="connsiteY42" fmla="*/ 38778 h 6858000"/>
+              <a:gd name="connsiteX43" fmla="*/ 2423489 w 6776647"/>
+              <a:gd name="connsiteY43" fmla="*/ 558147 h 6858000"/>
+              <a:gd name="connsiteX44" fmla="*/ 1003226 w 6776647"/>
+              <a:gd name="connsiteY44" fmla="*/ 1978410 h 6858000"/>
+              <a:gd name="connsiteX45" fmla="*/ 185390 w 6776647"/>
+              <a:gd name="connsiteY45" fmla="*/ 1978410 h 6858000"/>
+              <a:gd name="connsiteX46" fmla="*/ 169380 w 6776647"/>
+              <a:gd name="connsiteY46" fmla="*/ 1962401 h 6858000"/>
+              <a:gd name="connsiteX47" fmla="*/ 169380 w 6776647"/>
+              <a:gd name="connsiteY47" fmla="*/ 1144565 h 6858000"/>
+            </a:gdLst>
+            <a:ahLst/>
+            <a:cxnLst>
+              <a:cxn ang="0">
+                <a:pos x="connsiteX0" y="connsiteY0"/>
+              </a:cxn>
+              <a:cxn ang="0">
+                <a:pos x="connsiteX1" y="connsiteY1"/>
+              </a:cxn>
+              <a:cxn ang="0">
+                <a:pos x="connsiteX2" y="connsiteY2"/>
+              </a:cxn>
+              <a:cxn ang="0">
+                <a:pos x="connsiteX3" y="connsiteY3"/>
+              </a:cxn>
+              <a:cxn ang="0">
+                <a:pos x="connsiteX4" y="connsiteY4"/>
+              </a:cxn>
+              <a:cxn ang="0">
+                <a:pos x="connsiteX5" y="connsiteY5"/>
+              </a:cxn>
+              <a:cxn ang="0">
+                <a:pos x="connsiteX6" y="connsiteY6"/>
+              </a:cxn>
+              <a:cxn ang="0">
+                <a:pos x="connsiteX7" y="connsiteY7"/>
+              </a:cxn>
+              <a:cxn ang="0">
+                <a:pos x="connsiteX8" y="connsiteY8"/>
+              </a:cxn>
+              <a:cxn ang="0">
+                <a:pos x="connsiteX9" y="connsiteY9"/>
+              </a:cxn>
+              <a:cxn ang="0">
+                <a:pos x="connsiteX10" y="connsiteY10"/>
+              </a:cxn>
+              <a:cxn ang="0">
+                <a:pos x="connsiteX11" y="connsiteY11"/>
+              </a:cxn>
+              <a:cxn ang="0">
+                <a:pos x="connsiteX12" y="connsiteY12"/>
+              </a:cxn>
+              <a:cxn ang="0">
+                <a:pos x="connsiteX13" y="connsiteY13"/>
+              </a:cxn>
+              <a:cxn ang="0">
+                <a:pos x="connsiteX14" y="connsiteY14"/>
+              </a:cxn>
+              <a:cxn ang="0">
+                <a:pos x="connsiteX15" y="connsiteY15"/>
+              </a:cxn>
+              <a:cxn ang="0">
+                <a:pos x="connsiteX16" y="connsiteY16"/>
+              </a:cxn>
+              <a:cxn ang="0">
+                <a:pos x="connsiteX17" y="connsiteY17"/>
+              </a:cxn>
+              <a:cxn ang="0">
+                <a:pos x="connsiteX18" y="connsiteY18"/>
+              </a:cxn>
+              <a:cxn ang="0">
+                <a:pos x="connsiteX19" y="connsiteY19"/>
+              </a:cxn>
+              <a:cxn ang="0">
+                <a:pos x="connsiteX20" y="connsiteY20"/>
+              </a:cxn>
+              <a:cxn ang="0">
+                <a:pos x="connsiteX21" y="connsiteY21"/>
+              </a:cxn>
+              <a:cxn ang="0">
+                <a:pos x="connsiteX22" y="connsiteY22"/>
+              </a:cxn>
+              <a:cxn ang="0">
+                <a:pos x="connsiteX23" y="connsiteY23"/>
+              </a:cxn>
+              <a:cxn ang="0">
+                <a:pos x="connsiteX24" y="connsiteY24"/>
+              </a:cxn>
+              <a:cxn ang="0">
+                <a:pos x="connsiteX25" y="connsiteY25"/>
+              </a:cxn>
+              <a:cxn ang="0">
+                <a:pos x="connsiteX26" y="connsiteY26"/>
+              </a:cxn>
+              <a:cxn ang="0">
+                <a:pos x="connsiteX27" y="connsiteY27"/>
+              </a:cxn>
+              <a:cxn ang="0">
+                <a:pos x="connsiteX28" y="connsiteY28"/>
+              </a:cxn>
+              <a:cxn ang="0">
+                <a:pos x="connsiteX29" y="connsiteY29"/>
+              </a:cxn>
+              <a:cxn ang="0">
+                <a:pos x="connsiteX30" y="connsiteY30"/>
+              </a:cxn>
+              <a:cxn ang="0">
+                <a:pos x="connsiteX31" y="connsiteY31"/>
+              </a:cxn>
+              <a:cxn ang="0">
+                <a:pos x="connsiteX32" y="connsiteY32"/>
+              </a:cxn>
+              <a:cxn ang="0">
+                <a:pos x="connsiteX33" y="connsiteY33"/>
+              </a:cxn>
+              <a:cxn ang="0">
+                <a:pos x="connsiteX34" y="connsiteY34"/>
+              </a:cxn>
+              <a:cxn ang="0">
+                <a:pos x="connsiteX35" y="connsiteY35"/>
+              </a:cxn>
+              <a:cxn ang="0">
+                <a:pos x="connsiteX36" y="connsiteY36"/>
+              </a:cxn>
+              <a:cxn ang="0">
+                <a:pos x="connsiteX37" y="connsiteY37"/>
+              </a:cxn>
+              <a:cxn ang="0">
+                <a:pos x="connsiteX38" y="connsiteY38"/>
+              </a:cxn>
+              <a:cxn ang="0">
+                <a:pos x="connsiteX39" y="connsiteY39"/>
+              </a:cxn>
+              <a:cxn ang="0">
+                <a:pos x="connsiteX40" y="connsiteY40"/>
+              </a:cxn>
+              <a:cxn ang="0">
+                <a:pos x="connsiteX41" y="connsiteY41"/>
+              </a:cxn>
+              <a:cxn ang="0">
+                <a:pos x="connsiteX42" y="connsiteY42"/>
+              </a:cxn>
+              <a:cxn ang="0">
+                <a:pos x="connsiteX43" y="connsiteY43"/>
+              </a:cxn>
+              <a:cxn ang="0">
+                <a:pos x="connsiteX44" y="connsiteY44"/>
+              </a:cxn>
+              <a:cxn ang="0">
+                <a:pos x="connsiteX45" y="connsiteY45"/>
+              </a:cxn>
+              <a:cxn ang="0">
+                <a:pos x="connsiteX46" y="connsiteY46"/>
+              </a:cxn>
+              <a:cxn ang="0">
+                <a:pos x="connsiteX47" y="connsiteY47"/>
+              </a:cxn>
+            </a:cxnLst>
+            <a:rect l="l" t="t" r="r" b="b"/>
+            <a:pathLst>
+              <a:path w="6776647" h="6858000">
+                <a:moveTo>
+                  <a:pt x="3656412" y="5054965"/>
+                </a:moveTo>
+                <a:cubicBezTo>
+                  <a:pt x="3822019" y="5054965"/>
+                  <a:pt x="3987625" y="5118142"/>
+                  <a:pt x="4113979" y="5244495"/>
+                </a:cubicBezTo>
+                <a:lnTo>
+                  <a:pt x="4131893" y="5262409"/>
+                </a:lnTo>
+                <a:cubicBezTo>
+                  <a:pt x="4384601" y="5515117"/>
+                  <a:pt x="4384601" y="5924838"/>
+                  <a:pt x="4131892" y="6177545"/>
+                </a:cubicBezTo>
+                <a:lnTo>
+                  <a:pt x="4043288" y="6266149"/>
+                </a:lnTo>
+                <a:cubicBezTo>
+                  <a:pt x="3790582" y="6518855"/>
+                  <a:pt x="3380861" y="6518855"/>
+                  <a:pt x="3128155" y="6266149"/>
+                </a:cubicBezTo>
+                <a:lnTo>
+                  <a:pt x="3110241" y="6248235"/>
+                </a:lnTo>
+                <a:cubicBezTo>
+                  <a:pt x="2857533" y="5995527"/>
+                  <a:pt x="2857533" y="5585807"/>
+                  <a:pt x="3110240" y="5333099"/>
+                </a:cubicBezTo>
+                <a:lnTo>
+                  <a:pt x="3198844" y="5244495"/>
+                </a:lnTo>
+                <a:cubicBezTo>
+                  <a:pt x="3325198" y="5118143"/>
+                  <a:pt x="3490804" y="5054965"/>
+                  <a:pt x="3656412" y="5054965"/>
+                </a:cubicBezTo>
+                <a:close/>
+                <a:moveTo>
+                  <a:pt x="6776647" y="4307086"/>
+                </a:moveTo>
+                <a:lnTo>
+                  <a:pt x="6776647" y="5306043"/>
+                </a:lnTo>
+                <a:lnTo>
+                  <a:pt x="5224689" y="6858000"/>
+                </a:lnTo>
+                <a:lnTo>
+                  <a:pt x="4225733" y="6858000"/>
+                </a:lnTo>
+                <a:close/>
+                <a:moveTo>
+                  <a:pt x="6776647" y="1775039"/>
+                </a:moveTo>
+                <a:lnTo>
+                  <a:pt x="6776647" y="3615452"/>
+                </a:lnTo>
+                <a:lnTo>
+                  <a:pt x="5493702" y="4898396"/>
+                </a:lnTo>
+                <a:cubicBezTo>
+                  <a:pt x="5240995" y="5151104"/>
+                  <a:pt x="4831276" y="5151103"/>
+                  <a:pt x="4578567" y="4898396"/>
+                </a:cubicBezTo>
+                <a:lnTo>
+                  <a:pt x="4560653" y="4880482"/>
+                </a:lnTo>
+                <a:cubicBezTo>
+                  <a:pt x="4307946" y="4627775"/>
+                  <a:pt x="4307946" y="4218054"/>
+                  <a:pt x="4560653" y="3965347"/>
+                </a:cubicBezTo>
+                <a:lnTo>
+                  <a:pt x="6660166" y="1865835"/>
+                </a:lnTo>
+                <a:cubicBezTo>
+                  <a:pt x="6691755" y="1834247"/>
+                  <a:pt x="6725796" y="1806607"/>
+                  <a:pt x="6761678" y="1782916"/>
+                </a:cubicBezTo>
+                <a:close/>
+                <a:moveTo>
+                  <a:pt x="5881240" y="18786"/>
+                </a:moveTo>
+                <a:cubicBezTo>
+                  <a:pt x="6096236" y="18786"/>
+                  <a:pt x="6311231" y="100804"/>
+                  <a:pt x="6475267" y="264840"/>
+                </a:cubicBezTo>
+                <a:lnTo>
+                  <a:pt x="6498525" y="288097"/>
+                </a:lnTo>
+                <a:cubicBezTo>
+                  <a:pt x="6826598" y="616169"/>
+                  <a:pt x="6826598" y="1148079"/>
+                  <a:pt x="6498525" y="1476151"/>
+                </a:cubicBezTo>
+                <a:lnTo>
+                  <a:pt x="2949108" y="5025568"/>
+                </a:lnTo>
+                <a:cubicBezTo>
+                  <a:pt x="2621036" y="5353640"/>
+                  <a:pt x="2089127" y="5353640"/>
+                  <a:pt x="1761054" y="5025568"/>
+                </a:cubicBezTo>
+                <a:lnTo>
+                  <a:pt x="1737797" y="5002311"/>
+                </a:lnTo>
+                <a:cubicBezTo>
+                  <a:pt x="1409725" y="4674239"/>
+                  <a:pt x="1409725" y="4142329"/>
+                  <a:pt x="1737797" y="3814257"/>
+                </a:cubicBezTo>
+                <a:lnTo>
+                  <a:pt x="5287213" y="264840"/>
+                </a:lnTo>
+                <a:cubicBezTo>
+                  <a:pt x="5451251" y="100804"/>
+                  <a:pt x="5666245" y="18785"/>
+                  <a:pt x="5881240" y="18786"/>
+                </a:cubicBezTo>
+                <a:close/>
+                <a:moveTo>
+                  <a:pt x="3421136" y="0"/>
+                </a:moveTo>
+                <a:lnTo>
+                  <a:pt x="5065590" y="0"/>
+                </a:lnTo>
+                <a:lnTo>
+                  <a:pt x="5058235" y="13976"/>
+                </a:lnTo>
+                <a:cubicBezTo>
+                  <a:pt x="5037063" y="46043"/>
+                  <a:pt x="5012362" y="76465"/>
+                  <a:pt x="4984132" y="104695"/>
+                </a:cubicBezTo>
+                <a:lnTo>
+                  <a:pt x="1478980" y="3609848"/>
+                </a:lnTo>
+                <a:cubicBezTo>
+                  <a:pt x="1253141" y="3835687"/>
+                  <a:pt x="886985" y="3835687"/>
+                  <a:pt x="661145" y="3609848"/>
+                </a:cubicBezTo>
+                <a:lnTo>
+                  <a:pt x="645135" y="3593837"/>
+                </a:lnTo>
+                <a:cubicBezTo>
+                  <a:pt x="419295" y="3367998"/>
+                  <a:pt x="419295" y="3001841"/>
+                  <a:pt x="645135" y="2776002"/>
+                </a:cubicBezTo>
+                <a:close/>
+                <a:moveTo>
+                  <a:pt x="1313944" y="0"/>
+                </a:moveTo>
+                <a:lnTo>
+                  <a:pt x="2570790" y="0"/>
+                </a:lnTo>
+                <a:lnTo>
+                  <a:pt x="2582282" y="38778"/>
+                </a:lnTo>
+                <a:cubicBezTo>
+                  <a:pt x="2617570" y="221036"/>
+                  <a:pt x="2564639" y="416997"/>
+                  <a:pt x="2423489" y="558147"/>
+                </a:cubicBezTo>
+                <a:lnTo>
+                  <a:pt x="1003226" y="1978410"/>
+                </a:lnTo>
+                <a:cubicBezTo>
+                  <a:pt x="777387" y="2204250"/>
+                  <a:pt x="411230" y="2204250"/>
+                  <a:pt x="185390" y="1978410"/>
+                </a:cubicBezTo>
+                <a:lnTo>
+                  <a:pt x="169380" y="1962401"/>
+                </a:lnTo>
+                <a:cubicBezTo>
+                  <a:pt x="-56460" y="1736561"/>
+                  <a:pt x="-56460" y="1370404"/>
+                  <a:pt x="169380" y="1144565"/>
+                </a:cubicBezTo>
+                <a:close/>
+              </a:path>
+            </a:pathLst>
+          </a:custGeom>
+          <a:effectLst>
+            <a:innerShdw blurRad="63500" dist="50800" dir="16200000">
+              <a:prstClr val="black">
+                <a:alpha val="50000"/>
+              </a:prstClr>
+            </a:innerShdw>
+          </a:effectLst>
+        </p:spPr>
+      </p:pic>
+      <p:sp>
+        <p:nvSpPr>
+          <p:cNvPr id="28" name="TextBox 27">
+            <a:extLst>
+              <a:ext uri="{FF2B5EF4-FFF2-40B4-BE49-F238E27FC236}">
+                <a16:creationId xmlns:a16="http://schemas.microsoft.com/office/drawing/2014/main" id="{63627ADB-4F5C-D32F-F12B-8C7F36011712}"/>
+              </a:ext>
+            </a:extLst>
+          </p:cNvPr>
+          <p:cNvSpPr txBox="1"/>
+          <p:nvPr/>
+        </p:nvSpPr>
+        <p:spPr>
+          <a:xfrm>
+            <a:off x="-683224" y="133620"/>
+            <a:ext cx="6776647" cy="1754326"/>
+          </a:xfrm>
+          <a:prstGeom prst="rect">
+            <a:avLst/>
+          </a:prstGeom>
+          <a:noFill/>
+        </p:spPr>
+        <p:txBody>
+          <a:bodyPr wrap="square" rtlCol="0">
+            <a:spAutoFit/>
+          </a:bodyPr>
+          <a:lstStyle/>
+          <a:p>
+            <a:pPr algn="ctr"/>
+            <a:r>
+              <a:rPr lang="en-US" sz="3600" dirty="0">
+                <a:solidFill>
+                  <a:srgbClr val="D65D26"/>
+                </a:solidFill>
+                <a:latin typeface="Inter" panose="02000503000000020004" pitchFamily="2" charset="0"/>
+                <a:ea typeface="Inter" panose="02000503000000020004" pitchFamily="2" charset="0"/>
+              </a:rPr>
+              <a:t>Part 1: </a:t>
+            </a:r>
+            <a:r>
+              <a:rPr lang="en-US" sz="3600" dirty="0">
+                <a:solidFill>
+                  <a:srgbClr val="EDEDED"/>
+                </a:solidFill>
+                <a:latin typeface="Inter" panose="02000503000000020004" pitchFamily="2" charset="0"/>
+                <a:ea typeface="Inter" panose="02000503000000020004" pitchFamily="2" charset="0"/>
+              </a:rPr>
+              <a:t>Problem Framing: Black-Box Simulation Optimization </a:t>
+            </a:r>
+          </a:p>
+        </p:txBody>
+      </p:sp>
+      <p:sp>
+        <p:nvSpPr>
+          <p:cNvPr id="2" name="TextBox 1">
+            <a:extLst>
+              <a:ext uri="{FF2B5EF4-FFF2-40B4-BE49-F238E27FC236}">
+                <a16:creationId xmlns:a16="http://schemas.microsoft.com/office/drawing/2014/main" id="{84E358F5-2F73-47CF-C8B4-7F1D2400E849}"/>
+              </a:ext>
+            </a:extLst>
+          </p:cNvPr>
+          <p:cNvSpPr txBox="1"/>
+          <p:nvPr/>
+        </p:nvSpPr>
+        <p:spPr>
+          <a:xfrm>
+            <a:off x="314122" y="2518389"/>
+            <a:ext cx="5075428" cy="400110"/>
+          </a:xfrm>
+          <a:prstGeom prst="rect">
+            <a:avLst/>
+          </a:prstGeom>
+          <a:noFill/>
+        </p:spPr>
+        <p:txBody>
+          <a:bodyPr wrap="none" rtlCol="0">
+            <a:spAutoFit/>
+          </a:bodyPr>
+          <a:lstStyle/>
+          <a:p>
+            <a:r>
+              <a:rPr lang="en-US" sz="2000" b="1" dirty="0">
+                <a:solidFill>
+                  <a:srgbClr val="D65D26"/>
+                </a:solidFill>
+                <a:latin typeface="Montserrat" pitchFamily="2" charset="0"/>
+                <a:ea typeface="Inter" panose="02000503000000020004" pitchFamily="2" charset="0"/>
+              </a:rPr>
+              <a:t>1.3</a:t>
+            </a:r>
+            <a:r>
+              <a:rPr lang="en-US" sz="2000" b="1" dirty="0">
+                <a:solidFill>
+                  <a:srgbClr val="EDEDED"/>
+                </a:solidFill>
+                <a:latin typeface="Montserrat" pitchFamily="2" charset="0"/>
+                <a:ea typeface="Inter" panose="02000503000000020004" pitchFamily="2" charset="0"/>
+              </a:rPr>
+              <a:t> What “Optimization” Means Here</a:t>
+            </a:r>
+          </a:p>
+        </p:txBody>
+      </p:sp>
+      <p:sp>
+        <p:nvSpPr>
+          <p:cNvPr id="3" name="TextBox 2">
+            <a:extLst>
+              <a:ext uri="{FF2B5EF4-FFF2-40B4-BE49-F238E27FC236}">
+                <a16:creationId xmlns:a16="http://schemas.microsoft.com/office/drawing/2014/main" id="{28B0BE08-7A3B-2A4F-C33F-0C57F9AA5AC5}"/>
+              </a:ext>
+            </a:extLst>
+          </p:cNvPr>
+          <p:cNvSpPr txBox="1"/>
+          <p:nvPr/>
+        </p:nvSpPr>
+        <p:spPr>
+          <a:xfrm>
+            <a:off x="279595" y="3518164"/>
+            <a:ext cx="4087979" cy="923330"/>
+          </a:xfrm>
+          <a:prstGeom prst="rect">
+            <a:avLst/>
+          </a:prstGeom>
+          <a:noFill/>
+        </p:spPr>
+        <p:txBody>
+          <a:bodyPr wrap="none" rtlCol="0">
+            <a:spAutoFit/>
+          </a:bodyPr>
+          <a:lstStyle/>
+          <a:p>
+            <a:pPr marL="285750" indent="-285750">
+              <a:buFontTx/>
+              <a:buChar char="-"/>
+            </a:pPr>
+            <a:r>
+              <a:rPr lang="en-US" dirty="0">
+                <a:solidFill>
+                  <a:srgbClr val="EDEDED"/>
+                </a:solidFill>
+                <a:latin typeface="Montserrat" pitchFamily="2" charset="0"/>
+              </a:rPr>
+              <a:t>Evaluate alternatives</a:t>
+            </a:r>
+          </a:p>
+          <a:p>
+            <a:pPr marL="285750" indent="-285750">
+              <a:buFontTx/>
+              <a:buChar char="-"/>
+            </a:pPr>
+            <a:r>
+              <a:rPr lang="en-US" dirty="0">
+                <a:solidFill>
+                  <a:srgbClr val="EDEDED"/>
+                </a:solidFill>
+                <a:latin typeface="Montserrat" pitchFamily="2" charset="0"/>
+              </a:rPr>
+              <a:t>Compare performance</a:t>
+            </a:r>
+          </a:p>
+          <a:p>
+            <a:pPr marL="285750" indent="-285750">
+              <a:buFontTx/>
+              <a:buChar char="-"/>
+            </a:pPr>
+            <a:r>
+              <a:rPr lang="en-US" dirty="0">
+                <a:solidFill>
+                  <a:srgbClr val="EDEDED"/>
+                </a:solidFill>
+                <a:latin typeface="Montserrat" pitchFamily="2" charset="0"/>
+              </a:rPr>
+              <a:t>Reveal structure, not equations</a:t>
+            </a:r>
+          </a:p>
+        </p:txBody>
+      </p:sp>
+      <p:pic>
+        <p:nvPicPr>
+          <p:cNvPr id="4" name="Picture 3">
+            <a:extLst>
+              <a:ext uri="{FF2B5EF4-FFF2-40B4-BE49-F238E27FC236}">
+                <a16:creationId xmlns:a16="http://schemas.microsoft.com/office/drawing/2014/main" id="{8F447B50-1E46-5AAD-7346-6512052A6B84}"/>
+              </a:ext>
+            </a:extLst>
+          </p:cNvPr>
+          <p:cNvPicPr>
+            <a:picLocks noChangeAspect="1"/>
+          </p:cNvPicPr>
+          <p:nvPr/>
+        </p:nvPicPr>
+        <p:blipFill>
+          <a:blip r:embed="rId3">
+            <a:extLst>
+              <a:ext uri="{28A0092B-C50C-407E-A947-70E740481C1C}">
+                <a14:useLocalDpi xmlns:a14="http://schemas.microsoft.com/office/drawing/2010/main" val="0"/>
+              </a:ext>
+            </a:extLst>
+          </a:blip>
+          <a:stretch>
+            <a:fillRect/>
+          </a:stretch>
+        </p:blipFill>
+        <p:spPr>
+          <a:xfrm>
+            <a:off x="279595" y="4970054"/>
+            <a:ext cx="1690916" cy="1754326"/>
+          </a:xfrm>
+          <a:prstGeom prst="rect">
+            <a:avLst/>
+          </a:prstGeom>
+        </p:spPr>
+      </p:pic>
+    </p:spTree>
+    <p:extLst>
+      <p:ext uri="{BB962C8B-B14F-4D97-AF65-F5344CB8AC3E}">
+        <p14:creationId xmlns:p14="http://schemas.microsoft.com/office/powerpoint/2010/main" val="2741038089"/>
+      </p:ext>
+    </p:extLst>
+  </p:cSld>
+  <p:clrMapOvr>
+    <a:masterClrMapping/>
+  </p:clrMapOvr>
+</p:sld>
+</file>
+
+<file path=ppt/slides/slide6.xml><?xml version="1.0" encoding="utf-8"?>
+<p:sld xmlns:a="http://schemas.openxmlformats.org/drawingml/2006/main" xmlns:r="http://schemas.openxmlformats.org/officeDocument/2006/relationships" xmlns:p="http://schemas.openxmlformats.org/presentationml/2006/main">
+  <p:cSld>
+    <p:bg>
+      <p:bgPr>
+        <a:gradFill flip="none" rotWithShape="1">
+          <a:gsLst>
+            <a:gs pos="20000">
+              <a:schemeClr val="bg1"/>
+            </a:gs>
+            <a:gs pos="78000">
+              <a:schemeClr val="tx1">
+                <a:lumMod val="95000"/>
+                <a:lumOff val="5000"/>
+              </a:schemeClr>
+            </a:gs>
+          </a:gsLst>
+          <a:path path="circle">
+            <a:fillToRect l="100000" t="100000"/>
+          </a:path>
+          <a:tileRect r="-100000" b="-100000"/>
+        </a:gradFill>
+        <a:effectLst/>
+      </p:bgPr>
+    </p:bg>
+    <p:spTree>
+      <p:nvGrpSpPr>
+        <p:cNvPr id="1" name="">
+          <a:extLst>
+            <a:ext uri="{FF2B5EF4-FFF2-40B4-BE49-F238E27FC236}">
+              <a16:creationId xmlns:a16="http://schemas.microsoft.com/office/drawing/2014/main" id="{6BAEA717-41E0-BD02-C3D5-5E98E6087FF7}"/>
+            </a:ext>
+          </a:extLst>
+        </p:cNvPr>
+        <p:cNvGrpSpPr/>
+        <p:nvPr/>
+      </p:nvGrpSpPr>
+      <p:grpSpPr>
+        <a:xfrm>
+          <a:off x="0" y="0"/>
+          <a:ext cx="0" cy="0"/>
+          <a:chOff x="0" y="0"/>
+          <a:chExt cx="0" cy="0"/>
+        </a:xfrm>
+      </p:grpSpPr>
+      <p:pic>
+        <p:nvPicPr>
+          <p:cNvPr id="27" name="Picture 26">
+            <a:extLst>
+              <a:ext uri="{FF2B5EF4-FFF2-40B4-BE49-F238E27FC236}">
+                <a16:creationId xmlns:a16="http://schemas.microsoft.com/office/drawing/2014/main" id="{75B2125F-6855-D415-9B15-8A596E607DA4}"/>
+              </a:ext>
+            </a:extLst>
+          </p:cNvPr>
+          <p:cNvPicPr>
+            <a:picLocks noChangeAspect="1"/>
+          </p:cNvPicPr>
+          <p:nvPr/>
+        </p:nvPicPr>
+        <p:blipFill>
+          <a:blip r:embed="rId2">
+            <a:extLst>
+              <a:ext uri="{28A0092B-C50C-407E-A947-70E740481C1C}">
+                <a14:useLocalDpi xmlns:a14="http://schemas.microsoft.com/office/drawing/2010/main" val="0"/>
+              </a:ext>
+            </a:extLst>
+          </a:blip>
+          <a:srcRect l="44417"/>
+          <a:stretch>
+            <a:fillRect/>
+          </a:stretch>
+        </p:blipFill>
+        <p:spPr>
+          <a:xfrm>
+            <a:off x="4559473" y="-866155"/>
+            <a:ext cx="7632527" cy="7724155"/>
+          </a:xfrm>
+          <a:custGeom>
+            <a:avLst/>
+            <a:gdLst>
+              <a:gd name="connsiteX0" fmla="*/ 3656412 w 6776647"/>
+              <a:gd name="connsiteY0" fmla="*/ 5054965 h 6858000"/>
+              <a:gd name="connsiteX1" fmla="*/ 4113979 w 6776647"/>
+              <a:gd name="connsiteY1" fmla="*/ 5244495 h 6858000"/>
+              <a:gd name="connsiteX2" fmla="*/ 4131893 w 6776647"/>
+              <a:gd name="connsiteY2" fmla="*/ 5262409 h 6858000"/>
+              <a:gd name="connsiteX3" fmla="*/ 4131892 w 6776647"/>
+              <a:gd name="connsiteY3" fmla="*/ 6177545 h 6858000"/>
+              <a:gd name="connsiteX4" fmla="*/ 4043288 w 6776647"/>
+              <a:gd name="connsiteY4" fmla="*/ 6266149 h 6858000"/>
+              <a:gd name="connsiteX5" fmla="*/ 3128155 w 6776647"/>
+              <a:gd name="connsiteY5" fmla="*/ 6266149 h 6858000"/>
+              <a:gd name="connsiteX6" fmla="*/ 3110241 w 6776647"/>
+              <a:gd name="connsiteY6" fmla="*/ 6248235 h 6858000"/>
+              <a:gd name="connsiteX7" fmla="*/ 3110240 w 6776647"/>
+              <a:gd name="connsiteY7" fmla="*/ 5333099 h 6858000"/>
+              <a:gd name="connsiteX8" fmla="*/ 3198844 w 6776647"/>
+              <a:gd name="connsiteY8" fmla="*/ 5244495 h 6858000"/>
+              <a:gd name="connsiteX9" fmla="*/ 3656412 w 6776647"/>
+              <a:gd name="connsiteY9" fmla="*/ 5054965 h 6858000"/>
+              <a:gd name="connsiteX10" fmla="*/ 6776647 w 6776647"/>
+              <a:gd name="connsiteY10" fmla="*/ 4307086 h 6858000"/>
+              <a:gd name="connsiteX11" fmla="*/ 6776647 w 6776647"/>
+              <a:gd name="connsiteY11" fmla="*/ 5306043 h 6858000"/>
+              <a:gd name="connsiteX12" fmla="*/ 5224689 w 6776647"/>
+              <a:gd name="connsiteY12" fmla="*/ 6858000 h 6858000"/>
+              <a:gd name="connsiteX13" fmla="*/ 4225733 w 6776647"/>
+              <a:gd name="connsiteY13" fmla="*/ 6858000 h 6858000"/>
+              <a:gd name="connsiteX14" fmla="*/ 6776647 w 6776647"/>
+              <a:gd name="connsiteY14" fmla="*/ 1775039 h 6858000"/>
+              <a:gd name="connsiteX15" fmla="*/ 6776647 w 6776647"/>
+              <a:gd name="connsiteY15" fmla="*/ 3615452 h 6858000"/>
+              <a:gd name="connsiteX16" fmla="*/ 5493702 w 6776647"/>
+              <a:gd name="connsiteY16" fmla="*/ 4898396 h 6858000"/>
+              <a:gd name="connsiteX17" fmla="*/ 4578567 w 6776647"/>
+              <a:gd name="connsiteY17" fmla="*/ 4898396 h 6858000"/>
+              <a:gd name="connsiteX18" fmla="*/ 4560653 w 6776647"/>
+              <a:gd name="connsiteY18" fmla="*/ 4880482 h 6858000"/>
+              <a:gd name="connsiteX19" fmla="*/ 4560653 w 6776647"/>
+              <a:gd name="connsiteY19" fmla="*/ 3965347 h 6858000"/>
+              <a:gd name="connsiteX20" fmla="*/ 6660166 w 6776647"/>
+              <a:gd name="connsiteY20" fmla="*/ 1865835 h 6858000"/>
+              <a:gd name="connsiteX21" fmla="*/ 6761678 w 6776647"/>
+              <a:gd name="connsiteY21" fmla="*/ 1782916 h 6858000"/>
+              <a:gd name="connsiteX22" fmla="*/ 5881240 w 6776647"/>
+              <a:gd name="connsiteY22" fmla="*/ 18786 h 6858000"/>
+              <a:gd name="connsiteX23" fmla="*/ 6475267 w 6776647"/>
+              <a:gd name="connsiteY23" fmla="*/ 264840 h 6858000"/>
+              <a:gd name="connsiteX24" fmla="*/ 6498525 w 6776647"/>
+              <a:gd name="connsiteY24" fmla="*/ 288097 h 6858000"/>
+              <a:gd name="connsiteX25" fmla="*/ 6498525 w 6776647"/>
+              <a:gd name="connsiteY25" fmla="*/ 1476151 h 6858000"/>
+              <a:gd name="connsiteX26" fmla="*/ 2949108 w 6776647"/>
+              <a:gd name="connsiteY26" fmla="*/ 5025568 h 6858000"/>
+              <a:gd name="connsiteX27" fmla="*/ 1761054 w 6776647"/>
+              <a:gd name="connsiteY27" fmla="*/ 5025568 h 6858000"/>
+              <a:gd name="connsiteX28" fmla="*/ 1737797 w 6776647"/>
+              <a:gd name="connsiteY28" fmla="*/ 5002311 h 6858000"/>
+              <a:gd name="connsiteX29" fmla="*/ 1737797 w 6776647"/>
+              <a:gd name="connsiteY29" fmla="*/ 3814257 h 6858000"/>
+              <a:gd name="connsiteX30" fmla="*/ 5287213 w 6776647"/>
+              <a:gd name="connsiteY30" fmla="*/ 264840 h 6858000"/>
+              <a:gd name="connsiteX31" fmla="*/ 5881240 w 6776647"/>
+              <a:gd name="connsiteY31" fmla="*/ 18786 h 6858000"/>
+              <a:gd name="connsiteX32" fmla="*/ 3421136 w 6776647"/>
+              <a:gd name="connsiteY32" fmla="*/ 0 h 6858000"/>
+              <a:gd name="connsiteX33" fmla="*/ 5065590 w 6776647"/>
+              <a:gd name="connsiteY33" fmla="*/ 0 h 6858000"/>
+              <a:gd name="connsiteX34" fmla="*/ 5058235 w 6776647"/>
+              <a:gd name="connsiteY34" fmla="*/ 13976 h 6858000"/>
+              <a:gd name="connsiteX35" fmla="*/ 4984132 w 6776647"/>
+              <a:gd name="connsiteY35" fmla="*/ 104695 h 6858000"/>
+              <a:gd name="connsiteX36" fmla="*/ 1478980 w 6776647"/>
+              <a:gd name="connsiteY36" fmla="*/ 3609848 h 6858000"/>
+              <a:gd name="connsiteX37" fmla="*/ 661145 w 6776647"/>
+              <a:gd name="connsiteY37" fmla="*/ 3609848 h 6858000"/>
+              <a:gd name="connsiteX38" fmla="*/ 645135 w 6776647"/>
+              <a:gd name="connsiteY38" fmla="*/ 3593837 h 6858000"/>
+              <a:gd name="connsiteX39" fmla="*/ 645135 w 6776647"/>
+              <a:gd name="connsiteY39" fmla="*/ 2776002 h 6858000"/>
+              <a:gd name="connsiteX40" fmla="*/ 1313944 w 6776647"/>
+              <a:gd name="connsiteY40" fmla="*/ 0 h 6858000"/>
+              <a:gd name="connsiteX41" fmla="*/ 2570790 w 6776647"/>
+              <a:gd name="connsiteY41" fmla="*/ 0 h 6858000"/>
+              <a:gd name="connsiteX42" fmla="*/ 2582282 w 6776647"/>
+              <a:gd name="connsiteY42" fmla="*/ 38778 h 6858000"/>
+              <a:gd name="connsiteX43" fmla="*/ 2423489 w 6776647"/>
+              <a:gd name="connsiteY43" fmla="*/ 558147 h 6858000"/>
+              <a:gd name="connsiteX44" fmla="*/ 1003226 w 6776647"/>
+              <a:gd name="connsiteY44" fmla="*/ 1978410 h 6858000"/>
+              <a:gd name="connsiteX45" fmla="*/ 185390 w 6776647"/>
+              <a:gd name="connsiteY45" fmla="*/ 1978410 h 6858000"/>
+              <a:gd name="connsiteX46" fmla="*/ 169380 w 6776647"/>
+              <a:gd name="connsiteY46" fmla="*/ 1962401 h 6858000"/>
+              <a:gd name="connsiteX47" fmla="*/ 169380 w 6776647"/>
+              <a:gd name="connsiteY47" fmla="*/ 1144565 h 6858000"/>
+            </a:gdLst>
+            <a:ahLst/>
+            <a:cxnLst>
+              <a:cxn ang="0">
+                <a:pos x="connsiteX0" y="connsiteY0"/>
+              </a:cxn>
+              <a:cxn ang="0">
+                <a:pos x="connsiteX1" y="connsiteY1"/>
+              </a:cxn>
+              <a:cxn ang="0">
+                <a:pos x="connsiteX2" y="connsiteY2"/>
+              </a:cxn>
+              <a:cxn ang="0">
+                <a:pos x="connsiteX3" y="connsiteY3"/>
+              </a:cxn>
+              <a:cxn ang="0">
+                <a:pos x="connsiteX4" y="connsiteY4"/>
+              </a:cxn>
+              <a:cxn ang="0">
+                <a:pos x="connsiteX5" y="connsiteY5"/>
+              </a:cxn>
+              <a:cxn ang="0">
+                <a:pos x="connsiteX6" y="connsiteY6"/>
+              </a:cxn>
+              <a:cxn ang="0">
+                <a:pos x="connsiteX7" y="connsiteY7"/>
+              </a:cxn>
+              <a:cxn ang="0">
+                <a:pos x="connsiteX8" y="connsiteY8"/>
+              </a:cxn>
+              <a:cxn ang="0">
+                <a:pos x="connsiteX9" y="connsiteY9"/>
+              </a:cxn>
+              <a:cxn ang="0">
+                <a:pos x="connsiteX10" y="connsiteY10"/>
+              </a:cxn>
+              <a:cxn ang="0">
+                <a:pos x="connsiteX11" y="connsiteY11"/>
+              </a:cxn>
+              <a:cxn ang="0">
+                <a:pos x="connsiteX12" y="connsiteY12"/>
+              </a:cxn>
+              <a:cxn ang="0">
+                <a:pos x="connsiteX13" y="connsiteY13"/>
+              </a:cxn>
+              <a:cxn ang="0">
+                <a:pos x="connsiteX14" y="connsiteY14"/>
+              </a:cxn>
+              <a:cxn ang="0">
+                <a:pos x="connsiteX15" y="connsiteY15"/>
+              </a:cxn>
+              <a:cxn ang="0">
+                <a:pos x="connsiteX16" y="connsiteY16"/>
+              </a:cxn>
+              <a:cxn ang="0">
+                <a:pos x="connsiteX17" y="connsiteY17"/>
+              </a:cxn>
+              <a:cxn ang="0">
+                <a:pos x="connsiteX18" y="connsiteY18"/>
+              </a:cxn>
+              <a:cxn ang="0">
+                <a:pos x="connsiteX19" y="connsiteY19"/>
+              </a:cxn>
+              <a:cxn ang="0">
+                <a:pos x="connsiteX20" y="connsiteY20"/>
+              </a:cxn>
+              <a:cxn ang="0">
+                <a:pos x="connsiteX21" y="connsiteY21"/>
+              </a:cxn>
+              <a:cxn ang="0">
+                <a:pos x="connsiteX22" y="connsiteY22"/>
+              </a:cxn>
+              <a:cxn ang="0">
+                <a:pos x="connsiteX23" y="connsiteY23"/>
+              </a:cxn>
+              <a:cxn ang="0">
+                <a:pos x="connsiteX24" y="connsiteY24"/>
+              </a:cxn>
+              <a:cxn ang="0">
+                <a:pos x="connsiteX25" y="connsiteY25"/>
+              </a:cxn>
+              <a:cxn ang="0">
+                <a:pos x="connsiteX26" y="connsiteY26"/>
+              </a:cxn>
+              <a:cxn ang="0">
+                <a:pos x="connsiteX27" y="connsiteY27"/>
+              </a:cxn>
+              <a:cxn ang="0">
+                <a:pos x="connsiteX28" y="connsiteY28"/>
+              </a:cxn>
+              <a:cxn ang="0">
+                <a:pos x="connsiteX29" y="connsiteY29"/>
+              </a:cxn>
+              <a:cxn ang="0">
+                <a:pos x="connsiteX30" y="connsiteY30"/>
+              </a:cxn>
+              <a:cxn ang="0">
+                <a:pos x="connsiteX31" y="connsiteY31"/>
+              </a:cxn>
+              <a:cxn ang="0">
+                <a:pos x="connsiteX32" y="connsiteY32"/>
+              </a:cxn>
+              <a:cxn ang="0">
+                <a:pos x="connsiteX33" y="connsiteY33"/>
+              </a:cxn>
+              <a:cxn ang="0">
+                <a:pos x="connsiteX34" y="connsiteY34"/>
+              </a:cxn>
+              <a:cxn ang="0">
+                <a:pos x="connsiteX35" y="connsiteY35"/>
+              </a:cxn>
+              <a:cxn ang="0">
+                <a:pos x="connsiteX36" y="connsiteY36"/>
+              </a:cxn>
+              <a:cxn ang="0">
+                <a:pos x="connsiteX37" y="connsiteY37"/>
+              </a:cxn>
+              <a:cxn ang="0">
+                <a:pos x="connsiteX38" y="connsiteY38"/>
+              </a:cxn>
+              <a:cxn ang="0">
+                <a:pos x="connsiteX39" y="connsiteY39"/>
+              </a:cxn>
+              <a:cxn ang="0">
+                <a:pos x="connsiteX40" y="connsiteY40"/>
+              </a:cxn>
+              <a:cxn ang="0">
+                <a:pos x="connsiteX41" y="connsiteY41"/>
+              </a:cxn>
+              <a:cxn ang="0">
+                <a:pos x="connsiteX42" y="connsiteY42"/>
+              </a:cxn>
+              <a:cxn ang="0">
+                <a:pos x="connsiteX43" y="connsiteY43"/>
+              </a:cxn>
+              <a:cxn ang="0">
+                <a:pos x="connsiteX44" y="connsiteY44"/>
+              </a:cxn>
+              <a:cxn ang="0">
+                <a:pos x="connsiteX45" y="connsiteY45"/>
+              </a:cxn>
+              <a:cxn ang="0">
+                <a:pos x="connsiteX46" y="connsiteY46"/>
+              </a:cxn>
+              <a:cxn ang="0">
+                <a:pos x="connsiteX47" y="connsiteY47"/>
+              </a:cxn>
+            </a:cxnLst>
+            <a:rect l="l" t="t" r="r" b="b"/>
+            <a:pathLst>
+              <a:path w="6776647" h="6858000">
+                <a:moveTo>
+                  <a:pt x="3656412" y="5054965"/>
+                </a:moveTo>
+                <a:cubicBezTo>
+                  <a:pt x="3822019" y="5054965"/>
+                  <a:pt x="3987625" y="5118142"/>
+                  <a:pt x="4113979" y="5244495"/>
+                </a:cubicBezTo>
+                <a:lnTo>
+                  <a:pt x="4131893" y="5262409"/>
+                </a:lnTo>
+                <a:cubicBezTo>
+                  <a:pt x="4384601" y="5515117"/>
+                  <a:pt x="4384601" y="5924838"/>
+                  <a:pt x="4131892" y="6177545"/>
+                </a:cubicBezTo>
+                <a:lnTo>
+                  <a:pt x="4043288" y="6266149"/>
+                </a:lnTo>
+                <a:cubicBezTo>
+                  <a:pt x="3790582" y="6518855"/>
+                  <a:pt x="3380861" y="6518855"/>
+                  <a:pt x="3128155" y="6266149"/>
+                </a:cubicBezTo>
+                <a:lnTo>
+                  <a:pt x="3110241" y="6248235"/>
+                </a:lnTo>
+                <a:cubicBezTo>
+                  <a:pt x="2857533" y="5995527"/>
+                  <a:pt x="2857533" y="5585807"/>
+                  <a:pt x="3110240" y="5333099"/>
+                </a:cubicBezTo>
+                <a:lnTo>
+                  <a:pt x="3198844" y="5244495"/>
+                </a:lnTo>
+                <a:cubicBezTo>
+                  <a:pt x="3325198" y="5118143"/>
+                  <a:pt x="3490804" y="5054965"/>
+                  <a:pt x="3656412" y="5054965"/>
+                </a:cubicBezTo>
+                <a:close/>
+                <a:moveTo>
+                  <a:pt x="6776647" y="4307086"/>
+                </a:moveTo>
+                <a:lnTo>
+                  <a:pt x="6776647" y="5306043"/>
+                </a:lnTo>
+                <a:lnTo>
+                  <a:pt x="5224689" y="6858000"/>
+                </a:lnTo>
+                <a:lnTo>
+                  <a:pt x="4225733" y="6858000"/>
+                </a:lnTo>
+                <a:close/>
+                <a:moveTo>
+                  <a:pt x="6776647" y="1775039"/>
+                </a:moveTo>
+                <a:lnTo>
+                  <a:pt x="6776647" y="3615452"/>
+                </a:lnTo>
+                <a:lnTo>
+                  <a:pt x="5493702" y="4898396"/>
+                </a:lnTo>
+                <a:cubicBezTo>
+                  <a:pt x="5240995" y="5151104"/>
+                  <a:pt x="4831276" y="5151103"/>
+                  <a:pt x="4578567" y="4898396"/>
+                </a:cubicBezTo>
+                <a:lnTo>
+                  <a:pt x="4560653" y="4880482"/>
+                </a:lnTo>
+                <a:cubicBezTo>
+                  <a:pt x="4307946" y="4627775"/>
+                  <a:pt x="4307946" y="4218054"/>
+                  <a:pt x="4560653" y="3965347"/>
+                </a:cubicBezTo>
+                <a:lnTo>
+                  <a:pt x="6660166" y="1865835"/>
+                </a:lnTo>
+                <a:cubicBezTo>
+                  <a:pt x="6691755" y="1834247"/>
+                  <a:pt x="6725796" y="1806607"/>
+                  <a:pt x="6761678" y="1782916"/>
+                </a:cubicBezTo>
+                <a:close/>
+                <a:moveTo>
+                  <a:pt x="5881240" y="18786"/>
+                </a:moveTo>
+                <a:cubicBezTo>
+                  <a:pt x="6096236" y="18786"/>
+                  <a:pt x="6311231" y="100804"/>
+                  <a:pt x="6475267" y="264840"/>
+                </a:cubicBezTo>
+                <a:lnTo>
+                  <a:pt x="6498525" y="288097"/>
+                </a:lnTo>
+                <a:cubicBezTo>
+                  <a:pt x="6826598" y="616169"/>
+                  <a:pt x="6826598" y="1148079"/>
+                  <a:pt x="6498525" y="1476151"/>
+                </a:cubicBezTo>
+                <a:lnTo>
+                  <a:pt x="2949108" y="5025568"/>
+                </a:lnTo>
+                <a:cubicBezTo>
+                  <a:pt x="2621036" y="5353640"/>
+                  <a:pt x="2089127" y="5353640"/>
+                  <a:pt x="1761054" y="5025568"/>
+                </a:cubicBezTo>
+                <a:lnTo>
+                  <a:pt x="1737797" y="5002311"/>
+                </a:lnTo>
+                <a:cubicBezTo>
+                  <a:pt x="1409725" y="4674239"/>
+                  <a:pt x="1409725" y="4142329"/>
+                  <a:pt x="1737797" y="3814257"/>
+                </a:cubicBezTo>
+                <a:lnTo>
+                  <a:pt x="5287213" y="264840"/>
+                </a:lnTo>
+                <a:cubicBezTo>
+                  <a:pt x="5451251" y="100804"/>
+                  <a:pt x="5666245" y="18785"/>
+                  <a:pt x="5881240" y="18786"/>
+                </a:cubicBezTo>
+                <a:close/>
+                <a:moveTo>
+                  <a:pt x="3421136" y="0"/>
+                </a:moveTo>
+                <a:lnTo>
+                  <a:pt x="5065590" y="0"/>
+                </a:lnTo>
+                <a:lnTo>
+                  <a:pt x="5058235" y="13976"/>
+                </a:lnTo>
+                <a:cubicBezTo>
+                  <a:pt x="5037063" y="46043"/>
+                  <a:pt x="5012362" y="76465"/>
+                  <a:pt x="4984132" y="104695"/>
+                </a:cubicBezTo>
+                <a:lnTo>
+                  <a:pt x="1478980" y="3609848"/>
+                </a:lnTo>
+                <a:cubicBezTo>
+                  <a:pt x="1253141" y="3835687"/>
+                  <a:pt x="886985" y="3835687"/>
+                  <a:pt x="661145" y="3609848"/>
+                </a:cubicBezTo>
+                <a:lnTo>
+                  <a:pt x="645135" y="3593837"/>
+                </a:lnTo>
+                <a:cubicBezTo>
+                  <a:pt x="419295" y="3367998"/>
+                  <a:pt x="419295" y="3001841"/>
+                  <a:pt x="645135" y="2776002"/>
+                </a:cubicBezTo>
+                <a:close/>
+                <a:moveTo>
+                  <a:pt x="1313944" y="0"/>
+                </a:moveTo>
+                <a:lnTo>
+                  <a:pt x="2570790" y="0"/>
+                </a:lnTo>
+                <a:lnTo>
+                  <a:pt x="2582282" y="38778"/>
+                </a:lnTo>
+                <a:cubicBezTo>
+                  <a:pt x="2617570" y="221036"/>
+                  <a:pt x="2564639" y="416997"/>
+                  <a:pt x="2423489" y="558147"/>
+                </a:cubicBezTo>
+                <a:lnTo>
+                  <a:pt x="1003226" y="1978410"/>
+                </a:lnTo>
+                <a:cubicBezTo>
+                  <a:pt x="777387" y="2204250"/>
+                  <a:pt x="411230" y="2204250"/>
+                  <a:pt x="185390" y="1978410"/>
+                </a:cubicBezTo>
+                <a:lnTo>
+                  <a:pt x="169380" y="1962401"/>
+                </a:lnTo>
+                <a:cubicBezTo>
+                  <a:pt x="-56460" y="1736561"/>
+                  <a:pt x="-56460" y="1370404"/>
+                  <a:pt x="169380" y="1144565"/>
+                </a:cubicBezTo>
+                <a:close/>
+              </a:path>
+            </a:pathLst>
+          </a:custGeom>
+          <a:effectLst>
+            <a:innerShdw blurRad="63500" dist="50800" dir="16200000">
+              <a:prstClr val="black">
+                <a:alpha val="50000"/>
+              </a:prstClr>
+            </a:innerShdw>
+          </a:effectLst>
+        </p:spPr>
+      </p:pic>
+      <p:sp>
+        <p:nvSpPr>
+          <p:cNvPr id="2" name="TextBox 1">
+            <a:extLst>
+              <a:ext uri="{FF2B5EF4-FFF2-40B4-BE49-F238E27FC236}">
+                <a16:creationId xmlns:a16="http://schemas.microsoft.com/office/drawing/2014/main" id="{2CA89667-6CF4-6472-B296-996BAFB7B282}"/>
+              </a:ext>
+            </a:extLst>
+          </p:cNvPr>
+          <p:cNvSpPr txBox="1"/>
+          <p:nvPr/>
+        </p:nvSpPr>
+        <p:spPr>
+          <a:xfrm>
+            <a:off x="314122" y="2518389"/>
+            <a:ext cx="4358886" cy="400110"/>
+          </a:xfrm>
+          <a:prstGeom prst="rect">
+            <a:avLst/>
+          </a:prstGeom>
+          <a:noFill/>
+        </p:spPr>
+        <p:txBody>
+          <a:bodyPr wrap="none" rtlCol="0">
+            <a:spAutoFit/>
+          </a:bodyPr>
+          <a:lstStyle/>
+          <a:p>
+            <a:r>
+              <a:rPr lang="en-US" sz="2000" b="1" dirty="0">
+                <a:solidFill>
+                  <a:srgbClr val="D65D26"/>
+                </a:solidFill>
+                <a:latin typeface="Montserrat" pitchFamily="2" charset="0"/>
+                <a:ea typeface="Inter" panose="02000503000000020004" pitchFamily="2" charset="0"/>
+              </a:rPr>
+              <a:t>2.1</a:t>
+            </a:r>
+            <a:r>
+              <a:rPr lang="en-US" sz="2000" b="1" dirty="0">
+                <a:solidFill>
+                  <a:srgbClr val="EDEDED"/>
+                </a:solidFill>
+                <a:latin typeface="Montserrat" pitchFamily="2" charset="0"/>
+                <a:ea typeface="Inter" panose="02000503000000020004" pitchFamily="2" charset="0"/>
+              </a:rPr>
+              <a:t> Noise in Simulation Outputs</a:t>
+            </a:r>
+          </a:p>
+        </p:txBody>
+      </p:sp>
+      <p:sp>
+        <p:nvSpPr>
+          <p:cNvPr id="3" name="TextBox 2">
+            <a:extLst>
+              <a:ext uri="{FF2B5EF4-FFF2-40B4-BE49-F238E27FC236}">
+                <a16:creationId xmlns:a16="http://schemas.microsoft.com/office/drawing/2014/main" id="{E24BD8D4-98D8-2FC5-BB15-19A8943429A2}"/>
+              </a:ext>
+            </a:extLst>
+          </p:cNvPr>
+          <p:cNvSpPr txBox="1"/>
+          <p:nvPr/>
+        </p:nvSpPr>
+        <p:spPr>
+          <a:xfrm>
+            <a:off x="279595" y="3518164"/>
+            <a:ext cx="3457998" cy="923330"/>
+          </a:xfrm>
+          <a:prstGeom prst="rect">
+            <a:avLst/>
+          </a:prstGeom>
+          <a:noFill/>
+        </p:spPr>
+        <p:txBody>
+          <a:bodyPr wrap="none" rtlCol="0">
+            <a:spAutoFit/>
+          </a:bodyPr>
+          <a:lstStyle/>
+          <a:p>
+            <a:pPr marL="285750" indent="-285750">
+              <a:buFontTx/>
+              <a:buChar char="-"/>
+            </a:pPr>
+            <a:r>
+              <a:rPr lang="en-US" dirty="0">
+                <a:solidFill>
+                  <a:srgbClr val="EDEDED"/>
+                </a:solidFill>
+                <a:latin typeface="Montserrat" pitchFamily="2" charset="0"/>
+              </a:rPr>
+              <a:t>Random arrivals</a:t>
+            </a:r>
+          </a:p>
+          <a:p>
+            <a:pPr marL="285750" indent="-285750">
+              <a:buFontTx/>
+              <a:buChar char="-"/>
+            </a:pPr>
+            <a:r>
+              <a:rPr lang="en-US" dirty="0">
+                <a:solidFill>
+                  <a:srgbClr val="EDEDED"/>
+                </a:solidFill>
+                <a:latin typeface="Montserrat" pitchFamily="2" charset="0"/>
+              </a:rPr>
+              <a:t>Random interactions</a:t>
+            </a:r>
+          </a:p>
+          <a:p>
+            <a:pPr marL="285750" indent="-285750">
+              <a:buFontTx/>
+              <a:buChar char="-"/>
+            </a:pPr>
+            <a:r>
+              <a:rPr lang="en-US" dirty="0">
+                <a:solidFill>
+                  <a:srgbClr val="EDEDED"/>
+                </a:solidFill>
+                <a:latin typeface="Montserrat" pitchFamily="2" charset="0"/>
+              </a:rPr>
+              <a:t>Performance is stochastic</a:t>
+            </a:r>
+          </a:p>
+        </p:txBody>
+      </p:sp>
+      <p:pic>
+        <p:nvPicPr>
+          <p:cNvPr id="4" name="Picture 3">
+            <a:extLst>
+              <a:ext uri="{FF2B5EF4-FFF2-40B4-BE49-F238E27FC236}">
+                <a16:creationId xmlns:a16="http://schemas.microsoft.com/office/drawing/2014/main" id="{AACBF994-8D32-337C-C77F-1FE688524315}"/>
+              </a:ext>
+            </a:extLst>
+          </p:cNvPr>
+          <p:cNvPicPr>
+            <a:picLocks noChangeAspect="1"/>
+          </p:cNvPicPr>
+          <p:nvPr/>
+        </p:nvPicPr>
+        <p:blipFill>
+          <a:blip r:embed="rId3">
+            <a:extLst>
+              <a:ext uri="{28A0092B-C50C-407E-A947-70E740481C1C}">
+                <a14:useLocalDpi xmlns:a14="http://schemas.microsoft.com/office/drawing/2010/main" val="0"/>
+              </a:ext>
+            </a:extLst>
+          </a:blip>
+          <a:stretch>
+            <a:fillRect/>
+          </a:stretch>
+        </p:blipFill>
+        <p:spPr>
+          <a:xfrm>
+            <a:off x="279595" y="4970054"/>
+            <a:ext cx="1690916" cy="1754326"/>
+          </a:xfrm>
+          <a:prstGeom prst="rect">
+            <a:avLst/>
+          </a:prstGeom>
+        </p:spPr>
+      </p:pic>
+      <p:sp>
+        <p:nvSpPr>
+          <p:cNvPr id="5" name="TextBox 4">
+            <a:extLst>
+              <a:ext uri="{FF2B5EF4-FFF2-40B4-BE49-F238E27FC236}">
+                <a16:creationId xmlns:a16="http://schemas.microsoft.com/office/drawing/2014/main" id="{50F317FC-84C8-8476-44CD-073B7EA70519}"/>
+              </a:ext>
+            </a:extLst>
+          </p:cNvPr>
+          <p:cNvSpPr txBox="1"/>
+          <p:nvPr/>
+        </p:nvSpPr>
+        <p:spPr>
+          <a:xfrm>
+            <a:off x="-166194" y="133620"/>
+            <a:ext cx="6776647" cy="1754326"/>
+          </a:xfrm>
+          <a:prstGeom prst="rect">
+            <a:avLst/>
+          </a:prstGeom>
+          <a:noFill/>
+        </p:spPr>
+        <p:txBody>
+          <a:bodyPr wrap="square" rtlCol="0">
+            <a:spAutoFit/>
+          </a:bodyPr>
+          <a:lstStyle/>
+          <a:p>
+            <a:pPr algn="ctr"/>
+            <a:r>
+              <a:rPr lang="en-US" sz="3600" dirty="0">
+                <a:solidFill>
+                  <a:srgbClr val="D65D26"/>
+                </a:solidFill>
+                <a:latin typeface="Inter" panose="02000503000000020004" pitchFamily="2" charset="0"/>
+                <a:ea typeface="Inter" panose="02000503000000020004" pitchFamily="2" charset="0"/>
+              </a:rPr>
+              <a:t>Part 2: </a:t>
+            </a:r>
+            <a:r>
+              <a:rPr lang="en-US" sz="3600" dirty="0">
+                <a:solidFill>
+                  <a:srgbClr val="EDEDED"/>
+                </a:solidFill>
+                <a:latin typeface="Inter" panose="02000503000000020004" pitchFamily="2" charset="0"/>
+                <a:ea typeface="Inter" panose="02000503000000020004" pitchFamily="2" charset="0"/>
+              </a:rPr>
+              <a:t>Core OR challenge: optimizing under noise and limited budget</a:t>
+            </a:r>
+          </a:p>
+        </p:txBody>
+      </p:sp>
+    </p:spTree>
+    <p:extLst>
+      <p:ext uri="{BB962C8B-B14F-4D97-AF65-F5344CB8AC3E}">
+        <p14:creationId xmlns:p14="http://schemas.microsoft.com/office/powerpoint/2010/main" val="4017282871"/>
+      </p:ext>
+    </p:extLst>
+  </p:cSld>
+  <p:clrMapOvr>
+    <a:masterClrMapping/>
+  </p:clrMapOvr>
+</p:sld>
+</file>
+
+<file path=ppt/slides/slide7.xml><?xml version="1.0" encoding="utf-8"?>
+<p:sld xmlns:a="http://schemas.openxmlformats.org/drawingml/2006/main" xmlns:r="http://schemas.openxmlformats.org/officeDocument/2006/relationships" xmlns:p="http://schemas.openxmlformats.org/presentationml/2006/main">
+  <p:cSld>
+    <p:bg>
+      <p:bgPr>
+        <a:gradFill flip="none" rotWithShape="1">
+          <a:gsLst>
+            <a:gs pos="20000">
+              <a:schemeClr val="bg1"/>
+            </a:gs>
+            <a:gs pos="78000">
+              <a:schemeClr val="tx1">
+                <a:lumMod val="95000"/>
+                <a:lumOff val="5000"/>
+              </a:schemeClr>
+            </a:gs>
+          </a:gsLst>
+          <a:path path="circle">
+            <a:fillToRect l="100000" t="100000"/>
+          </a:path>
+          <a:tileRect r="-100000" b="-100000"/>
+        </a:gradFill>
+        <a:effectLst/>
+      </p:bgPr>
+    </p:bg>
+    <p:spTree>
+      <p:nvGrpSpPr>
+        <p:cNvPr id="1" name="">
+          <a:extLst>
+            <a:ext uri="{FF2B5EF4-FFF2-40B4-BE49-F238E27FC236}">
+              <a16:creationId xmlns:a16="http://schemas.microsoft.com/office/drawing/2014/main" id="{F93559EE-1434-03A4-7801-F6E3C53BEC7A}"/>
+            </a:ext>
+          </a:extLst>
+        </p:cNvPr>
+        <p:cNvGrpSpPr/>
+        <p:nvPr/>
+      </p:nvGrpSpPr>
+      <p:grpSpPr>
+        <a:xfrm>
+          <a:off x="0" y="0"/>
+          <a:ext cx="0" cy="0"/>
+          <a:chOff x="0" y="0"/>
+          <a:chExt cx="0" cy="0"/>
+        </a:xfrm>
+      </p:grpSpPr>
+      <p:pic>
+        <p:nvPicPr>
+          <p:cNvPr id="27" name="Picture 26">
+            <a:extLst>
+              <a:ext uri="{FF2B5EF4-FFF2-40B4-BE49-F238E27FC236}">
+                <a16:creationId xmlns:a16="http://schemas.microsoft.com/office/drawing/2014/main" id="{1FFB902A-C1A6-628A-F9BC-BB07B8E9BCBD}"/>
+              </a:ext>
+            </a:extLst>
+          </p:cNvPr>
+          <p:cNvPicPr>
+            <a:picLocks noChangeAspect="1"/>
+          </p:cNvPicPr>
+          <p:nvPr/>
+        </p:nvPicPr>
+        <p:blipFill>
+          <a:blip r:embed="rId2">
+            <a:extLst>
+              <a:ext uri="{28A0092B-C50C-407E-A947-70E740481C1C}">
+                <a14:useLocalDpi xmlns:a14="http://schemas.microsoft.com/office/drawing/2010/main" val="0"/>
+              </a:ext>
+            </a:extLst>
+          </a:blip>
+          <a:srcRect l="44417"/>
+          <a:stretch>
+            <a:fillRect/>
+          </a:stretch>
+        </p:blipFill>
+        <p:spPr>
+          <a:xfrm>
+            <a:off x="4559473" y="-866155"/>
+            <a:ext cx="7632527" cy="7724155"/>
+          </a:xfrm>
+          <a:custGeom>
+            <a:avLst/>
+            <a:gdLst>
+              <a:gd name="connsiteX0" fmla="*/ 3656412 w 6776647"/>
+              <a:gd name="connsiteY0" fmla="*/ 5054965 h 6858000"/>
+              <a:gd name="connsiteX1" fmla="*/ 4113979 w 6776647"/>
+              <a:gd name="connsiteY1" fmla="*/ 5244495 h 6858000"/>
+              <a:gd name="connsiteX2" fmla="*/ 4131893 w 6776647"/>
+              <a:gd name="connsiteY2" fmla="*/ 5262409 h 6858000"/>
+              <a:gd name="connsiteX3" fmla="*/ 4131892 w 6776647"/>
+              <a:gd name="connsiteY3" fmla="*/ 6177545 h 6858000"/>
+              <a:gd name="connsiteX4" fmla="*/ 4043288 w 6776647"/>
+              <a:gd name="connsiteY4" fmla="*/ 6266149 h 6858000"/>
+              <a:gd name="connsiteX5" fmla="*/ 3128155 w 6776647"/>
+              <a:gd name="connsiteY5" fmla="*/ 6266149 h 6858000"/>
+              <a:gd name="connsiteX6" fmla="*/ 3110241 w 6776647"/>
+              <a:gd name="connsiteY6" fmla="*/ 6248235 h 6858000"/>
+              <a:gd name="connsiteX7" fmla="*/ 3110240 w 6776647"/>
+              <a:gd name="connsiteY7" fmla="*/ 5333099 h 6858000"/>
+              <a:gd name="connsiteX8" fmla="*/ 3198844 w 6776647"/>
+              <a:gd name="connsiteY8" fmla="*/ 5244495 h 6858000"/>
+              <a:gd name="connsiteX9" fmla="*/ 3656412 w 6776647"/>
+              <a:gd name="connsiteY9" fmla="*/ 5054965 h 6858000"/>
+              <a:gd name="connsiteX10" fmla="*/ 6776647 w 6776647"/>
+              <a:gd name="connsiteY10" fmla="*/ 4307086 h 6858000"/>
+              <a:gd name="connsiteX11" fmla="*/ 6776647 w 6776647"/>
+              <a:gd name="connsiteY11" fmla="*/ 5306043 h 6858000"/>
+              <a:gd name="connsiteX12" fmla="*/ 5224689 w 6776647"/>
+              <a:gd name="connsiteY12" fmla="*/ 6858000 h 6858000"/>
+              <a:gd name="connsiteX13" fmla="*/ 4225733 w 6776647"/>
+              <a:gd name="connsiteY13" fmla="*/ 6858000 h 6858000"/>
+              <a:gd name="connsiteX14" fmla="*/ 6776647 w 6776647"/>
+              <a:gd name="connsiteY14" fmla="*/ 1775039 h 6858000"/>
+              <a:gd name="connsiteX15" fmla="*/ 6776647 w 6776647"/>
+              <a:gd name="connsiteY15" fmla="*/ 3615452 h 6858000"/>
+              <a:gd name="connsiteX16" fmla="*/ 5493702 w 6776647"/>
+              <a:gd name="connsiteY16" fmla="*/ 4898396 h 6858000"/>
+              <a:gd name="connsiteX17" fmla="*/ 4578567 w 6776647"/>
+              <a:gd name="connsiteY17" fmla="*/ 4898396 h 6858000"/>
+              <a:gd name="connsiteX18" fmla="*/ 4560653 w 6776647"/>
+              <a:gd name="connsiteY18" fmla="*/ 4880482 h 6858000"/>
+              <a:gd name="connsiteX19" fmla="*/ 4560653 w 6776647"/>
+              <a:gd name="connsiteY19" fmla="*/ 3965347 h 6858000"/>
+              <a:gd name="connsiteX20" fmla="*/ 6660166 w 6776647"/>
+              <a:gd name="connsiteY20" fmla="*/ 1865835 h 6858000"/>
+              <a:gd name="connsiteX21" fmla="*/ 6761678 w 6776647"/>
+              <a:gd name="connsiteY21" fmla="*/ 1782916 h 6858000"/>
+              <a:gd name="connsiteX22" fmla="*/ 5881240 w 6776647"/>
+              <a:gd name="connsiteY22" fmla="*/ 18786 h 6858000"/>
+              <a:gd name="connsiteX23" fmla="*/ 6475267 w 6776647"/>
+              <a:gd name="connsiteY23" fmla="*/ 264840 h 6858000"/>
+              <a:gd name="connsiteX24" fmla="*/ 6498525 w 6776647"/>
+              <a:gd name="connsiteY24" fmla="*/ 288097 h 6858000"/>
+              <a:gd name="connsiteX25" fmla="*/ 6498525 w 6776647"/>
+              <a:gd name="connsiteY25" fmla="*/ 1476151 h 6858000"/>
+              <a:gd name="connsiteX26" fmla="*/ 2949108 w 6776647"/>
+              <a:gd name="connsiteY26" fmla="*/ 5025568 h 6858000"/>
+              <a:gd name="connsiteX27" fmla="*/ 1761054 w 6776647"/>
+              <a:gd name="connsiteY27" fmla="*/ 5025568 h 6858000"/>
+              <a:gd name="connsiteX28" fmla="*/ 1737797 w 6776647"/>
+              <a:gd name="connsiteY28" fmla="*/ 5002311 h 6858000"/>
+              <a:gd name="connsiteX29" fmla="*/ 1737797 w 6776647"/>
+              <a:gd name="connsiteY29" fmla="*/ 3814257 h 6858000"/>
+              <a:gd name="connsiteX30" fmla="*/ 5287213 w 6776647"/>
+              <a:gd name="connsiteY30" fmla="*/ 264840 h 6858000"/>
+              <a:gd name="connsiteX31" fmla="*/ 5881240 w 6776647"/>
+              <a:gd name="connsiteY31" fmla="*/ 18786 h 6858000"/>
+              <a:gd name="connsiteX32" fmla="*/ 3421136 w 6776647"/>
+              <a:gd name="connsiteY32" fmla="*/ 0 h 6858000"/>
+              <a:gd name="connsiteX33" fmla="*/ 5065590 w 6776647"/>
+              <a:gd name="connsiteY33" fmla="*/ 0 h 6858000"/>
+              <a:gd name="connsiteX34" fmla="*/ 5058235 w 6776647"/>
+              <a:gd name="connsiteY34" fmla="*/ 13976 h 6858000"/>
+              <a:gd name="connsiteX35" fmla="*/ 4984132 w 6776647"/>
+              <a:gd name="connsiteY35" fmla="*/ 104695 h 6858000"/>
+              <a:gd name="connsiteX36" fmla="*/ 1478980 w 6776647"/>
+              <a:gd name="connsiteY36" fmla="*/ 3609848 h 6858000"/>
+              <a:gd name="connsiteX37" fmla="*/ 661145 w 6776647"/>
+              <a:gd name="connsiteY37" fmla="*/ 3609848 h 6858000"/>
+              <a:gd name="connsiteX38" fmla="*/ 645135 w 6776647"/>
+              <a:gd name="connsiteY38" fmla="*/ 3593837 h 6858000"/>
+              <a:gd name="connsiteX39" fmla="*/ 645135 w 6776647"/>
+              <a:gd name="connsiteY39" fmla="*/ 2776002 h 6858000"/>
+              <a:gd name="connsiteX40" fmla="*/ 1313944 w 6776647"/>
+              <a:gd name="connsiteY40" fmla="*/ 0 h 6858000"/>
+              <a:gd name="connsiteX41" fmla="*/ 2570790 w 6776647"/>
+              <a:gd name="connsiteY41" fmla="*/ 0 h 6858000"/>
+              <a:gd name="connsiteX42" fmla="*/ 2582282 w 6776647"/>
+              <a:gd name="connsiteY42" fmla="*/ 38778 h 6858000"/>
+              <a:gd name="connsiteX43" fmla="*/ 2423489 w 6776647"/>
+              <a:gd name="connsiteY43" fmla="*/ 558147 h 6858000"/>
+              <a:gd name="connsiteX44" fmla="*/ 1003226 w 6776647"/>
+              <a:gd name="connsiteY44" fmla="*/ 1978410 h 6858000"/>
+              <a:gd name="connsiteX45" fmla="*/ 185390 w 6776647"/>
+              <a:gd name="connsiteY45" fmla="*/ 1978410 h 6858000"/>
+              <a:gd name="connsiteX46" fmla="*/ 169380 w 6776647"/>
+              <a:gd name="connsiteY46" fmla="*/ 1962401 h 6858000"/>
+              <a:gd name="connsiteX47" fmla="*/ 169380 w 6776647"/>
+              <a:gd name="connsiteY47" fmla="*/ 1144565 h 6858000"/>
+            </a:gdLst>
+            <a:ahLst/>
+            <a:cxnLst>
+              <a:cxn ang="0">
+                <a:pos x="connsiteX0" y="connsiteY0"/>
+              </a:cxn>
+              <a:cxn ang="0">
+                <a:pos x="connsiteX1" y="connsiteY1"/>
+              </a:cxn>
+              <a:cxn ang="0">
+                <a:pos x="connsiteX2" y="connsiteY2"/>
+              </a:cxn>
+              <a:cxn ang="0">
+                <a:pos x="connsiteX3" y="connsiteY3"/>
+              </a:cxn>
+              <a:cxn ang="0">
+                <a:pos x="connsiteX4" y="connsiteY4"/>
+              </a:cxn>
+              <a:cxn ang="0">
+                <a:pos x="connsiteX5" y="connsiteY5"/>
+              </a:cxn>
+              <a:cxn ang="0">
+                <a:pos x="connsiteX6" y="connsiteY6"/>
+              </a:cxn>
+              <a:cxn ang="0">
+                <a:pos x="connsiteX7" y="connsiteY7"/>
+              </a:cxn>
+              <a:cxn ang="0">
+                <a:pos x="connsiteX8" y="connsiteY8"/>
+              </a:cxn>
+              <a:cxn ang="0">
+                <a:pos x="connsiteX9" y="connsiteY9"/>
+              </a:cxn>
+              <a:cxn ang="0">
+                <a:pos x="connsiteX10" y="connsiteY10"/>
+              </a:cxn>
+              <a:cxn ang="0">
+                <a:pos x="connsiteX11" y="connsiteY11"/>
+              </a:cxn>
+              <a:cxn ang="0">
+                <a:pos x="connsiteX12" y="connsiteY12"/>
+              </a:cxn>
+              <a:cxn ang="0">
+                <a:pos x="connsiteX13" y="connsiteY13"/>
+              </a:cxn>
+              <a:cxn ang="0">
+                <a:pos x="connsiteX14" y="connsiteY14"/>
+              </a:cxn>
+              <a:cxn ang="0">
+                <a:pos x="connsiteX15" y="connsiteY15"/>
+              </a:cxn>
+              <a:cxn ang="0">
+                <a:pos x="connsiteX16" y="connsiteY16"/>
+              </a:cxn>
+              <a:cxn ang="0">
+                <a:pos x="connsiteX17" y="connsiteY17"/>
+              </a:cxn>
+              <a:cxn ang="0">
+                <a:pos x="connsiteX18" y="connsiteY18"/>
+              </a:cxn>
+              <a:cxn ang="0">
+                <a:pos x="connsiteX19" y="connsiteY19"/>
+              </a:cxn>
+              <a:cxn ang="0">
+                <a:pos x="connsiteX20" y="connsiteY20"/>
+              </a:cxn>
+              <a:cxn ang="0">
+                <a:pos x="connsiteX21" y="connsiteY21"/>
+              </a:cxn>
+              <a:cxn ang="0">
+                <a:pos x="connsiteX22" y="connsiteY22"/>
+              </a:cxn>
+              <a:cxn ang="0">
+                <a:pos x="connsiteX23" y="connsiteY23"/>
+              </a:cxn>
+              <a:cxn ang="0">
+                <a:pos x="connsiteX24" y="connsiteY24"/>
+              </a:cxn>
+              <a:cxn ang="0">
+                <a:pos x="connsiteX25" y="connsiteY25"/>
+              </a:cxn>
+              <a:cxn ang="0">
+                <a:pos x="connsiteX26" y="connsiteY26"/>
+              </a:cxn>
+              <a:cxn ang="0">
+                <a:pos x="connsiteX27" y="connsiteY27"/>
+              </a:cxn>
+              <a:cxn ang="0">
+                <a:pos x="connsiteX28" y="connsiteY28"/>
+              </a:cxn>
+              <a:cxn ang="0">
+                <a:pos x="connsiteX29" y="connsiteY29"/>
+              </a:cxn>
+              <a:cxn ang="0">
+                <a:pos x="connsiteX30" y="connsiteY30"/>
+              </a:cxn>
+              <a:cxn ang="0">
+                <a:pos x="connsiteX31" y="connsiteY31"/>
+              </a:cxn>
+              <a:cxn ang="0">
+                <a:pos x="connsiteX32" y="connsiteY32"/>
+              </a:cxn>
+              <a:cxn ang="0">
+                <a:pos x="connsiteX33" y="connsiteY33"/>
+              </a:cxn>
+              <a:cxn ang="0">
+                <a:pos x="connsiteX34" y="connsiteY34"/>
+              </a:cxn>
+              <a:cxn ang="0">
+                <a:pos x="connsiteX35" y="connsiteY35"/>
+              </a:cxn>
+              <a:cxn ang="0">
+                <a:pos x="connsiteX36" y="connsiteY36"/>
+              </a:cxn>
+              <a:cxn ang="0">
+                <a:pos x="connsiteX37" y="connsiteY37"/>
+              </a:cxn>
+              <a:cxn ang="0">
+                <a:pos x="connsiteX38" y="connsiteY38"/>
+              </a:cxn>
+              <a:cxn ang="0">
+                <a:pos x="connsiteX39" y="connsiteY39"/>
+              </a:cxn>
+              <a:cxn ang="0">
+                <a:pos x="connsiteX40" y="connsiteY40"/>
+              </a:cxn>
+              <a:cxn ang="0">
+                <a:pos x="connsiteX41" y="connsiteY41"/>
+              </a:cxn>
+              <a:cxn ang="0">
+                <a:pos x="connsiteX42" y="connsiteY42"/>
+              </a:cxn>
+              <a:cxn ang="0">
+                <a:pos x="connsiteX43" y="connsiteY43"/>
+              </a:cxn>
+              <a:cxn ang="0">
+                <a:pos x="connsiteX44" y="connsiteY44"/>
+              </a:cxn>
+              <a:cxn ang="0">
+                <a:pos x="connsiteX45" y="connsiteY45"/>
+              </a:cxn>
+              <a:cxn ang="0">
+                <a:pos x="connsiteX46" y="connsiteY46"/>
+              </a:cxn>
+              <a:cxn ang="0">
+                <a:pos x="connsiteX47" y="connsiteY47"/>
+              </a:cxn>
+            </a:cxnLst>
+            <a:rect l="l" t="t" r="r" b="b"/>
+            <a:pathLst>
+              <a:path w="6776647" h="6858000">
+                <a:moveTo>
+                  <a:pt x="3656412" y="5054965"/>
+                </a:moveTo>
+                <a:cubicBezTo>
+                  <a:pt x="3822019" y="5054965"/>
+                  <a:pt x="3987625" y="5118142"/>
+                  <a:pt x="4113979" y="5244495"/>
+                </a:cubicBezTo>
+                <a:lnTo>
+                  <a:pt x="4131893" y="5262409"/>
+                </a:lnTo>
+                <a:cubicBezTo>
+                  <a:pt x="4384601" y="5515117"/>
+                  <a:pt x="4384601" y="5924838"/>
+                  <a:pt x="4131892" y="6177545"/>
+                </a:cubicBezTo>
+                <a:lnTo>
+                  <a:pt x="4043288" y="6266149"/>
+                </a:lnTo>
+                <a:cubicBezTo>
+                  <a:pt x="3790582" y="6518855"/>
+                  <a:pt x="3380861" y="6518855"/>
+                  <a:pt x="3128155" y="6266149"/>
+                </a:cubicBezTo>
+                <a:lnTo>
+                  <a:pt x="3110241" y="6248235"/>
+                </a:lnTo>
+                <a:cubicBezTo>
+                  <a:pt x="2857533" y="5995527"/>
+                  <a:pt x="2857533" y="5585807"/>
+                  <a:pt x="3110240" y="5333099"/>
+                </a:cubicBezTo>
+                <a:lnTo>
+                  <a:pt x="3198844" y="5244495"/>
+                </a:lnTo>
+                <a:cubicBezTo>
+                  <a:pt x="3325198" y="5118143"/>
+                  <a:pt x="3490804" y="5054965"/>
+                  <a:pt x="3656412" y="5054965"/>
+                </a:cubicBezTo>
+                <a:close/>
+                <a:moveTo>
+                  <a:pt x="6776647" y="4307086"/>
+                </a:moveTo>
+                <a:lnTo>
+                  <a:pt x="6776647" y="5306043"/>
+                </a:lnTo>
+                <a:lnTo>
+                  <a:pt x="5224689" y="6858000"/>
+                </a:lnTo>
+                <a:lnTo>
+                  <a:pt x="4225733" y="6858000"/>
+                </a:lnTo>
+                <a:close/>
+                <a:moveTo>
+                  <a:pt x="6776647" y="1775039"/>
+                </a:moveTo>
+                <a:lnTo>
+                  <a:pt x="6776647" y="3615452"/>
+                </a:lnTo>
+                <a:lnTo>
+                  <a:pt x="5493702" y="4898396"/>
+                </a:lnTo>
+                <a:cubicBezTo>
+                  <a:pt x="5240995" y="5151104"/>
+                  <a:pt x="4831276" y="5151103"/>
+                  <a:pt x="4578567" y="4898396"/>
+                </a:cubicBezTo>
+                <a:lnTo>
+                  <a:pt x="4560653" y="4880482"/>
+                </a:lnTo>
+                <a:cubicBezTo>
+                  <a:pt x="4307946" y="4627775"/>
+                  <a:pt x="4307946" y="4218054"/>
+                  <a:pt x="4560653" y="3965347"/>
+                </a:cubicBezTo>
+                <a:lnTo>
+                  <a:pt x="6660166" y="1865835"/>
+                </a:lnTo>
+                <a:cubicBezTo>
+                  <a:pt x="6691755" y="1834247"/>
+                  <a:pt x="6725796" y="1806607"/>
+                  <a:pt x="6761678" y="1782916"/>
+                </a:cubicBezTo>
+                <a:close/>
+                <a:moveTo>
+                  <a:pt x="5881240" y="18786"/>
+                </a:moveTo>
+                <a:cubicBezTo>
+                  <a:pt x="6096236" y="18786"/>
+                  <a:pt x="6311231" y="100804"/>
+                  <a:pt x="6475267" y="264840"/>
+                </a:cubicBezTo>
+                <a:lnTo>
+                  <a:pt x="6498525" y="288097"/>
+                </a:lnTo>
+                <a:cubicBezTo>
+                  <a:pt x="6826598" y="616169"/>
+                  <a:pt x="6826598" y="1148079"/>
+                  <a:pt x="6498525" y="1476151"/>
+                </a:cubicBezTo>
+                <a:lnTo>
+                  <a:pt x="2949108" y="5025568"/>
+                </a:lnTo>
+                <a:cubicBezTo>
+                  <a:pt x="2621036" y="5353640"/>
+                  <a:pt x="2089127" y="5353640"/>
+                  <a:pt x="1761054" y="5025568"/>
+                </a:cubicBezTo>
+                <a:lnTo>
+                  <a:pt x="1737797" y="5002311"/>
+                </a:lnTo>
+                <a:cubicBezTo>
+                  <a:pt x="1409725" y="4674239"/>
+                  <a:pt x="1409725" y="4142329"/>
+                  <a:pt x="1737797" y="3814257"/>
+                </a:cubicBezTo>
+                <a:lnTo>
+                  <a:pt x="5287213" y="264840"/>
+                </a:lnTo>
+                <a:cubicBezTo>
+                  <a:pt x="5451251" y="100804"/>
+                  <a:pt x="5666245" y="18785"/>
+                  <a:pt x="5881240" y="18786"/>
+                </a:cubicBezTo>
+                <a:close/>
+                <a:moveTo>
+                  <a:pt x="3421136" y="0"/>
+                </a:moveTo>
+                <a:lnTo>
+                  <a:pt x="5065590" y="0"/>
+                </a:lnTo>
+                <a:lnTo>
+                  <a:pt x="5058235" y="13976"/>
+                </a:lnTo>
+                <a:cubicBezTo>
+                  <a:pt x="5037063" y="46043"/>
+                  <a:pt x="5012362" y="76465"/>
+                  <a:pt x="4984132" y="104695"/>
+                </a:cubicBezTo>
+                <a:lnTo>
+                  <a:pt x="1478980" y="3609848"/>
+                </a:lnTo>
+                <a:cubicBezTo>
+                  <a:pt x="1253141" y="3835687"/>
+                  <a:pt x="886985" y="3835687"/>
+                  <a:pt x="661145" y="3609848"/>
+                </a:cubicBezTo>
+                <a:lnTo>
+                  <a:pt x="645135" y="3593837"/>
+                </a:lnTo>
+                <a:cubicBezTo>
+                  <a:pt x="419295" y="3367998"/>
+                  <a:pt x="419295" y="3001841"/>
+                  <a:pt x="645135" y="2776002"/>
+                </a:cubicBezTo>
+                <a:close/>
+                <a:moveTo>
+                  <a:pt x="1313944" y="0"/>
+                </a:moveTo>
+                <a:lnTo>
+                  <a:pt x="2570790" y="0"/>
+                </a:lnTo>
+                <a:lnTo>
+                  <a:pt x="2582282" y="38778"/>
+                </a:lnTo>
+                <a:cubicBezTo>
+                  <a:pt x="2617570" y="221036"/>
+                  <a:pt x="2564639" y="416997"/>
+                  <a:pt x="2423489" y="558147"/>
+                </a:cubicBezTo>
+                <a:lnTo>
+                  <a:pt x="1003226" y="1978410"/>
+                </a:lnTo>
+                <a:cubicBezTo>
+                  <a:pt x="777387" y="2204250"/>
+                  <a:pt x="411230" y="2204250"/>
+                  <a:pt x="185390" y="1978410"/>
+                </a:cubicBezTo>
+                <a:lnTo>
+                  <a:pt x="169380" y="1962401"/>
+                </a:lnTo>
+                <a:cubicBezTo>
+                  <a:pt x="-56460" y="1736561"/>
+                  <a:pt x="-56460" y="1370404"/>
+                  <a:pt x="169380" y="1144565"/>
+                </a:cubicBezTo>
+                <a:close/>
+              </a:path>
+            </a:pathLst>
+          </a:custGeom>
+          <a:effectLst>
+            <a:innerShdw blurRad="63500" dist="50800" dir="16200000">
+              <a:prstClr val="black">
+                <a:alpha val="50000"/>
+              </a:prstClr>
+            </a:innerShdw>
+          </a:effectLst>
+        </p:spPr>
+      </p:pic>
+      <p:sp>
+        <p:nvSpPr>
+          <p:cNvPr id="28" name="TextBox 27">
+            <a:extLst>
+              <a:ext uri="{FF2B5EF4-FFF2-40B4-BE49-F238E27FC236}">
+                <a16:creationId xmlns:a16="http://schemas.microsoft.com/office/drawing/2014/main" id="{5386B87A-99E3-F817-8C50-ADCB1A3CE2F7}"/>
+              </a:ext>
+            </a:extLst>
+          </p:cNvPr>
+          <p:cNvSpPr txBox="1"/>
+          <p:nvPr/>
+        </p:nvSpPr>
+        <p:spPr>
+          <a:xfrm>
+            <a:off x="-166194" y="133620"/>
+            <a:ext cx="6776647" cy="1754326"/>
+          </a:xfrm>
+          <a:prstGeom prst="rect">
+            <a:avLst/>
+          </a:prstGeom>
+          <a:noFill/>
+        </p:spPr>
+        <p:txBody>
+          <a:bodyPr wrap="square" rtlCol="0">
+            <a:spAutoFit/>
+          </a:bodyPr>
+          <a:lstStyle/>
+          <a:p>
+            <a:pPr algn="ctr"/>
+            <a:r>
+              <a:rPr lang="en-US" sz="3600" dirty="0">
+                <a:solidFill>
+                  <a:srgbClr val="D65D26"/>
+                </a:solidFill>
+                <a:latin typeface="Inter" panose="02000503000000020004" pitchFamily="2" charset="0"/>
+                <a:ea typeface="Inter" panose="02000503000000020004" pitchFamily="2" charset="0"/>
+              </a:rPr>
+              <a:t>Part 2: </a:t>
+            </a:r>
+            <a:r>
+              <a:rPr lang="en-US" sz="3600" dirty="0">
+                <a:solidFill>
+                  <a:srgbClr val="EDEDED"/>
+                </a:solidFill>
+                <a:latin typeface="Inter" panose="02000503000000020004" pitchFamily="2" charset="0"/>
+                <a:ea typeface="Inter" panose="02000503000000020004" pitchFamily="2" charset="0"/>
+              </a:rPr>
+              <a:t>Core OR challenge: optimizing under noise and limited budget</a:t>
+            </a:r>
+          </a:p>
+        </p:txBody>
+      </p:sp>
+      <p:sp>
+        <p:nvSpPr>
+          <p:cNvPr id="2" name="TextBox 1">
+            <a:extLst>
+              <a:ext uri="{FF2B5EF4-FFF2-40B4-BE49-F238E27FC236}">
+                <a16:creationId xmlns:a16="http://schemas.microsoft.com/office/drawing/2014/main" id="{1175B88A-2293-3F5C-7AA2-3189B56A7DE4}"/>
+              </a:ext>
+            </a:extLst>
+          </p:cNvPr>
+          <p:cNvSpPr txBox="1"/>
+          <p:nvPr/>
+        </p:nvSpPr>
+        <p:spPr>
+          <a:xfrm>
+            <a:off x="314122" y="2518389"/>
+            <a:ext cx="6046848" cy="400110"/>
+          </a:xfrm>
+          <a:prstGeom prst="rect">
+            <a:avLst/>
+          </a:prstGeom>
+          <a:noFill/>
+        </p:spPr>
+        <p:txBody>
+          <a:bodyPr wrap="none" rtlCol="0">
+            <a:spAutoFit/>
+          </a:bodyPr>
+          <a:lstStyle/>
+          <a:p>
+            <a:r>
+              <a:rPr lang="en-US" sz="2000" b="1" dirty="0">
+                <a:solidFill>
+                  <a:srgbClr val="D65D26"/>
+                </a:solidFill>
+                <a:latin typeface="Montserrat" pitchFamily="2" charset="0"/>
+                <a:ea typeface="Inter" panose="02000503000000020004" pitchFamily="2" charset="0"/>
+              </a:rPr>
+              <a:t>2.2</a:t>
+            </a:r>
+            <a:r>
+              <a:rPr lang="en-US" sz="2000" b="1" dirty="0">
+                <a:solidFill>
+                  <a:srgbClr val="EDEDED"/>
+                </a:solidFill>
+                <a:latin typeface="Montserrat" pitchFamily="2" charset="0"/>
+                <a:ea typeface="Inter" panose="02000503000000020004" pitchFamily="2" charset="0"/>
+              </a:rPr>
+              <a:t> Why Noise Is a Problem for Optimization</a:t>
+            </a:r>
+          </a:p>
+        </p:txBody>
+      </p:sp>
+      <p:sp>
+        <p:nvSpPr>
+          <p:cNvPr id="3" name="TextBox 2">
+            <a:extLst>
+              <a:ext uri="{FF2B5EF4-FFF2-40B4-BE49-F238E27FC236}">
+                <a16:creationId xmlns:a16="http://schemas.microsoft.com/office/drawing/2014/main" id="{415DB376-E6F0-850B-FFBC-65154A0A3CAD}"/>
+              </a:ext>
+            </a:extLst>
+          </p:cNvPr>
+          <p:cNvSpPr txBox="1"/>
+          <p:nvPr/>
+        </p:nvSpPr>
+        <p:spPr>
+          <a:xfrm>
+            <a:off x="279595" y="3518164"/>
+            <a:ext cx="4305987" cy="923330"/>
+          </a:xfrm>
+          <a:prstGeom prst="rect">
+            <a:avLst/>
+          </a:prstGeom>
+          <a:noFill/>
+        </p:spPr>
+        <p:txBody>
+          <a:bodyPr wrap="none" rtlCol="0">
+            <a:spAutoFit/>
+          </a:bodyPr>
+          <a:lstStyle/>
+          <a:p>
+            <a:pPr marL="285750" indent="-285750">
+              <a:buFontTx/>
+              <a:buChar char="-"/>
+            </a:pPr>
+            <a:r>
+              <a:rPr lang="en-US" dirty="0">
+                <a:solidFill>
+                  <a:srgbClr val="EDEDED"/>
+                </a:solidFill>
+                <a:latin typeface="Montserrat" pitchFamily="2" charset="0"/>
+              </a:rPr>
+              <a:t>Observations ≠ true performance</a:t>
+            </a:r>
+          </a:p>
+          <a:p>
+            <a:pPr marL="285750" indent="-285750">
+              <a:buFontTx/>
+              <a:buChar char="-"/>
+            </a:pPr>
+            <a:r>
+              <a:rPr lang="en-US" dirty="0">
+                <a:solidFill>
+                  <a:srgbClr val="EDEDED"/>
+                </a:solidFill>
+                <a:latin typeface="Montserrat" pitchFamily="2" charset="0"/>
+              </a:rPr>
+              <a:t>Variance hides differences</a:t>
+            </a:r>
+          </a:p>
+          <a:p>
+            <a:pPr marL="285750" indent="-285750">
+              <a:buFontTx/>
+              <a:buChar char="-"/>
+            </a:pPr>
+            <a:r>
+              <a:rPr lang="en-US" dirty="0">
+                <a:solidFill>
+                  <a:srgbClr val="EDEDED"/>
+                </a:solidFill>
+                <a:latin typeface="Montserrat" pitchFamily="2" charset="0"/>
+              </a:rPr>
+              <a:t>Repetition is expensive</a:t>
+            </a:r>
+          </a:p>
+        </p:txBody>
+      </p:sp>
+      <p:pic>
+        <p:nvPicPr>
+          <p:cNvPr id="4" name="Picture 3">
+            <a:extLst>
+              <a:ext uri="{FF2B5EF4-FFF2-40B4-BE49-F238E27FC236}">
+                <a16:creationId xmlns:a16="http://schemas.microsoft.com/office/drawing/2014/main" id="{1CCC9B10-EF40-736F-4CAF-7D7FB36A8600}"/>
+              </a:ext>
+            </a:extLst>
+          </p:cNvPr>
+          <p:cNvPicPr>
+            <a:picLocks noChangeAspect="1"/>
+          </p:cNvPicPr>
+          <p:nvPr/>
+        </p:nvPicPr>
+        <p:blipFill>
+          <a:blip r:embed="rId3">
+            <a:extLst>
+              <a:ext uri="{28A0092B-C50C-407E-A947-70E740481C1C}">
+                <a14:useLocalDpi xmlns:a14="http://schemas.microsoft.com/office/drawing/2010/main" val="0"/>
+              </a:ext>
+            </a:extLst>
+          </a:blip>
+          <a:stretch>
+            <a:fillRect/>
+          </a:stretch>
+        </p:blipFill>
+        <p:spPr>
+          <a:xfrm>
+            <a:off x="279595" y="4970054"/>
+            <a:ext cx="1690916" cy="1754326"/>
+          </a:xfrm>
+          <a:prstGeom prst="rect">
+            <a:avLst/>
+          </a:prstGeom>
+        </p:spPr>
+      </p:pic>
+    </p:spTree>
+    <p:extLst>
+      <p:ext uri="{BB962C8B-B14F-4D97-AF65-F5344CB8AC3E}">
+        <p14:creationId xmlns:p14="http://schemas.microsoft.com/office/powerpoint/2010/main" val="2050636011"/>
+      </p:ext>
+    </p:extLst>
+  </p:cSld>
+  <p:clrMapOvr>
+    <a:masterClrMapping/>
+  </p:clrMapOvr>
+</p:sld>
+</file>
+
+<file path=ppt/slides/slide8.xml><?xml version="1.0" encoding="utf-8"?>
+<p:sld xmlns:a="http://schemas.openxmlformats.org/drawingml/2006/main" xmlns:r="http://schemas.openxmlformats.org/officeDocument/2006/relationships" xmlns:p="http://schemas.openxmlformats.org/presentationml/2006/main">
+  <p:cSld>
+    <p:bg>
+      <p:bgPr>
+        <a:gradFill flip="none" rotWithShape="1">
+          <a:gsLst>
+            <a:gs pos="20000">
+              <a:schemeClr val="bg1"/>
+            </a:gs>
+            <a:gs pos="78000">
+              <a:schemeClr val="tx1">
+                <a:lumMod val="95000"/>
+                <a:lumOff val="5000"/>
+              </a:schemeClr>
+            </a:gs>
+          </a:gsLst>
+          <a:path path="circle">
+            <a:fillToRect l="100000" t="100000"/>
+          </a:path>
+          <a:tileRect r="-100000" b="-100000"/>
+        </a:gradFill>
+        <a:effectLst/>
+      </p:bgPr>
+    </p:bg>
+    <p:spTree>
+      <p:nvGrpSpPr>
+        <p:cNvPr id="1" name="">
+          <a:extLst>
+            <a:ext uri="{FF2B5EF4-FFF2-40B4-BE49-F238E27FC236}">
+              <a16:creationId xmlns:a16="http://schemas.microsoft.com/office/drawing/2014/main" id="{7CA8D8E3-809B-06A9-A725-B6BFBA957881}"/>
+            </a:ext>
+          </a:extLst>
+        </p:cNvPr>
+        <p:cNvGrpSpPr/>
+        <p:nvPr/>
+      </p:nvGrpSpPr>
+      <p:grpSpPr>
+        <a:xfrm>
+          <a:off x="0" y="0"/>
+          <a:ext cx="0" cy="0"/>
+          <a:chOff x="0" y="0"/>
+          <a:chExt cx="0" cy="0"/>
+        </a:xfrm>
+      </p:grpSpPr>
+      <p:pic>
+        <p:nvPicPr>
+          <p:cNvPr id="27" name="Picture 26">
+            <a:extLst>
+              <a:ext uri="{FF2B5EF4-FFF2-40B4-BE49-F238E27FC236}">
+                <a16:creationId xmlns:a16="http://schemas.microsoft.com/office/drawing/2014/main" id="{EF66A3CB-DE95-B424-38B0-9BAF92170CB4}"/>
+              </a:ext>
+            </a:extLst>
+          </p:cNvPr>
+          <p:cNvPicPr>
+            <a:picLocks noChangeAspect="1"/>
+          </p:cNvPicPr>
+          <p:nvPr/>
+        </p:nvPicPr>
+        <p:blipFill>
+          <a:blip r:embed="rId2">
+            <a:extLst>
+              <a:ext uri="{28A0092B-C50C-407E-A947-70E740481C1C}">
+                <a14:useLocalDpi xmlns:a14="http://schemas.microsoft.com/office/drawing/2010/main" val="0"/>
+              </a:ext>
+            </a:extLst>
+          </a:blip>
+          <a:srcRect l="44417"/>
+          <a:stretch>
+            <a:fillRect/>
+          </a:stretch>
+        </p:blipFill>
+        <p:spPr>
+          <a:xfrm>
+            <a:off x="4559473" y="-866155"/>
+            <a:ext cx="7632527" cy="7724155"/>
+          </a:xfrm>
+          <a:custGeom>
+            <a:avLst/>
+            <a:gdLst>
+              <a:gd name="connsiteX0" fmla="*/ 3656412 w 6776647"/>
+              <a:gd name="connsiteY0" fmla="*/ 5054965 h 6858000"/>
+              <a:gd name="connsiteX1" fmla="*/ 4113979 w 6776647"/>
+              <a:gd name="connsiteY1" fmla="*/ 5244495 h 6858000"/>
+              <a:gd name="connsiteX2" fmla="*/ 4131893 w 6776647"/>
+              <a:gd name="connsiteY2" fmla="*/ 5262409 h 6858000"/>
+              <a:gd name="connsiteX3" fmla="*/ 4131892 w 6776647"/>
+              <a:gd name="connsiteY3" fmla="*/ 6177545 h 6858000"/>
+              <a:gd name="connsiteX4" fmla="*/ 4043288 w 6776647"/>
+              <a:gd name="connsiteY4" fmla="*/ 6266149 h 6858000"/>
+              <a:gd name="connsiteX5" fmla="*/ 3128155 w 6776647"/>
+              <a:gd name="connsiteY5" fmla="*/ 6266149 h 6858000"/>
+              <a:gd name="connsiteX6" fmla="*/ 3110241 w 6776647"/>
+              <a:gd name="connsiteY6" fmla="*/ 6248235 h 6858000"/>
+              <a:gd name="connsiteX7" fmla="*/ 3110240 w 6776647"/>
+              <a:gd name="connsiteY7" fmla="*/ 5333099 h 6858000"/>
+              <a:gd name="connsiteX8" fmla="*/ 3198844 w 6776647"/>
+              <a:gd name="connsiteY8" fmla="*/ 5244495 h 6858000"/>
+              <a:gd name="connsiteX9" fmla="*/ 3656412 w 6776647"/>
+              <a:gd name="connsiteY9" fmla="*/ 5054965 h 6858000"/>
+              <a:gd name="connsiteX10" fmla="*/ 6776647 w 6776647"/>
+              <a:gd name="connsiteY10" fmla="*/ 4307086 h 6858000"/>
+              <a:gd name="connsiteX11" fmla="*/ 6776647 w 6776647"/>
+              <a:gd name="connsiteY11" fmla="*/ 5306043 h 6858000"/>
+              <a:gd name="connsiteX12" fmla="*/ 5224689 w 6776647"/>
+              <a:gd name="connsiteY12" fmla="*/ 6858000 h 6858000"/>
+              <a:gd name="connsiteX13" fmla="*/ 4225733 w 6776647"/>
+              <a:gd name="connsiteY13" fmla="*/ 6858000 h 6858000"/>
+              <a:gd name="connsiteX14" fmla="*/ 6776647 w 6776647"/>
+              <a:gd name="connsiteY14" fmla="*/ 1775039 h 6858000"/>
+              <a:gd name="connsiteX15" fmla="*/ 6776647 w 6776647"/>
+              <a:gd name="connsiteY15" fmla="*/ 3615452 h 6858000"/>
+              <a:gd name="connsiteX16" fmla="*/ 5493702 w 6776647"/>
+              <a:gd name="connsiteY16" fmla="*/ 4898396 h 6858000"/>
+              <a:gd name="connsiteX17" fmla="*/ 4578567 w 6776647"/>
+              <a:gd name="connsiteY17" fmla="*/ 4898396 h 6858000"/>
+              <a:gd name="connsiteX18" fmla="*/ 4560653 w 6776647"/>
+              <a:gd name="connsiteY18" fmla="*/ 4880482 h 6858000"/>
+              <a:gd name="connsiteX19" fmla="*/ 4560653 w 6776647"/>
+              <a:gd name="connsiteY19" fmla="*/ 3965347 h 6858000"/>
+              <a:gd name="connsiteX20" fmla="*/ 6660166 w 6776647"/>
+              <a:gd name="connsiteY20" fmla="*/ 1865835 h 6858000"/>
+              <a:gd name="connsiteX21" fmla="*/ 6761678 w 6776647"/>
+              <a:gd name="connsiteY21" fmla="*/ 1782916 h 6858000"/>
+              <a:gd name="connsiteX22" fmla="*/ 5881240 w 6776647"/>
+              <a:gd name="connsiteY22" fmla="*/ 18786 h 6858000"/>
+              <a:gd name="connsiteX23" fmla="*/ 6475267 w 6776647"/>
+              <a:gd name="connsiteY23" fmla="*/ 264840 h 6858000"/>
+              <a:gd name="connsiteX24" fmla="*/ 6498525 w 6776647"/>
+              <a:gd name="connsiteY24" fmla="*/ 288097 h 6858000"/>
+              <a:gd name="connsiteX25" fmla="*/ 6498525 w 6776647"/>
+              <a:gd name="connsiteY25" fmla="*/ 1476151 h 6858000"/>
+              <a:gd name="connsiteX26" fmla="*/ 2949108 w 6776647"/>
+              <a:gd name="connsiteY26" fmla="*/ 5025568 h 6858000"/>
+              <a:gd name="connsiteX27" fmla="*/ 1761054 w 6776647"/>
+              <a:gd name="connsiteY27" fmla="*/ 5025568 h 6858000"/>
+              <a:gd name="connsiteX28" fmla="*/ 1737797 w 6776647"/>
+              <a:gd name="connsiteY28" fmla="*/ 5002311 h 6858000"/>
+              <a:gd name="connsiteX29" fmla="*/ 1737797 w 6776647"/>
+              <a:gd name="connsiteY29" fmla="*/ 3814257 h 6858000"/>
+              <a:gd name="connsiteX30" fmla="*/ 5287213 w 6776647"/>
+              <a:gd name="connsiteY30" fmla="*/ 264840 h 6858000"/>
+              <a:gd name="connsiteX31" fmla="*/ 5881240 w 6776647"/>
+              <a:gd name="connsiteY31" fmla="*/ 18786 h 6858000"/>
+              <a:gd name="connsiteX32" fmla="*/ 3421136 w 6776647"/>
+              <a:gd name="connsiteY32" fmla="*/ 0 h 6858000"/>
+              <a:gd name="connsiteX33" fmla="*/ 5065590 w 6776647"/>
+              <a:gd name="connsiteY33" fmla="*/ 0 h 6858000"/>
+              <a:gd name="connsiteX34" fmla="*/ 5058235 w 6776647"/>
+              <a:gd name="connsiteY34" fmla="*/ 13976 h 6858000"/>
+              <a:gd name="connsiteX35" fmla="*/ 4984132 w 6776647"/>
+              <a:gd name="connsiteY35" fmla="*/ 104695 h 6858000"/>
+              <a:gd name="connsiteX36" fmla="*/ 1478980 w 6776647"/>
+              <a:gd name="connsiteY36" fmla="*/ 3609848 h 6858000"/>
+              <a:gd name="connsiteX37" fmla="*/ 661145 w 6776647"/>
+              <a:gd name="connsiteY37" fmla="*/ 3609848 h 6858000"/>
+              <a:gd name="connsiteX38" fmla="*/ 645135 w 6776647"/>
+              <a:gd name="connsiteY38" fmla="*/ 3593837 h 6858000"/>
+              <a:gd name="connsiteX39" fmla="*/ 645135 w 6776647"/>
+              <a:gd name="connsiteY39" fmla="*/ 2776002 h 6858000"/>
+              <a:gd name="connsiteX40" fmla="*/ 1313944 w 6776647"/>
+              <a:gd name="connsiteY40" fmla="*/ 0 h 6858000"/>
+              <a:gd name="connsiteX41" fmla="*/ 2570790 w 6776647"/>
+              <a:gd name="connsiteY41" fmla="*/ 0 h 6858000"/>
+              <a:gd name="connsiteX42" fmla="*/ 2582282 w 6776647"/>
+              <a:gd name="connsiteY42" fmla="*/ 38778 h 6858000"/>
+              <a:gd name="connsiteX43" fmla="*/ 2423489 w 6776647"/>
+              <a:gd name="connsiteY43" fmla="*/ 558147 h 6858000"/>
+              <a:gd name="connsiteX44" fmla="*/ 1003226 w 6776647"/>
+              <a:gd name="connsiteY44" fmla="*/ 1978410 h 6858000"/>
+              <a:gd name="connsiteX45" fmla="*/ 185390 w 6776647"/>
+              <a:gd name="connsiteY45" fmla="*/ 1978410 h 6858000"/>
+              <a:gd name="connsiteX46" fmla="*/ 169380 w 6776647"/>
+              <a:gd name="connsiteY46" fmla="*/ 1962401 h 6858000"/>
+              <a:gd name="connsiteX47" fmla="*/ 169380 w 6776647"/>
+              <a:gd name="connsiteY47" fmla="*/ 1144565 h 6858000"/>
+            </a:gdLst>
+            <a:ahLst/>
+            <a:cxnLst>
+              <a:cxn ang="0">
+                <a:pos x="connsiteX0" y="connsiteY0"/>
+              </a:cxn>
+              <a:cxn ang="0">
+                <a:pos x="connsiteX1" y="connsiteY1"/>
+              </a:cxn>
+              <a:cxn ang="0">
+                <a:pos x="connsiteX2" y="connsiteY2"/>
+              </a:cxn>
+              <a:cxn ang="0">
+                <a:pos x="connsiteX3" y="connsiteY3"/>
+              </a:cxn>
+              <a:cxn ang="0">
+                <a:pos x="connsiteX4" y="connsiteY4"/>
+              </a:cxn>
+              <a:cxn ang="0">
+                <a:pos x="connsiteX5" y="connsiteY5"/>
+              </a:cxn>
+              <a:cxn ang="0">
+                <a:pos x="connsiteX6" y="connsiteY6"/>
+              </a:cxn>
+              <a:cxn ang="0">
+                <a:pos x="connsiteX7" y="connsiteY7"/>
+              </a:cxn>
+              <a:cxn ang="0">
+                <a:pos x="connsiteX8" y="connsiteY8"/>
+              </a:cxn>
+              <a:cxn ang="0">
+                <a:pos x="connsiteX9" y="connsiteY9"/>
+              </a:cxn>
+              <a:cxn ang="0">
+                <a:pos x="connsiteX10" y="connsiteY10"/>
+              </a:cxn>
+              <a:cxn ang="0">
+                <a:pos x="connsiteX11" y="connsiteY11"/>
+              </a:cxn>
+              <a:cxn ang="0">
+                <a:pos x="connsiteX12" y="connsiteY12"/>
+              </a:cxn>
+              <a:cxn ang="0">
+                <a:pos x="connsiteX13" y="connsiteY13"/>
+              </a:cxn>
+              <a:cxn ang="0">
+                <a:pos x="connsiteX14" y="connsiteY14"/>
+              </a:cxn>
+              <a:cxn ang="0">
+                <a:pos x="connsiteX15" y="connsiteY15"/>
+              </a:cxn>
+              <a:cxn ang="0">
+                <a:pos x="connsiteX16" y="connsiteY16"/>
+              </a:cxn>
+              <a:cxn ang="0">
+                <a:pos x="connsiteX17" y="connsiteY17"/>
+              </a:cxn>
+              <a:cxn ang="0">
+                <a:pos x="connsiteX18" y="connsiteY18"/>
+              </a:cxn>
+              <a:cxn ang="0">
+                <a:pos x="connsiteX19" y="connsiteY19"/>
+              </a:cxn>
+              <a:cxn ang="0">
+                <a:pos x="connsiteX20" y="connsiteY20"/>
+              </a:cxn>
+              <a:cxn ang="0">
+                <a:pos x="connsiteX21" y="connsiteY21"/>
+              </a:cxn>
+              <a:cxn ang="0">
+                <a:pos x="connsiteX22" y="connsiteY22"/>
+              </a:cxn>
+              <a:cxn ang="0">
+                <a:pos x="connsiteX23" y="connsiteY23"/>
+              </a:cxn>
+              <a:cxn ang="0">
+                <a:pos x="connsiteX24" y="connsiteY24"/>
+              </a:cxn>
+              <a:cxn ang="0">
+                <a:pos x="connsiteX25" y="connsiteY25"/>
+              </a:cxn>
+              <a:cxn ang="0">
+                <a:pos x="connsiteX26" y="connsiteY26"/>
+              </a:cxn>
+              <a:cxn ang="0">
+                <a:pos x="connsiteX27" y="connsiteY27"/>
+              </a:cxn>
+              <a:cxn ang="0">
+                <a:pos x="connsiteX28" y="connsiteY28"/>
+              </a:cxn>
+              <a:cxn ang="0">
+                <a:pos x="connsiteX29" y="connsiteY29"/>
+              </a:cxn>
+              <a:cxn ang="0">
+                <a:pos x="connsiteX30" y="connsiteY30"/>
+              </a:cxn>
+              <a:cxn ang="0">
+                <a:pos x="connsiteX31" y="connsiteY31"/>
+              </a:cxn>
+              <a:cxn ang="0">
+                <a:pos x="connsiteX32" y="connsiteY32"/>
+              </a:cxn>
+              <a:cxn ang="0">
+                <a:pos x="connsiteX33" y="connsiteY33"/>
+              </a:cxn>
+              <a:cxn ang="0">
+                <a:pos x="connsiteX34" y="connsiteY34"/>
+              </a:cxn>
+              <a:cxn ang="0">
+                <a:pos x="connsiteX35" y="connsiteY35"/>
+              </a:cxn>
+              <a:cxn ang="0">
+                <a:pos x="connsiteX36" y="connsiteY36"/>
+              </a:cxn>
+              <a:cxn ang="0">
+                <a:pos x="connsiteX37" y="connsiteY37"/>
+              </a:cxn>
+              <a:cxn ang="0">
+                <a:pos x="connsiteX38" y="connsiteY38"/>
+              </a:cxn>
+              <a:cxn ang="0">
+                <a:pos x="connsiteX39" y="connsiteY39"/>
+              </a:cxn>
+              <a:cxn ang="0">
+                <a:pos x="connsiteX40" y="connsiteY40"/>
+              </a:cxn>
+              <a:cxn ang="0">
+                <a:pos x="connsiteX41" y="connsiteY41"/>
+              </a:cxn>
+              <a:cxn ang="0">
+                <a:pos x="connsiteX42" y="connsiteY42"/>
+              </a:cxn>
+              <a:cxn ang="0">
+                <a:pos x="connsiteX43" y="connsiteY43"/>
+              </a:cxn>
+              <a:cxn ang="0">
+                <a:pos x="connsiteX44" y="connsiteY44"/>
+              </a:cxn>
+              <a:cxn ang="0">
+                <a:pos x="connsiteX45" y="connsiteY45"/>
+              </a:cxn>
+              <a:cxn ang="0">
+                <a:pos x="connsiteX46" y="connsiteY46"/>
+              </a:cxn>
+              <a:cxn ang="0">
+                <a:pos x="connsiteX47" y="connsiteY47"/>
+              </a:cxn>
+            </a:cxnLst>
+            <a:rect l="l" t="t" r="r" b="b"/>
+            <a:pathLst>
+              <a:path w="6776647" h="6858000">
+                <a:moveTo>
+                  <a:pt x="3656412" y="5054965"/>
+                </a:moveTo>
+                <a:cubicBezTo>
+                  <a:pt x="3822019" y="5054965"/>
+                  <a:pt x="3987625" y="5118142"/>
+                  <a:pt x="4113979" y="5244495"/>
+                </a:cubicBezTo>
+                <a:lnTo>
+                  <a:pt x="4131893" y="5262409"/>
+                </a:lnTo>
+                <a:cubicBezTo>
+                  <a:pt x="4384601" y="5515117"/>
+                  <a:pt x="4384601" y="5924838"/>
+                  <a:pt x="4131892" y="6177545"/>
+                </a:cubicBezTo>
+                <a:lnTo>
+                  <a:pt x="4043288" y="6266149"/>
+                </a:lnTo>
+                <a:cubicBezTo>
+                  <a:pt x="3790582" y="6518855"/>
+                  <a:pt x="3380861" y="6518855"/>
+                  <a:pt x="3128155" y="6266149"/>
+                </a:cubicBezTo>
+                <a:lnTo>
+                  <a:pt x="3110241" y="6248235"/>
+                </a:lnTo>
+                <a:cubicBezTo>
+                  <a:pt x="2857533" y="5995527"/>
+                  <a:pt x="2857533" y="5585807"/>
+                  <a:pt x="3110240" y="5333099"/>
+                </a:cubicBezTo>
+                <a:lnTo>
+                  <a:pt x="3198844" y="5244495"/>
+                </a:lnTo>
+                <a:cubicBezTo>
+                  <a:pt x="3325198" y="5118143"/>
+                  <a:pt x="3490804" y="5054965"/>
+                  <a:pt x="3656412" y="5054965"/>
+                </a:cubicBezTo>
+                <a:close/>
+                <a:moveTo>
+                  <a:pt x="6776647" y="4307086"/>
+                </a:moveTo>
+                <a:lnTo>
+                  <a:pt x="6776647" y="5306043"/>
+                </a:lnTo>
+                <a:lnTo>
+                  <a:pt x="5224689" y="6858000"/>
+                </a:lnTo>
+                <a:lnTo>
+                  <a:pt x="4225733" y="6858000"/>
+                </a:lnTo>
+                <a:close/>
+                <a:moveTo>
+                  <a:pt x="6776647" y="1775039"/>
+                </a:moveTo>
+                <a:lnTo>
+                  <a:pt x="6776647" y="3615452"/>
+                </a:lnTo>
+                <a:lnTo>
+                  <a:pt x="5493702" y="4898396"/>
+                </a:lnTo>
+                <a:cubicBezTo>
+                  <a:pt x="5240995" y="5151104"/>
+                  <a:pt x="4831276" y="5151103"/>
+                  <a:pt x="4578567" y="4898396"/>
+                </a:cubicBezTo>
+                <a:lnTo>
+                  <a:pt x="4560653" y="4880482"/>
+                </a:lnTo>
+                <a:cubicBezTo>
+                  <a:pt x="4307946" y="4627775"/>
+                  <a:pt x="4307946" y="4218054"/>
+                  <a:pt x="4560653" y="3965347"/>
+                </a:cubicBezTo>
+                <a:lnTo>
+                  <a:pt x="6660166" y="1865835"/>
+                </a:lnTo>
+                <a:cubicBezTo>
+                  <a:pt x="6691755" y="1834247"/>
+                  <a:pt x="6725796" y="1806607"/>
+                  <a:pt x="6761678" y="1782916"/>
+                </a:cubicBezTo>
+                <a:close/>
+                <a:moveTo>
+                  <a:pt x="5881240" y="18786"/>
+                </a:moveTo>
+                <a:cubicBezTo>
+                  <a:pt x="6096236" y="18786"/>
+                  <a:pt x="6311231" y="100804"/>
+                  <a:pt x="6475267" y="264840"/>
+                </a:cubicBezTo>
+                <a:lnTo>
+                  <a:pt x="6498525" y="288097"/>
+                </a:lnTo>
+                <a:cubicBezTo>
+                  <a:pt x="6826598" y="616169"/>
+                  <a:pt x="6826598" y="1148079"/>
+                  <a:pt x="6498525" y="1476151"/>
+                </a:cubicBezTo>
+                <a:lnTo>
+                  <a:pt x="2949108" y="5025568"/>
+                </a:lnTo>
+                <a:cubicBezTo>
+                  <a:pt x="2621036" y="5353640"/>
+                  <a:pt x="2089127" y="5353640"/>
+                  <a:pt x="1761054" y="5025568"/>
+                </a:cubicBezTo>
+                <a:lnTo>
+                  <a:pt x="1737797" y="5002311"/>
+                </a:lnTo>
+                <a:cubicBezTo>
+                  <a:pt x="1409725" y="4674239"/>
+                  <a:pt x="1409725" y="4142329"/>
+                  <a:pt x="1737797" y="3814257"/>
+                </a:cubicBezTo>
+                <a:lnTo>
+                  <a:pt x="5287213" y="264840"/>
+                </a:lnTo>
+                <a:cubicBezTo>
+                  <a:pt x="5451251" y="100804"/>
+                  <a:pt x="5666245" y="18785"/>
+                  <a:pt x="5881240" y="18786"/>
+                </a:cubicBezTo>
+                <a:close/>
+                <a:moveTo>
+                  <a:pt x="3421136" y="0"/>
+                </a:moveTo>
+                <a:lnTo>
+                  <a:pt x="5065590" y="0"/>
+                </a:lnTo>
+                <a:lnTo>
+                  <a:pt x="5058235" y="13976"/>
+                </a:lnTo>
+                <a:cubicBezTo>
+                  <a:pt x="5037063" y="46043"/>
+                  <a:pt x="5012362" y="76465"/>
+                  <a:pt x="4984132" y="104695"/>
+                </a:cubicBezTo>
+                <a:lnTo>
+                  <a:pt x="1478980" y="3609848"/>
+                </a:lnTo>
+                <a:cubicBezTo>
+                  <a:pt x="1253141" y="3835687"/>
+                  <a:pt x="886985" y="3835687"/>
+                  <a:pt x="661145" y="3609848"/>
+                </a:cubicBezTo>
+                <a:lnTo>
+                  <a:pt x="645135" y="3593837"/>
+                </a:lnTo>
+                <a:cubicBezTo>
+                  <a:pt x="419295" y="3367998"/>
+                  <a:pt x="419295" y="3001841"/>
+                  <a:pt x="645135" y="2776002"/>
+                </a:cubicBezTo>
+                <a:close/>
+                <a:moveTo>
+                  <a:pt x="1313944" y="0"/>
+                </a:moveTo>
+                <a:lnTo>
+                  <a:pt x="2570790" y="0"/>
+                </a:lnTo>
+                <a:lnTo>
+                  <a:pt x="2582282" y="38778"/>
+                </a:lnTo>
+                <a:cubicBezTo>
+                  <a:pt x="2617570" y="221036"/>
+                  <a:pt x="2564639" y="416997"/>
+                  <a:pt x="2423489" y="558147"/>
+                </a:cubicBezTo>
+                <a:lnTo>
+                  <a:pt x="1003226" y="1978410"/>
+                </a:lnTo>
+                <a:cubicBezTo>
+                  <a:pt x="777387" y="2204250"/>
+                  <a:pt x="411230" y="2204250"/>
+                  <a:pt x="185390" y="1978410"/>
+                </a:cubicBezTo>
+                <a:lnTo>
+                  <a:pt x="169380" y="1962401"/>
+                </a:lnTo>
+                <a:cubicBezTo>
+                  <a:pt x="-56460" y="1736561"/>
+                  <a:pt x="-56460" y="1370404"/>
+                  <a:pt x="169380" y="1144565"/>
+                </a:cubicBezTo>
+                <a:close/>
+              </a:path>
+            </a:pathLst>
+          </a:custGeom>
+          <a:effectLst>
+            <a:innerShdw blurRad="63500" dist="50800" dir="16200000">
+              <a:prstClr val="black">
+                <a:alpha val="50000"/>
+              </a:prstClr>
+            </a:innerShdw>
+          </a:effectLst>
+        </p:spPr>
+      </p:pic>
+      <p:sp>
+        <p:nvSpPr>
+          <p:cNvPr id="28" name="TextBox 27">
+            <a:extLst>
+              <a:ext uri="{FF2B5EF4-FFF2-40B4-BE49-F238E27FC236}">
+                <a16:creationId xmlns:a16="http://schemas.microsoft.com/office/drawing/2014/main" id="{130AEAE1-259C-F70B-02EE-2CE9B4DD8DC8}"/>
+              </a:ext>
+            </a:extLst>
+          </p:cNvPr>
+          <p:cNvSpPr txBox="1"/>
+          <p:nvPr/>
+        </p:nvSpPr>
+        <p:spPr>
+          <a:xfrm>
+            <a:off x="-166194" y="133620"/>
+            <a:ext cx="6776647" cy="1754326"/>
+          </a:xfrm>
+          <a:prstGeom prst="rect">
+            <a:avLst/>
+          </a:prstGeom>
+          <a:noFill/>
+        </p:spPr>
+        <p:txBody>
+          <a:bodyPr wrap="square" rtlCol="0">
+            <a:spAutoFit/>
+          </a:bodyPr>
+          <a:lstStyle/>
+          <a:p>
+            <a:pPr algn="ctr"/>
+            <a:r>
+              <a:rPr lang="en-US" sz="3600" dirty="0">
+                <a:solidFill>
+                  <a:srgbClr val="D65D26"/>
+                </a:solidFill>
+                <a:latin typeface="Inter" panose="02000503000000020004" pitchFamily="2" charset="0"/>
+                <a:ea typeface="Inter" panose="02000503000000020004" pitchFamily="2" charset="0"/>
+              </a:rPr>
+              <a:t>Part 2: </a:t>
+            </a:r>
+            <a:r>
+              <a:rPr lang="en-US" sz="3600" dirty="0">
+                <a:solidFill>
+                  <a:srgbClr val="EDEDED"/>
+                </a:solidFill>
+                <a:latin typeface="Inter" panose="02000503000000020004" pitchFamily="2" charset="0"/>
+                <a:ea typeface="Inter" panose="02000503000000020004" pitchFamily="2" charset="0"/>
+              </a:rPr>
+              <a:t>Core OR challenge: optimizing under noise and limited budget</a:t>
+            </a:r>
+          </a:p>
+        </p:txBody>
+      </p:sp>
+      <p:sp>
+        <p:nvSpPr>
+          <p:cNvPr id="2" name="TextBox 1">
+            <a:extLst>
+              <a:ext uri="{FF2B5EF4-FFF2-40B4-BE49-F238E27FC236}">
+                <a16:creationId xmlns:a16="http://schemas.microsoft.com/office/drawing/2014/main" id="{117D44BD-FC18-FD55-5AA6-13ECFAEA5FAD}"/>
+              </a:ext>
+            </a:extLst>
+          </p:cNvPr>
+          <p:cNvSpPr txBox="1"/>
+          <p:nvPr/>
+        </p:nvSpPr>
+        <p:spPr>
+          <a:xfrm>
+            <a:off x="314122" y="2518389"/>
+            <a:ext cx="4261103" cy="400110"/>
+          </a:xfrm>
+          <a:prstGeom prst="rect">
+            <a:avLst/>
+          </a:prstGeom>
+          <a:noFill/>
+        </p:spPr>
+        <p:txBody>
+          <a:bodyPr wrap="none" rtlCol="0">
+            <a:spAutoFit/>
+          </a:bodyPr>
+          <a:lstStyle/>
+          <a:p>
+            <a:r>
+              <a:rPr lang="en-US" sz="2000" b="1" dirty="0">
+                <a:solidFill>
+                  <a:srgbClr val="D65D26"/>
+                </a:solidFill>
+                <a:latin typeface="Montserrat" pitchFamily="2" charset="0"/>
+                <a:ea typeface="Inter" panose="02000503000000020004" pitchFamily="2" charset="0"/>
+              </a:rPr>
+              <a:t>2.3</a:t>
+            </a:r>
+            <a:r>
+              <a:rPr lang="en-US" sz="2000" b="1" dirty="0">
+                <a:solidFill>
+                  <a:srgbClr val="EDEDED"/>
+                </a:solidFill>
+                <a:latin typeface="Montserrat" pitchFamily="2" charset="0"/>
+                <a:ea typeface="Inter" panose="02000503000000020004" pitchFamily="2" charset="0"/>
+              </a:rPr>
+              <a:t> Limited Simulation Budget</a:t>
+            </a:r>
+          </a:p>
+        </p:txBody>
+      </p:sp>
+      <p:sp>
+        <p:nvSpPr>
+          <p:cNvPr id="3" name="TextBox 2">
+            <a:extLst>
+              <a:ext uri="{FF2B5EF4-FFF2-40B4-BE49-F238E27FC236}">
+                <a16:creationId xmlns:a16="http://schemas.microsoft.com/office/drawing/2014/main" id="{35F424F8-62D0-3361-450A-2F317BC4F51F}"/>
+              </a:ext>
+            </a:extLst>
+          </p:cNvPr>
+          <p:cNvSpPr txBox="1"/>
+          <p:nvPr/>
+        </p:nvSpPr>
+        <p:spPr>
+          <a:xfrm>
+            <a:off x="279595" y="3518164"/>
+            <a:ext cx="2980303" cy="923330"/>
+          </a:xfrm>
+          <a:prstGeom prst="rect">
+            <a:avLst/>
+          </a:prstGeom>
+          <a:noFill/>
+        </p:spPr>
+        <p:txBody>
+          <a:bodyPr wrap="none" rtlCol="0">
+            <a:spAutoFit/>
+          </a:bodyPr>
+          <a:lstStyle/>
+          <a:p>
+            <a:pPr marL="285750" indent="-285750">
+              <a:buFontTx/>
+              <a:buChar char="-"/>
+            </a:pPr>
+            <a:r>
+              <a:rPr lang="en-US" dirty="0">
+                <a:solidFill>
+                  <a:srgbClr val="EDEDED"/>
+                </a:solidFill>
+                <a:latin typeface="Montserrat" pitchFamily="2" charset="0"/>
+              </a:rPr>
+              <a:t>Large decision space</a:t>
+            </a:r>
+          </a:p>
+          <a:p>
+            <a:pPr marL="285750" indent="-285750">
+              <a:buFontTx/>
+              <a:buChar char="-"/>
+            </a:pPr>
+            <a:r>
+              <a:rPr lang="en-US" dirty="0">
+                <a:solidFill>
+                  <a:srgbClr val="EDEDED"/>
+                </a:solidFill>
+                <a:latin typeface="Montserrat" pitchFamily="2" charset="0"/>
+              </a:rPr>
+              <a:t>Finite evaluations</a:t>
+            </a:r>
+          </a:p>
+          <a:p>
+            <a:pPr marL="285750" indent="-285750">
+              <a:buFontTx/>
+              <a:buChar char="-"/>
+            </a:pPr>
+            <a:r>
+              <a:rPr lang="en-US" dirty="0">
+                <a:solidFill>
+                  <a:srgbClr val="EDEDED"/>
+                </a:solidFill>
+                <a:latin typeface="Montserrat" pitchFamily="2" charset="0"/>
+              </a:rPr>
+              <a:t>Exploration trade-offs</a:t>
+            </a:r>
+          </a:p>
+        </p:txBody>
+      </p:sp>
+      <p:pic>
+        <p:nvPicPr>
+          <p:cNvPr id="4" name="Picture 3">
+            <a:extLst>
+              <a:ext uri="{FF2B5EF4-FFF2-40B4-BE49-F238E27FC236}">
+                <a16:creationId xmlns:a16="http://schemas.microsoft.com/office/drawing/2014/main" id="{91F8C915-240B-387D-910C-0D4C389AF161}"/>
+              </a:ext>
+            </a:extLst>
+          </p:cNvPr>
+          <p:cNvPicPr>
+            <a:picLocks noChangeAspect="1"/>
+          </p:cNvPicPr>
+          <p:nvPr/>
+        </p:nvPicPr>
+        <p:blipFill>
+          <a:blip r:embed="rId3">
+            <a:extLst>
+              <a:ext uri="{28A0092B-C50C-407E-A947-70E740481C1C}">
+                <a14:useLocalDpi xmlns:a14="http://schemas.microsoft.com/office/drawing/2010/main" val="0"/>
+              </a:ext>
+            </a:extLst>
+          </a:blip>
+          <a:stretch>
+            <a:fillRect/>
+          </a:stretch>
+        </p:blipFill>
+        <p:spPr>
+          <a:xfrm>
+            <a:off x="279595" y="4970054"/>
+            <a:ext cx="1690916" cy="1754326"/>
+          </a:xfrm>
+          <a:prstGeom prst="rect">
+            <a:avLst/>
+          </a:prstGeom>
+        </p:spPr>
+      </p:pic>
+    </p:spTree>
+    <p:extLst>
+      <p:ext uri="{BB962C8B-B14F-4D97-AF65-F5344CB8AC3E}">
+        <p14:creationId xmlns:p14="http://schemas.microsoft.com/office/powerpoint/2010/main" val="3098800205"/>
+      </p:ext>
+    </p:extLst>
+  </p:cSld>
+  <p:clrMapOvr>
+    <a:masterClrMapping/>
+  </p:clrMapOvr>
+</p:sld>
+</file>
+
+<file path=ppt/slides/slide9.xml><?xml version="1.0" encoding="utf-8"?>
+<p:sld xmlns:a="http://schemas.openxmlformats.org/drawingml/2006/main" xmlns:r="http://schemas.openxmlformats.org/officeDocument/2006/relationships" xmlns:p="http://schemas.openxmlformats.org/presentationml/2006/main">
+  <p:cSld>
+    <p:bg>
+      <p:bgPr>
+        <a:gradFill flip="none" rotWithShape="1">
+          <a:gsLst>
+            <a:gs pos="20000">
+              <a:schemeClr val="bg1"/>
+            </a:gs>
+            <a:gs pos="78000">
+              <a:schemeClr val="tx1">
+                <a:lumMod val="95000"/>
+                <a:lumOff val="5000"/>
+              </a:schemeClr>
+            </a:gs>
+          </a:gsLst>
+          <a:path path="circle">
+            <a:fillToRect l="100000" t="100000"/>
+          </a:path>
+          <a:tileRect r="-100000" b="-100000"/>
+        </a:gradFill>
+        <a:effectLst/>
+      </p:bgPr>
+    </p:bg>
+    <p:spTree>
+      <p:nvGrpSpPr>
+        <p:cNvPr id="1" name="">
+          <a:extLst>
+            <a:ext uri="{FF2B5EF4-FFF2-40B4-BE49-F238E27FC236}">
+              <a16:creationId xmlns:a16="http://schemas.microsoft.com/office/drawing/2014/main" id="{D1881547-9F57-06D3-EE82-9D2ACACBB4BD}"/>
+            </a:ext>
+          </a:extLst>
+        </p:cNvPr>
+        <p:cNvGrpSpPr/>
+        <p:nvPr/>
+      </p:nvGrpSpPr>
+      <p:grpSpPr>
+        <a:xfrm>
+          <a:off x="0" y="0"/>
+          <a:ext cx="0" cy="0"/>
+          <a:chOff x="0" y="0"/>
+          <a:chExt cx="0" cy="0"/>
+        </a:xfrm>
+      </p:grpSpPr>
+      <p:pic>
+        <p:nvPicPr>
+          <p:cNvPr id="27" name="Picture 26">
+            <a:extLst>
+              <a:ext uri="{FF2B5EF4-FFF2-40B4-BE49-F238E27FC236}">
+                <a16:creationId xmlns:a16="http://schemas.microsoft.com/office/drawing/2014/main" id="{2E5F12D8-E259-C4B2-C008-0470A283EBDA}"/>
+              </a:ext>
+            </a:extLst>
+          </p:cNvPr>
+          <p:cNvPicPr>
+            <a:picLocks noChangeAspect="1"/>
+          </p:cNvPicPr>
+          <p:nvPr/>
+        </p:nvPicPr>
+        <p:blipFill>
+          <a:blip r:embed="rId2">
+            <a:extLst>
+              <a:ext uri="{28A0092B-C50C-407E-A947-70E740481C1C}">
+                <a14:useLocalDpi xmlns:a14="http://schemas.microsoft.com/office/drawing/2010/main" val="0"/>
+              </a:ext>
+            </a:extLst>
+          </a:blip>
+          <a:srcRect l="44417"/>
+          <a:stretch>
+            <a:fillRect/>
+          </a:stretch>
+        </p:blipFill>
+        <p:spPr>
+          <a:xfrm>
+            <a:off x="4559473" y="-866155"/>
+            <a:ext cx="7632527" cy="7724155"/>
+          </a:xfrm>
+          <a:custGeom>
+            <a:avLst/>
+            <a:gdLst>
+              <a:gd name="connsiteX0" fmla="*/ 3656412 w 6776647"/>
+              <a:gd name="connsiteY0" fmla="*/ 5054965 h 6858000"/>
+              <a:gd name="connsiteX1" fmla="*/ 4113979 w 6776647"/>
+              <a:gd name="connsiteY1" fmla="*/ 5244495 h 6858000"/>
+              <a:gd name="connsiteX2" fmla="*/ 4131893 w 6776647"/>
+              <a:gd name="connsiteY2" fmla="*/ 5262409 h 6858000"/>
+              <a:gd name="connsiteX3" fmla="*/ 4131892 w 6776647"/>
+              <a:gd name="connsiteY3" fmla="*/ 6177545 h 6858000"/>
+              <a:gd name="connsiteX4" fmla="*/ 4043288 w 6776647"/>
+              <a:gd name="connsiteY4" fmla="*/ 6266149 h 6858000"/>
+              <a:gd name="connsiteX5" fmla="*/ 3128155 w 6776647"/>
+              <a:gd name="connsiteY5" fmla="*/ 6266149 h 6858000"/>
+              <a:gd name="connsiteX6" fmla="*/ 3110241 w 6776647"/>
+              <a:gd name="connsiteY6" fmla="*/ 6248235 h 6858000"/>
+              <a:gd name="connsiteX7" fmla="*/ 3110240 w 6776647"/>
+              <a:gd name="connsiteY7" fmla="*/ 5333099 h 6858000"/>
+              <a:gd name="connsiteX8" fmla="*/ 3198844 w 6776647"/>
+              <a:gd name="connsiteY8" fmla="*/ 5244495 h 6858000"/>
+              <a:gd name="connsiteX9" fmla="*/ 3656412 w 6776647"/>
+              <a:gd name="connsiteY9" fmla="*/ 5054965 h 6858000"/>
+              <a:gd name="connsiteX10" fmla="*/ 6776647 w 6776647"/>
+              <a:gd name="connsiteY10" fmla="*/ 4307086 h 6858000"/>
+              <a:gd name="connsiteX11" fmla="*/ 6776647 w 6776647"/>
+              <a:gd name="connsiteY11" fmla="*/ 5306043 h 6858000"/>
+              <a:gd name="connsiteX12" fmla="*/ 5224689 w 6776647"/>
+              <a:gd name="connsiteY12" fmla="*/ 6858000 h 6858000"/>
+              <a:gd name="connsiteX13" fmla="*/ 4225733 w 6776647"/>
+              <a:gd name="connsiteY13" fmla="*/ 6858000 h 6858000"/>
+              <a:gd name="connsiteX14" fmla="*/ 6776647 w 6776647"/>
+              <a:gd name="connsiteY14" fmla="*/ 1775039 h 6858000"/>
+              <a:gd name="connsiteX15" fmla="*/ 6776647 w 6776647"/>
+              <a:gd name="connsiteY15" fmla="*/ 3615452 h 6858000"/>
+              <a:gd name="connsiteX16" fmla="*/ 5493702 w 6776647"/>
+              <a:gd name="connsiteY16" fmla="*/ 4898396 h 6858000"/>
+              <a:gd name="connsiteX17" fmla="*/ 4578567 w 6776647"/>
+              <a:gd name="connsiteY17" fmla="*/ 4898396 h 6858000"/>
+              <a:gd name="connsiteX18" fmla="*/ 4560653 w 6776647"/>
+              <a:gd name="connsiteY18" fmla="*/ 4880482 h 6858000"/>
+              <a:gd name="connsiteX19" fmla="*/ 4560653 w 6776647"/>
+              <a:gd name="connsiteY19" fmla="*/ 3965347 h 6858000"/>
+              <a:gd name="connsiteX20" fmla="*/ 6660166 w 6776647"/>
+              <a:gd name="connsiteY20" fmla="*/ 1865835 h 6858000"/>
+              <a:gd name="connsiteX21" fmla="*/ 6761678 w 6776647"/>
+              <a:gd name="connsiteY21" fmla="*/ 1782916 h 6858000"/>
+              <a:gd name="connsiteX22" fmla="*/ 5881240 w 6776647"/>
+              <a:gd name="connsiteY22" fmla="*/ 18786 h 6858000"/>
+              <a:gd name="connsiteX23" fmla="*/ 6475267 w 6776647"/>
+              <a:gd name="connsiteY23" fmla="*/ 264840 h 6858000"/>
+              <a:gd name="connsiteX24" fmla="*/ 6498525 w 6776647"/>
+              <a:gd name="connsiteY24" fmla="*/ 288097 h 6858000"/>
+              <a:gd name="connsiteX25" fmla="*/ 6498525 w 6776647"/>
+              <a:gd name="connsiteY25" fmla="*/ 1476151 h 6858000"/>
+              <a:gd name="connsiteX26" fmla="*/ 2949108 w 6776647"/>
+              <a:gd name="connsiteY26" fmla="*/ 5025568 h 6858000"/>
+              <a:gd name="connsiteX27" fmla="*/ 1761054 w 6776647"/>
+              <a:gd name="connsiteY27" fmla="*/ 5025568 h 6858000"/>
+              <a:gd name="connsiteX28" fmla="*/ 1737797 w 6776647"/>
+              <a:gd name="connsiteY28" fmla="*/ 5002311 h 6858000"/>
+              <a:gd name="connsiteX29" fmla="*/ 1737797 w 6776647"/>
+              <a:gd name="connsiteY29" fmla="*/ 3814257 h 6858000"/>
+              <a:gd name="connsiteX30" fmla="*/ 5287213 w 6776647"/>
+              <a:gd name="connsiteY30" fmla="*/ 264840 h 6858000"/>
+              <a:gd name="connsiteX31" fmla="*/ 5881240 w 6776647"/>
+              <a:gd name="connsiteY31" fmla="*/ 18786 h 6858000"/>
+              <a:gd name="connsiteX32" fmla="*/ 3421136 w 6776647"/>
+              <a:gd name="connsiteY32" fmla="*/ 0 h 6858000"/>
+              <a:gd name="connsiteX33" fmla="*/ 5065590 w 6776647"/>
+              <a:gd name="connsiteY33" fmla="*/ 0 h 6858000"/>
+              <a:gd name="connsiteX34" fmla="*/ 5058235 w 6776647"/>
+              <a:gd name="connsiteY34" fmla="*/ 13976 h 6858000"/>
+              <a:gd name="connsiteX35" fmla="*/ 4984132 w 6776647"/>
+              <a:gd name="connsiteY35" fmla="*/ 104695 h 6858000"/>
+              <a:gd name="connsiteX36" fmla="*/ 1478980 w 6776647"/>
+              <a:gd name="connsiteY36" fmla="*/ 3609848 h 6858000"/>
+              <a:gd name="connsiteX37" fmla="*/ 661145 w 6776647"/>
+              <a:gd name="connsiteY37" fmla="*/ 3609848 h 6858000"/>
+              <a:gd name="connsiteX38" fmla="*/ 645135 w 6776647"/>
+              <a:gd name="connsiteY38" fmla="*/ 3593837 h 6858000"/>
+              <a:gd name="connsiteX39" fmla="*/ 645135 w 6776647"/>
+              <a:gd name="connsiteY39" fmla="*/ 2776002 h 6858000"/>
+              <a:gd name="connsiteX40" fmla="*/ 1313944 w 6776647"/>
+              <a:gd name="connsiteY40" fmla="*/ 0 h 6858000"/>
+              <a:gd name="connsiteX41" fmla="*/ 2570790 w 6776647"/>
+              <a:gd name="connsiteY41" fmla="*/ 0 h 6858000"/>
+              <a:gd name="connsiteX42" fmla="*/ 2582282 w 6776647"/>
+              <a:gd name="connsiteY42" fmla="*/ 38778 h 6858000"/>
+              <a:gd name="connsiteX43" fmla="*/ 2423489 w 6776647"/>
+              <a:gd name="connsiteY43" fmla="*/ 558147 h 6858000"/>
+              <a:gd name="connsiteX44" fmla="*/ 1003226 w 6776647"/>
+              <a:gd name="connsiteY44" fmla="*/ 1978410 h 6858000"/>
+              <a:gd name="connsiteX45" fmla="*/ 185390 w 6776647"/>
+              <a:gd name="connsiteY45" fmla="*/ 1978410 h 6858000"/>
+              <a:gd name="connsiteX46" fmla="*/ 169380 w 6776647"/>
+              <a:gd name="connsiteY46" fmla="*/ 1962401 h 6858000"/>
+              <a:gd name="connsiteX47" fmla="*/ 169380 w 6776647"/>
+              <a:gd name="connsiteY47" fmla="*/ 1144565 h 6858000"/>
+            </a:gdLst>
+            <a:ahLst/>
+            <a:cxnLst>
+              <a:cxn ang="0">
+                <a:pos x="connsiteX0" y="connsiteY0"/>
+              </a:cxn>
+              <a:cxn ang="0">
+                <a:pos x="connsiteX1" y="connsiteY1"/>
+              </a:cxn>
+              <a:cxn ang="0">
+                <a:pos x="connsiteX2" y="connsiteY2"/>
+              </a:cxn>
+              <a:cxn ang="0">
+                <a:pos x="connsiteX3" y="connsiteY3"/>
+              </a:cxn>
+              <a:cxn ang="0">
+                <a:pos x="connsiteX4" y="connsiteY4"/>
+              </a:cxn>
+              <a:cxn ang="0">
+                <a:pos x="connsiteX5" y="connsiteY5"/>
+              </a:cxn>
+              <a:cxn ang="0">
+                <a:pos x="connsiteX6" y="connsiteY6"/>
+              </a:cxn>
+              <a:cxn ang="0">
+                <a:pos x="connsiteX7" y="connsiteY7"/>
+              </a:cxn>
+              <a:cxn ang="0">
+                <a:pos x="connsiteX8" y="connsiteY8"/>
+              </a:cxn>
+              <a:cxn ang="0">
+                <a:pos x="connsiteX9" y="connsiteY9"/>
+              </a:cxn>
+              <a:cxn ang="0">
+                <a:pos x="connsiteX10" y="connsiteY10"/>
+              </a:cxn>
+              <a:cxn ang="0">
+                <a:pos x="connsiteX11" y="connsiteY11"/>
+              </a:cxn>
+              <a:cxn ang="0">
+                <a:pos x="connsiteX12" y="connsiteY12"/>
+              </a:cxn>
+              <a:cxn ang="0">
+                <a:pos x="connsiteX13" y="connsiteY13"/>
+              </a:cxn>
+              <a:cxn ang="0">
+                <a:pos x="connsiteX14" y="connsiteY14"/>
+              </a:cxn>
+              <a:cxn ang="0">
+                <a:pos x="connsiteX15" y="connsiteY15"/>
+              </a:cxn>
+              <a:cxn ang="0">
+                <a:pos x="connsiteX16" y="connsiteY16"/>
+              </a:cxn>
+              <a:cxn ang="0">
+                <a:pos x="connsiteX17" y="connsiteY17"/>
+              </a:cxn>
+              <a:cxn ang="0">
+                <a:pos x="connsiteX18" y="connsiteY18"/>
+              </a:cxn>
+              <a:cxn ang="0">
+                <a:pos x="connsiteX19" y="connsiteY19"/>
+              </a:cxn>
+              <a:cxn ang="0">
+                <a:pos x="connsiteX20" y="connsiteY20"/>
+              </a:cxn>
+              <a:cxn ang="0">
+                <a:pos x="connsiteX21" y="connsiteY21"/>
+              </a:cxn>
+              <a:cxn ang="0">
+                <a:pos x="connsiteX22" y="connsiteY22"/>
+              </a:cxn>
+              <a:cxn ang="0">
+                <a:pos x="connsiteX23" y="connsiteY23"/>
+              </a:cxn>
+              <a:cxn ang="0">
+                <a:pos x="connsiteX24" y="connsiteY24"/>
+              </a:cxn>
+              <a:cxn ang="0">
+                <a:pos x="connsiteX25" y="connsiteY25"/>
+              </a:cxn>
+              <a:cxn ang="0">
+                <a:pos x="connsiteX26" y="connsiteY26"/>
+              </a:cxn>
+              <a:cxn ang="0">
+                <a:pos x="connsiteX27" y="connsiteY27"/>
+              </a:cxn>
+              <a:cxn ang="0">
+                <a:pos x="connsiteX28" y="connsiteY28"/>
+              </a:cxn>
+              <a:cxn ang="0">
+                <a:pos x="connsiteX29" y="connsiteY29"/>
+              </a:cxn>
+              <a:cxn ang="0">
+                <a:pos x="connsiteX30" y="connsiteY30"/>
+              </a:cxn>
+              <a:cxn ang="0">
+                <a:pos x="connsiteX31" y="connsiteY31"/>
+              </a:cxn>
+              <a:cxn ang="0">
+                <a:pos x="connsiteX32" y="connsiteY32"/>
+              </a:cxn>
+              <a:cxn ang="0">
+                <a:pos x="connsiteX33" y="connsiteY33"/>
+              </a:cxn>
+              <a:cxn ang="0">
+                <a:pos x="connsiteX34" y="connsiteY34"/>
+              </a:cxn>
+              <a:cxn ang="0">
+                <a:pos x="connsiteX35" y="connsiteY35"/>
+              </a:cxn>
+              <a:cxn ang="0">
+                <a:pos x="connsiteX36" y="connsiteY36"/>
+              </a:cxn>
+              <a:cxn ang="0">
+                <a:pos x="connsiteX37" y="connsiteY37"/>
+              </a:cxn>
+              <a:cxn ang="0">
+                <a:pos x="connsiteX38" y="connsiteY38"/>
+              </a:cxn>
+              <a:cxn ang="0">
+                <a:pos x="connsiteX39" y="connsiteY39"/>
+              </a:cxn>
+              <a:cxn ang="0">
+                <a:pos x="connsiteX40" y="connsiteY40"/>
+              </a:cxn>
+              <a:cxn ang="0">
+                <a:pos x="connsiteX41" y="connsiteY41"/>
+              </a:cxn>
+              <a:cxn ang="0">
+                <a:pos x="connsiteX42" y="connsiteY42"/>
+              </a:cxn>
+              <a:cxn ang="0">
+                <a:pos x="connsiteX43" y="connsiteY43"/>
+              </a:cxn>
+              <a:cxn ang="0">
+                <a:pos x="connsiteX44" y="connsiteY44"/>
+              </a:cxn>
+              <a:cxn ang="0">
+                <a:pos x="connsiteX45" y="connsiteY45"/>
+              </a:cxn>
+              <a:cxn ang="0">
+                <a:pos x="connsiteX46" y="connsiteY46"/>
+              </a:cxn>
+              <a:cxn ang="0">
+                <a:pos x="connsiteX47" y="connsiteY47"/>
+              </a:cxn>
+            </a:cxnLst>
+            <a:rect l="l" t="t" r="r" b="b"/>
+            <a:pathLst>
+              <a:path w="6776647" h="6858000">
+                <a:moveTo>
+                  <a:pt x="3656412" y="5054965"/>
+                </a:moveTo>
+                <a:cubicBezTo>
+                  <a:pt x="3822019" y="5054965"/>
+                  <a:pt x="3987625" y="5118142"/>
+                  <a:pt x="4113979" y="5244495"/>
+                </a:cubicBezTo>
+                <a:lnTo>
+                  <a:pt x="4131893" y="5262409"/>
+                </a:lnTo>
+                <a:cubicBezTo>
+                  <a:pt x="4384601" y="5515117"/>
+                  <a:pt x="4384601" y="5924838"/>
+                  <a:pt x="4131892" y="6177545"/>
+                </a:cubicBezTo>
+                <a:lnTo>
+                  <a:pt x="4043288" y="6266149"/>
+                </a:lnTo>
+                <a:cubicBezTo>
+                  <a:pt x="3790582" y="6518855"/>
+                  <a:pt x="3380861" y="6518855"/>
+                  <a:pt x="3128155" y="6266149"/>
+                </a:cubicBezTo>
+                <a:lnTo>
+                  <a:pt x="3110241" y="6248235"/>
+                </a:lnTo>
+                <a:cubicBezTo>
+                  <a:pt x="2857533" y="5995527"/>
+                  <a:pt x="2857533" y="5585807"/>
+                  <a:pt x="3110240" y="5333099"/>
+                </a:cubicBezTo>
+                <a:lnTo>
+                  <a:pt x="3198844" y="5244495"/>
+                </a:lnTo>
+                <a:cubicBezTo>
+                  <a:pt x="3325198" y="5118143"/>
+                  <a:pt x="3490804" y="5054965"/>
+                  <a:pt x="3656412" y="5054965"/>
+                </a:cubicBezTo>
+                <a:close/>
+                <a:moveTo>
+                  <a:pt x="6776647" y="4307086"/>
+                </a:moveTo>
+                <a:lnTo>
+                  <a:pt x="6776647" y="5306043"/>
+                </a:lnTo>
+                <a:lnTo>
+                  <a:pt x="5224689" y="6858000"/>
+                </a:lnTo>
+                <a:lnTo>
+                  <a:pt x="4225733" y="6858000"/>
+                </a:lnTo>
+                <a:close/>
+                <a:moveTo>
+                  <a:pt x="6776647" y="1775039"/>
+                </a:moveTo>
+                <a:lnTo>
+                  <a:pt x="6776647" y="3615452"/>
+                </a:lnTo>
+                <a:lnTo>
+                  <a:pt x="5493702" y="4898396"/>
+                </a:lnTo>
+                <a:cubicBezTo>
+                  <a:pt x="5240995" y="5151104"/>
+                  <a:pt x="4831276" y="5151103"/>
+                  <a:pt x="4578567" y="4898396"/>
+                </a:cubicBezTo>
+                <a:lnTo>
+                  <a:pt x="4560653" y="4880482"/>
+                </a:lnTo>
+                <a:cubicBezTo>
+                  <a:pt x="4307946" y="4627775"/>
+                  <a:pt x="4307946" y="4218054"/>
+                  <a:pt x="4560653" y="3965347"/>
+                </a:cubicBezTo>
+                <a:lnTo>
+                  <a:pt x="6660166" y="1865835"/>
+                </a:lnTo>
+                <a:cubicBezTo>
+                  <a:pt x="6691755" y="1834247"/>
+                  <a:pt x="6725796" y="1806607"/>
+                  <a:pt x="6761678" y="1782916"/>
+                </a:cubicBezTo>
+                <a:close/>
+                <a:moveTo>
+                  <a:pt x="5881240" y="18786"/>
+                </a:moveTo>
+                <a:cubicBezTo>
+                  <a:pt x="6096236" y="18786"/>
+                  <a:pt x="6311231" y="100804"/>
+                  <a:pt x="6475267" y="264840"/>
+                </a:cubicBezTo>
+                <a:lnTo>
+                  <a:pt x="6498525" y="288097"/>
+                </a:lnTo>
+                <a:cubicBezTo>
+                  <a:pt x="6826598" y="616169"/>
+                  <a:pt x="6826598" y="1148079"/>
+                  <a:pt x="6498525" y="1476151"/>
+                </a:cubicBezTo>
+                <a:lnTo>
+                  <a:pt x="2949108" y="5025568"/>
+                </a:lnTo>
+                <a:cubicBezTo>
+                  <a:pt x="2621036" y="5353640"/>
+                  <a:pt x="2089127" y="5353640"/>
+                  <a:pt x="1761054" y="5025568"/>
+                </a:cubicBezTo>
+                <a:lnTo>
+                  <a:pt x="1737797" y="5002311"/>
+                </a:lnTo>
+                <a:cubicBezTo>
+                  <a:pt x="1409725" y="4674239"/>
+                  <a:pt x="1409725" y="4142329"/>
+                  <a:pt x="1737797" y="3814257"/>
+                </a:cubicBezTo>
+                <a:lnTo>
+                  <a:pt x="5287213" y="264840"/>
+                </a:lnTo>
+                <a:cubicBezTo>
+                  <a:pt x="5451251" y="100804"/>
+                  <a:pt x="5666245" y="18785"/>
+                  <a:pt x="5881240" y="18786"/>
+                </a:cubicBezTo>
+                <a:close/>
+                <a:moveTo>
+                  <a:pt x="3421136" y="0"/>
+                </a:moveTo>
+                <a:lnTo>
+                  <a:pt x="5065590" y="0"/>
+                </a:lnTo>
+                <a:lnTo>
+                  <a:pt x="5058235" y="13976"/>
+                </a:lnTo>
+                <a:cubicBezTo>
+                  <a:pt x="5037063" y="46043"/>
+                  <a:pt x="5012362" y="76465"/>
+                  <a:pt x="4984132" y="104695"/>
+                </a:cubicBezTo>
+                <a:lnTo>
+                  <a:pt x="1478980" y="3609848"/>
+                </a:lnTo>
+                <a:cubicBezTo>
+                  <a:pt x="1253141" y="3835687"/>
+                  <a:pt x="886985" y="3835687"/>
+                  <a:pt x="661145" y="3609848"/>
+                </a:cubicBezTo>
+                <a:lnTo>
+                  <a:pt x="645135" y="3593837"/>
+                </a:lnTo>
+                <a:cubicBezTo>
+                  <a:pt x="419295" y="3367998"/>
+                  <a:pt x="419295" y="3001841"/>
+                  <a:pt x="645135" y="2776002"/>
+                </a:cubicBezTo>
+                <a:close/>
+                <a:moveTo>
+                  <a:pt x="1313944" y="0"/>
+                </a:moveTo>
+                <a:lnTo>
+                  <a:pt x="2570790" y="0"/>
+                </a:lnTo>
+                <a:lnTo>
+                  <a:pt x="2582282" y="38778"/>
+                </a:lnTo>
+                <a:cubicBezTo>
+                  <a:pt x="2617570" y="221036"/>
+                  <a:pt x="2564639" y="416997"/>
+                  <a:pt x="2423489" y="558147"/>
+                </a:cubicBezTo>
+                <a:lnTo>
+                  <a:pt x="1003226" y="1978410"/>
+                </a:lnTo>
+                <a:cubicBezTo>
+                  <a:pt x="777387" y="2204250"/>
+                  <a:pt x="411230" y="2204250"/>
+                  <a:pt x="185390" y="1978410"/>
+                </a:cubicBezTo>
+                <a:lnTo>
+                  <a:pt x="169380" y="1962401"/>
+                </a:lnTo>
+                <a:cubicBezTo>
+                  <a:pt x="-56460" y="1736561"/>
+                  <a:pt x="-56460" y="1370404"/>
+                  <a:pt x="169380" y="1144565"/>
+                </a:cubicBezTo>
+                <a:close/>
+              </a:path>
+            </a:pathLst>
+          </a:custGeom>
+          <a:effectLst>
+            <a:innerShdw blurRad="63500" dist="50800" dir="16200000">
+              <a:prstClr val="black">
+                <a:alpha val="50000"/>
+              </a:prstClr>
+            </a:innerShdw>
+          </a:effectLst>
+        </p:spPr>
+      </p:pic>
+      <p:sp>
+        <p:nvSpPr>
+          <p:cNvPr id="28" name="TextBox 27">
+            <a:extLst>
+              <a:ext uri="{FF2B5EF4-FFF2-40B4-BE49-F238E27FC236}">
+                <a16:creationId xmlns:a16="http://schemas.microsoft.com/office/drawing/2014/main" id="{B92193E1-76AA-9AC9-3104-87690B2B3BA8}"/>
+              </a:ext>
+            </a:extLst>
+          </p:cNvPr>
+          <p:cNvSpPr txBox="1"/>
+          <p:nvPr/>
+        </p:nvSpPr>
+        <p:spPr>
+          <a:xfrm>
+            <a:off x="-943651" y="133620"/>
+            <a:ext cx="6776647" cy="1754326"/>
+          </a:xfrm>
+          <a:prstGeom prst="rect">
+            <a:avLst/>
+          </a:prstGeom>
+          <a:noFill/>
+        </p:spPr>
+        <p:txBody>
+          <a:bodyPr wrap="square" rtlCol="0">
+            <a:spAutoFit/>
+          </a:bodyPr>
+          <a:lstStyle/>
+          <a:p>
+            <a:pPr algn="ctr"/>
+            <a:r>
+              <a:rPr lang="en-US" sz="3600" dirty="0">
+                <a:solidFill>
+                  <a:srgbClr val="D65D26"/>
+                </a:solidFill>
+                <a:latin typeface="Inter" panose="02000503000000020004" pitchFamily="2" charset="0"/>
+                <a:ea typeface="Inter" panose="02000503000000020004" pitchFamily="2" charset="0"/>
+              </a:rPr>
+              <a:t>Part 3: </a:t>
+            </a:r>
+            <a:r>
+              <a:rPr lang="en-US" sz="3600" dirty="0">
+                <a:solidFill>
+                  <a:srgbClr val="EDEDED"/>
+                </a:solidFill>
+                <a:latin typeface="Inter" panose="02000503000000020004" pitchFamily="2" charset="0"/>
+                <a:ea typeface="Inter" panose="02000503000000020004" pitchFamily="2" charset="0"/>
+              </a:rPr>
+              <a:t>Implications:</a:t>
+            </a:r>
+          </a:p>
+          <a:p>
+            <a:pPr algn="ctr"/>
+            <a:r>
+              <a:rPr lang="en-US" sz="3600" dirty="0">
+                <a:solidFill>
+                  <a:srgbClr val="EDEDED"/>
+                </a:solidFill>
+                <a:latin typeface="Inter" panose="02000503000000020004" pitchFamily="2" charset="0"/>
+                <a:ea typeface="Inter" panose="02000503000000020004" pitchFamily="2" charset="0"/>
+              </a:rPr>
+              <a:t>applications and key takeaways</a:t>
+            </a:r>
+          </a:p>
+        </p:txBody>
+      </p:sp>
+      <p:sp>
+        <p:nvSpPr>
+          <p:cNvPr id="2" name="TextBox 1">
+            <a:extLst>
+              <a:ext uri="{FF2B5EF4-FFF2-40B4-BE49-F238E27FC236}">
+                <a16:creationId xmlns:a16="http://schemas.microsoft.com/office/drawing/2014/main" id="{163806A3-3AFD-0FB1-2E97-21CE18BD8DBC}"/>
+              </a:ext>
+            </a:extLst>
+          </p:cNvPr>
+          <p:cNvSpPr txBox="1"/>
+          <p:nvPr/>
+        </p:nvSpPr>
+        <p:spPr>
+          <a:xfrm>
+            <a:off x="314122" y="2518389"/>
+            <a:ext cx="5977919" cy="400110"/>
+          </a:xfrm>
+          <a:prstGeom prst="rect">
+            <a:avLst/>
+          </a:prstGeom>
+          <a:noFill/>
+        </p:spPr>
+        <p:txBody>
+          <a:bodyPr wrap="none" rtlCol="0">
+            <a:spAutoFit/>
+          </a:bodyPr>
+          <a:lstStyle/>
+          <a:p>
+            <a:r>
+              <a:rPr lang="en-US" sz="2000" b="1" dirty="0">
+                <a:solidFill>
+                  <a:srgbClr val="D65D26"/>
+                </a:solidFill>
+                <a:latin typeface="Montserrat" pitchFamily="2" charset="0"/>
+                <a:ea typeface="Inter" panose="02000503000000020004" pitchFamily="2" charset="0"/>
+              </a:rPr>
+              <a:t>3.1</a:t>
+            </a:r>
+            <a:r>
+              <a:rPr lang="en-US" sz="2000" b="1" dirty="0">
+                <a:solidFill>
+                  <a:srgbClr val="EDEDED"/>
+                </a:solidFill>
+                <a:latin typeface="Montserrat" pitchFamily="2" charset="0"/>
+                <a:ea typeface="Inter" panose="02000503000000020004" pitchFamily="2" charset="0"/>
+              </a:rPr>
+              <a:t> Optimization Becomes Experimentation</a:t>
+            </a:r>
+          </a:p>
+        </p:txBody>
+      </p:sp>
+      <p:sp>
+        <p:nvSpPr>
+          <p:cNvPr id="3" name="TextBox 2">
+            <a:extLst>
+              <a:ext uri="{FF2B5EF4-FFF2-40B4-BE49-F238E27FC236}">
+                <a16:creationId xmlns:a16="http://schemas.microsoft.com/office/drawing/2014/main" id="{9EE9FB01-D49D-C8AF-78C5-24046171EE01}"/>
+              </a:ext>
+            </a:extLst>
+          </p:cNvPr>
+          <p:cNvSpPr txBox="1"/>
+          <p:nvPr/>
+        </p:nvSpPr>
+        <p:spPr>
+          <a:xfrm>
+            <a:off x="279595" y="3518164"/>
+            <a:ext cx="4493538" cy="923330"/>
+          </a:xfrm>
+          <a:prstGeom prst="rect">
+            <a:avLst/>
+          </a:prstGeom>
+          <a:noFill/>
+        </p:spPr>
+        <p:txBody>
+          <a:bodyPr wrap="none" rtlCol="0">
+            <a:spAutoFit/>
+          </a:bodyPr>
+          <a:lstStyle/>
+          <a:p>
+            <a:pPr marL="285750" indent="-285750">
+              <a:buFontTx/>
+              <a:buChar char="-"/>
+            </a:pPr>
+            <a:r>
+              <a:rPr lang="en-US" dirty="0">
+                <a:solidFill>
+                  <a:srgbClr val="EDEDED"/>
+                </a:solidFill>
+                <a:latin typeface="Montserrat" pitchFamily="2" charset="0"/>
+              </a:rPr>
+              <a:t>No gradients</a:t>
+            </a:r>
+          </a:p>
+          <a:p>
+            <a:pPr marL="285750" indent="-285750">
+              <a:buFontTx/>
+              <a:buChar char="-"/>
+            </a:pPr>
+            <a:r>
+              <a:rPr lang="en-US" dirty="0">
+                <a:solidFill>
+                  <a:srgbClr val="EDEDED"/>
+                </a:solidFill>
+                <a:latin typeface="Montserrat" pitchFamily="2" charset="0"/>
+              </a:rPr>
+              <a:t>No guaranteed improvement path</a:t>
+            </a:r>
+          </a:p>
+          <a:p>
+            <a:pPr marL="285750" indent="-285750">
+              <a:buFontTx/>
+              <a:buChar char="-"/>
+            </a:pPr>
+            <a:r>
+              <a:rPr lang="en-US" dirty="0">
+                <a:solidFill>
+                  <a:srgbClr val="EDEDED"/>
+                </a:solidFill>
+                <a:latin typeface="Montserrat" pitchFamily="2" charset="0"/>
+              </a:rPr>
+              <a:t>Learning from samples</a:t>
+            </a:r>
+          </a:p>
+        </p:txBody>
+      </p:sp>
+      <p:pic>
+        <p:nvPicPr>
+          <p:cNvPr id="4" name="Picture 3">
+            <a:extLst>
+              <a:ext uri="{FF2B5EF4-FFF2-40B4-BE49-F238E27FC236}">
+                <a16:creationId xmlns:a16="http://schemas.microsoft.com/office/drawing/2014/main" id="{C9B76143-3D2B-C9F8-6405-5111A9898E31}"/>
+              </a:ext>
+            </a:extLst>
+          </p:cNvPr>
+          <p:cNvPicPr>
+            <a:picLocks noChangeAspect="1"/>
+          </p:cNvPicPr>
+          <p:nvPr/>
+        </p:nvPicPr>
+        <p:blipFill>
+          <a:blip r:embed="rId3">
+            <a:extLst>
+              <a:ext uri="{28A0092B-C50C-407E-A947-70E740481C1C}">
+                <a14:useLocalDpi xmlns:a14="http://schemas.microsoft.com/office/drawing/2010/main" val="0"/>
+              </a:ext>
+            </a:extLst>
+          </a:blip>
+          <a:stretch>
+            <a:fillRect/>
+          </a:stretch>
+        </p:blipFill>
+        <p:spPr>
+          <a:xfrm>
+            <a:off x="279595" y="4970054"/>
+            <a:ext cx="1690916" cy="1754326"/>
+          </a:xfrm>
+          <a:prstGeom prst="rect">
+            <a:avLst/>
+          </a:prstGeom>
+        </p:spPr>
+      </p:pic>
+    </p:spTree>
+    <p:extLst>
+      <p:ext uri="{BB962C8B-B14F-4D97-AF65-F5344CB8AC3E}">
+        <p14:creationId xmlns:p14="http://schemas.microsoft.com/office/powerpoint/2010/main" val="2166729710"/>
       </p:ext>
     </p:extLst>
   </p:cSld>

--- a/Operations Research.pptx
+++ b/Operations Research.pptx
@@ -10479,6 +10479,42 @@
           <a:xfrm>
             <a:off x="-222128" y="-201933"/>
             <a:ext cx="2136272" cy="2216383"/>
+          </a:xfrm>
+          <a:prstGeom prst="rect">
+            <a:avLst/>
+          </a:prstGeom>
+        </p:spPr>
+      </p:pic>
+      <p:pic>
+        <p:nvPicPr>
+          <p:cNvPr id="3" name="Picture 2">
+            <a:extLst>
+              <a:ext uri="{FF2B5EF4-FFF2-40B4-BE49-F238E27FC236}">
+                <a16:creationId xmlns:a16="http://schemas.microsoft.com/office/drawing/2014/main" id="{EC3383FE-5444-0201-287F-C42AEFED5762}"/>
+              </a:ext>
+            </a:extLst>
+          </p:cNvPr>
+          <p:cNvPicPr>
+            <a:picLocks noChangeAspect="1"/>
+          </p:cNvPicPr>
+          <p:nvPr/>
+        </p:nvPicPr>
+        <p:blipFill>
+          <a:blip r:embed="rId4">
+            <a:extLst>
+              <a:ext uri="{28A0092B-C50C-407E-A947-70E740481C1C}">
+                <a14:useLocalDpi xmlns:a14="http://schemas.microsoft.com/office/drawing/2010/main" val="0"/>
+              </a:ext>
+            </a:extLst>
+          </a:blip>
+          <a:stretch>
+            <a:fillRect/>
+          </a:stretch>
+        </p:blipFill>
+        <p:spPr>
+          <a:xfrm>
+            <a:off x="7049869" y="906258"/>
+            <a:ext cx="4286250" cy="4286250"/>
           </a:xfrm>
           <a:prstGeom prst="rect">
             <a:avLst/>
